--- a/Presentation - Strawman.pptx
+++ b/Presentation - Strawman.pptx
@@ -7,8 +7,8 @@
   <p:sldIdLst>
     <p:sldId id="256" r:id="rId2"/>
     <p:sldId id="257" r:id="rId3"/>
-    <p:sldId id="258" r:id="rId4"/>
-    <p:sldId id="259" r:id="rId5"/>
+    <p:sldId id="273" r:id="rId4"/>
+    <p:sldId id="272" r:id="rId5"/>
     <p:sldId id="260" r:id="rId6"/>
     <p:sldId id="261" r:id="rId7"/>
     <p:sldId id="269" r:id="rId8"/>
@@ -348,7 +348,7 @@
           <a:p>
             <a:fld id="{C14A4EDE-A1FD-6F4D-B973-0317A1D48AB8}" type="datetimeFigureOut">
               <a:rPr lang="en-US" smtClean="0"/>
-              <a:t>10/19/19</a:t>
+              <a:t>10/19/2019</a:t>
             </a:fld>
             <a:endParaRPr lang="en-US"/>
           </a:p>
@@ -682,7 +682,7 @@
           <a:p>
             <a:fld id="{C14A4EDE-A1FD-6F4D-B973-0317A1D48AB8}" type="datetimeFigureOut">
               <a:rPr lang="en-US" smtClean="0"/>
-              <a:t>10/19/19</a:t>
+              <a:t>10/19/2019</a:t>
             </a:fld>
             <a:endParaRPr lang="en-US"/>
           </a:p>
@@ -960,7 +960,7 @@
           <a:p>
             <a:fld id="{C14A4EDE-A1FD-6F4D-B973-0317A1D48AB8}" type="datetimeFigureOut">
               <a:rPr lang="en-US" smtClean="0"/>
-              <a:t>10/19/19</a:t>
+              <a:t>10/19/2019</a:t>
             </a:fld>
             <a:endParaRPr lang="en-US"/>
           </a:p>
@@ -1528,7 +1528,7 @@
           <a:p>
             <a:fld id="{C14A4EDE-A1FD-6F4D-B973-0317A1D48AB8}" type="datetimeFigureOut">
               <a:rPr lang="en-US" smtClean="0"/>
-              <a:t>10/19/19</a:t>
+              <a:t>10/19/2019</a:t>
             </a:fld>
             <a:endParaRPr lang="en-US"/>
           </a:p>
@@ -1806,7 +1806,7 @@
           <a:p>
             <a:fld id="{C14A4EDE-A1FD-6F4D-B973-0317A1D48AB8}" type="datetimeFigureOut">
               <a:rPr lang="en-US" smtClean="0"/>
-              <a:t>10/19/19</a:t>
+              <a:t>10/19/2019</a:t>
             </a:fld>
             <a:endParaRPr lang="en-US"/>
           </a:p>
@@ -2368,7 +2368,7 @@
           <a:p>
             <a:fld id="{C14A4EDE-A1FD-6F4D-B973-0317A1D48AB8}" type="datetimeFigureOut">
               <a:rPr lang="en-US" smtClean="0"/>
-              <a:t>10/19/19</a:t>
+              <a:t>10/19/2019</a:t>
             </a:fld>
             <a:endParaRPr lang="en-US"/>
           </a:p>
@@ -2695,7 +2695,7 @@
           <a:p>
             <a:fld id="{C14A4EDE-A1FD-6F4D-B973-0317A1D48AB8}" type="datetimeFigureOut">
               <a:rPr lang="en-US" smtClean="0"/>
-              <a:t>10/19/19</a:t>
+              <a:t>10/19/2019</a:t>
             </a:fld>
             <a:endParaRPr lang="en-US"/>
           </a:p>
@@ -2900,7 +2900,7 @@
           <a:p>
             <a:fld id="{C14A4EDE-A1FD-6F4D-B973-0317A1D48AB8}" type="datetimeFigureOut">
               <a:rPr lang="en-US" smtClean="0"/>
-              <a:t>10/19/19</a:t>
+              <a:t>10/19/2019</a:t>
             </a:fld>
             <a:endParaRPr lang="en-US"/>
           </a:p>
@@ -3110,7 +3110,7 @@
           <a:p>
             <a:fld id="{C14A4EDE-A1FD-6F4D-B973-0317A1D48AB8}" type="datetimeFigureOut">
               <a:rPr lang="en-US" smtClean="0"/>
-              <a:t>10/19/19</a:t>
+              <a:t>10/19/2019</a:t>
             </a:fld>
             <a:endParaRPr lang="en-US"/>
           </a:p>
@@ -3310,7 +3310,7 @@
           <a:p>
             <a:fld id="{C14A4EDE-A1FD-6F4D-B973-0317A1D48AB8}" type="datetimeFigureOut">
               <a:rPr lang="en-US" smtClean="0"/>
-              <a:t>10/19/19</a:t>
+              <a:t>10/19/2019</a:t>
             </a:fld>
             <a:endParaRPr lang="en-US"/>
           </a:p>
@@ -3586,7 +3586,7 @@
           <a:p>
             <a:fld id="{C14A4EDE-A1FD-6F4D-B973-0317A1D48AB8}" type="datetimeFigureOut">
               <a:rPr lang="en-US" smtClean="0"/>
-              <a:t>10/19/19</a:t>
+              <a:t>10/19/2019</a:t>
             </a:fld>
             <a:endParaRPr lang="en-US"/>
           </a:p>
@@ -3852,7 +3852,7 @@
           <a:p>
             <a:fld id="{C14A4EDE-A1FD-6F4D-B973-0317A1D48AB8}" type="datetimeFigureOut">
               <a:rPr lang="en-US" smtClean="0"/>
-              <a:t>10/19/19</a:t>
+              <a:t>10/19/2019</a:t>
             </a:fld>
             <a:endParaRPr lang="en-US"/>
           </a:p>
@@ -4226,7 +4226,7 @@
           <a:p>
             <a:fld id="{C14A4EDE-A1FD-6F4D-B973-0317A1D48AB8}" type="datetimeFigureOut">
               <a:rPr lang="en-US" smtClean="0"/>
-              <a:t>10/19/19</a:t>
+              <a:t>10/19/2019</a:t>
             </a:fld>
             <a:endParaRPr lang="en-US"/>
           </a:p>
@@ -4374,7 +4374,7 @@
           <a:p>
             <a:fld id="{C14A4EDE-A1FD-6F4D-B973-0317A1D48AB8}" type="datetimeFigureOut">
               <a:rPr lang="en-US" smtClean="0"/>
-              <a:t>10/19/19</a:t>
+              <a:t>10/19/2019</a:t>
             </a:fld>
             <a:endParaRPr lang="en-US"/>
           </a:p>
@@ -4499,7 +4499,7 @@
           <a:p>
             <a:fld id="{C14A4EDE-A1FD-6F4D-B973-0317A1D48AB8}" type="datetimeFigureOut">
               <a:rPr lang="en-US" smtClean="0"/>
-              <a:t>10/19/19</a:t>
+              <a:t>10/19/2019</a:t>
             </a:fld>
             <a:endParaRPr lang="en-US"/>
           </a:p>
@@ -4784,7 +4784,7 @@
           <a:p>
             <a:fld id="{C14A4EDE-A1FD-6F4D-B973-0317A1D48AB8}" type="datetimeFigureOut">
               <a:rPr lang="en-US" smtClean="0"/>
-              <a:t>10/19/19</a:t>
+              <a:t>10/19/2019</a:t>
             </a:fld>
             <a:endParaRPr lang="en-US"/>
           </a:p>
@@ -5108,7 +5108,7 @@
           <a:p>
             <a:fld id="{C14A4EDE-A1FD-6F4D-B973-0317A1D48AB8}" type="datetimeFigureOut">
               <a:rPr lang="en-US" smtClean="0"/>
-              <a:t>10/19/19</a:t>
+              <a:t>10/19/2019</a:t>
             </a:fld>
             <a:endParaRPr lang="en-US"/>
           </a:p>
@@ -5340,7 +5340,7 @@
           <a:p>
             <a:fld id="{C14A4EDE-A1FD-6F4D-B973-0317A1D48AB8}" type="datetimeFigureOut">
               <a:rPr lang="en-US" smtClean="0"/>
-              <a:t>10/19/19</a:t>
+              <a:t>10/19/2019</a:t>
             </a:fld>
             <a:endParaRPr lang="en-US"/>
           </a:p>
@@ -6594,6 +6594,32 @@
 <file path=ppt/slides/slide3.xml><?xml version="1.0" encoding="utf-8"?>
 <p:sld xmlns:a="http://schemas.openxmlformats.org/drawingml/2006/main" xmlns:r="http://schemas.openxmlformats.org/officeDocument/2006/relationships" xmlns:p="http://schemas.openxmlformats.org/presentationml/2006/main">
   <p:cSld>
+    <p:bg>
+      <p:bgPr>
+        <a:gradFill flip="none" rotWithShape="1">
+          <a:gsLst>
+            <a:gs pos="23448">
+              <a:schemeClr val="tx1">
+                <a:lumMod val="85000"/>
+              </a:schemeClr>
+            </a:gs>
+            <a:gs pos="83000">
+              <a:schemeClr val="tx1">
+                <a:lumMod val="65000"/>
+              </a:schemeClr>
+            </a:gs>
+            <a:gs pos="100000">
+              <a:schemeClr val="bg2">
+                <a:lumMod val="50000"/>
+              </a:schemeClr>
+            </a:gs>
+          </a:gsLst>
+          <a:lin ang="4740000" scaled="1"/>
+          <a:tileRect/>
+        </a:gradFill>
+        <a:effectLst/>
+      </p:bgPr>
+    </p:bg>
     <p:spTree>
       <p:nvGrpSpPr>
         <p:cNvPr id="1" name=""/>
@@ -6610,10 +6636,10 @@
       </p:grpSpPr>
       <p:sp>
         <p:nvSpPr>
-          <p:cNvPr id="3" name="TextBox 2">
+          <p:cNvPr id="8" name="TextBox 7">
             <a:extLst>
               <a:ext uri="{FF2B5EF4-FFF2-40B4-BE49-F238E27FC236}">
-                <a16:creationId xmlns:a16="http://schemas.microsoft.com/office/drawing/2014/main" id="{E03A1BD5-672E-374E-9E30-401EB3C688D1}"/>
+                <a16:creationId xmlns:a16="http://schemas.microsoft.com/office/drawing/2014/main" id="{46C0A125-FF4F-6C43-B8AE-3C5B715290A5}"/>
               </a:ext>
             </a:extLst>
           </p:cNvPr>
@@ -6622,8 +6648,8 @@
         </p:nvSpPr>
         <p:spPr>
           <a:xfrm>
-            <a:off x="1058238" y="678094"/>
-            <a:ext cx="3606229" cy="1477328"/>
+            <a:off x="823598" y="520095"/>
+            <a:ext cx="6015530" cy="1015663"/>
           </a:xfrm>
           <a:prstGeom prst="rect">
             <a:avLst/>
@@ -6637,36 +6663,152 @@
           <a:lstStyle/>
           <a:p>
             <a:r>
-              <a:rPr lang="en-US" dirty="0"/>
-              <a:t>What is our model?</a:t>
-            </a:r>
-          </a:p>
-          <a:p>
-            <a:endParaRPr lang="en-US" dirty="0"/>
-          </a:p>
-          <a:p>
-            <a:r>
-              <a:rPr lang="en-US" dirty="0"/>
-              <a:t>Weighted</a:t>
-            </a:r>
-          </a:p>
-          <a:p>
-            <a:r>
-              <a:rPr lang="en-US" dirty="0"/>
-              <a:t>Ranking</a:t>
-            </a:r>
-          </a:p>
-          <a:p>
-            <a:endParaRPr lang="en-US" dirty="0"/>
-          </a:p>
-        </p:txBody>
-      </p:sp>
-      <p:sp>
-        <p:nvSpPr>
-          <p:cNvPr id="2" name="TextBox 1">
+              <a:rPr lang="en-US" sz="6000" dirty="0">
+                <a:solidFill>
+                  <a:schemeClr val="bg2">
+                    <a:lumMod val="75000"/>
+                  </a:schemeClr>
+                </a:solidFill>
+                <a:latin typeface="Questrial" panose="02000000000000000000" pitchFamily="2" charset="0"/>
+              </a:rPr>
+              <a:t>our</a:t>
+            </a:r>
+            <a:r>
+              <a:rPr lang="en-US" sz="6000" b="1" dirty="0">
+                <a:solidFill>
+                  <a:schemeClr val="bg2">
+                    <a:lumMod val="75000"/>
+                  </a:schemeClr>
+                </a:solidFill>
+                <a:latin typeface="Questrial" panose="02000000000000000000" pitchFamily="2" charset="0"/>
+              </a:rPr>
+              <a:t> approach</a:t>
+            </a:r>
+          </a:p>
+        </p:txBody>
+      </p:sp>
+      <p:sp>
+        <p:nvSpPr>
+          <p:cNvPr id="6" name="TextBox 5">
             <a:extLst>
               <a:ext uri="{FF2B5EF4-FFF2-40B4-BE49-F238E27FC236}">
-                <a16:creationId xmlns:a16="http://schemas.microsoft.com/office/drawing/2014/main" id="{9CF3F36D-5419-FE43-861E-9A72E17D55FA}"/>
+                <a16:creationId xmlns:a16="http://schemas.microsoft.com/office/drawing/2014/main" id="{F9A8216D-FC0B-48E5-9A73-744D0EDA684F}"/>
+              </a:ext>
+            </a:extLst>
+          </p:cNvPr>
+          <p:cNvSpPr txBox="1"/>
+          <p:nvPr/>
+        </p:nvSpPr>
+        <p:spPr>
+          <a:xfrm>
+            <a:off x="1164077" y="1899544"/>
+            <a:ext cx="10436211" cy="3970318"/>
+          </a:xfrm>
+          <a:prstGeom prst="rect">
+            <a:avLst/>
+          </a:prstGeom>
+          <a:noFill/>
+        </p:spPr>
+        <p:txBody>
+          <a:bodyPr wrap="square" rtlCol="0">
+            <a:spAutoFit/>
+          </a:bodyPr>
+          <a:lstStyle/>
+          <a:p>
+            <a:r>
+              <a:rPr lang="en-US" sz="3600" dirty="0">
+                <a:solidFill>
+                  <a:schemeClr val="bg1">
+                    <a:lumMod val="75000"/>
+                    <a:lumOff val="25000"/>
+                  </a:schemeClr>
+                </a:solidFill>
+                <a:latin typeface="Questrial" panose="02000000000000000000"/>
+              </a:rPr>
+              <a:t>construct an accurate snapshot of NYC neighborhoods</a:t>
+            </a:r>
+            <a:r>
+              <a:rPr lang="en-US" sz="3600" b="1" dirty="0">
+                <a:solidFill>
+                  <a:schemeClr val="bg1">
+                    <a:lumMod val="75000"/>
+                    <a:lumOff val="25000"/>
+                  </a:schemeClr>
+                </a:solidFill>
+                <a:latin typeface="Questrial" panose="02000000000000000000"/>
+              </a:rPr>
+              <a:t>			</a:t>
+            </a:r>
+          </a:p>
+          <a:p>
+            <a:endParaRPr lang="en-US" sz="3600" b="1" dirty="0">
+              <a:solidFill>
+                <a:schemeClr val="bg1">
+                  <a:lumMod val="75000"/>
+                  <a:lumOff val="25000"/>
+                </a:schemeClr>
+              </a:solidFill>
+              <a:latin typeface="Questrial" panose="02000000000000000000"/>
+            </a:endParaRPr>
+          </a:p>
+          <a:p>
+            <a:endParaRPr lang="en-US" sz="3600" b="1" dirty="0">
+              <a:solidFill>
+                <a:schemeClr val="bg1">
+                  <a:lumMod val="75000"/>
+                  <a:lumOff val="25000"/>
+                </a:schemeClr>
+              </a:solidFill>
+              <a:latin typeface="Questrial" panose="02000000000000000000"/>
+            </a:endParaRPr>
+          </a:p>
+          <a:p>
+            <a:r>
+              <a:rPr lang="en-US" sz="3600" b="1" dirty="0">
+                <a:solidFill>
+                  <a:schemeClr val="bg1">
+                    <a:lumMod val="75000"/>
+                    <a:lumOff val="25000"/>
+                  </a:schemeClr>
+                </a:solidFill>
+                <a:latin typeface="Questrial" panose="02000000000000000000"/>
+              </a:rPr>
+              <a:t>		</a:t>
+            </a:r>
+          </a:p>
+          <a:p>
+            <a:endParaRPr lang="en-US" sz="3600" b="1" dirty="0">
+              <a:solidFill>
+                <a:schemeClr val="bg1">
+                  <a:lumMod val="75000"/>
+                  <a:lumOff val="25000"/>
+                </a:schemeClr>
+              </a:solidFill>
+              <a:latin typeface="Questrial" panose="02000000000000000000"/>
+            </a:endParaRPr>
+          </a:p>
+          <a:p>
+            <a:r>
+              <a:rPr lang="en-US" sz="3600" b="1" dirty="0">
+                <a:solidFill>
+                  <a:schemeClr val="bg1">
+                    <a:lumMod val="75000"/>
+                    <a:lumOff val="25000"/>
+                  </a:schemeClr>
+                </a:solidFill>
+                <a:latin typeface="Questrial" panose="02000000000000000000"/>
+              </a:rPr>
+              <a:t>develop</a:t>
+            </a:r>
+          </a:p>
+        </p:txBody>
+      </p:sp>
+      <p:sp>
+        <p:nvSpPr>
+          <p:cNvPr id="7" name="TextBox 6">
+            <a:extLst>
+              <a:ext uri="{FF2B5EF4-FFF2-40B4-BE49-F238E27FC236}">
+                <a16:creationId xmlns:a16="http://schemas.microsoft.com/office/drawing/2014/main" id="{63B711B5-FE9C-41C1-9BEF-FD36F6ED18FE}"/>
               </a:ext>
             </a:extLst>
           </p:cNvPr>
@@ -6701,10 +6843,63 @@
           </a:p>
         </p:txBody>
       </p:sp>
+      <p:sp>
+        <p:nvSpPr>
+          <p:cNvPr id="9" name="TextBox 8">
+            <a:extLst>
+              <a:ext uri="{FF2B5EF4-FFF2-40B4-BE49-F238E27FC236}">
+                <a16:creationId xmlns:a16="http://schemas.microsoft.com/office/drawing/2014/main" id="{0367C30E-E95A-41B4-94CC-5DFCD3720928}"/>
+              </a:ext>
+            </a:extLst>
+          </p:cNvPr>
+          <p:cNvSpPr txBox="1"/>
+          <p:nvPr/>
+        </p:nvSpPr>
+        <p:spPr>
+          <a:xfrm>
+            <a:off x="7994059" y="309860"/>
+            <a:ext cx="3606229" cy="1477328"/>
+          </a:xfrm>
+          <a:prstGeom prst="rect">
+            <a:avLst/>
+          </a:prstGeom>
+          <a:noFill/>
+        </p:spPr>
+        <p:txBody>
+          <a:bodyPr wrap="square" rtlCol="0">
+            <a:spAutoFit/>
+          </a:bodyPr>
+          <a:lstStyle/>
+          <a:p>
+            <a:r>
+              <a:rPr lang="en-US" dirty="0"/>
+              <a:t>What is our model?</a:t>
+            </a:r>
+          </a:p>
+          <a:p>
+            <a:endParaRPr lang="en-US" dirty="0"/>
+          </a:p>
+          <a:p>
+            <a:r>
+              <a:rPr lang="en-US" dirty="0"/>
+              <a:t>Weighted</a:t>
+            </a:r>
+          </a:p>
+          <a:p>
+            <a:r>
+              <a:rPr lang="en-US" dirty="0"/>
+              <a:t>Ranking</a:t>
+            </a:r>
+          </a:p>
+          <a:p>
+            <a:endParaRPr lang="en-US" dirty="0"/>
+          </a:p>
+        </p:txBody>
+      </p:sp>
     </p:spTree>
     <p:extLst>
       <p:ext uri="{BB962C8B-B14F-4D97-AF65-F5344CB8AC3E}">
-        <p14:creationId xmlns:p14="http://schemas.microsoft.com/office/powerpoint/2010/main" val="2958901089"/>
+        <p14:creationId xmlns:p14="http://schemas.microsoft.com/office/powerpoint/2010/main" val="2477063562"/>
       </p:ext>
     </p:extLst>
   </p:cSld>
@@ -6717,6 +6912,32 @@
 <file path=ppt/slides/slide4.xml><?xml version="1.0" encoding="utf-8"?>
 <p:sld xmlns:a="http://schemas.openxmlformats.org/drawingml/2006/main" xmlns:r="http://schemas.openxmlformats.org/officeDocument/2006/relationships" xmlns:p="http://schemas.openxmlformats.org/presentationml/2006/main">
   <p:cSld>
+    <p:bg>
+      <p:bgPr>
+        <a:gradFill flip="none" rotWithShape="1">
+          <a:gsLst>
+            <a:gs pos="23448">
+              <a:schemeClr val="tx1">
+                <a:lumMod val="85000"/>
+              </a:schemeClr>
+            </a:gs>
+            <a:gs pos="83000">
+              <a:schemeClr val="tx1">
+                <a:lumMod val="65000"/>
+              </a:schemeClr>
+            </a:gs>
+            <a:gs pos="100000">
+              <a:schemeClr val="bg2">
+                <a:lumMod val="50000"/>
+              </a:schemeClr>
+            </a:gs>
+          </a:gsLst>
+          <a:lin ang="4740000" scaled="1"/>
+          <a:tileRect/>
+        </a:gradFill>
+        <a:effectLst/>
+      </p:bgPr>
+    </p:bg>
     <p:spTree>
       <p:nvGrpSpPr>
         <p:cNvPr id="1" name=""/>
@@ -6733,10 +6954,10 @@
       </p:grpSpPr>
       <p:sp>
         <p:nvSpPr>
-          <p:cNvPr id="3" name="TextBox 2">
+          <p:cNvPr id="8" name="TextBox 7">
             <a:extLst>
               <a:ext uri="{FF2B5EF4-FFF2-40B4-BE49-F238E27FC236}">
-                <a16:creationId xmlns:a16="http://schemas.microsoft.com/office/drawing/2014/main" id="{E03A1BD5-672E-374E-9E30-401EB3C688D1}"/>
+                <a16:creationId xmlns:a16="http://schemas.microsoft.com/office/drawing/2014/main" id="{46C0A125-FF4F-6C43-B8AE-3C5B715290A5}"/>
               </a:ext>
             </a:extLst>
           </p:cNvPr>
@@ -6745,8 +6966,8 @@
         </p:nvSpPr>
         <p:spPr>
           <a:xfrm>
-            <a:off x="1058238" y="678094"/>
-            <a:ext cx="3606229" cy="2308324"/>
+            <a:off x="731499" y="520095"/>
+            <a:ext cx="6015530" cy="1015663"/>
           </a:xfrm>
           <a:prstGeom prst="rect">
             <a:avLst/>
@@ -6760,58 +6981,320 @@
           <a:lstStyle/>
           <a:p>
             <a:r>
-              <a:rPr lang="en-US" dirty="0"/>
-              <a:t>How did we choose variables</a:t>
-            </a:r>
-          </a:p>
-          <a:p>
-            <a:r>
-              <a:rPr lang="en-US" dirty="0"/>
-              <a:t>Income</a:t>
-            </a:r>
-          </a:p>
-          <a:p>
-            <a:r>
-              <a:rPr lang="en-US" dirty="0"/>
-              <a:t>Sales</a:t>
-            </a:r>
-          </a:p>
-          <a:p>
-            <a:r>
-              <a:rPr lang="en-US" dirty="0"/>
-              <a:t>Development</a:t>
-            </a:r>
-          </a:p>
-          <a:p>
-            <a:r>
-              <a:rPr lang="en-US" dirty="0"/>
-              <a:t>Crime</a:t>
-            </a:r>
-          </a:p>
-          <a:p>
-            <a:endParaRPr lang="en-US" dirty="0"/>
-          </a:p>
-          <a:p>
-            <a:endParaRPr lang="en-US" dirty="0"/>
-          </a:p>
-          <a:p>
-            <a:r>
-              <a:rPr lang="en-US" dirty="0" err="1"/>
-              <a:t>Opp</a:t>
-            </a:r>
-            <a:r>
-              <a:rPr lang="en-US" dirty="0"/>
-              <a:t> Zone</a:t>
-            </a:r>
-          </a:p>
-        </p:txBody>
-      </p:sp>
-      <p:sp>
-        <p:nvSpPr>
-          <p:cNvPr id="4" name="TextBox 3">
+              <a:rPr lang="en-US" sz="6000" dirty="0">
+                <a:solidFill>
+                  <a:schemeClr val="bg2">
+                    <a:lumMod val="75000"/>
+                  </a:schemeClr>
+                </a:solidFill>
+                <a:latin typeface="Questrial" panose="02000000000000000000" pitchFamily="2" charset="0"/>
+              </a:rPr>
+              <a:t>the</a:t>
+            </a:r>
+            <a:r>
+              <a:rPr lang="en-US" sz="6000" b="1" dirty="0">
+                <a:solidFill>
+                  <a:schemeClr val="bg2">
+                    <a:lumMod val="75000"/>
+                  </a:schemeClr>
+                </a:solidFill>
+                <a:latin typeface="Questrial" panose="02000000000000000000" pitchFamily="2" charset="0"/>
+              </a:rPr>
+              <a:t> variables</a:t>
+            </a:r>
+          </a:p>
+        </p:txBody>
+      </p:sp>
+      <p:sp>
+        <p:nvSpPr>
+          <p:cNvPr id="5" name="TextBox 4">
             <a:extLst>
               <a:ext uri="{FF2B5EF4-FFF2-40B4-BE49-F238E27FC236}">
-                <a16:creationId xmlns:a16="http://schemas.microsoft.com/office/drawing/2014/main" id="{9BAA4D0A-A6E0-1F43-8BD2-47B3C9655386}"/>
+                <a16:creationId xmlns:a16="http://schemas.microsoft.com/office/drawing/2014/main" id="{908B1076-F4E5-4E34-BBD4-27B5A8CE4909}"/>
+              </a:ext>
+            </a:extLst>
+          </p:cNvPr>
+          <p:cNvSpPr txBox="1"/>
+          <p:nvPr/>
+        </p:nvSpPr>
+        <p:spPr>
+          <a:xfrm>
+            <a:off x="3350726" y="1902194"/>
+            <a:ext cx="7112996" cy="3970318"/>
+          </a:xfrm>
+          <a:prstGeom prst="rect">
+            <a:avLst/>
+          </a:prstGeom>
+          <a:noFill/>
+        </p:spPr>
+        <p:txBody>
+          <a:bodyPr wrap="square" rtlCol="0">
+            <a:spAutoFit/>
+          </a:bodyPr>
+          <a:lstStyle/>
+          <a:p>
+            <a:r>
+              <a:rPr lang="en-US" sz="3600" dirty="0">
+                <a:solidFill>
+                  <a:schemeClr val="bg1">
+                    <a:lumMod val="75000"/>
+                    <a:lumOff val="25000"/>
+                  </a:schemeClr>
+                </a:solidFill>
+                <a:latin typeface="Questrial" panose="02000000000000000000"/>
+              </a:rPr>
+              <a:t>income   &amp;   crime</a:t>
+            </a:r>
+          </a:p>
+          <a:p>
+            <a:endParaRPr lang="en-US" sz="3600" dirty="0">
+              <a:solidFill>
+                <a:schemeClr val="bg1">
+                  <a:lumMod val="75000"/>
+                  <a:lumOff val="25000"/>
+                </a:schemeClr>
+              </a:solidFill>
+              <a:latin typeface="Questrial" panose="02000000000000000000"/>
+            </a:endParaRPr>
+          </a:p>
+          <a:p>
+            <a:endParaRPr lang="en-US" sz="3600" dirty="0">
+              <a:solidFill>
+                <a:schemeClr val="bg1">
+                  <a:lumMod val="75000"/>
+                  <a:lumOff val="25000"/>
+                </a:schemeClr>
+              </a:solidFill>
+              <a:latin typeface="Questrial" panose="02000000000000000000"/>
+            </a:endParaRPr>
+          </a:p>
+          <a:p>
+            <a:r>
+              <a:rPr lang="en-US" sz="3600" dirty="0">
+                <a:solidFill>
+                  <a:schemeClr val="bg1">
+                    <a:lumMod val="75000"/>
+                    <a:lumOff val="25000"/>
+                  </a:schemeClr>
+                </a:solidFill>
+                <a:latin typeface="Questrial" panose="02000000000000000000"/>
+              </a:rPr>
+              <a:t>sales   &amp;   development</a:t>
+            </a:r>
+          </a:p>
+          <a:p>
+            <a:endParaRPr lang="en-US" sz="3600" dirty="0">
+              <a:solidFill>
+                <a:schemeClr val="bg1">
+                  <a:lumMod val="75000"/>
+                  <a:lumOff val="25000"/>
+                </a:schemeClr>
+              </a:solidFill>
+              <a:latin typeface="Questrial" panose="02000000000000000000"/>
+            </a:endParaRPr>
+          </a:p>
+          <a:p>
+            <a:endParaRPr lang="en-US" sz="3600" dirty="0">
+              <a:solidFill>
+                <a:schemeClr val="bg1">
+                  <a:lumMod val="75000"/>
+                  <a:lumOff val="25000"/>
+                </a:schemeClr>
+              </a:solidFill>
+              <a:latin typeface="Questrial" panose="02000000000000000000"/>
+            </a:endParaRPr>
+          </a:p>
+          <a:p>
+            <a:r>
+              <a:rPr lang="en-US" sz="3600" dirty="0">
+                <a:solidFill>
+                  <a:schemeClr val="bg1">
+                    <a:lumMod val="75000"/>
+                    <a:lumOff val="25000"/>
+                  </a:schemeClr>
+                </a:solidFill>
+                <a:latin typeface="Questrial" panose="02000000000000000000"/>
+              </a:rPr>
+              <a:t>opportunity  zone</a:t>
+            </a:r>
+          </a:p>
+        </p:txBody>
+      </p:sp>
+      <p:sp>
+        <p:nvSpPr>
+          <p:cNvPr id="6" name="TextBox 5">
+            <a:extLst>
+              <a:ext uri="{FF2B5EF4-FFF2-40B4-BE49-F238E27FC236}">
+                <a16:creationId xmlns:a16="http://schemas.microsoft.com/office/drawing/2014/main" id="{F9A8216D-FC0B-48E5-9A73-744D0EDA684F}"/>
+              </a:ext>
+            </a:extLst>
+          </p:cNvPr>
+          <p:cNvSpPr txBox="1"/>
+          <p:nvPr/>
+        </p:nvSpPr>
+        <p:spPr>
+          <a:xfrm>
+            <a:off x="1164077" y="1899544"/>
+            <a:ext cx="1781655" cy="3970318"/>
+          </a:xfrm>
+          <a:prstGeom prst="rect">
+            <a:avLst/>
+          </a:prstGeom>
+          <a:noFill/>
+        </p:spPr>
+        <p:txBody>
+          <a:bodyPr wrap="square" rtlCol="0">
+            <a:spAutoFit/>
+          </a:bodyPr>
+          <a:lstStyle/>
+          <a:p>
+            <a:pPr algn="r"/>
+            <a:r>
+              <a:rPr lang="en-US" sz="3600" b="1" dirty="0">
+                <a:solidFill>
+                  <a:schemeClr val="bg1">
+                    <a:lumMod val="75000"/>
+                    <a:lumOff val="25000"/>
+                  </a:schemeClr>
+                </a:solidFill>
+                <a:latin typeface="Questrial" panose="02000000000000000000"/>
+              </a:rPr>
+              <a:t>people</a:t>
+            </a:r>
+          </a:p>
+          <a:p>
+            <a:pPr algn="r"/>
+            <a:r>
+              <a:rPr lang="en-US" sz="3600" b="1" dirty="0">
+                <a:solidFill>
+                  <a:schemeClr val="bg1">
+                    <a:lumMod val="75000"/>
+                    <a:lumOff val="25000"/>
+                  </a:schemeClr>
+                </a:solidFill>
+                <a:latin typeface="Questrial" panose="02000000000000000000"/>
+              </a:rPr>
+              <a:t>			</a:t>
+            </a:r>
+          </a:p>
+          <a:p>
+            <a:pPr algn="r"/>
+            <a:endParaRPr lang="en-US" sz="3600" b="1" dirty="0">
+              <a:solidFill>
+                <a:schemeClr val="bg1">
+                  <a:lumMod val="75000"/>
+                  <a:lumOff val="25000"/>
+                </a:schemeClr>
+              </a:solidFill>
+              <a:latin typeface="Questrial" panose="02000000000000000000"/>
+            </a:endParaRPr>
+          </a:p>
+          <a:p>
+            <a:pPr algn="r"/>
+            <a:r>
+              <a:rPr lang="en-US" sz="3600" b="1" dirty="0">
+                <a:solidFill>
+                  <a:schemeClr val="bg1">
+                    <a:lumMod val="75000"/>
+                    <a:lumOff val="25000"/>
+                  </a:schemeClr>
+                </a:solidFill>
+                <a:latin typeface="Questrial" panose="02000000000000000000"/>
+              </a:rPr>
+              <a:t>place</a:t>
+            </a:r>
+          </a:p>
+          <a:p>
+            <a:pPr algn="r"/>
+            <a:r>
+              <a:rPr lang="en-US" sz="3600" b="1" dirty="0">
+                <a:solidFill>
+                  <a:schemeClr val="bg1">
+                    <a:lumMod val="75000"/>
+                    <a:lumOff val="25000"/>
+                  </a:schemeClr>
+                </a:solidFill>
+                <a:latin typeface="Questrial" panose="02000000000000000000"/>
+              </a:rPr>
+              <a:t>		</a:t>
+            </a:r>
+          </a:p>
+          <a:p>
+            <a:pPr algn="r"/>
+            <a:endParaRPr lang="en-US" sz="3600" b="1" dirty="0">
+              <a:solidFill>
+                <a:schemeClr val="bg1">
+                  <a:lumMod val="75000"/>
+                  <a:lumOff val="25000"/>
+                </a:schemeClr>
+              </a:solidFill>
+              <a:latin typeface="Questrial" panose="02000000000000000000"/>
+            </a:endParaRPr>
+          </a:p>
+          <a:p>
+            <a:pPr algn="r"/>
+            <a:r>
+              <a:rPr lang="en-US" sz="3600" b="1" dirty="0">
+                <a:solidFill>
+                  <a:schemeClr val="bg1">
+                    <a:lumMod val="75000"/>
+                    <a:lumOff val="25000"/>
+                  </a:schemeClr>
+                </a:solidFill>
+                <a:latin typeface="Questrial" panose="02000000000000000000"/>
+              </a:rPr>
+              <a:t>policy</a:t>
+            </a:r>
+          </a:p>
+        </p:txBody>
+      </p:sp>
+      <p:cxnSp>
+        <p:nvCxnSpPr>
+          <p:cNvPr id="3" name="Straight Connector 2">
+            <a:extLst>
+              <a:ext uri="{FF2B5EF4-FFF2-40B4-BE49-F238E27FC236}">
+                <a16:creationId xmlns:a16="http://schemas.microsoft.com/office/drawing/2014/main" id="{7DC8A514-D386-4D8C-86FB-3C31C4B44284}"/>
+              </a:ext>
+            </a:extLst>
+          </p:cNvPr>
+          <p:cNvCxnSpPr/>
+          <p:nvPr/>
+        </p:nvCxnSpPr>
+        <p:spPr>
+          <a:xfrm>
+            <a:off x="3103123" y="1712068"/>
+            <a:ext cx="0" cy="4737370"/>
+          </a:xfrm>
+          <a:prstGeom prst="line">
+            <a:avLst/>
+          </a:prstGeom>
+          <a:ln w="31750">
+            <a:solidFill>
+              <a:schemeClr val="accent1"/>
+            </a:solidFill>
+          </a:ln>
+        </p:spPr>
+        <p:style>
+          <a:lnRef idx="1">
+            <a:schemeClr val="accent1"/>
+          </a:lnRef>
+          <a:fillRef idx="0">
+            <a:schemeClr val="accent1"/>
+          </a:fillRef>
+          <a:effectRef idx="0">
+            <a:schemeClr val="accent1"/>
+          </a:effectRef>
+          <a:fontRef idx="minor">
+            <a:schemeClr val="tx1"/>
+          </a:fontRef>
+        </p:style>
+      </p:cxnSp>
+      <p:sp>
+        <p:nvSpPr>
+          <p:cNvPr id="10" name="TextBox 9">
+            <a:extLst>
+              <a:ext uri="{FF2B5EF4-FFF2-40B4-BE49-F238E27FC236}">
+                <a16:creationId xmlns:a16="http://schemas.microsoft.com/office/drawing/2014/main" id="{39E33CE0-93A2-4F8C-A3CF-F94D82302C8F}"/>
               </a:ext>
             </a:extLst>
           </p:cNvPr>
@@ -6849,7 +7332,7 @@
     </p:spTree>
     <p:extLst>
       <p:ext uri="{BB962C8B-B14F-4D97-AF65-F5344CB8AC3E}">
-        <p14:creationId xmlns:p14="http://schemas.microsoft.com/office/powerpoint/2010/main" val="4143679976"/>
+        <p14:creationId xmlns:p14="http://schemas.microsoft.com/office/powerpoint/2010/main" val="279696146"/>
       </p:ext>
     </p:extLst>
   </p:cSld>
@@ -7524,7 +8007,7 @@
 <file path=ppt/theme/theme1.xml><?xml version="1.0" encoding="utf-8"?>
 <a:theme xmlns:a="http://schemas.openxmlformats.org/drawingml/2006/main" name="Celestial">
   <a:themeElements>
-    <a:clrScheme name="Celestial">
+    <a:clrScheme name="Custom 1">
       <a:dk1>
         <a:sysClr val="windowText" lastClr="000000"/>
       </a:dk1>

--- a/Presentation - Strawman.pptx
+++ b/Presentation - Strawman.pptx
@@ -11,13 +11,14 @@
     <p:sldId id="272" r:id="rId5"/>
     <p:sldId id="260" r:id="rId6"/>
     <p:sldId id="261" r:id="rId7"/>
-    <p:sldId id="269" r:id="rId8"/>
-    <p:sldId id="270" r:id="rId9"/>
-    <p:sldId id="262" r:id="rId10"/>
-    <p:sldId id="263" r:id="rId11"/>
-    <p:sldId id="264" r:id="rId12"/>
-    <p:sldId id="265" r:id="rId13"/>
-    <p:sldId id="266" r:id="rId14"/>
+    <p:sldId id="274" r:id="rId8"/>
+    <p:sldId id="269" r:id="rId9"/>
+    <p:sldId id="270" r:id="rId10"/>
+    <p:sldId id="262" r:id="rId11"/>
+    <p:sldId id="263" r:id="rId12"/>
+    <p:sldId id="264" r:id="rId13"/>
+    <p:sldId id="265" r:id="rId14"/>
+    <p:sldId id="266" r:id="rId15"/>
   </p:sldIdLst>
   <p:sldSz cx="12192000" cy="6858000"/>
   <p:notesSz cx="6858000" cy="9144000"/>
@@ -124,6 +125,3177 @@
 </p:presentation>
 </file>
 
+<file path=ppt/diagrams/colors1.xml><?xml version="1.0" encoding="utf-8"?>
+<dgm:colorsDef xmlns:dgm="http://schemas.openxmlformats.org/drawingml/2006/diagram" xmlns:a="http://schemas.openxmlformats.org/drawingml/2006/main" uniqueId="urn:microsoft.com/office/officeart/2005/8/colors/accent0_3">
+  <dgm:title val=""/>
+  <dgm:desc val=""/>
+  <dgm:catLst>
+    <dgm:cat type="mainScheme" pri="10300"/>
+  </dgm:catLst>
+  <dgm:styleLbl name="node0">
+    <dgm:fillClrLst meth="repeat">
+      <a:schemeClr val="dk2"/>
+    </dgm:fillClrLst>
+    <dgm:linClrLst meth="repeat">
+      <a:schemeClr val="lt2"/>
+    </dgm:linClrLst>
+    <dgm:effectClrLst/>
+    <dgm:txLinClrLst/>
+    <dgm:txFillClrLst/>
+    <dgm:txEffectClrLst/>
+  </dgm:styleLbl>
+  <dgm:styleLbl name="alignNode1">
+    <dgm:fillClrLst meth="repeat">
+      <a:schemeClr val="dk2"/>
+    </dgm:fillClrLst>
+    <dgm:linClrLst meth="repeat">
+      <a:schemeClr val="dk2"/>
+    </dgm:linClrLst>
+    <dgm:effectClrLst/>
+    <dgm:txLinClrLst/>
+    <dgm:txFillClrLst/>
+    <dgm:txEffectClrLst/>
+  </dgm:styleLbl>
+  <dgm:styleLbl name="node1">
+    <dgm:fillClrLst meth="repeat">
+      <a:schemeClr val="dk2"/>
+    </dgm:fillClrLst>
+    <dgm:linClrLst meth="repeat">
+      <a:schemeClr val="lt2"/>
+    </dgm:linClrLst>
+    <dgm:effectClrLst/>
+    <dgm:txLinClrLst/>
+    <dgm:txFillClrLst/>
+    <dgm:txEffectClrLst/>
+  </dgm:styleLbl>
+  <dgm:styleLbl name="lnNode1">
+    <dgm:fillClrLst meth="repeat">
+      <a:schemeClr val="dk2"/>
+    </dgm:fillClrLst>
+    <dgm:linClrLst meth="repeat">
+      <a:schemeClr val="lt2"/>
+    </dgm:linClrLst>
+    <dgm:effectClrLst/>
+    <dgm:txLinClrLst/>
+    <dgm:txFillClrLst/>
+    <dgm:txEffectClrLst/>
+  </dgm:styleLbl>
+  <dgm:styleLbl name="vennNode1">
+    <dgm:fillClrLst meth="repeat">
+      <a:schemeClr val="dk2">
+        <a:alpha val="50000"/>
+      </a:schemeClr>
+    </dgm:fillClrLst>
+    <dgm:linClrLst meth="repeat">
+      <a:schemeClr val="lt2"/>
+    </dgm:linClrLst>
+    <dgm:effectClrLst/>
+    <dgm:txLinClrLst/>
+    <dgm:txFillClrLst/>
+    <dgm:txEffectClrLst/>
+  </dgm:styleLbl>
+  <dgm:styleLbl name="node2">
+    <dgm:fillClrLst meth="repeat">
+      <a:schemeClr val="dk2"/>
+    </dgm:fillClrLst>
+    <dgm:linClrLst meth="repeat">
+      <a:schemeClr val="lt2"/>
+    </dgm:linClrLst>
+    <dgm:effectClrLst/>
+    <dgm:txLinClrLst/>
+    <dgm:txFillClrLst/>
+    <dgm:txEffectClrLst/>
+  </dgm:styleLbl>
+  <dgm:styleLbl name="node3">
+    <dgm:fillClrLst meth="repeat">
+      <a:schemeClr val="dk2"/>
+    </dgm:fillClrLst>
+    <dgm:linClrLst meth="repeat">
+      <a:schemeClr val="lt2"/>
+    </dgm:linClrLst>
+    <dgm:effectClrLst/>
+    <dgm:txLinClrLst/>
+    <dgm:txFillClrLst/>
+    <dgm:txEffectClrLst/>
+  </dgm:styleLbl>
+  <dgm:styleLbl name="node4">
+    <dgm:fillClrLst meth="repeat">
+      <a:schemeClr val="dk2"/>
+    </dgm:fillClrLst>
+    <dgm:linClrLst meth="repeat">
+      <a:schemeClr val="lt2"/>
+    </dgm:linClrLst>
+    <dgm:effectClrLst/>
+    <dgm:txLinClrLst/>
+    <dgm:txFillClrLst/>
+    <dgm:txEffectClrLst/>
+  </dgm:styleLbl>
+  <dgm:styleLbl name="fgImgPlace1">
+    <dgm:fillClrLst meth="repeat">
+      <a:schemeClr val="dk2">
+        <a:tint val="50000"/>
+      </a:schemeClr>
+    </dgm:fillClrLst>
+    <dgm:linClrLst meth="repeat">
+      <a:schemeClr val="lt2"/>
+    </dgm:linClrLst>
+    <dgm:effectClrLst/>
+    <dgm:txLinClrLst/>
+    <dgm:txFillClrLst meth="repeat">
+      <a:schemeClr val="lt2"/>
+    </dgm:txFillClrLst>
+    <dgm:txEffectClrLst/>
+  </dgm:styleLbl>
+  <dgm:styleLbl name="alignImgPlace1">
+    <dgm:fillClrLst meth="repeat">
+      <a:schemeClr val="dk2">
+        <a:tint val="50000"/>
+      </a:schemeClr>
+    </dgm:fillClrLst>
+    <dgm:linClrLst meth="repeat">
+      <a:schemeClr val="dk2">
+        <a:shade val="80000"/>
+      </a:schemeClr>
+    </dgm:linClrLst>
+    <dgm:effectClrLst/>
+    <dgm:txLinClrLst/>
+    <dgm:txFillClrLst meth="repeat">
+      <a:schemeClr val="lt2"/>
+    </dgm:txFillClrLst>
+    <dgm:txEffectClrLst/>
+  </dgm:styleLbl>
+  <dgm:styleLbl name="bgImgPlace1">
+    <dgm:fillClrLst meth="repeat">
+      <a:schemeClr val="dk2">
+        <a:tint val="50000"/>
+      </a:schemeClr>
+    </dgm:fillClrLst>
+    <dgm:linClrLst meth="repeat">
+      <a:schemeClr val="dk2">
+        <a:shade val="80000"/>
+      </a:schemeClr>
+    </dgm:linClrLst>
+    <dgm:effectClrLst/>
+    <dgm:txLinClrLst/>
+    <dgm:txFillClrLst meth="repeat">
+      <a:schemeClr val="lt2"/>
+    </dgm:txFillClrLst>
+    <dgm:txEffectClrLst/>
+  </dgm:styleLbl>
+  <dgm:styleLbl name="sibTrans2D1">
+    <dgm:fillClrLst meth="repeat">
+      <a:schemeClr val="dk2">
+        <a:tint val="60000"/>
+      </a:schemeClr>
+    </dgm:fillClrLst>
+    <dgm:linClrLst meth="repeat">
+      <a:schemeClr val="dk2">
+        <a:tint val="60000"/>
+      </a:schemeClr>
+    </dgm:linClrLst>
+    <dgm:effectClrLst/>
+    <dgm:txLinClrLst/>
+    <dgm:txFillClrLst/>
+    <dgm:txEffectClrLst/>
+  </dgm:styleLbl>
+  <dgm:styleLbl name="fgSibTrans2D1">
+    <dgm:fillClrLst meth="repeat">
+      <a:schemeClr val="dk2">
+        <a:tint val="60000"/>
+      </a:schemeClr>
+    </dgm:fillClrLst>
+    <dgm:linClrLst meth="repeat">
+      <a:schemeClr val="dk2">
+        <a:tint val="60000"/>
+      </a:schemeClr>
+    </dgm:linClrLst>
+    <dgm:effectClrLst/>
+    <dgm:txLinClrLst/>
+    <dgm:txFillClrLst/>
+    <dgm:txEffectClrLst/>
+  </dgm:styleLbl>
+  <dgm:styleLbl name="bgSibTrans2D1">
+    <dgm:fillClrLst meth="repeat">
+      <a:schemeClr val="dk2">
+        <a:tint val="60000"/>
+      </a:schemeClr>
+    </dgm:fillClrLst>
+    <dgm:linClrLst meth="repeat">
+      <a:schemeClr val="dk2">
+        <a:tint val="60000"/>
+      </a:schemeClr>
+    </dgm:linClrLst>
+    <dgm:effectClrLst/>
+    <dgm:txLinClrLst/>
+    <dgm:txFillClrLst/>
+    <dgm:txEffectClrLst/>
+  </dgm:styleLbl>
+  <dgm:styleLbl name="sibTrans1D1">
+    <dgm:fillClrLst meth="repeat">
+      <a:schemeClr val="dk2"/>
+    </dgm:fillClrLst>
+    <dgm:linClrLst meth="repeat">
+      <a:schemeClr val="dk2"/>
+    </dgm:linClrLst>
+    <dgm:effectClrLst/>
+    <dgm:txLinClrLst/>
+    <dgm:txFillClrLst meth="repeat">
+      <a:schemeClr val="lt2"/>
+    </dgm:txFillClrLst>
+    <dgm:txEffectClrLst/>
+  </dgm:styleLbl>
+  <dgm:styleLbl name="callout">
+    <dgm:fillClrLst meth="repeat">
+      <a:schemeClr val="dk2"/>
+    </dgm:fillClrLst>
+    <dgm:linClrLst meth="repeat">
+      <a:schemeClr val="dk2">
+        <a:tint val="50000"/>
+      </a:schemeClr>
+    </dgm:linClrLst>
+    <dgm:effectClrLst/>
+    <dgm:txLinClrLst/>
+    <dgm:txFillClrLst meth="repeat">
+      <a:schemeClr val="lt2"/>
+    </dgm:txFillClrLst>
+    <dgm:txEffectClrLst/>
+  </dgm:styleLbl>
+  <dgm:styleLbl name="asst0">
+    <dgm:fillClrLst meth="repeat">
+      <a:schemeClr val="dk2"/>
+    </dgm:fillClrLst>
+    <dgm:linClrLst meth="repeat">
+      <a:schemeClr val="lt2"/>
+    </dgm:linClrLst>
+    <dgm:effectClrLst/>
+    <dgm:txLinClrLst/>
+    <dgm:txFillClrLst/>
+    <dgm:txEffectClrLst/>
+  </dgm:styleLbl>
+  <dgm:styleLbl name="asst1">
+    <dgm:fillClrLst meth="repeat">
+      <a:schemeClr val="dk2"/>
+    </dgm:fillClrLst>
+    <dgm:linClrLst meth="repeat">
+      <a:schemeClr val="lt2"/>
+    </dgm:linClrLst>
+    <dgm:effectClrLst/>
+    <dgm:txLinClrLst/>
+    <dgm:txFillClrLst/>
+    <dgm:txEffectClrLst/>
+  </dgm:styleLbl>
+  <dgm:styleLbl name="asst2">
+    <dgm:fillClrLst meth="repeat">
+      <a:schemeClr val="dk2"/>
+    </dgm:fillClrLst>
+    <dgm:linClrLst meth="repeat">
+      <a:schemeClr val="lt2"/>
+    </dgm:linClrLst>
+    <dgm:effectClrLst/>
+    <dgm:txLinClrLst/>
+    <dgm:txFillClrLst/>
+    <dgm:txEffectClrLst/>
+  </dgm:styleLbl>
+  <dgm:styleLbl name="asst3">
+    <dgm:fillClrLst meth="repeat">
+      <a:schemeClr val="dk2"/>
+    </dgm:fillClrLst>
+    <dgm:linClrLst meth="repeat">
+      <a:schemeClr val="lt2"/>
+    </dgm:linClrLst>
+    <dgm:effectClrLst/>
+    <dgm:txLinClrLst/>
+    <dgm:txFillClrLst/>
+    <dgm:txEffectClrLst/>
+  </dgm:styleLbl>
+  <dgm:styleLbl name="asst4">
+    <dgm:fillClrLst meth="repeat">
+      <a:schemeClr val="dk2"/>
+    </dgm:fillClrLst>
+    <dgm:linClrLst meth="repeat">
+      <a:schemeClr val="lt2"/>
+    </dgm:linClrLst>
+    <dgm:effectClrLst/>
+    <dgm:txLinClrLst/>
+    <dgm:txFillClrLst/>
+    <dgm:txEffectClrLst/>
+  </dgm:styleLbl>
+  <dgm:styleLbl name="parChTrans2D1">
+    <dgm:fillClrLst meth="repeat">
+      <a:schemeClr val="dk2">
+        <a:tint val="60000"/>
+      </a:schemeClr>
+    </dgm:fillClrLst>
+    <dgm:linClrLst meth="repeat">
+      <a:schemeClr val="dk2">
+        <a:tint val="60000"/>
+      </a:schemeClr>
+    </dgm:linClrLst>
+    <dgm:effectClrLst/>
+    <dgm:txLinClrLst/>
+    <dgm:txFillClrLst meth="repeat">
+      <a:schemeClr val="lt2"/>
+    </dgm:txFillClrLst>
+    <dgm:txEffectClrLst/>
+  </dgm:styleLbl>
+  <dgm:styleLbl name="parChTrans2D2">
+    <dgm:fillClrLst meth="repeat">
+      <a:schemeClr val="dk2"/>
+    </dgm:fillClrLst>
+    <dgm:linClrLst meth="repeat">
+      <a:schemeClr val="dk2"/>
+    </dgm:linClrLst>
+    <dgm:effectClrLst/>
+    <dgm:txLinClrLst/>
+    <dgm:txFillClrLst meth="repeat">
+      <a:schemeClr val="lt2"/>
+    </dgm:txFillClrLst>
+    <dgm:txEffectClrLst/>
+  </dgm:styleLbl>
+  <dgm:styleLbl name="parChTrans2D3">
+    <dgm:fillClrLst meth="repeat">
+      <a:schemeClr val="dk2"/>
+    </dgm:fillClrLst>
+    <dgm:linClrLst meth="repeat">
+      <a:schemeClr val="dk2"/>
+    </dgm:linClrLst>
+    <dgm:effectClrLst/>
+    <dgm:txLinClrLst/>
+    <dgm:txFillClrLst meth="repeat">
+      <a:schemeClr val="lt2"/>
+    </dgm:txFillClrLst>
+    <dgm:txEffectClrLst/>
+  </dgm:styleLbl>
+  <dgm:styleLbl name="parChTrans2D4">
+    <dgm:fillClrLst meth="repeat">
+      <a:schemeClr val="dk2"/>
+    </dgm:fillClrLst>
+    <dgm:linClrLst meth="repeat">
+      <a:schemeClr val="dk2"/>
+    </dgm:linClrLst>
+    <dgm:effectClrLst/>
+    <dgm:txLinClrLst/>
+    <dgm:txFillClrLst meth="repeat">
+      <a:schemeClr val="lt2"/>
+    </dgm:txFillClrLst>
+    <dgm:txEffectClrLst/>
+  </dgm:styleLbl>
+  <dgm:styleLbl name="parChTrans1D1">
+    <dgm:fillClrLst meth="repeat">
+      <a:schemeClr val="dk2"/>
+    </dgm:fillClrLst>
+    <dgm:linClrLst meth="repeat">
+      <a:schemeClr val="dk2">
+        <a:shade val="60000"/>
+      </a:schemeClr>
+    </dgm:linClrLst>
+    <dgm:effectClrLst/>
+    <dgm:txLinClrLst/>
+    <dgm:txFillClrLst meth="repeat">
+      <a:schemeClr val="tx1"/>
+    </dgm:txFillClrLst>
+    <dgm:txEffectClrLst/>
+  </dgm:styleLbl>
+  <dgm:styleLbl name="parChTrans1D2">
+    <dgm:fillClrLst meth="repeat">
+      <a:schemeClr val="dk2"/>
+    </dgm:fillClrLst>
+    <dgm:linClrLst meth="repeat">
+      <a:schemeClr val="dk2">
+        <a:shade val="60000"/>
+      </a:schemeClr>
+    </dgm:linClrLst>
+    <dgm:effectClrLst/>
+    <dgm:txLinClrLst/>
+    <dgm:txFillClrLst meth="repeat">
+      <a:schemeClr val="tx1"/>
+    </dgm:txFillClrLst>
+    <dgm:txEffectClrLst/>
+  </dgm:styleLbl>
+  <dgm:styleLbl name="parChTrans1D3">
+    <dgm:fillClrLst meth="repeat">
+      <a:schemeClr val="dk2"/>
+    </dgm:fillClrLst>
+    <dgm:linClrLst meth="repeat">
+      <a:schemeClr val="dk2">
+        <a:shade val="80000"/>
+      </a:schemeClr>
+    </dgm:linClrLst>
+    <dgm:effectClrLst/>
+    <dgm:txLinClrLst/>
+    <dgm:txFillClrLst meth="repeat">
+      <a:schemeClr val="tx1"/>
+    </dgm:txFillClrLst>
+    <dgm:txEffectClrLst/>
+  </dgm:styleLbl>
+  <dgm:styleLbl name="parChTrans1D4">
+    <dgm:fillClrLst meth="repeat">
+      <a:schemeClr val="dk2"/>
+    </dgm:fillClrLst>
+    <dgm:linClrLst meth="repeat">
+      <a:schemeClr val="dk2">
+        <a:shade val="80000"/>
+      </a:schemeClr>
+    </dgm:linClrLst>
+    <dgm:effectClrLst/>
+    <dgm:txLinClrLst/>
+    <dgm:txFillClrLst meth="repeat">
+      <a:schemeClr val="tx1"/>
+    </dgm:txFillClrLst>
+    <dgm:txEffectClrLst/>
+  </dgm:styleLbl>
+  <dgm:styleLbl name="fgAcc1">
+    <dgm:fillClrLst meth="repeat">
+      <a:schemeClr val="lt2">
+        <a:alpha val="90000"/>
+      </a:schemeClr>
+    </dgm:fillClrLst>
+    <dgm:linClrLst meth="repeat">
+      <a:schemeClr val="dk2"/>
+    </dgm:linClrLst>
+    <dgm:effectClrLst/>
+    <dgm:txLinClrLst/>
+    <dgm:txFillClrLst meth="repeat">
+      <a:schemeClr val="dk1"/>
+    </dgm:txFillClrLst>
+    <dgm:txEffectClrLst/>
+  </dgm:styleLbl>
+  <dgm:styleLbl name="conFgAcc1">
+    <dgm:fillClrLst meth="repeat">
+      <a:schemeClr val="lt2">
+        <a:alpha val="90000"/>
+      </a:schemeClr>
+    </dgm:fillClrLst>
+    <dgm:linClrLst meth="repeat">
+      <a:schemeClr val="dk2"/>
+    </dgm:linClrLst>
+    <dgm:effectClrLst/>
+    <dgm:txLinClrLst/>
+    <dgm:txFillClrLst meth="repeat">
+      <a:schemeClr val="dk1"/>
+    </dgm:txFillClrLst>
+    <dgm:txEffectClrLst/>
+  </dgm:styleLbl>
+  <dgm:styleLbl name="alignAcc1">
+    <dgm:fillClrLst meth="repeat">
+      <a:schemeClr val="lt2">
+        <a:alpha val="90000"/>
+      </a:schemeClr>
+    </dgm:fillClrLst>
+    <dgm:linClrLst meth="repeat">
+      <a:schemeClr val="dk2"/>
+    </dgm:linClrLst>
+    <dgm:effectClrLst/>
+    <dgm:txLinClrLst/>
+    <dgm:txFillClrLst meth="repeat">
+      <a:schemeClr val="dk1"/>
+    </dgm:txFillClrLst>
+    <dgm:txEffectClrLst/>
+  </dgm:styleLbl>
+  <dgm:styleLbl name="trAlignAcc1">
+    <dgm:fillClrLst meth="repeat">
+      <a:schemeClr val="lt2">
+        <a:alpha val="40000"/>
+      </a:schemeClr>
+    </dgm:fillClrLst>
+    <dgm:linClrLst meth="repeat">
+      <a:schemeClr val="dk2"/>
+    </dgm:linClrLst>
+    <dgm:effectClrLst/>
+    <dgm:txLinClrLst/>
+    <dgm:txFillClrLst meth="repeat">
+      <a:schemeClr val="dk1"/>
+    </dgm:txFillClrLst>
+    <dgm:txEffectClrLst/>
+  </dgm:styleLbl>
+  <dgm:styleLbl name="bgAcc1">
+    <dgm:fillClrLst meth="repeat">
+      <a:schemeClr val="lt2">
+        <a:alpha val="90000"/>
+      </a:schemeClr>
+    </dgm:fillClrLst>
+    <dgm:linClrLst meth="repeat">
+      <a:schemeClr val="dk2"/>
+    </dgm:linClrLst>
+    <dgm:effectClrLst/>
+    <dgm:txLinClrLst/>
+    <dgm:txFillClrLst meth="repeat">
+      <a:schemeClr val="dk1"/>
+    </dgm:txFillClrLst>
+    <dgm:txEffectClrLst/>
+  </dgm:styleLbl>
+  <dgm:styleLbl name="solidFgAcc1">
+    <dgm:fillClrLst meth="repeat">
+      <a:schemeClr val="lt2"/>
+    </dgm:fillClrLst>
+    <dgm:linClrLst meth="repeat">
+      <a:schemeClr val="dk2"/>
+    </dgm:linClrLst>
+    <dgm:effectClrLst/>
+    <dgm:txLinClrLst/>
+    <dgm:txFillClrLst meth="repeat">
+      <a:schemeClr val="dk1"/>
+    </dgm:txFillClrLst>
+    <dgm:txEffectClrLst/>
+  </dgm:styleLbl>
+  <dgm:styleLbl name="solidAlignAcc1">
+    <dgm:fillClrLst meth="repeat">
+      <a:schemeClr val="lt2"/>
+    </dgm:fillClrLst>
+    <dgm:linClrLst meth="repeat">
+      <a:schemeClr val="dk2"/>
+    </dgm:linClrLst>
+    <dgm:effectClrLst/>
+    <dgm:txLinClrLst/>
+    <dgm:txFillClrLst meth="repeat">
+      <a:schemeClr val="dk1"/>
+    </dgm:txFillClrLst>
+    <dgm:txEffectClrLst/>
+  </dgm:styleLbl>
+  <dgm:styleLbl name="solidBgAcc1">
+    <dgm:fillClrLst meth="repeat">
+      <a:schemeClr val="lt2"/>
+    </dgm:fillClrLst>
+    <dgm:linClrLst meth="repeat">
+      <a:schemeClr val="dk2"/>
+    </dgm:linClrLst>
+    <dgm:effectClrLst/>
+    <dgm:txLinClrLst/>
+    <dgm:txFillClrLst meth="repeat">
+      <a:schemeClr val="dk1"/>
+    </dgm:txFillClrLst>
+    <dgm:txEffectClrLst/>
+  </dgm:styleLbl>
+  <dgm:styleLbl name="fgAccFollowNode1">
+    <dgm:fillClrLst meth="repeat">
+      <a:schemeClr val="dk2">
+        <a:alpha val="90000"/>
+        <a:tint val="40000"/>
+      </a:schemeClr>
+    </dgm:fillClrLst>
+    <dgm:linClrLst meth="repeat">
+      <a:schemeClr val="dk2">
+        <a:alpha val="90000"/>
+        <a:tint val="40000"/>
+      </a:schemeClr>
+    </dgm:linClrLst>
+    <dgm:effectClrLst/>
+    <dgm:txLinClrLst/>
+    <dgm:txFillClrLst meth="repeat">
+      <a:schemeClr val="dk1"/>
+    </dgm:txFillClrLst>
+    <dgm:txEffectClrLst/>
+  </dgm:styleLbl>
+  <dgm:styleLbl name="alignAccFollowNode1">
+    <dgm:fillClrLst meth="repeat">
+      <a:schemeClr val="dk2">
+        <a:alpha val="90000"/>
+        <a:tint val="40000"/>
+      </a:schemeClr>
+    </dgm:fillClrLst>
+    <dgm:linClrLst meth="repeat">
+      <a:schemeClr val="dk2">
+        <a:alpha val="90000"/>
+        <a:tint val="40000"/>
+      </a:schemeClr>
+    </dgm:linClrLst>
+    <dgm:effectClrLst/>
+    <dgm:txLinClrLst/>
+    <dgm:txFillClrLst meth="repeat">
+      <a:schemeClr val="dk1"/>
+    </dgm:txFillClrLst>
+    <dgm:txEffectClrLst/>
+  </dgm:styleLbl>
+  <dgm:styleLbl name="bgAccFollowNode1">
+    <dgm:fillClrLst meth="repeat">
+      <a:schemeClr val="dk2">
+        <a:alpha val="90000"/>
+        <a:tint val="40000"/>
+      </a:schemeClr>
+    </dgm:fillClrLst>
+    <dgm:linClrLst meth="repeat">
+      <a:schemeClr val="dk2">
+        <a:alpha val="90000"/>
+        <a:tint val="40000"/>
+      </a:schemeClr>
+    </dgm:linClrLst>
+    <dgm:effectClrLst/>
+    <dgm:txLinClrLst/>
+    <dgm:txFillClrLst meth="repeat">
+      <a:schemeClr val="dk1"/>
+    </dgm:txFillClrLst>
+    <dgm:txEffectClrLst/>
+  </dgm:styleLbl>
+  <dgm:styleLbl name="fgAcc0">
+    <dgm:fillClrLst meth="repeat">
+      <a:schemeClr val="lt2">
+        <a:alpha val="90000"/>
+      </a:schemeClr>
+    </dgm:fillClrLst>
+    <dgm:linClrLst meth="repeat">
+      <a:schemeClr val="dk2"/>
+    </dgm:linClrLst>
+    <dgm:effectClrLst/>
+    <dgm:txLinClrLst/>
+    <dgm:txFillClrLst meth="repeat">
+      <a:schemeClr val="dk1"/>
+    </dgm:txFillClrLst>
+    <dgm:txEffectClrLst/>
+  </dgm:styleLbl>
+  <dgm:styleLbl name="fgAcc2">
+    <dgm:fillClrLst meth="repeat">
+      <a:schemeClr val="lt2">
+        <a:alpha val="90000"/>
+      </a:schemeClr>
+    </dgm:fillClrLst>
+    <dgm:linClrLst meth="repeat">
+      <a:schemeClr val="dk2"/>
+    </dgm:linClrLst>
+    <dgm:effectClrLst/>
+    <dgm:txLinClrLst/>
+    <dgm:txFillClrLst meth="repeat">
+      <a:schemeClr val="dk1"/>
+    </dgm:txFillClrLst>
+    <dgm:txEffectClrLst/>
+  </dgm:styleLbl>
+  <dgm:styleLbl name="fgAcc3">
+    <dgm:fillClrLst meth="repeat">
+      <a:schemeClr val="lt2">
+        <a:alpha val="90000"/>
+      </a:schemeClr>
+    </dgm:fillClrLst>
+    <dgm:linClrLst meth="repeat">
+      <a:schemeClr val="dk2"/>
+    </dgm:linClrLst>
+    <dgm:effectClrLst/>
+    <dgm:txLinClrLst/>
+    <dgm:txFillClrLst meth="repeat">
+      <a:schemeClr val="dk1"/>
+    </dgm:txFillClrLst>
+    <dgm:txEffectClrLst/>
+  </dgm:styleLbl>
+  <dgm:styleLbl name="fgAcc4">
+    <dgm:fillClrLst meth="repeat">
+      <a:schemeClr val="lt2">
+        <a:alpha val="90000"/>
+      </a:schemeClr>
+    </dgm:fillClrLst>
+    <dgm:linClrLst meth="repeat">
+      <a:schemeClr val="dk2"/>
+    </dgm:linClrLst>
+    <dgm:effectClrLst/>
+    <dgm:txLinClrLst/>
+    <dgm:txFillClrLst meth="repeat">
+      <a:schemeClr val="dk1"/>
+    </dgm:txFillClrLst>
+    <dgm:txEffectClrLst/>
+  </dgm:styleLbl>
+  <dgm:styleLbl name="bgShp">
+    <dgm:fillClrLst meth="repeat">
+      <a:schemeClr val="dk2">
+        <a:tint val="40000"/>
+      </a:schemeClr>
+    </dgm:fillClrLst>
+    <dgm:linClrLst meth="repeat">
+      <a:schemeClr val="dk2"/>
+    </dgm:linClrLst>
+    <dgm:effectClrLst/>
+    <dgm:txLinClrLst/>
+    <dgm:txFillClrLst meth="repeat">
+      <a:schemeClr val="dk1"/>
+    </dgm:txFillClrLst>
+    <dgm:txEffectClrLst/>
+  </dgm:styleLbl>
+  <dgm:styleLbl name="dkBgShp">
+    <dgm:fillClrLst meth="repeat">
+      <a:schemeClr val="dk2">
+        <a:shade val="80000"/>
+      </a:schemeClr>
+    </dgm:fillClrLst>
+    <dgm:linClrLst meth="repeat">
+      <a:schemeClr val="dk2"/>
+    </dgm:linClrLst>
+    <dgm:effectClrLst/>
+    <dgm:txLinClrLst/>
+    <dgm:txFillClrLst meth="repeat">
+      <a:schemeClr val="lt1"/>
+    </dgm:txFillClrLst>
+    <dgm:txEffectClrLst/>
+  </dgm:styleLbl>
+  <dgm:styleLbl name="trBgShp">
+    <dgm:fillClrLst meth="repeat">
+      <a:schemeClr val="dk2">
+        <a:tint val="50000"/>
+        <a:alpha val="40000"/>
+      </a:schemeClr>
+    </dgm:fillClrLst>
+    <dgm:linClrLst meth="repeat">
+      <a:schemeClr val="dk2"/>
+    </dgm:linClrLst>
+    <dgm:effectClrLst/>
+    <dgm:txLinClrLst/>
+    <dgm:txFillClrLst meth="repeat">
+      <a:schemeClr val="lt1"/>
+    </dgm:txFillClrLst>
+    <dgm:txEffectClrLst/>
+  </dgm:styleLbl>
+  <dgm:styleLbl name="fgShp">
+    <dgm:fillClrLst meth="repeat">
+      <a:schemeClr val="dk2">
+        <a:tint val="60000"/>
+      </a:schemeClr>
+    </dgm:fillClrLst>
+    <dgm:linClrLst meth="repeat">
+      <a:schemeClr val="lt2"/>
+    </dgm:linClrLst>
+    <dgm:effectClrLst/>
+    <dgm:txLinClrLst/>
+    <dgm:txFillClrLst meth="repeat">
+      <a:schemeClr val="dk1"/>
+    </dgm:txFillClrLst>
+    <dgm:txEffectClrLst/>
+  </dgm:styleLbl>
+  <dgm:styleLbl name="revTx">
+    <dgm:fillClrLst meth="repeat">
+      <a:schemeClr val="lt2">
+        <a:alpha val="0"/>
+      </a:schemeClr>
+    </dgm:fillClrLst>
+    <dgm:linClrLst meth="repeat">
+      <a:schemeClr val="dk1">
+        <a:alpha val="0"/>
+      </a:schemeClr>
+    </dgm:linClrLst>
+    <dgm:effectClrLst/>
+    <dgm:txLinClrLst/>
+    <dgm:txFillClrLst meth="repeat">
+      <a:schemeClr val="tx1"/>
+    </dgm:txFillClrLst>
+    <dgm:txEffectClrLst/>
+  </dgm:styleLbl>
+</dgm:colorsDef>
+</file>
+
+<file path=ppt/diagrams/data1.xml><?xml version="1.0" encoding="utf-8"?>
+<dgm:dataModel xmlns:dgm="http://schemas.openxmlformats.org/drawingml/2006/diagram" xmlns:a="http://schemas.openxmlformats.org/drawingml/2006/main">
+  <dgm:ptLst>
+    <dgm:pt modelId="{57215324-4B36-4698-928B-A519AAB8B2BA}" type="doc">
+      <dgm:prSet loTypeId="urn:microsoft.com/office/officeart/2005/8/layout/StepDownProcess" loCatId="process" qsTypeId="urn:microsoft.com/office/officeart/2005/8/quickstyle/simple1" qsCatId="simple" csTypeId="urn:microsoft.com/office/officeart/2005/8/colors/accent0_3" csCatId="mainScheme" phldr="1"/>
+      <dgm:spPr/>
+      <dgm:t>
+        <a:bodyPr/>
+        <a:lstStyle/>
+        <a:p>
+          <a:endParaRPr lang="en-US"/>
+        </a:p>
+      </dgm:t>
+    </dgm:pt>
+    <dgm:pt modelId="{23FAF6AD-92AA-4B4B-94F4-B5823555B8D3}">
+      <dgm:prSet phldrT="[Text]" custT="1"/>
+      <dgm:spPr/>
+      <dgm:t>
+        <a:bodyPr/>
+        <a:lstStyle/>
+        <a:p>
+          <a:r>
+            <a:rPr lang="en-US" sz="3200" b="1" dirty="0">
+              <a:effectLst>
+                <a:outerShdw blurRad="38100" dist="38100" dir="2700000" algn="tl">
+                  <a:srgbClr val="000000">
+                    <a:alpha val="43137"/>
+                  </a:srgbClr>
+                </a:outerShdw>
+              </a:effectLst>
+              <a:latin typeface="Questrial" panose="02000000000000000000"/>
+            </a:rPr>
+            <a:t>80 </a:t>
+          </a:r>
+          <a:r>
+            <a:rPr lang="en-US" sz="3200" dirty="0">
+              <a:latin typeface="Questrial" panose="02000000000000000000"/>
+            </a:rPr>
+            <a:t>spreadsheets</a:t>
+          </a:r>
+        </a:p>
+      </dgm:t>
+    </dgm:pt>
+    <dgm:pt modelId="{AE8AE40E-81F6-434F-B844-85B5D2EE1476}" type="parTrans" cxnId="{EF4CDDDD-6F36-4986-A974-3AF35295EE45}">
+      <dgm:prSet/>
+      <dgm:spPr/>
+      <dgm:t>
+        <a:bodyPr/>
+        <a:lstStyle/>
+        <a:p>
+          <a:endParaRPr lang="en-US"/>
+        </a:p>
+      </dgm:t>
+    </dgm:pt>
+    <dgm:pt modelId="{856951FD-82D0-477E-8940-16B3B22F5698}" type="sibTrans" cxnId="{EF4CDDDD-6F36-4986-A974-3AF35295EE45}">
+      <dgm:prSet/>
+      <dgm:spPr/>
+      <dgm:t>
+        <a:bodyPr/>
+        <a:lstStyle/>
+        <a:p>
+          <a:endParaRPr lang="en-US"/>
+        </a:p>
+      </dgm:t>
+    </dgm:pt>
+    <dgm:pt modelId="{358ABF4A-FC68-43C0-AB36-BDA499C36472}">
+      <dgm:prSet phldrT="[Text]" custT="1"/>
+      <dgm:spPr/>
+      <dgm:t>
+        <a:bodyPr/>
+        <a:lstStyle/>
+        <a:p>
+          <a:pPr>
+            <a:buFontTx/>
+            <a:buNone/>
+          </a:pPr>
+          <a:r>
+            <a:rPr lang="en-US" sz="2400" dirty="0">
+              <a:solidFill>
+                <a:schemeClr val="bg1"/>
+              </a:solidFill>
+              <a:latin typeface="Questrial" panose="02000000000000000000"/>
+            </a:rPr>
+            <a:t>2003 – 2018 sales data by year and borough</a:t>
+          </a:r>
+        </a:p>
+      </dgm:t>
+    </dgm:pt>
+    <dgm:pt modelId="{3B984CCA-996B-4158-A0DF-FAF317905A9B}" type="parTrans" cxnId="{FAD44126-9496-43EC-ABA7-4AE84E2537AA}">
+      <dgm:prSet/>
+      <dgm:spPr/>
+      <dgm:t>
+        <a:bodyPr/>
+        <a:lstStyle/>
+        <a:p>
+          <a:endParaRPr lang="en-US"/>
+        </a:p>
+      </dgm:t>
+    </dgm:pt>
+    <dgm:pt modelId="{7967366A-168D-412E-9D1D-88706D3A0FD0}" type="sibTrans" cxnId="{FAD44126-9496-43EC-ABA7-4AE84E2537AA}">
+      <dgm:prSet/>
+      <dgm:spPr/>
+      <dgm:t>
+        <a:bodyPr/>
+        <a:lstStyle/>
+        <a:p>
+          <a:endParaRPr lang="en-US"/>
+        </a:p>
+      </dgm:t>
+    </dgm:pt>
+    <dgm:pt modelId="{CD4BFA8E-C797-4661-803D-E8C08148CFBA}">
+      <dgm:prSet phldrT="[Text]" custT="1"/>
+      <dgm:spPr/>
+      <dgm:t>
+        <a:bodyPr/>
+        <a:lstStyle/>
+        <a:p>
+          <a:r>
+            <a:rPr lang="en-US" sz="3200" b="1" dirty="0">
+              <a:effectLst>
+                <a:outerShdw blurRad="38100" dist="38100" dir="2700000" algn="tl">
+                  <a:srgbClr val="000000">
+                    <a:alpha val="43137"/>
+                  </a:srgbClr>
+                </a:outerShdw>
+              </a:effectLst>
+              <a:latin typeface="Questrial" panose="02000000000000000000"/>
+            </a:rPr>
+            <a:t>1</a:t>
+          </a:r>
+          <a:r>
+            <a:rPr lang="en-US" sz="3200" dirty="0">
+              <a:latin typeface="Questrial" panose="02000000000000000000"/>
+            </a:rPr>
+            <a:t> SQL database</a:t>
+          </a:r>
+        </a:p>
+      </dgm:t>
+    </dgm:pt>
+    <dgm:pt modelId="{25248325-C8D7-4080-B0A3-01C1C039D033}" type="parTrans" cxnId="{4AF18525-B594-4AD2-8D17-EFC7554F98AF}">
+      <dgm:prSet/>
+      <dgm:spPr/>
+      <dgm:t>
+        <a:bodyPr/>
+        <a:lstStyle/>
+        <a:p>
+          <a:endParaRPr lang="en-US"/>
+        </a:p>
+      </dgm:t>
+    </dgm:pt>
+    <dgm:pt modelId="{36651CF2-4017-438C-A729-97B40E8D4581}" type="sibTrans" cxnId="{4AF18525-B594-4AD2-8D17-EFC7554F98AF}">
+      <dgm:prSet/>
+      <dgm:spPr/>
+      <dgm:t>
+        <a:bodyPr/>
+        <a:lstStyle/>
+        <a:p>
+          <a:endParaRPr lang="en-US"/>
+        </a:p>
+      </dgm:t>
+    </dgm:pt>
+    <dgm:pt modelId="{15D5409B-8E41-4CF7-97D5-ADE28A891E40}">
+      <dgm:prSet phldrT="[Text]" custT="1"/>
+      <dgm:spPr/>
+      <dgm:t>
+        <a:bodyPr/>
+        <a:lstStyle/>
+        <a:p>
+          <a:pPr>
+            <a:buFontTx/>
+            <a:buNone/>
+          </a:pPr>
+          <a:r>
+            <a:rPr lang="en-US" sz="2400" dirty="0">
+              <a:solidFill>
+                <a:schemeClr val="bg1"/>
+              </a:solidFill>
+              <a:latin typeface="Questrial" panose="02000000000000000000"/>
+            </a:rPr>
+            <a:t>loaded all spreadsheets into </a:t>
+          </a:r>
+          <a:r>
+            <a:rPr lang="en-US" sz="2400" dirty="0" err="1">
+              <a:solidFill>
+                <a:schemeClr val="bg1"/>
+              </a:solidFill>
+              <a:latin typeface="Questrial" panose="02000000000000000000"/>
+            </a:rPr>
+            <a:t>pgAdmin</a:t>
+          </a:r>
+          <a:endParaRPr lang="en-US" sz="2400" dirty="0">
+            <a:solidFill>
+              <a:schemeClr val="bg1"/>
+            </a:solidFill>
+            <a:latin typeface="Questrial" panose="02000000000000000000"/>
+          </a:endParaRPr>
+        </a:p>
+      </dgm:t>
+    </dgm:pt>
+    <dgm:pt modelId="{7AA6BC19-5FF1-4EE8-994F-2CECF8A018F0}" type="parTrans" cxnId="{CA8D88C6-CD80-42D3-8086-1A52855E27FC}">
+      <dgm:prSet/>
+      <dgm:spPr/>
+      <dgm:t>
+        <a:bodyPr/>
+        <a:lstStyle/>
+        <a:p>
+          <a:endParaRPr lang="en-US"/>
+        </a:p>
+      </dgm:t>
+    </dgm:pt>
+    <dgm:pt modelId="{82DD4E70-F76D-4522-96DF-1EF1A4AE332C}" type="sibTrans" cxnId="{CA8D88C6-CD80-42D3-8086-1A52855E27FC}">
+      <dgm:prSet/>
+      <dgm:spPr/>
+      <dgm:t>
+        <a:bodyPr/>
+        <a:lstStyle/>
+        <a:p>
+          <a:endParaRPr lang="en-US"/>
+        </a:p>
+      </dgm:t>
+    </dgm:pt>
+    <dgm:pt modelId="{AC5CB9AF-6818-471B-89E9-597FCAC11DBB}">
+      <dgm:prSet phldrT="[Text]" custT="1"/>
+      <dgm:spPr/>
+      <dgm:t>
+        <a:bodyPr/>
+        <a:lstStyle/>
+        <a:p>
+          <a:r>
+            <a:rPr lang="en-US" sz="3200" b="1" dirty="0">
+              <a:effectLst>
+                <a:outerShdw blurRad="38100" dist="38100" dir="2700000" algn="tl">
+                  <a:srgbClr val="000000">
+                    <a:alpha val="43137"/>
+                  </a:srgbClr>
+                </a:outerShdw>
+              </a:effectLst>
+              <a:latin typeface="Questrial" panose="02000000000000000000"/>
+            </a:rPr>
+            <a:t>5</a:t>
+          </a:r>
+          <a:r>
+            <a:rPr lang="en-US" sz="3200" dirty="0">
+              <a:latin typeface="Questrial" panose="02000000000000000000"/>
+            </a:rPr>
+            <a:t> csv files</a:t>
+          </a:r>
+        </a:p>
+      </dgm:t>
+    </dgm:pt>
+    <dgm:pt modelId="{48646341-2CAC-48C6-B870-5918DC2A607F}" type="parTrans" cxnId="{34339AF7-1F7C-4177-B5AE-E02147A8C2D7}">
+      <dgm:prSet/>
+      <dgm:spPr/>
+      <dgm:t>
+        <a:bodyPr/>
+        <a:lstStyle/>
+        <a:p>
+          <a:endParaRPr lang="en-US"/>
+        </a:p>
+      </dgm:t>
+    </dgm:pt>
+    <dgm:pt modelId="{90D7488A-B5B2-4C51-95D5-72F0F0952BFC}" type="sibTrans" cxnId="{34339AF7-1F7C-4177-B5AE-E02147A8C2D7}">
+      <dgm:prSet/>
+      <dgm:spPr/>
+      <dgm:t>
+        <a:bodyPr/>
+        <a:lstStyle/>
+        <a:p>
+          <a:endParaRPr lang="en-US"/>
+        </a:p>
+      </dgm:t>
+    </dgm:pt>
+    <dgm:pt modelId="{B04BE6B5-3481-430E-AA08-ECA9F4C6FB9A}">
+      <dgm:prSet phldrT="[Text]" custT="1"/>
+      <dgm:spPr/>
+      <dgm:t>
+        <a:bodyPr/>
+        <a:lstStyle/>
+        <a:p>
+          <a:pPr algn="l">
+            <a:buFontTx/>
+            <a:buNone/>
+          </a:pPr>
+          <a:r>
+            <a:rPr lang="en-US" sz="2400" dirty="0">
+              <a:solidFill>
+                <a:schemeClr val="bg1"/>
+              </a:solidFill>
+              <a:latin typeface="Questrial" panose="02000000000000000000"/>
+            </a:rPr>
+            <a:t>export data by borough</a:t>
+          </a:r>
+        </a:p>
+      </dgm:t>
+    </dgm:pt>
+    <dgm:pt modelId="{FFAC3A82-5CC1-4CE5-A2A4-71A59A320D59}" type="parTrans" cxnId="{B2166A3B-B17A-4D96-818A-EB49E698E8D1}">
+      <dgm:prSet/>
+      <dgm:spPr/>
+      <dgm:t>
+        <a:bodyPr/>
+        <a:lstStyle/>
+        <a:p>
+          <a:endParaRPr lang="en-US"/>
+        </a:p>
+      </dgm:t>
+    </dgm:pt>
+    <dgm:pt modelId="{48C5D5C7-8EEC-4C63-8037-FFD535BF0CBE}" type="sibTrans" cxnId="{B2166A3B-B17A-4D96-818A-EB49E698E8D1}">
+      <dgm:prSet/>
+      <dgm:spPr/>
+      <dgm:t>
+        <a:bodyPr/>
+        <a:lstStyle/>
+        <a:p>
+          <a:endParaRPr lang="en-US"/>
+        </a:p>
+      </dgm:t>
+    </dgm:pt>
+    <dgm:pt modelId="{AA8399F3-B393-42C5-93C2-24AAED05767E}" type="pres">
+      <dgm:prSet presAssocID="{57215324-4B36-4698-928B-A519AAB8B2BA}" presName="rootnode" presStyleCnt="0">
+        <dgm:presLayoutVars>
+          <dgm:chMax/>
+          <dgm:chPref/>
+          <dgm:dir/>
+          <dgm:animLvl val="lvl"/>
+        </dgm:presLayoutVars>
+      </dgm:prSet>
+      <dgm:spPr/>
+    </dgm:pt>
+    <dgm:pt modelId="{1296E01F-BE85-42FE-A703-5F1B45D5F0C2}" type="pres">
+      <dgm:prSet presAssocID="{23FAF6AD-92AA-4B4B-94F4-B5823555B8D3}" presName="composite" presStyleCnt="0"/>
+      <dgm:spPr/>
+    </dgm:pt>
+    <dgm:pt modelId="{EF1439CA-CDE0-45DB-8D3D-F1704EAC71C2}" type="pres">
+      <dgm:prSet presAssocID="{23FAF6AD-92AA-4B4B-94F4-B5823555B8D3}" presName="bentUpArrow1" presStyleLbl="alignImgPlace1" presStyleIdx="0" presStyleCnt="2"/>
+      <dgm:spPr/>
+    </dgm:pt>
+    <dgm:pt modelId="{5E81B5D2-B089-4B78-9EB8-5432B35A7A8E}" type="pres">
+      <dgm:prSet presAssocID="{23FAF6AD-92AA-4B4B-94F4-B5823555B8D3}" presName="ParentText" presStyleLbl="node1" presStyleIdx="0" presStyleCnt="3" custScaleX="160833" custLinFactNeighborX="-52988" custLinFactNeighborY="-1882">
+        <dgm:presLayoutVars>
+          <dgm:chMax val="1"/>
+          <dgm:chPref val="1"/>
+          <dgm:bulletEnabled val="1"/>
+        </dgm:presLayoutVars>
+      </dgm:prSet>
+      <dgm:spPr/>
+    </dgm:pt>
+    <dgm:pt modelId="{AECF62EF-64C5-4DBD-B200-BCE68A395269}" type="pres">
+      <dgm:prSet presAssocID="{23FAF6AD-92AA-4B4B-94F4-B5823555B8D3}" presName="ChildText" presStyleLbl="revTx" presStyleIdx="0" presStyleCnt="3" custScaleX="229631" custLinFactNeighborX="68568" custLinFactNeighborY="-8695">
+        <dgm:presLayoutVars>
+          <dgm:chMax val="0"/>
+          <dgm:chPref val="0"/>
+          <dgm:bulletEnabled val="1"/>
+        </dgm:presLayoutVars>
+      </dgm:prSet>
+      <dgm:spPr/>
+    </dgm:pt>
+    <dgm:pt modelId="{E3E56ED7-6E7B-419A-80C7-0CB753D6BD19}" type="pres">
+      <dgm:prSet presAssocID="{856951FD-82D0-477E-8940-16B3B22F5698}" presName="sibTrans" presStyleCnt="0"/>
+      <dgm:spPr/>
+    </dgm:pt>
+    <dgm:pt modelId="{543E5286-F93E-4038-9BA9-D50E0D42B152}" type="pres">
+      <dgm:prSet presAssocID="{CD4BFA8E-C797-4661-803D-E8C08148CFBA}" presName="composite" presStyleCnt="0"/>
+      <dgm:spPr/>
+    </dgm:pt>
+    <dgm:pt modelId="{1D229A78-2F52-4E53-95D9-1CE10743129F}" type="pres">
+      <dgm:prSet presAssocID="{CD4BFA8E-C797-4661-803D-E8C08148CFBA}" presName="bentUpArrow1" presStyleLbl="alignImgPlace1" presStyleIdx="1" presStyleCnt="2"/>
+      <dgm:spPr/>
+    </dgm:pt>
+    <dgm:pt modelId="{D62DD6A4-A238-4782-8FED-F742C3E33E47}" type="pres">
+      <dgm:prSet presAssocID="{CD4BFA8E-C797-4661-803D-E8C08148CFBA}" presName="ParentText" presStyleLbl="node1" presStyleIdx="1" presStyleCnt="3" custScaleX="156902" custScaleY="91045" custLinFactNeighborX="-6375" custLinFactNeighborY="-4249">
+        <dgm:presLayoutVars>
+          <dgm:chMax val="1"/>
+          <dgm:chPref val="1"/>
+          <dgm:bulletEnabled val="1"/>
+        </dgm:presLayoutVars>
+      </dgm:prSet>
+      <dgm:spPr/>
+    </dgm:pt>
+    <dgm:pt modelId="{D982D841-0F4E-4194-BA6E-8265C0EE41E6}" type="pres">
+      <dgm:prSet presAssocID="{CD4BFA8E-C797-4661-803D-E8C08148CFBA}" presName="ChildText" presStyleLbl="revTx" presStyleIdx="1" presStyleCnt="3" custScaleX="226403" custLinFactX="5696" custLinFactNeighborX="100000" custLinFactNeighborY="-11518">
+        <dgm:presLayoutVars>
+          <dgm:chMax val="0"/>
+          <dgm:chPref val="0"/>
+          <dgm:bulletEnabled val="1"/>
+        </dgm:presLayoutVars>
+      </dgm:prSet>
+      <dgm:spPr/>
+    </dgm:pt>
+    <dgm:pt modelId="{7FBB80D3-CB2F-4068-AE1C-D10413D2C637}" type="pres">
+      <dgm:prSet presAssocID="{36651CF2-4017-438C-A729-97B40E8D4581}" presName="sibTrans" presStyleCnt="0"/>
+      <dgm:spPr/>
+    </dgm:pt>
+    <dgm:pt modelId="{BC54DACF-26BC-4D5E-99D4-88DDEA6A9005}" type="pres">
+      <dgm:prSet presAssocID="{AC5CB9AF-6818-471B-89E9-597FCAC11DBB}" presName="composite" presStyleCnt="0"/>
+      <dgm:spPr/>
+    </dgm:pt>
+    <dgm:pt modelId="{5B9741FF-6FA9-4FBF-AF78-BD8E8D06D574}" type="pres">
+      <dgm:prSet presAssocID="{AC5CB9AF-6818-471B-89E9-597FCAC11DBB}" presName="ParentText" presStyleLbl="node1" presStyleIdx="2" presStyleCnt="3" custScaleX="147670" custScaleY="87204" custLinFactNeighborX="-4080" custLinFactNeighborY="-11077">
+        <dgm:presLayoutVars>
+          <dgm:chMax val="1"/>
+          <dgm:chPref val="1"/>
+          <dgm:bulletEnabled val="1"/>
+        </dgm:presLayoutVars>
+      </dgm:prSet>
+      <dgm:spPr/>
+    </dgm:pt>
+    <dgm:pt modelId="{39A2C4B4-D988-4263-902A-FDBB1806567C}" type="pres">
+      <dgm:prSet presAssocID="{AC5CB9AF-6818-471B-89E9-597FCAC11DBB}" presName="FinalChildText" presStyleLbl="revTx" presStyleIdx="2" presStyleCnt="3" custScaleX="104785" custLinFactNeighborX="31263" custLinFactNeighborY="-11443">
+        <dgm:presLayoutVars>
+          <dgm:chMax val="0"/>
+          <dgm:chPref val="0"/>
+          <dgm:bulletEnabled val="1"/>
+        </dgm:presLayoutVars>
+      </dgm:prSet>
+      <dgm:spPr/>
+    </dgm:pt>
+  </dgm:ptLst>
+  <dgm:cxnLst>
+    <dgm:cxn modelId="{A0A76F0E-D656-49DD-8E35-BCF2BEE7C1F4}" type="presOf" srcId="{358ABF4A-FC68-43C0-AB36-BDA499C36472}" destId="{AECF62EF-64C5-4DBD-B200-BCE68A395269}" srcOrd="0" destOrd="0" presId="urn:microsoft.com/office/officeart/2005/8/layout/StepDownProcess"/>
+    <dgm:cxn modelId="{4AF18525-B594-4AD2-8D17-EFC7554F98AF}" srcId="{57215324-4B36-4698-928B-A519AAB8B2BA}" destId="{CD4BFA8E-C797-4661-803D-E8C08148CFBA}" srcOrd="1" destOrd="0" parTransId="{25248325-C8D7-4080-B0A3-01C1C039D033}" sibTransId="{36651CF2-4017-438C-A729-97B40E8D4581}"/>
+    <dgm:cxn modelId="{FAD44126-9496-43EC-ABA7-4AE84E2537AA}" srcId="{23FAF6AD-92AA-4B4B-94F4-B5823555B8D3}" destId="{358ABF4A-FC68-43C0-AB36-BDA499C36472}" srcOrd="0" destOrd="0" parTransId="{3B984CCA-996B-4158-A0DF-FAF317905A9B}" sibTransId="{7967366A-168D-412E-9D1D-88706D3A0FD0}"/>
+    <dgm:cxn modelId="{3D476630-9267-4A97-98DE-784B7CEA4AB6}" type="presOf" srcId="{57215324-4B36-4698-928B-A519AAB8B2BA}" destId="{AA8399F3-B393-42C5-93C2-24AAED05767E}" srcOrd="0" destOrd="0" presId="urn:microsoft.com/office/officeart/2005/8/layout/StepDownProcess"/>
+    <dgm:cxn modelId="{B2166A3B-B17A-4D96-818A-EB49E698E8D1}" srcId="{AC5CB9AF-6818-471B-89E9-597FCAC11DBB}" destId="{B04BE6B5-3481-430E-AA08-ECA9F4C6FB9A}" srcOrd="0" destOrd="0" parTransId="{FFAC3A82-5CC1-4CE5-A2A4-71A59A320D59}" sibTransId="{48C5D5C7-8EEC-4C63-8037-FFD535BF0CBE}"/>
+    <dgm:cxn modelId="{C6D89C45-3534-4AC8-A104-4D818B3C0A44}" type="presOf" srcId="{CD4BFA8E-C797-4661-803D-E8C08148CFBA}" destId="{D62DD6A4-A238-4782-8FED-F742C3E33E47}" srcOrd="0" destOrd="0" presId="urn:microsoft.com/office/officeart/2005/8/layout/StepDownProcess"/>
+    <dgm:cxn modelId="{5613D88A-01CE-44D2-9D3F-6A40CA2DA851}" type="presOf" srcId="{23FAF6AD-92AA-4B4B-94F4-B5823555B8D3}" destId="{5E81B5D2-B089-4B78-9EB8-5432B35A7A8E}" srcOrd="0" destOrd="0" presId="urn:microsoft.com/office/officeart/2005/8/layout/StepDownProcess"/>
+    <dgm:cxn modelId="{0F924AB5-987F-455F-917D-3F0774B524C1}" type="presOf" srcId="{B04BE6B5-3481-430E-AA08-ECA9F4C6FB9A}" destId="{39A2C4B4-D988-4263-902A-FDBB1806567C}" srcOrd="0" destOrd="0" presId="urn:microsoft.com/office/officeart/2005/8/layout/StepDownProcess"/>
+    <dgm:cxn modelId="{6713E4BD-75AD-44E2-BB1C-EA97769F2EB1}" type="presOf" srcId="{15D5409B-8E41-4CF7-97D5-ADE28A891E40}" destId="{D982D841-0F4E-4194-BA6E-8265C0EE41E6}" srcOrd="0" destOrd="0" presId="urn:microsoft.com/office/officeart/2005/8/layout/StepDownProcess"/>
+    <dgm:cxn modelId="{CA8D88C6-CD80-42D3-8086-1A52855E27FC}" srcId="{CD4BFA8E-C797-4661-803D-E8C08148CFBA}" destId="{15D5409B-8E41-4CF7-97D5-ADE28A891E40}" srcOrd="0" destOrd="0" parTransId="{7AA6BC19-5FF1-4EE8-994F-2CECF8A018F0}" sibTransId="{82DD4E70-F76D-4522-96DF-1EF1A4AE332C}"/>
+    <dgm:cxn modelId="{EF4CDDDD-6F36-4986-A974-3AF35295EE45}" srcId="{57215324-4B36-4698-928B-A519AAB8B2BA}" destId="{23FAF6AD-92AA-4B4B-94F4-B5823555B8D3}" srcOrd="0" destOrd="0" parTransId="{AE8AE40E-81F6-434F-B844-85B5D2EE1476}" sibTransId="{856951FD-82D0-477E-8940-16B3B22F5698}"/>
+    <dgm:cxn modelId="{CDA6AFF4-AEB2-48F8-9AE7-C252264B2C9B}" type="presOf" srcId="{AC5CB9AF-6818-471B-89E9-597FCAC11DBB}" destId="{5B9741FF-6FA9-4FBF-AF78-BD8E8D06D574}" srcOrd="0" destOrd="0" presId="urn:microsoft.com/office/officeart/2005/8/layout/StepDownProcess"/>
+    <dgm:cxn modelId="{34339AF7-1F7C-4177-B5AE-E02147A8C2D7}" srcId="{57215324-4B36-4698-928B-A519AAB8B2BA}" destId="{AC5CB9AF-6818-471B-89E9-597FCAC11DBB}" srcOrd="2" destOrd="0" parTransId="{48646341-2CAC-48C6-B870-5918DC2A607F}" sibTransId="{90D7488A-B5B2-4C51-95D5-72F0F0952BFC}"/>
+    <dgm:cxn modelId="{1B0854A3-76A0-4552-8A4A-594D304FDE32}" type="presParOf" srcId="{AA8399F3-B393-42C5-93C2-24AAED05767E}" destId="{1296E01F-BE85-42FE-A703-5F1B45D5F0C2}" srcOrd="0" destOrd="0" presId="urn:microsoft.com/office/officeart/2005/8/layout/StepDownProcess"/>
+    <dgm:cxn modelId="{9A91720E-D920-4D5C-B2F0-560E7CCE2850}" type="presParOf" srcId="{1296E01F-BE85-42FE-A703-5F1B45D5F0C2}" destId="{EF1439CA-CDE0-45DB-8D3D-F1704EAC71C2}" srcOrd="0" destOrd="0" presId="urn:microsoft.com/office/officeart/2005/8/layout/StepDownProcess"/>
+    <dgm:cxn modelId="{518AE0F3-D489-4FA5-BD3B-FCD72C89340C}" type="presParOf" srcId="{1296E01F-BE85-42FE-A703-5F1B45D5F0C2}" destId="{5E81B5D2-B089-4B78-9EB8-5432B35A7A8E}" srcOrd="1" destOrd="0" presId="urn:microsoft.com/office/officeart/2005/8/layout/StepDownProcess"/>
+    <dgm:cxn modelId="{48B193C4-345A-4115-BA95-8D0738B04BA6}" type="presParOf" srcId="{1296E01F-BE85-42FE-A703-5F1B45D5F0C2}" destId="{AECF62EF-64C5-4DBD-B200-BCE68A395269}" srcOrd="2" destOrd="0" presId="urn:microsoft.com/office/officeart/2005/8/layout/StepDownProcess"/>
+    <dgm:cxn modelId="{A97BFF57-3507-4AFE-B485-B4E8C62669C0}" type="presParOf" srcId="{AA8399F3-B393-42C5-93C2-24AAED05767E}" destId="{E3E56ED7-6E7B-419A-80C7-0CB753D6BD19}" srcOrd="1" destOrd="0" presId="urn:microsoft.com/office/officeart/2005/8/layout/StepDownProcess"/>
+    <dgm:cxn modelId="{235E3469-0950-4F42-9117-AC7DD3EDCBC0}" type="presParOf" srcId="{AA8399F3-B393-42C5-93C2-24AAED05767E}" destId="{543E5286-F93E-4038-9BA9-D50E0D42B152}" srcOrd="2" destOrd="0" presId="urn:microsoft.com/office/officeart/2005/8/layout/StepDownProcess"/>
+    <dgm:cxn modelId="{6BC2C6D7-2A0F-41DB-BD15-1C3B6653A910}" type="presParOf" srcId="{543E5286-F93E-4038-9BA9-D50E0D42B152}" destId="{1D229A78-2F52-4E53-95D9-1CE10743129F}" srcOrd="0" destOrd="0" presId="urn:microsoft.com/office/officeart/2005/8/layout/StepDownProcess"/>
+    <dgm:cxn modelId="{F66E6F9D-C164-43C6-9DF0-6911A69844E4}" type="presParOf" srcId="{543E5286-F93E-4038-9BA9-D50E0D42B152}" destId="{D62DD6A4-A238-4782-8FED-F742C3E33E47}" srcOrd="1" destOrd="0" presId="urn:microsoft.com/office/officeart/2005/8/layout/StepDownProcess"/>
+    <dgm:cxn modelId="{595BBF49-FCEE-461E-BF60-C5A16D5088FA}" type="presParOf" srcId="{543E5286-F93E-4038-9BA9-D50E0D42B152}" destId="{D982D841-0F4E-4194-BA6E-8265C0EE41E6}" srcOrd="2" destOrd="0" presId="urn:microsoft.com/office/officeart/2005/8/layout/StepDownProcess"/>
+    <dgm:cxn modelId="{5AEE544E-F42E-4F2B-8290-4F1CD3BA0726}" type="presParOf" srcId="{AA8399F3-B393-42C5-93C2-24AAED05767E}" destId="{7FBB80D3-CB2F-4068-AE1C-D10413D2C637}" srcOrd="3" destOrd="0" presId="urn:microsoft.com/office/officeart/2005/8/layout/StepDownProcess"/>
+    <dgm:cxn modelId="{865EACF7-73C0-43EB-BC92-FF248EF4A844}" type="presParOf" srcId="{AA8399F3-B393-42C5-93C2-24AAED05767E}" destId="{BC54DACF-26BC-4D5E-99D4-88DDEA6A9005}" srcOrd="4" destOrd="0" presId="urn:microsoft.com/office/officeart/2005/8/layout/StepDownProcess"/>
+    <dgm:cxn modelId="{D89C7C47-53BA-459B-90F3-03223B97FD74}" type="presParOf" srcId="{BC54DACF-26BC-4D5E-99D4-88DDEA6A9005}" destId="{5B9741FF-6FA9-4FBF-AF78-BD8E8D06D574}" srcOrd="0" destOrd="0" presId="urn:microsoft.com/office/officeart/2005/8/layout/StepDownProcess"/>
+    <dgm:cxn modelId="{69C2324B-2659-4C19-A29E-85A7452A7061}" type="presParOf" srcId="{BC54DACF-26BC-4D5E-99D4-88DDEA6A9005}" destId="{39A2C4B4-D988-4263-902A-FDBB1806567C}" srcOrd="1" destOrd="0" presId="urn:microsoft.com/office/officeart/2005/8/layout/StepDownProcess"/>
+  </dgm:cxnLst>
+  <dgm:bg/>
+  <dgm:whole/>
+  <dgm:extLst>
+    <a:ext uri="http://schemas.microsoft.com/office/drawing/2008/diagram">
+      <dsp:dataModelExt xmlns:dsp="http://schemas.microsoft.com/office/drawing/2008/diagram" relId="rId6" minVer="http://schemas.openxmlformats.org/drawingml/2006/diagram"/>
+    </a:ext>
+  </dgm:extLst>
+</dgm:dataModel>
+</file>
+
+<file path=ppt/diagrams/drawing1.xml><?xml version="1.0" encoding="utf-8"?>
+<dsp:drawing xmlns:dgm="http://schemas.openxmlformats.org/drawingml/2006/diagram" xmlns:dsp="http://schemas.microsoft.com/office/drawing/2008/diagram" xmlns:a="http://schemas.openxmlformats.org/drawingml/2006/main">
+  <dsp:spTree>
+    <dsp:nvGrpSpPr>
+      <dsp:cNvPr id="0" name=""/>
+      <dsp:cNvGrpSpPr/>
+    </dsp:nvGrpSpPr>
+    <dsp:grpSpPr/>
+    <dsp:sp modelId="{EF1439CA-CDE0-45DB-8D3D-F1704EAC71C2}">
+      <dsp:nvSpPr>
+        <dsp:cNvPr id="0" name=""/>
+        <dsp:cNvSpPr/>
+      </dsp:nvSpPr>
+      <dsp:spPr>
+        <a:xfrm rot="5400000">
+          <a:off x="1691828" y="1480811"/>
+          <a:ext cx="1312930" cy="1494724"/>
+        </a:xfrm>
+        <a:prstGeom prst="bentUpArrow">
+          <a:avLst>
+            <a:gd name="adj1" fmla="val 32840"/>
+            <a:gd name="adj2" fmla="val 25000"/>
+            <a:gd name="adj3" fmla="val 35780"/>
+          </a:avLst>
+        </a:prstGeom>
+        <a:solidFill>
+          <a:schemeClr val="dk2">
+            <a:tint val="50000"/>
+            <a:hueOff val="0"/>
+            <a:satOff val="0"/>
+            <a:lumOff val="0"/>
+            <a:alphaOff val="0"/>
+          </a:schemeClr>
+        </a:solidFill>
+        <a:ln w="19050" cap="rnd" cmpd="sng" algn="ctr">
+          <a:solidFill>
+            <a:schemeClr val="dk2">
+              <a:shade val="80000"/>
+              <a:hueOff val="0"/>
+              <a:satOff val="0"/>
+              <a:lumOff val="0"/>
+              <a:alphaOff val="0"/>
+            </a:schemeClr>
+          </a:solidFill>
+          <a:prstDash val="solid"/>
+        </a:ln>
+        <a:effectLst/>
+      </dsp:spPr>
+      <dsp:style>
+        <a:lnRef idx="2">
+          <a:scrgbClr r="0" g="0" b="0"/>
+        </a:lnRef>
+        <a:fillRef idx="1">
+          <a:scrgbClr r="0" g="0" b="0"/>
+        </a:fillRef>
+        <a:effectRef idx="0">
+          <a:scrgbClr r="0" g="0" b="0"/>
+        </a:effectRef>
+        <a:fontRef idx="minor"/>
+      </dsp:style>
+    </dsp:sp>
+    <dsp:sp modelId="{5E81B5D2-B089-4B78-9EB8-5432B35A7A8E}">
+      <dsp:nvSpPr>
+        <dsp:cNvPr id="0" name=""/>
+        <dsp:cNvSpPr/>
+      </dsp:nvSpPr>
+      <dsp:spPr>
+        <a:xfrm>
+          <a:off x="0" y="0"/>
+          <a:ext cx="3554733" cy="1547069"/>
+        </a:xfrm>
+        <a:prstGeom prst="roundRect">
+          <a:avLst>
+            <a:gd name="adj" fmla="val 16670"/>
+          </a:avLst>
+        </a:prstGeom>
+        <a:solidFill>
+          <a:schemeClr val="dk2">
+            <a:hueOff val="0"/>
+            <a:satOff val="0"/>
+            <a:lumOff val="0"/>
+            <a:alphaOff val="0"/>
+          </a:schemeClr>
+        </a:solidFill>
+        <a:ln w="19050" cap="rnd" cmpd="sng" algn="ctr">
+          <a:solidFill>
+            <a:schemeClr val="lt2">
+              <a:hueOff val="0"/>
+              <a:satOff val="0"/>
+              <a:lumOff val="0"/>
+              <a:alphaOff val="0"/>
+            </a:schemeClr>
+          </a:solidFill>
+          <a:prstDash val="solid"/>
+        </a:ln>
+        <a:effectLst/>
+      </dsp:spPr>
+      <dsp:style>
+        <a:lnRef idx="2">
+          <a:scrgbClr r="0" g="0" b="0"/>
+        </a:lnRef>
+        <a:fillRef idx="1">
+          <a:scrgbClr r="0" g="0" b="0"/>
+        </a:fillRef>
+        <a:effectRef idx="0">
+          <a:scrgbClr r="0" g="0" b="0"/>
+        </a:effectRef>
+        <a:fontRef idx="minor">
+          <a:schemeClr val="lt1"/>
+        </a:fontRef>
+      </dsp:style>
+      <dsp:txBody>
+        <a:bodyPr spcFirstLastPara="0" vert="horz" wrap="square" lIns="121920" tIns="121920" rIns="121920" bIns="121920" numCol="1" spcCol="1270" anchor="ctr" anchorCtr="0">
+          <a:noAutofit/>
+        </a:bodyPr>
+        <a:lstStyle/>
+        <a:p>
+          <a:pPr marL="0" lvl="0" indent="0" algn="ctr" defTabSz="1422400">
+            <a:lnSpc>
+              <a:spcPct val="90000"/>
+            </a:lnSpc>
+            <a:spcBef>
+              <a:spcPct val="0"/>
+            </a:spcBef>
+            <a:spcAft>
+              <a:spcPct val="35000"/>
+            </a:spcAft>
+            <a:buNone/>
+          </a:pPr>
+          <a:r>
+            <a:rPr lang="en-US" sz="3200" b="1" kern="1200" dirty="0">
+              <a:effectLst>
+                <a:outerShdw blurRad="38100" dist="38100" dir="2700000" algn="tl">
+                  <a:srgbClr val="000000">
+                    <a:alpha val="43137"/>
+                  </a:srgbClr>
+                </a:outerShdw>
+              </a:effectLst>
+              <a:latin typeface="Questrial" panose="02000000000000000000"/>
+            </a:rPr>
+            <a:t>80 </a:t>
+          </a:r>
+          <a:r>
+            <a:rPr lang="en-US" sz="3200" kern="1200" dirty="0">
+              <a:latin typeface="Questrial" panose="02000000000000000000"/>
+            </a:rPr>
+            <a:t>spreadsheets</a:t>
+          </a:r>
+        </a:p>
+      </dsp:txBody>
+      <dsp:txXfrm>
+        <a:off x="75535" y="75535"/>
+        <a:ext cx="3403663" cy="1395999"/>
+      </dsp:txXfrm>
+    </dsp:sp>
+    <dsp:sp modelId="{AECF62EF-64C5-4DBD-B200-BCE68A395269}">
+      <dsp:nvSpPr>
+        <dsp:cNvPr id="0" name=""/>
+        <dsp:cNvSpPr/>
+      </dsp:nvSpPr>
+      <dsp:spPr>
+        <a:xfrm>
+          <a:off x="3614504" y="64227"/>
+          <a:ext cx="3691294" cy="1250409"/>
+        </a:xfrm>
+        <a:prstGeom prst="rect">
+          <a:avLst/>
+        </a:prstGeom>
+        <a:noFill/>
+        <a:ln>
+          <a:noFill/>
+        </a:ln>
+        <a:effectLst/>
+      </dsp:spPr>
+      <dsp:style>
+        <a:lnRef idx="0">
+          <a:scrgbClr r="0" g="0" b="0"/>
+        </a:lnRef>
+        <a:fillRef idx="0">
+          <a:scrgbClr r="0" g="0" b="0"/>
+        </a:fillRef>
+        <a:effectRef idx="0">
+          <a:scrgbClr r="0" g="0" b="0"/>
+        </a:effectRef>
+        <a:fontRef idx="minor"/>
+      </dsp:style>
+      <dsp:txBody>
+        <a:bodyPr spcFirstLastPara="0" vert="horz" wrap="square" lIns="91440" tIns="91440" rIns="91440" bIns="91440" numCol="1" spcCol="1270" anchor="ctr" anchorCtr="0">
+          <a:noAutofit/>
+        </a:bodyPr>
+        <a:lstStyle/>
+        <a:p>
+          <a:pPr marL="228600" lvl="1" indent="-228600" algn="l" defTabSz="1066800">
+            <a:lnSpc>
+              <a:spcPct val="90000"/>
+            </a:lnSpc>
+            <a:spcBef>
+              <a:spcPct val="0"/>
+            </a:spcBef>
+            <a:spcAft>
+              <a:spcPct val="15000"/>
+            </a:spcAft>
+            <a:buFontTx/>
+            <a:buNone/>
+          </a:pPr>
+          <a:r>
+            <a:rPr lang="en-US" sz="2400" kern="1200" dirty="0">
+              <a:solidFill>
+                <a:schemeClr val="bg1"/>
+              </a:solidFill>
+              <a:latin typeface="Questrial" panose="02000000000000000000"/>
+            </a:rPr>
+            <a:t>2003 – 2018 sales data by year and borough</a:t>
+          </a:r>
+        </a:p>
+      </dsp:txBody>
+      <dsp:txXfrm>
+        <a:off x="3614504" y="64227"/>
+        <a:ext cx="3691294" cy="1250409"/>
+      </dsp:txXfrm>
+    </dsp:sp>
+    <dsp:sp modelId="{1D229A78-2F52-4E53-95D9-1CE10743129F}">
+      <dsp:nvSpPr>
+        <dsp:cNvPr id="0" name=""/>
+        <dsp:cNvSpPr/>
+      </dsp:nvSpPr>
+      <dsp:spPr>
+        <a:xfrm rot="5400000">
+          <a:off x="4303679" y="3149410"/>
+          <a:ext cx="1312930" cy="1494724"/>
+        </a:xfrm>
+        <a:prstGeom prst="bentUpArrow">
+          <a:avLst>
+            <a:gd name="adj1" fmla="val 32840"/>
+            <a:gd name="adj2" fmla="val 25000"/>
+            <a:gd name="adj3" fmla="val 35780"/>
+          </a:avLst>
+        </a:prstGeom>
+        <a:solidFill>
+          <a:schemeClr val="dk2">
+            <a:tint val="50000"/>
+            <a:hueOff val="0"/>
+            <a:satOff val="0"/>
+            <a:lumOff val="0"/>
+            <a:alphaOff val="0"/>
+          </a:schemeClr>
+        </a:solidFill>
+        <a:ln w="19050" cap="rnd" cmpd="sng" algn="ctr">
+          <a:solidFill>
+            <a:schemeClr val="dk2">
+              <a:shade val="80000"/>
+              <a:hueOff val="0"/>
+              <a:satOff val="0"/>
+              <a:lumOff val="0"/>
+              <a:alphaOff val="0"/>
+            </a:schemeClr>
+          </a:solidFill>
+          <a:prstDash val="solid"/>
+        </a:ln>
+        <a:effectLst/>
+      </dsp:spPr>
+      <dsp:style>
+        <a:lnRef idx="2">
+          <a:scrgbClr r="0" g="0" b="0"/>
+        </a:lnRef>
+        <a:fillRef idx="1">
+          <a:scrgbClr r="0" g="0" b="0"/>
+        </a:fillRef>
+        <a:effectRef idx="0">
+          <a:scrgbClr r="0" g="0" b="0"/>
+        </a:effectRef>
+        <a:fontRef idx="minor"/>
+      </dsp:style>
+    </dsp:sp>
+    <dsp:sp modelId="{D62DD6A4-A238-4782-8FED-F742C3E33E47}">
+      <dsp:nvSpPr>
+        <dsp:cNvPr id="0" name=""/>
+        <dsp:cNvSpPr/>
+      </dsp:nvSpPr>
+      <dsp:spPr>
+        <a:xfrm>
+          <a:off x="3186108" y="1697536"/>
+          <a:ext cx="3467849" cy="1408529"/>
+        </a:xfrm>
+        <a:prstGeom prst="roundRect">
+          <a:avLst>
+            <a:gd name="adj" fmla="val 16670"/>
+          </a:avLst>
+        </a:prstGeom>
+        <a:solidFill>
+          <a:schemeClr val="dk2">
+            <a:hueOff val="0"/>
+            <a:satOff val="0"/>
+            <a:lumOff val="0"/>
+            <a:alphaOff val="0"/>
+          </a:schemeClr>
+        </a:solidFill>
+        <a:ln w="19050" cap="rnd" cmpd="sng" algn="ctr">
+          <a:solidFill>
+            <a:schemeClr val="lt2">
+              <a:hueOff val="0"/>
+              <a:satOff val="0"/>
+              <a:lumOff val="0"/>
+              <a:alphaOff val="0"/>
+            </a:schemeClr>
+          </a:solidFill>
+          <a:prstDash val="solid"/>
+        </a:ln>
+        <a:effectLst/>
+      </dsp:spPr>
+      <dsp:style>
+        <a:lnRef idx="2">
+          <a:scrgbClr r="0" g="0" b="0"/>
+        </a:lnRef>
+        <a:fillRef idx="1">
+          <a:scrgbClr r="0" g="0" b="0"/>
+        </a:fillRef>
+        <a:effectRef idx="0">
+          <a:scrgbClr r="0" g="0" b="0"/>
+        </a:effectRef>
+        <a:fontRef idx="minor">
+          <a:schemeClr val="lt1"/>
+        </a:fontRef>
+      </dsp:style>
+      <dsp:txBody>
+        <a:bodyPr spcFirstLastPara="0" vert="horz" wrap="square" lIns="121920" tIns="121920" rIns="121920" bIns="121920" numCol="1" spcCol="1270" anchor="ctr" anchorCtr="0">
+          <a:noAutofit/>
+        </a:bodyPr>
+        <a:lstStyle/>
+        <a:p>
+          <a:pPr marL="0" lvl="0" indent="0" algn="ctr" defTabSz="1422400">
+            <a:lnSpc>
+              <a:spcPct val="90000"/>
+            </a:lnSpc>
+            <a:spcBef>
+              <a:spcPct val="0"/>
+            </a:spcBef>
+            <a:spcAft>
+              <a:spcPct val="35000"/>
+            </a:spcAft>
+            <a:buNone/>
+          </a:pPr>
+          <a:r>
+            <a:rPr lang="en-US" sz="3200" b="1" kern="1200" dirty="0">
+              <a:effectLst>
+                <a:outerShdw blurRad="38100" dist="38100" dir="2700000" algn="tl">
+                  <a:srgbClr val="000000">
+                    <a:alpha val="43137"/>
+                  </a:srgbClr>
+                </a:outerShdw>
+              </a:effectLst>
+              <a:latin typeface="Questrial" panose="02000000000000000000"/>
+            </a:rPr>
+            <a:t>1</a:t>
+          </a:r>
+          <a:r>
+            <a:rPr lang="en-US" sz="3200" kern="1200" dirty="0">
+              <a:latin typeface="Questrial" panose="02000000000000000000"/>
+            </a:rPr>
+            <a:t> SQL database</a:t>
+          </a:r>
+        </a:p>
+      </dsp:txBody>
+      <dsp:txXfrm>
+        <a:off x="3254879" y="1766307"/>
+        <a:ext cx="3330307" cy="1270987"/>
+      </dsp:txXfrm>
+    </dsp:sp>
+    <dsp:sp modelId="{D982D841-0F4E-4194-BA6E-8265C0EE41E6}">
+      <dsp:nvSpPr>
+        <dsp:cNvPr id="0" name=""/>
+        <dsp:cNvSpPr/>
+      </dsp:nvSpPr>
+      <dsp:spPr>
+        <a:xfrm>
+          <a:off x="6849129" y="1697527"/>
+          <a:ext cx="3639405" cy="1250409"/>
+        </a:xfrm>
+        <a:prstGeom prst="rect">
+          <a:avLst/>
+        </a:prstGeom>
+        <a:noFill/>
+        <a:ln>
+          <a:noFill/>
+        </a:ln>
+        <a:effectLst/>
+      </dsp:spPr>
+      <dsp:style>
+        <a:lnRef idx="0">
+          <a:scrgbClr r="0" g="0" b="0"/>
+        </a:lnRef>
+        <a:fillRef idx="0">
+          <a:scrgbClr r="0" g="0" b="0"/>
+        </a:fillRef>
+        <a:effectRef idx="0">
+          <a:scrgbClr r="0" g="0" b="0"/>
+        </a:effectRef>
+        <a:fontRef idx="minor"/>
+      </dsp:style>
+      <dsp:txBody>
+        <a:bodyPr spcFirstLastPara="0" vert="horz" wrap="square" lIns="91440" tIns="91440" rIns="91440" bIns="91440" numCol="1" spcCol="1270" anchor="ctr" anchorCtr="0">
+          <a:noAutofit/>
+        </a:bodyPr>
+        <a:lstStyle/>
+        <a:p>
+          <a:pPr marL="228600" lvl="1" indent="-228600" algn="l" defTabSz="1066800">
+            <a:lnSpc>
+              <a:spcPct val="90000"/>
+            </a:lnSpc>
+            <a:spcBef>
+              <a:spcPct val="0"/>
+            </a:spcBef>
+            <a:spcAft>
+              <a:spcPct val="15000"/>
+            </a:spcAft>
+            <a:buFontTx/>
+            <a:buNone/>
+          </a:pPr>
+          <a:r>
+            <a:rPr lang="en-US" sz="2400" kern="1200" dirty="0">
+              <a:solidFill>
+                <a:schemeClr val="bg1"/>
+              </a:solidFill>
+              <a:latin typeface="Questrial" panose="02000000000000000000"/>
+            </a:rPr>
+            <a:t>loaded all spreadsheets into </a:t>
+          </a:r>
+          <a:r>
+            <a:rPr lang="en-US" sz="2400" kern="1200" dirty="0" err="1">
+              <a:solidFill>
+                <a:schemeClr val="bg1"/>
+              </a:solidFill>
+              <a:latin typeface="Questrial" panose="02000000000000000000"/>
+            </a:rPr>
+            <a:t>pgAdmin</a:t>
+          </a:r>
+          <a:endParaRPr lang="en-US" sz="2400" kern="1200" dirty="0">
+            <a:solidFill>
+              <a:schemeClr val="bg1"/>
+            </a:solidFill>
+            <a:latin typeface="Questrial" panose="02000000000000000000"/>
+          </a:endParaRPr>
+        </a:p>
+      </dsp:txBody>
+      <dsp:txXfrm>
+        <a:off x="6849129" y="1697527"/>
+        <a:ext cx="3639405" cy="1250409"/>
+      </dsp:txXfrm>
+    </dsp:sp>
+    <dsp:sp modelId="{5B9741FF-6FA9-4FBF-AF78-BD8E8D06D574}">
+      <dsp:nvSpPr>
+        <dsp:cNvPr id="0" name=""/>
+        <dsp:cNvSpPr/>
+      </dsp:nvSpPr>
+      <dsp:spPr>
+        <a:xfrm>
+          <a:off x="5892124" y="3260501"/>
+          <a:ext cx="3263804" cy="1349106"/>
+        </a:xfrm>
+        <a:prstGeom prst="roundRect">
+          <a:avLst>
+            <a:gd name="adj" fmla="val 16670"/>
+          </a:avLst>
+        </a:prstGeom>
+        <a:solidFill>
+          <a:schemeClr val="dk2">
+            <a:hueOff val="0"/>
+            <a:satOff val="0"/>
+            <a:lumOff val="0"/>
+            <a:alphaOff val="0"/>
+          </a:schemeClr>
+        </a:solidFill>
+        <a:ln w="19050" cap="rnd" cmpd="sng" algn="ctr">
+          <a:solidFill>
+            <a:schemeClr val="lt2">
+              <a:hueOff val="0"/>
+              <a:satOff val="0"/>
+              <a:lumOff val="0"/>
+              <a:alphaOff val="0"/>
+            </a:schemeClr>
+          </a:solidFill>
+          <a:prstDash val="solid"/>
+        </a:ln>
+        <a:effectLst/>
+      </dsp:spPr>
+      <dsp:style>
+        <a:lnRef idx="2">
+          <a:scrgbClr r="0" g="0" b="0"/>
+        </a:lnRef>
+        <a:fillRef idx="1">
+          <a:scrgbClr r="0" g="0" b="0"/>
+        </a:fillRef>
+        <a:effectRef idx="0">
+          <a:scrgbClr r="0" g="0" b="0"/>
+        </a:effectRef>
+        <a:fontRef idx="minor">
+          <a:schemeClr val="lt1"/>
+        </a:fontRef>
+      </dsp:style>
+      <dsp:txBody>
+        <a:bodyPr spcFirstLastPara="0" vert="horz" wrap="square" lIns="121920" tIns="121920" rIns="121920" bIns="121920" numCol="1" spcCol="1270" anchor="ctr" anchorCtr="0">
+          <a:noAutofit/>
+        </a:bodyPr>
+        <a:lstStyle/>
+        <a:p>
+          <a:pPr marL="0" lvl="0" indent="0" algn="ctr" defTabSz="1422400">
+            <a:lnSpc>
+              <a:spcPct val="90000"/>
+            </a:lnSpc>
+            <a:spcBef>
+              <a:spcPct val="0"/>
+            </a:spcBef>
+            <a:spcAft>
+              <a:spcPct val="35000"/>
+            </a:spcAft>
+            <a:buNone/>
+          </a:pPr>
+          <a:r>
+            <a:rPr lang="en-US" sz="3200" b="1" kern="1200" dirty="0">
+              <a:effectLst>
+                <a:outerShdw blurRad="38100" dist="38100" dir="2700000" algn="tl">
+                  <a:srgbClr val="000000">
+                    <a:alpha val="43137"/>
+                  </a:srgbClr>
+                </a:outerShdw>
+              </a:effectLst>
+              <a:latin typeface="Questrial" panose="02000000000000000000"/>
+            </a:rPr>
+            <a:t>5</a:t>
+          </a:r>
+          <a:r>
+            <a:rPr lang="en-US" sz="3200" kern="1200" dirty="0">
+              <a:latin typeface="Questrial" panose="02000000000000000000"/>
+            </a:rPr>
+            <a:t> csv files</a:t>
+          </a:r>
+        </a:p>
+      </dsp:txBody>
+      <dsp:txXfrm>
+        <a:off x="5957994" y="3326371"/>
+        <a:ext cx="3132064" cy="1217366"/>
+      </dsp:txXfrm>
+    </dsp:sp>
+    <dsp:sp modelId="{39A2C4B4-D988-4263-902A-FDBB1806567C}">
+      <dsp:nvSpPr>
+        <dsp:cNvPr id="0" name=""/>
+        <dsp:cNvSpPr/>
+      </dsp:nvSpPr>
+      <dsp:spPr>
+        <a:xfrm>
+          <a:off x="9183394" y="3337353"/>
+          <a:ext cx="1684408" cy="1250409"/>
+        </a:xfrm>
+        <a:prstGeom prst="rect">
+          <a:avLst/>
+        </a:prstGeom>
+        <a:noFill/>
+        <a:ln>
+          <a:noFill/>
+        </a:ln>
+        <a:effectLst/>
+      </dsp:spPr>
+      <dsp:style>
+        <a:lnRef idx="0">
+          <a:scrgbClr r="0" g="0" b="0"/>
+        </a:lnRef>
+        <a:fillRef idx="0">
+          <a:scrgbClr r="0" g="0" b="0"/>
+        </a:fillRef>
+        <a:effectRef idx="0">
+          <a:scrgbClr r="0" g="0" b="0"/>
+        </a:effectRef>
+        <a:fontRef idx="minor"/>
+      </dsp:style>
+      <dsp:txBody>
+        <a:bodyPr spcFirstLastPara="0" vert="horz" wrap="square" lIns="91440" tIns="91440" rIns="91440" bIns="91440" numCol="1" spcCol="1270" anchor="ctr" anchorCtr="0">
+          <a:noAutofit/>
+        </a:bodyPr>
+        <a:lstStyle/>
+        <a:p>
+          <a:pPr marL="228600" lvl="1" indent="-228600" algn="l" defTabSz="1066800">
+            <a:lnSpc>
+              <a:spcPct val="90000"/>
+            </a:lnSpc>
+            <a:spcBef>
+              <a:spcPct val="0"/>
+            </a:spcBef>
+            <a:spcAft>
+              <a:spcPct val="15000"/>
+            </a:spcAft>
+            <a:buFontTx/>
+            <a:buNone/>
+          </a:pPr>
+          <a:r>
+            <a:rPr lang="en-US" sz="2400" kern="1200" dirty="0">
+              <a:solidFill>
+                <a:schemeClr val="bg1"/>
+              </a:solidFill>
+              <a:latin typeface="Questrial" panose="02000000000000000000"/>
+            </a:rPr>
+            <a:t>export data by borough</a:t>
+          </a:r>
+        </a:p>
+      </dsp:txBody>
+      <dsp:txXfrm>
+        <a:off x="9183394" y="3337353"/>
+        <a:ext cx="1684408" cy="1250409"/>
+      </dsp:txXfrm>
+    </dsp:sp>
+  </dsp:spTree>
+</dsp:drawing>
+</file>
+
+<file path=ppt/diagrams/layout1.xml><?xml version="1.0" encoding="utf-8"?>
+<dgm:layoutDef xmlns:dgm="http://schemas.openxmlformats.org/drawingml/2006/diagram" xmlns:a="http://schemas.openxmlformats.org/drawingml/2006/main" uniqueId="urn:microsoft.com/office/officeart/2005/8/layout/StepDownProcess">
+  <dgm:title val=""/>
+  <dgm:desc val=""/>
+  <dgm:catLst>
+    <dgm:cat type="process" pri="1600"/>
+  </dgm:catLst>
+  <dgm:sampData>
+    <dgm:dataModel>
+      <dgm:ptLst>
+        <dgm:pt modelId="0" type="doc"/>
+        <dgm:pt modelId="10">
+          <dgm:prSet phldr="1"/>
+        </dgm:pt>
+        <dgm:pt modelId="11">
+          <dgm:prSet phldr="1"/>
+        </dgm:pt>
+        <dgm:pt modelId="20">
+          <dgm:prSet phldr="1"/>
+        </dgm:pt>
+        <dgm:pt modelId="21">
+          <dgm:prSet phldr="1"/>
+        </dgm:pt>
+        <dgm:pt modelId="30">
+          <dgm:prSet phldr="1"/>
+        </dgm:pt>
+        <dgm:pt modelId="31">
+          <dgm:prSet phldr="1"/>
+        </dgm:pt>
+      </dgm:ptLst>
+      <dgm:cxnLst>
+        <dgm:cxn modelId="60" srcId="0" destId="10" srcOrd="0" destOrd="0"/>
+        <dgm:cxn modelId="12" srcId="10" destId="11" srcOrd="0" destOrd="0"/>
+        <dgm:cxn modelId="70" srcId="0" destId="20" srcOrd="1" destOrd="0"/>
+        <dgm:cxn modelId="22" srcId="20" destId="21" srcOrd="0" destOrd="0"/>
+        <dgm:cxn modelId="80" srcId="0" destId="30" srcOrd="2" destOrd="0"/>
+        <dgm:cxn modelId="32" srcId="30" destId="31" srcOrd="0" destOrd="0"/>
+      </dgm:cxnLst>
+      <dgm:bg/>
+      <dgm:whole/>
+    </dgm:dataModel>
+  </dgm:sampData>
+  <dgm:styleData>
+    <dgm:dataModel>
+      <dgm:ptLst>
+        <dgm:pt modelId="0" type="doc"/>
+        <dgm:pt modelId="10">
+          <dgm:prSet phldr="1"/>
+        </dgm:pt>
+        <dgm:pt modelId="20">
+          <dgm:prSet phldr="1"/>
+        </dgm:pt>
+      </dgm:ptLst>
+      <dgm:cxnLst>
+        <dgm:cxn modelId="60" srcId="0" destId="10" srcOrd="0" destOrd="0"/>
+        <dgm:cxn modelId="70" srcId="0" destId="20" srcOrd="1" destOrd="0"/>
+      </dgm:cxnLst>
+      <dgm:bg/>
+      <dgm:whole/>
+    </dgm:dataModel>
+  </dgm:styleData>
+  <dgm:clrData>
+    <dgm:dataModel>
+      <dgm:ptLst>
+        <dgm:pt modelId="0" type="doc"/>
+        <dgm:pt modelId="10">
+          <dgm:prSet phldr="1"/>
+        </dgm:pt>
+        <dgm:pt modelId="20">
+          <dgm:prSet phldr="1"/>
+        </dgm:pt>
+        <dgm:pt modelId="30">
+          <dgm:prSet phldr="1"/>
+        </dgm:pt>
+        <dgm:pt modelId="40">
+          <dgm:prSet phldr="1"/>
+        </dgm:pt>
+      </dgm:ptLst>
+      <dgm:cxnLst>
+        <dgm:cxn modelId="60" srcId="0" destId="10" srcOrd="0" destOrd="0"/>
+        <dgm:cxn modelId="70" srcId="0" destId="20" srcOrd="1" destOrd="0"/>
+        <dgm:cxn modelId="80" srcId="0" destId="30" srcOrd="2" destOrd="0"/>
+        <dgm:cxn modelId="90" srcId="0" destId="40" srcOrd="3" destOrd="0"/>
+      </dgm:cxnLst>
+      <dgm:bg/>
+      <dgm:whole/>
+    </dgm:dataModel>
+  </dgm:clrData>
+  <dgm:layoutNode name="rootnode">
+    <dgm:varLst>
+      <dgm:chMax/>
+      <dgm:chPref/>
+      <dgm:dir/>
+      <dgm:animLvl val="lvl"/>
+    </dgm:varLst>
+    <dgm:choose name="Name0">
+      <dgm:if name="Name1" func="var" arg="dir" op="equ" val="norm">
+        <dgm:alg type="snake">
+          <dgm:param type="grDir" val="tL"/>
+          <dgm:param type="flowDir" val="row"/>
+          <dgm:param type="off" val="off"/>
+          <dgm:param type="bkpt" val="fixed"/>
+          <dgm:param type="bkPtFixedVal" val="1"/>
+        </dgm:alg>
+      </dgm:if>
+      <dgm:else name="Name2">
+        <dgm:alg type="snake">
+          <dgm:param type="grDir" val="tR"/>
+          <dgm:param type="flowDir" val="row"/>
+          <dgm:param type="off" val="off"/>
+          <dgm:param type="bkpt" val="fixed"/>
+          <dgm:param type="bkPtFixedVal" val="1"/>
+        </dgm:alg>
+      </dgm:else>
+    </dgm:choose>
+    <dgm:shape xmlns:r="http://schemas.openxmlformats.org/officeDocument/2006/relationships" r:blip="">
+      <dgm:adjLst/>
+    </dgm:shape>
+    <dgm:choose name="Name3">
+      <dgm:if name="Name4" func="var" arg="dir" op="equ" val="norm">
+        <dgm:constrLst>
+          <dgm:constr type="alignOff" forName="rootnode" val="0.48"/>
+          <dgm:constr type="primFontSz" for="des" forName="ParentText" val="65"/>
+          <dgm:constr type="primFontSz" for="des" forName="ChildText" refType="primFontSz" refFor="des" refForName="ParentText" op="lte"/>
+          <dgm:constr type="w" for="ch" forName="composite" refType="w"/>
+          <dgm:constr type="h" for="ch" forName="composite" refType="h"/>
+          <dgm:constr type="sp" refType="h" refFor="ch" refForName="composite" op="equ" fact="-0.38"/>
+        </dgm:constrLst>
+      </dgm:if>
+      <dgm:else name="Name5">
+        <dgm:constrLst>
+          <dgm:constr type="alignOff" forName="rootnode" val="0.48"/>
+          <dgm:constr type="primFontSz" for="des" forName="ParentText" val="65"/>
+          <dgm:constr type="primFontSz" for="des" forName="ChildText" refType="primFontSz" refFor="des" refForName="ParentText" op="lte"/>
+          <dgm:constr type="w" for="ch" forName="composite" refType="w"/>
+          <dgm:constr type="h" for="ch" forName="composite" refType="h"/>
+          <dgm:constr type="sp" refType="h" refFor="ch" refForName="composite" op="equ" fact="-0.38"/>
+        </dgm:constrLst>
+      </dgm:else>
+    </dgm:choose>
+    <dgm:forEach name="nodesForEach" axis="ch" ptType="node">
+      <dgm:layoutNode name="composite">
+        <dgm:alg type="composite">
+          <dgm:param type="ar" val="1.2439"/>
+        </dgm:alg>
+        <dgm:shape xmlns:r="http://schemas.openxmlformats.org/officeDocument/2006/relationships" r:blip="">
+          <dgm:adjLst/>
+        </dgm:shape>
+        <dgm:choose name="Name6">
+          <dgm:if name="Name7" func="var" arg="dir" op="equ" val="norm">
+            <dgm:constrLst>
+              <dgm:constr type="l" for="ch" forName="bentUpArrow1" refType="w" fact="0.07"/>
+              <dgm:constr type="t" for="ch" forName="bentUpArrow1" refType="h" fact="0.524"/>
+              <dgm:constr type="w" for="ch" forName="bentUpArrow1" refType="w" fact="0.3844"/>
+              <dgm:constr type="h" for="ch" forName="bentUpArrow1" refType="h" fact="0.42"/>
+              <dgm:constr type="l" for="ch" forName="ParentText" refType="w" fact="0"/>
+              <dgm:constr type="t" for="ch" forName="ParentText" refType="h" fact="0"/>
+              <dgm:constr type="w" for="ch" forName="ParentText" refType="w" fact="0.5684"/>
+              <dgm:constr type="h" for="ch" forName="ParentText" refType="h" fact="0.4949"/>
+              <dgm:constr type="l" for="ch" forName="ChildText" refType="w" refFor="ch" refForName="ParentText"/>
+              <dgm:constr type="t" for="ch" forName="ChildText" refType="h" fact="0.05"/>
+              <dgm:constr type="w" for="ch" forName="ChildText" refType="w" fact="0.4134"/>
+              <dgm:constr type="h" for="ch" forName="ChildText" refType="h" fact="0.4"/>
+              <dgm:constr type="l" for="ch" forName="FinalChildText" refType="w" refFor="ch" refForName="ParentText"/>
+              <dgm:constr type="t" for="ch" forName="FinalChildText" refType="h" fact="0.05"/>
+              <dgm:constr type="w" for="ch" forName="FinalChildText" refType="w" fact="0.4134"/>
+              <dgm:constr type="h" for="ch" forName="FinalChildText" refType="h" fact="0.4"/>
+            </dgm:constrLst>
+          </dgm:if>
+          <dgm:else name="Name8">
+            <dgm:constrLst>
+              <dgm:constr type="r" for="ch" forName="bentUpArrow1" refType="w" fact="0.97"/>
+              <dgm:constr type="t" for="ch" forName="bentUpArrow1" refType="h" fact="0.524"/>
+              <dgm:constr type="w" for="ch" forName="bentUpArrow1" refType="w" fact="0.3844"/>
+              <dgm:constr type="h" for="ch" forName="bentUpArrow1" refType="h" fact="0.42"/>
+              <dgm:constr type="l" for="ch" forName="ParentText" refType="w" fact="0.4316"/>
+              <dgm:constr type="t" for="ch" forName="ParentText" refType="h" fact="0"/>
+              <dgm:constr type="w" for="ch" forName="ParentText" refType="w" fact="0.5684"/>
+              <dgm:constr type="h" for="ch" forName="ParentText" refType="h" fact="0.4949"/>
+              <dgm:constr type="l" for="ch" forName="ChildText" refType="w" fact="0"/>
+              <dgm:constr type="t" for="ch" forName="ChildText" refType="h" fact="0.05"/>
+              <dgm:constr type="w" for="ch" forName="ChildText" refType="w" fact="0.4134"/>
+              <dgm:constr type="h" for="ch" forName="ChildText" refType="h" fact="0.4"/>
+              <dgm:constr type="l" for="ch" forName="FinalChildText" refType="w" fact="0"/>
+              <dgm:constr type="t" for="ch" forName="FinalChildText" refType="h" fact="0.05"/>
+              <dgm:constr type="w" for="ch" forName="FinalChildText" refType="w" fact="0.4134"/>
+              <dgm:constr type="h" for="ch" forName="FinalChildText" refType="h" fact="0.4"/>
+            </dgm:constrLst>
+          </dgm:else>
+        </dgm:choose>
+        <dgm:choose name="Name9">
+          <dgm:if name="Name10" axis="followSib" ptType="node" func="cnt" op="gte" val="1">
+            <dgm:layoutNode name="bentUpArrow1" styleLbl="alignImgPlace1">
+              <dgm:alg type="sp"/>
+              <dgm:choose name="Name11">
+                <dgm:if name="Name12" func="var" arg="dir" op="equ" val="norm">
+                  <dgm:shape xmlns:r="http://schemas.openxmlformats.org/officeDocument/2006/relationships" rot="90" type="bentUpArrow" r:blip="">
+                    <dgm:adjLst>
+                      <dgm:adj idx="1" val="0.3284"/>
+                      <dgm:adj idx="2" val="0.25"/>
+                      <dgm:adj idx="3" val="0.3578"/>
+                    </dgm:adjLst>
+                  </dgm:shape>
+                </dgm:if>
+                <dgm:else name="Name13">
+                  <dgm:shape xmlns:r="http://schemas.openxmlformats.org/officeDocument/2006/relationships" rot="180" type="bentArrow" r:blip="">
+                    <dgm:adjLst>
+                      <dgm:adj idx="1" val="0.3284"/>
+                      <dgm:adj idx="2" val="0.25"/>
+                      <dgm:adj idx="3" val="0.3578"/>
+                      <dgm:adj idx="4" val="0"/>
+                    </dgm:adjLst>
+                  </dgm:shape>
+                </dgm:else>
+              </dgm:choose>
+              <dgm:presOf/>
+            </dgm:layoutNode>
+          </dgm:if>
+          <dgm:else name="Name14"/>
+        </dgm:choose>
+        <dgm:layoutNode name="ParentText" styleLbl="node1">
+          <dgm:varLst>
+            <dgm:chMax val="1"/>
+            <dgm:chPref val="1"/>
+            <dgm:bulletEnabled val="1"/>
+          </dgm:varLst>
+          <dgm:alg type="tx"/>
+          <dgm:shape xmlns:r="http://schemas.openxmlformats.org/officeDocument/2006/relationships" type="roundRect" r:blip="">
+            <dgm:adjLst>
+              <dgm:adj idx="1" val="0.1667"/>
+            </dgm:adjLst>
+          </dgm:shape>
+          <dgm:presOf axis="self" ptType="node"/>
+          <dgm:constrLst>
+            <dgm:constr type="lMarg" refType="primFontSz" fact="0.3"/>
+            <dgm:constr type="rMarg" refType="primFontSz" fact="0.3"/>
+            <dgm:constr type="tMarg" refType="primFontSz" fact="0.3"/>
+            <dgm:constr type="bMarg" refType="primFontSz" fact="0.3"/>
+          </dgm:constrLst>
+          <dgm:ruleLst>
+            <dgm:rule type="primFontSz" val="5" fact="NaN" max="NaN"/>
+          </dgm:ruleLst>
+        </dgm:layoutNode>
+        <dgm:choose name="Name15">
+          <dgm:if name="Name16" axis="followSib" ptType="node" func="cnt" op="equ" val="0">
+            <dgm:choose name="Name17">
+              <dgm:if name="Name18" axis="ch" ptType="node" func="cnt" op="gte" val="1">
+                <dgm:layoutNode name="FinalChildText" styleLbl="revTx">
+                  <dgm:varLst>
+                    <dgm:chMax val="0"/>
+                    <dgm:chPref val="0"/>
+                    <dgm:bulletEnabled val="1"/>
+                  </dgm:varLst>
+                  <dgm:alg type="tx">
+                    <dgm:param type="stBulletLvl" val="1"/>
+                    <dgm:param type="txAnchorVertCh" val="mid"/>
+                    <dgm:param type="parTxLTRAlign" val="l"/>
+                  </dgm:alg>
+                  <dgm:shape xmlns:r="http://schemas.openxmlformats.org/officeDocument/2006/relationships" type="rect" r:blip="">
+                    <dgm:adjLst/>
+                  </dgm:shape>
+                  <dgm:presOf axis="des" ptType="node"/>
+                  <dgm:constrLst>
+                    <dgm:constr type="lMarg" refType="primFontSz" fact="0.3"/>
+                    <dgm:constr type="rMarg" refType="primFontSz" fact="0.3"/>
+                    <dgm:constr type="tMarg" refType="primFontSz" fact="0.3"/>
+                    <dgm:constr type="bMarg" refType="primFontSz" fact="0.3"/>
+                  </dgm:constrLst>
+                  <dgm:ruleLst>
+                    <dgm:rule type="primFontSz" val="5" fact="NaN" max="NaN"/>
+                  </dgm:ruleLst>
+                </dgm:layoutNode>
+              </dgm:if>
+              <dgm:else name="Name19"/>
+            </dgm:choose>
+          </dgm:if>
+          <dgm:else name="Name20">
+            <dgm:layoutNode name="ChildText" styleLbl="revTx">
+              <dgm:varLst>
+                <dgm:chMax val="0"/>
+                <dgm:chPref val="0"/>
+                <dgm:bulletEnabled val="1"/>
+              </dgm:varLst>
+              <dgm:alg type="tx">
+                <dgm:param type="stBulletLvl" val="1"/>
+                <dgm:param type="txAnchorVertCh" val="mid"/>
+                <dgm:param type="parTxLTRAlign" val="l"/>
+              </dgm:alg>
+              <dgm:shape xmlns:r="http://schemas.openxmlformats.org/officeDocument/2006/relationships" type="rect" r:blip="">
+                <dgm:adjLst/>
+              </dgm:shape>
+              <dgm:presOf axis="des" ptType="node"/>
+              <dgm:constrLst>
+                <dgm:constr type="lMarg" refType="primFontSz" fact="0.3"/>
+                <dgm:constr type="rMarg" refType="primFontSz" fact="0.3"/>
+                <dgm:constr type="tMarg" refType="primFontSz" fact="0.3"/>
+                <dgm:constr type="bMarg" refType="primFontSz" fact="0.3"/>
+              </dgm:constrLst>
+              <dgm:ruleLst>
+                <dgm:rule type="primFontSz" val="5" fact="NaN" max="NaN"/>
+              </dgm:ruleLst>
+            </dgm:layoutNode>
+          </dgm:else>
+        </dgm:choose>
+      </dgm:layoutNode>
+      <dgm:forEach name="sibTransForEach" axis="followSib" ptType="sibTrans" cnt="1">
+        <dgm:layoutNode name="sibTrans">
+          <dgm:alg type="sp"/>
+          <dgm:shape xmlns:r="http://schemas.openxmlformats.org/officeDocument/2006/relationships" r:blip="">
+            <dgm:adjLst/>
+          </dgm:shape>
+        </dgm:layoutNode>
+      </dgm:forEach>
+    </dgm:forEach>
+  </dgm:layoutNode>
+</dgm:layoutDef>
+</file>
+
+<file path=ppt/diagrams/quickStyle1.xml><?xml version="1.0" encoding="utf-8"?>
+<dgm:styleDef xmlns:dgm="http://schemas.openxmlformats.org/drawingml/2006/diagram" xmlns:a="http://schemas.openxmlformats.org/drawingml/2006/main" uniqueId="urn:microsoft.com/office/officeart/2005/8/quickstyle/simple1">
+  <dgm:title val=""/>
+  <dgm:desc val=""/>
+  <dgm:catLst>
+    <dgm:cat type="simple" pri="10100"/>
+  </dgm:catLst>
+  <dgm:scene3d>
+    <a:camera prst="orthographicFront"/>
+    <a:lightRig rig="threePt" dir="t"/>
+  </dgm:scene3d>
+  <dgm:styleLbl name="node0">
+    <dgm:scene3d>
+      <a:camera prst="orthographicFront"/>
+      <a:lightRig rig="threePt" dir="t"/>
+    </dgm:scene3d>
+    <dgm:sp3d/>
+    <dgm:txPr/>
+    <dgm:style>
+      <a:lnRef idx="2">
+        <a:scrgbClr r="0" g="0" b="0"/>
+      </a:lnRef>
+      <a:fillRef idx="1">
+        <a:scrgbClr r="0" g="0" b="0"/>
+      </a:fillRef>
+      <a:effectRef idx="0">
+        <a:scrgbClr r="0" g="0" b="0"/>
+      </a:effectRef>
+      <a:fontRef idx="minor">
+        <a:schemeClr val="lt1"/>
+      </a:fontRef>
+    </dgm:style>
+  </dgm:styleLbl>
+  <dgm:styleLbl name="lnNode1">
+    <dgm:scene3d>
+      <a:camera prst="orthographicFront"/>
+      <a:lightRig rig="threePt" dir="t"/>
+    </dgm:scene3d>
+    <dgm:sp3d/>
+    <dgm:txPr/>
+    <dgm:style>
+      <a:lnRef idx="2">
+        <a:scrgbClr r="0" g="0" b="0"/>
+      </a:lnRef>
+      <a:fillRef idx="1">
+        <a:scrgbClr r="0" g="0" b="0"/>
+      </a:fillRef>
+      <a:effectRef idx="0">
+        <a:scrgbClr r="0" g="0" b="0"/>
+      </a:effectRef>
+      <a:fontRef idx="minor">
+        <a:schemeClr val="lt1"/>
+      </a:fontRef>
+    </dgm:style>
+  </dgm:styleLbl>
+  <dgm:styleLbl name="vennNode1">
+    <dgm:scene3d>
+      <a:camera prst="orthographicFront"/>
+      <a:lightRig rig="threePt" dir="t"/>
+    </dgm:scene3d>
+    <dgm:sp3d/>
+    <dgm:txPr/>
+    <dgm:style>
+      <a:lnRef idx="2">
+        <a:scrgbClr r="0" g="0" b="0"/>
+      </a:lnRef>
+      <a:fillRef idx="1">
+        <a:scrgbClr r="0" g="0" b="0"/>
+      </a:fillRef>
+      <a:effectRef idx="0">
+        <a:scrgbClr r="0" g="0" b="0"/>
+      </a:effectRef>
+      <a:fontRef idx="minor">
+        <a:schemeClr val="tx1"/>
+      </a:fontRef>
+    </dgm:style>
+  </dgm:styleLbl>
+  <dgm:styleLbl name="alignNode1">
+    <dgm:scene3d>
+      <a:camera prst="orthographicFront"/>
+      <a:lightRig rig="threePt" dir="t"/>
+    </dgm:scene3d>
+    <dgm:sp3d/>
+    <dgm:txPr/>
+    <dgm:style>
+      <a:lnRef idx="2">
+        <a:scrgbClr r="0" g="0" b="0"/>
+      </a:lnRef>
+      <a:fillRef idx="1">
+        <a:scrgbClr r="0" g="0" b="0"/>
+      </a:fillRef>
+      <a:effectRef idx="0">
+        <a:scrgbClr r="0" g="0" b="0"/>
+      </a:effectRef>
+      <a:fontRef idx="minor">
+        <a:schemeClr val="lt1"/>
+      </a:fontRef>
+    </dgm:style>
+  </dgm:styleLbl>
+  <dgm:styleLbl name="node1">
+    <dgm:scene3d>
+      <a:camera prst="orthographicFront"/>
+      <a:lightRig rig="threePt" dir="t"/>
+    </dgm:scene3d>
+    <dgm:sp3d/>
+    <dgm:txPr/>
+    <dgm:style>
+      <a:lnRef idx="2">
+        <a:scrgbClr r="0" g="0" b="0"/>
+      </a:lnRef>
+      <a:fillRef idx="1">
+        <a:scrgbClr r="0" g="0" b="0"/>
+      </a:fillRef>
+      <a:effectRef idx="0">
+        <a:scrgbClr r="0" g="0" b="0"/>
+      </a:effectRef>
+      <a:fontRef idx="minor">
+        <a:schemeClr val="lt1"/>
+      </a:fontRef>
+    </dgm:style>
+  </dgm:styleLbl>
+  <dgm:styleLbl name="node2">
+    <dgm:scene3d>
+      <a:camera prst="orthographicFront"/>
+      <a:lightRig rig="threePt" dir="t"/>
+    </dgm:scene3d>
+    <dgm:sp3d/>
+    <dgm:txPr/>
+    <dgm:style>
+      <a:lnRef idx="2">
+        <a:scrgbClr r="0" g="0" b="0"/>
+      </a:lnRef>
+      <a:fillRef idx="1">
+        <a:scrgbClr r="0" g="0" b="0"/>
+      </a:fillRef>
+      <a:effectRef idx="0">
+        <a:scrgbClr r="0" g="0" b="0"/>
+      </a:effectRef>
+      <a:fontRef idx="minor">
+        <a:schemeClr val="lt1"/>
+      </a:fontRef>
+    </dgm:style>
+  </dgm:styleLbl>
+  <dgm:styleLbl name="node3">
+    <dgm:scene3d>
+      <a:camera prst="orthographicFront"/>
+      <a:lightRig rig="threePt" dir="t"/>
+    </dgm:scene3d>
+    <dgm:sp3d/>
+    <dgm:txPr/>
+    <dgm:style>
+      <a:lnRef idx="2">
+        <a:scrgbClr r="0" g="0" b="0"/>
+      </a:lnRef>
+      <a:fillRef idx="1">
+        <a:scrgbClr r="0" g="0" b="0"/>
+      </a:fillRef>
+      <a:effectRef idx="0">
+        <a:scrgbClr r="0" g="0" b="0"/>
+      </a:effectRef>
+      <a:fontRef idx="minor">
+        <a:schemeClr val="lt1"/>
+      </a:fontRef>
+    </dgm:style>
+  </dgm:styleLbl>
+  <dgm:styleLbl name="node4">
+    <dgm:scene3d>
+      <a:camera prst="orthographicFront"/>
+      <a:lightRig rig="threePt" dir="t"/>
+    </dgm:scene3d>
+    <dgm:sp3d/>
+    <dgm:txPr/>
+    <dgm:style>
+      <a:lnRef idx="2">
+        <a:scrgbClr r="0" g="0" b="0"/>
+      </a:lnRef>
+      <a:fillRef idx="1">
+        <a:scrgbClr r="0" g="0" b="0"/>
+      </a:fillRef>
+      <a:effectRef idx="0">
+        <a:scrgbClr r="0" g="0" b="0"/>
+      </a:effectRef>
+      <a:fontRef idx="minor">
+        <a:schemeClr val="lt1"/>
+      </a:fontRef>
+    </dgm:style>
+  </dgm:styleLbl>
+  <dgm:styleLbl name="fgImgPlace1">
+    <dgm:scene3d>
+      <a:camera prst="orthographicFront"/>
+      <a:lightRig rig="threePt" dir="t"/>
+    </dgm:scene3d>
+    <dgm:sp3d/>
+    <dgm:txPr/>
+    <dgm:style>
+      <a:lnRef idx="2">
+        <a:scrgbClr r="0" g="0" b="0"/>
+      </a:lnRef>
+      <a:fillRef idx="1">
+        <a:scrgbClr r="0" g="0" b="0"/>
+      </a:fillRef>
+      <a:effectRef idx="0">
+        <a:scrgbClr r="0" g="0" b="0"/>
+      </a:effectRef>
+      <a:fontRef idx="minor"/>
+    </dgm:style>
+  </dgm:styleLbl>
+  <dgm:styleLbl name="alignImgPlace1">
+    <dgm:scene3d>
+      <a:camera prst="orthographicFront"/>
+      <a:lightRig rig="threePt" dir="t"/>
+    </dgm:scene3d>
+    <dgm:sp3d/>
+    <dgm:txPr/>
+    <dgm:style>
+      <a:lnRef idx="2">
+        <a:scrgbClr r="0" g="0" b="0"/>
+      </a:lnRef>
+      <a:fillRef idx="1">
+        <a:scrgbClr r="0" g="0" b="0"/>
+      </a:fillRef>
+      <a:effectRef idx="0">
+        <a:scrgbClr r="0" g="0" b="0"/>
+      </a:effectRef>
+      <a:fontRef idx="minor"/>
+    </dgm:style>
+  </dgm:styleLbl>
+  <dgm:styleLbl name="bgImgPlace1">
+    <dgm:scene3d>
+      <a:camera prst="orthographicFront"/>
+      <a:lightRig rig="threePt" dir="t"/>
+    </dgm:scene3d>
+    <dgm:sp3d/>
+    <dgm:txPr/>
+    <dgm:style>
+      <a:lnRef idx="2">
+        <a:scrgbClr r="0" g="0" b="0"/>
+      </a:lnRef>
+      <a:fillRef idx="1">
+        <a:scrgbClr r="0" g="0" b="0"/>
+      </a:fillRef>
+      <a:effectRef idx="0">
+        <a:scrgbClr r="0" g="0" b="0"/>
+      </a:effectRef>
+      <a:fontRef idx="minor"/>
+    </dgm:style>
+  </dgm:styleLbl>
+  <dgm:styleLbl name="sibTrans2D1">
+    <dgm:scene3d>
+      <a:camera prst="orthographicFront"/>
+      <a:lightRig rig="threePt" dir="t"/>
+    </dgm:scene3d>
+    <dgm:sp3d/>
+    <dgm:txPr/>
+    <dgm:style>
+      <a:lnRef idx="0">
+        <a:scrgbClr r="0" g="0" b="0"/>
+      </a:lnRef>
+      <a:fillRef idx="1">
+        <a:scrgbClr r="0" g="0" b="0"/>
+      </a:fillRef>
+      <a:effectRef idx="0">
+        <a:scrgbClr r="0" g="0" b="0"/>
+      </a:effectRef>
+      <a:fontRef idx="minor">
+        <a:schemeClr val="lt1"/>
+      </a:fontRef>
+    </dgm:style>
+  </dgm:styleLbl>
+  <dgm:styleLbl name="fgSibTrans2D1">
+    <dgm:scene3d>
+      <a:camera prst="orthographicFront"/>
+      <a:lightRig rig="threePt" dir="t"/>
+    </dgm:scene3d>
+    <dgm:sp3d/>
+    <dgm:txPr/>
+    <dgm:style>
+      <a:lnRef idx="0">
+        <a:scrgbClr r="0" g="0" b="0"/>
+      </a:lnRef>
+      <a:fillRef idx="1">
+        <a:scrgbClr r="0" g="0" b="0"/>
+      </a:fillRef>
+      <a:effectRef idx="0">
+        <a:scrgbClr r="0" g="0" b="0"/>
+      </a:effectRef>
+      <a:fontRef idx="minor">
+        <a:schemeClr val="lt1"/>
+      </a:fontRef>
+    </dgm:style>
+  </dgm:styleLbl>
+  <dgm:styleLbl name="bgSibTrans2D1">
+    <dgm:scene3d>
+      <a:camera prst="orthographicFront"/>
+      <a:lightRig rig="threePt" dir="t"/>
+    </dgm:scene3d>
+    <dgm:sp3d/>
+    <dgm:txPr/>
+    <dgm:style>
+      <a:lnRef idx="0">
+        <a:scrgbClr r="0" g="0" b="0"/>
+      </a:lnRef>
+      <a:fillRef idx="1">
+        <a:scrgbClr r="0" g="0" b="0"/>
+      </a:fillRef>
+      <a:effectRef idx="0">
+        <a:scrgbClr r="0" g="0" b="0"/>
+      </a:effectRef>
+      <a:fontRef idx="minor">
+        <a:schemeClr val="lt1"/>
+      </a:fontRef>
+    </dgm:style>
+  </dgm:styleLbl>
+  <dgm:styleLbl name="sibTrans1D1">
+    <dgm:scene3d>
+      <a:camera prst="orthographicFront"/>
+      <a:lightRig rig="threePt" dir="t"/>
+    </dgm:scene3d>
+    <dgm:sp3d/>
+    <dgm:txPr/>
+    <dgm:style>
+      <a:lnRef idx="1">
+        <a:scrgbClr r="0" g="0" b="0"/>
+      </a:lnRef>
+      <a:fillRef idx="0">
+        <a:scrgbClr r="0" g="0" b="0"/>
+      </a:fillRef>
+      <a:effectRef idx="0">
+        <a:scrgbClr r="0" g="0" b="0"/>
+      </a:effectRef>
+      <a:fontRef idx="minor"/>
+    </dgm:style>
+  </dgm:styleLbl>
+  <dgm:styleLbl name="callout">
+    <dgm:scene3d>
+      <a:camera prst="orthographicFront"/>
+      <a:lightRig rig="threePt" dir="t"/>
+    </dgm:scene3d>
+    <dgm:sp3d/>
+    <dgm:txPr/>
+    <dgm:style>
+      <a:lnRef idx="2">
+        <a:scrgbClr r="0" g="0" b="0"/>
+      </a:lnRef>
+      <a:fillRef idx="1">
+        <a:scrgbClr r="0" g="0" b="0"/>
+      </a:fillRef>
+      <a:effectRef idx="0">
+        <a:scrgbClr r="0" g="0" b="0"/>
+      </a:effectRef>
+      <a:fontRef idx="minor"/>
+    </dgm:style>
+  </dgm:styleLbl>
+  <dgm:styleLbl name="asst0">
+    <dgm:scene3d>
+      <a:camera prst="orthographicFront"/>
+      <a:lightRig rig="threePt" dir="t"/>
+    </dgm:scene3d>
+    <dgm:sp3d/>
+    <dgm:txPr/>
+    <dgm:style>
+      <a:lnRef idx="2">
+        <a:scrgbClr r="0" g="0" b="0"/>
+      </a:lnRef>
+      <a:fillRef idx="1">
+        <a:scrgbClr r="0" g="0" b="0"/>
+      </a:fillRef>
+      <a:effectRef idx="0">
+        <a:scrgbClr r="0" g="0" b="0"/>
+      </a:effectRef>
+      <a:fontRef idx="minor">
+        <a:schemeClr val="lt1"/>
+      </a:fontRef>
+    </dgm:style>
+  </dgm:styleLbl>
+  <dgm:styleLbl name="asst1">
+    <dgm:scene3d>
+      <a:camera prst="orthographicFront"/>
+      <a:lightRig rig="threePt" dir="t"/>
+    </dgm:scene3d>
+    <dgm:sp3d/>
+    <dgm:txPr/>
+    <dgm:style>
+      <a:lnRef idx="2">
+        <a:scrgbClr r="0" g="0" b="0"/>
+      </a:lnRef>
+      <a:fillRef idx="1">
+        <a:scrgbClr r="0" g="0" b="0"/>
+      </a:fillRef>
+      <a:effectRef idx="0">
+        <a:scrgbClr r="0" g="0" b="0"/>
+      </a:effectRef>
+      <a:fontRef idx="minor">
+        <a:schemeClr val="lt1"/>
+      </a:fontRef>
+    </dgm:style>
+  </dgm:styleLbl>
+  <dgm:styleLbl name="asst2">
+    <dgm:scene3d>
+      <a:camera prst="orthographicFront"/>
+      <a:lightRig rig="threePt" dir="t"/>
+    </dgm:scene3d>
+    <dgm:sp3d/>
+    <dgm:txPr/>
+    <dgm:style>
+      <a:lnRef idx="2">
+        <a:scrgbClr r="0" g="0" b="0"/>
+      </a:lnRef>
+      <a:fillRef idx="1">
+        <a:scrgbClr r="0" g="0" b="0"/>
+      </a:fillRef>
+      <a:effectRef idx="0">
+        <a:scrgbClr r="0" g="0" b="0"/>
+      </a:effectRef>
+      <a:fontRef idx="minor">
+        <a:schemeClr val="lt1"/>
+      </a:fontRef>
+    </dgm:style>
+  </dgm:styleLbl>
+  <dgm:styleLbl name="asst3">
+    <dgm:scene3d>
+      <a:camera prst="orthographicFront"/>
+      <a:lightRig rig="threePt" dir="t"/>
+    </dgm:scene3d>
+    <dgm:sp3d/>
+    <dgm:txPr/>
+    <dgm:style>
+      <a:lnRef idx="2">
+        <a:scrgbClr r="0" g="0" b="0"/>
+      </a:lnRef>
+      <a:fillRef idx="1">
+        <a:scrgbClr r="0" g="0" b="0"/>
+      </a:fillRef>
+      <a:effectRef idx="0">
+        <a:scrgbClr r="0" g="0" b="0"/>
+      </a:effectRef>
+      <a:fontRef idx="minor">
+        <a:schemeClr val="lt1"/>
+      </a:fontRef>
+    </dgm:style>
+  </dgm:styleLbl>
+  <dgm:styleLbl name="asst4">
+    <dgm:scene3d>
+      <a:camera prst="orthographicFront"/>
+      <a:lightRig rig="threePt" dir="t"/>
+    </dgm:scene3d>
+    <dgm:sp3d/>
+    <dgm:txPr/>
+    <dgm:style>
+      <a:lnRef idx="2">
+        <a:scrgbClr r="0" g="0" b="0"/>
+      </a:lnRef>
+      <a:fillRef idx="1">
+        <a:scrgbClr r="0" g="0" b="0"/>
+      </a:fillRef>
+      <a:effectRef idx="0">
+        <a:scrgbClr r="0" g="0" b="0"/>
+      </a:effectRef>
+      <a:fontRef idx="minor">
+        <a:schemeClr val="lt1"/>
+      </a:fontRef>
+    </dgm:style>
+  </dgm:styleLbl>
+  <dgm:styleLbl name="parChTrans2D1">
+    <dgm:scene3d>
+      <a:camera prst="orthographicFront"/>
+      <a:lightRig rig="threePt" dir="t"/>
+    </dgm:scene3d>
+    <dgm:sp3d/>
+    <dgm:txPr/>
+    <dgm:style>
+      <a:lnRef idx="2">
+        <a:scrgbClr r="0" g="0" b="0"/>
+      </a:lnRef>
+      <a:fillRef idx="1">
+        <a:scrgbClr r="0" g="0" b="0"/>
+      </a:fillRef>
+      <a:effectRef idx="0">
+        <a:scrgbClr r="0" g="0" b="0"/>
+      </a:effectRef>
+      <a:fontRef idx="minor">
+        <a:schemeClr val="lt1"/>
+      </a:fontRef>
+    </dgm:style>
+  </dgm:styleLbl>
+  <dgm:styleLbl name="parChTrans2D2">
+    <dgm:scene3d>
+      <a:camera prst="orthographicFront"/>
+      <a:lightRig rig="threePt" dir="t"/>
+    </dgm:scene3d>
+    <dgm:sp3d/>
+    <dgm:txPr/>
+    <dgm:style>
+      <a:lnRef idx="2">
+        <a:scrgbClr r="0" g="0" b="0"/>
+      </a:lnRef>
+      <a:fillRef idx="1">
+        <a:scrgbClr r="0" g="0" b="0"/>
+      </a:fillRef>
+      <a:effectRef idx="0">
+        <a:scrgbClr r="0" g="0" b="0"/>
+      </a:effectRef>
+      <a:fontRef idx="minor">
+        <a:schemeClr val="lt1"/>
+      </a:fontRef>
+    </dgm:style>
+  </dgm:styleLbl>
+  <dgm:styleLbl name="parChTrans2D3">
+    <dgm:scene3d>
+      <a:camera prst="orthographicFront"/>
+      <a:lightRig rig="threePt" dir="t"/>
+    </dgm:scene3d>
+    <dgm:sp3d/>
+    <dgm:txPr/>
+    <dgm:style>
+      <a:lnRef idx="2">
+        <a:scrgbClr r="0" g="0" b="0"/>
+      </a:lnRef>
+      <a:fillRef idx="1">
+        <a:scrgbClr r="0" g="0" b="0"/>
+      </a:fillRef>
+      <a:effectRef idx="0">
+        <a:scrgbClr r="0" g="0" b="0"/>
+      </a:effectRef>
+      <a:fontRef idx="minor">
+        <a:schemeClr val="lt1"/>
+      </a:fontRef>
+    </dgm:style>
+  </dgm:styleLbl>
+  <dgm:styleLbl name="parChTrans2D4">
+    <dgm:scene3d>
+      <a:camera prst="orthographicFront"/>
+      <a:lightRig rig="threePt" dir="t"/>
+    </dgm:scene3d>
+    <dgm:sp3d/>
+    <dgm:txPr/>
+    <dgm:style>
+      <a:lnRef idx="2">
+        <a:scrgbClr r="0" g="0" b="0"/>
+      </a:lnRef>
+      <a:fillRef idx="1">
+        <a:scrgbClr r="0" g="0" b="0"/>
+      </a:fillRef>
+      <a:effectRef idx="0">
+        <a:scrgbClr r="0" g="0" b="0"/>
+      </a:effectRef>
+      <a:fontRef idx="minor">
+        <a:schemeClr val="lt1"/>
+      </a:fontRef>
+    </dgm:style>
+  </dgm:styleLbl>
+  <dgm:styleLbl name="parChTrans1D1">
+    <dgm:scene3d>
+      <a:camera prst="orthographicFront"/>
+      <a:lightRig rig="threePt" dir="t"/>
+    </dgm:scene3d>
+    <dgm:sp3d/>
+    <dgm:txPr/>
+    <dgm:style>
+      <a:lnRef idx="2">
+        <a:scrgbClr r="0" g="0" b="0"/>
+      </a:lnRef>
+      <a:fillRef idx="0">
+        <a:scrgbClr r="0" g="0" b="0"/>
+      </a:fillRef>
+      <a:effectRef idx="0">
+        <a:scrgbClr r="0" g="0" b="0"/>
+      </a:effectRef>
+      <a:fontRef idx="minor"/>
+    </dgm:style>
+  </dgm:styleLbl>
+  <dgm:styleLbl name="parChTrans1D2">
+    <dgm:scene3d>
+      <a:camera prst="orthographicFront"/>
+      <a:lightRig rig="threePt" dir="t"/>
+    </dgm:scene3d>
+    <dgm:sp3d/>
+    <dgm:txPr/>
+    <dgm:style>
+      <a:lnRef idx="2">
+        <a:scrgbClr r="0" g="0" b="0"/>
+      </a:lnRef>
+      <a:fillRef idx="0">
+        <a:scrgbClr r="0" g="0" b="0"/>
+      </a:fillRef>
+      <a:effectRef idx="0">
+        <a:scrgbClr r="0" g="0" b="0"/>
+      </a:effectRef>
+      <a:fontRef idx="minor"/>
+    </dgm:style>
+  </dgm:styleLbl>
+  <dgm:styleLbl name="parChTrans1D3">
+    <dgm:scene3d>
+      <a:camera prst="orthographicFront"/>
+      <a:lightRig rig="threePt" dir="t"/>
+    </dgm:scene3d>
+    <dgm:sp3d/>
+    <dgm:txPr/>
+    <dgm:style>
+      <a:lnRef idx="2">
+        <a:scrgbClr r="0" g="0" b="0"/>
+      </a:lnRef>
+      <a:fillRef idx="0">
+        <a:scrgbClr r="0" g="0" b="0"/>
+      </a:fillRef>
+      <a:effectRef idx="0">
+        <a:scrgbClr r="0" g="0" b="0"/>
+      </a:effectRef>
+      <a:fontRef idx="minor"/>
+    </dgm:style>
+  </dgm:styleLbl>
+  <dgm:styleLbl name="parChTrans1D4">
+    <dgm:scene3d>
+      <a:camera prst="orthographicFront"/>
+      <a:lightRig rig="threePt" dir="t"/>
+    </dgm:scene3d>
+    <dgm:sp3d/>
+    <dgm:txPr/>
+    <dgm:style>
+      <a:lnRef idx="2">
+        <a:scrgbClr r="0" g="0" b="0"/>
+      </a:lnRef>
+      <a:fillRef idx="0">
+        <a:scrgbClr r="0" g="0" b="0"/>
+      </a:fillRef>
+      <a:effectRef idx="0">
+        <a:scrgbClr r="0" g="0" b="0"/>
+      </a:effectRef>
+      <a:fontRef idx="minor"/>
+    </dgm:style>
+  </dgm:styleLbl>
+  <dgm:styleLbl name="fgAcc1">
+    <dgm:scene3d>
+      <a:camera prst="orthographicFront"/>
+      <a:lightRig rig="threePt" dir="t"/>
+    </dgm:scene3d>
+    <dgm:sp3d/>
+    <dgm:txPr/>
+    <dgm:style>
+      <a:lnRef idx="2">
+        <a:scrgbClr r="0" g="0" b="0"/>
+      </a:lnRef>
+      <a:fillRef idx="1">
+        <a:scrgbClr r="0" g="0" b="0"/>
+      </a:fillRef>
+      <a:effectRef idx="0">
+        <a:scrgbClr r="0" g="0" b="0"/>
+      </a:effectRef>
+      <a:fontRef idx="minor"/>
+    </dgm:style>
+  </dgm:styleLbl>
+  <dgm:styleLbl name="conFgAcc1">
+    <dgm:scene3d>
+      <a:camera prst="orthographicFront"/>
+      <a:lightRig rig="threePt" dir="t"/>
+    </dgm:scene3d>
+    <dgm:sp3d/>
+    <dgm:txPr/>
+    <dgm:style>
+      <a:lnRef idx="2">
+        <a:scrgbClr r="0" g="0" b="0"/>
+      </a:lnRef>
+      <a:fillRef idx="1">
+        <a:scrgbClr r="0" g="0" b="0"/>
+      </a:fillRef>
+      <a:effectRef idx="0">
+        <a:scrgbClr r="0" g="0" b="0"/>
+      </a:effectRef>
+      <a:fontRef idx="minor"/>
+    </dgm:style>
+  </dgm:styleLbl>
+  <dgm:styleLbl name="alignAcc1">
+    <dgm:scene3d>
+      <a:camera prst="orthographicFront"/>
+      <a:lightRig rig="threePt" dir="t"/>
+    </dgm:scene3d>
+    <dgm:sp3d/>
+    <dgm:txPr/>
+    <dgm:style>
+      <a:lnRef idx="2">
+        <a:scrgbClr r="0" g="0" b="0"/>
+      </a:lnRef>
+      <a:fillRef idx="1">
+        <a:scrgbClr r="0" g="0" b="0"/>
+      </a:fillRef>
+      <a:effectRef idx="0">
+        <a:scrgbClr r="0" g="0" b="0"/>
+      </a:effectRef>
+      <a:fontRef idx="minor"/>
+    </dgm:style>
+  </dgm:styleLbl>
+  <dgm:styleLbl name="trAlignAcc1">
+    <dgm:scene3d>
+      <a:camera prst="orthographicFront"/>
+      <a:lightRig rig="threePt" dir="t"/>
+    </dgm:scene3d>
+    <dgm:sp3d/>
+    <dgm:txPr/>
+    <dgm:style>
+      <a:lnRef idx="1">
+        <a:scrgbClr r="0" g="0" b="0"/>
+      </a:lnRef>
+      <a:fillRef idx="1">
+        <a:scrgbClr r="0" g="0" b="0"/>
+      </a:fillRef>
+      <a:effectRef idx="0">
+        <a:scrgbClr r="0" g="0" b="0"/>
+      </a:effectRef>
+      <a:fontRef idx="minor"/>
+    </dgm:style>
+  </dgm:styleLbl>
+  <dgm:styleLbl name="bgAcc1">
+    <dgm:scene3d>
+      <a:camera prst="orthographicFront"/>
+      <a:lightRig rig="threePt" dir="t"/>
+    </dgm:scene3d>
+    <dgm:sp3d/>
+    <dgm:txPr/>
+    <dgm:style>
+      <a:lnRef idx="2">
+        <a:scrgbClr r="0" g="0" b="0"/>
+      </a:lnRef>
+      <a:fillRef idx="1">
+        <a:scrgbClr r="0" g="0" b="0"/>
+      </a:fillRef>
+      <a:effectRef idx="0">
+        <a:scrgbClr r="0" g="0" b="0"/>
+      </a:effectRef>
+      <a:fontRef idx="minor"/>
+    </dgm:style>
+  </dgm:styleLbl>
+  <dgm:styleLbl name="solidFgAcc1">
+    <dgm:scene3d>
+      <a:camera prst="orthographicFront"/>
+      <a:lightRig rig="threePt" dir="t"/>
+    </dgm:scene3d>
+    <dgm:sp3d/>
+    <dgm:txPr/>
+    <dgm:style>
+      <a:lnRef idx="2">
+        <a:scrgbClr r="0" g="0" b="0"/>
+      </a:lnRef>
+      <a:fillRef idx="1">
+        <a:scrgbClr r="0" g="0" b="0"/>
+      </a:fillRef>
+      <a:effectRef idx="0">
+        <a:scrgbClr r="0" g="0" b="0"/>
+      </a:effectRef>
+      <a:fontRef idx="minor"/>
+    </dgm:style>
+  </dgm:styleLbl>
+  <dgm:styleLbl name="solidAlignAcc1">
+    <dgm:scene3d>
+      <a:camera prst="orthographicFront"/>
+      <a:lightRig rig="threePt" dir="t"/>
+    </dgm:scene3d>
+    <dgm:sp3d/>
+    <dgm:txPr/>
+    <dgm:style>
+      <a:lnRef idx="2">
+        <a:scrgbClr r="0" g="0" b="0"/>
+      </a:lnRef>
+      <a:fillRef idx="1">
+        <a:scrgbClr r="0" g="0" b="0"/>
+      </a:fillRef>
+      <a:effectRef idx="0">
+        <a:scrgbClr r="0" g="0" b="0"/>
+      </a:effectRef>
+      <a:fontRef idx="minor"/>
+    </dgm:style>
+  </dgm:styleLbl>
+  <dgm:styleLbl name="solidBgAcc1">
+    <dgm:scene3d>
+      <a:camera prst="orthographicFront"/>
+      <a:lightRig rig="threePt" dir="t"/>
+    </dgm:scene3d>
+    <dgm:sp3d/>
+    <dgm:txPr/>
+    <dgm:style>
+      <a:lnRef idx="2">
+        <a:scrgbClr r="0" g="0" b="0"/>
+      </a:lnRef>
+      <a:fillRef idx="1">
+        <a:scrgbClr r="0" g="0" b="0"/>
+      </a:fillRef>
+      <a:effectRef idx="0">
+        <a:scrgbClr r="0" g="0" b="0"/>
+      </a:effectRef>
+      <a:fontRef idx="minor"/>
+    </dgm:style>
+  </dgm:styleLbl>
+  <dgm:styleLbl name="fgAccFollowNode1">
+    <dgm:scene3d>
+      <a:camera prst="orthographicFront"/>
+      <a:lightRig rig="threePt" dir="t"/>
+    </dgm:scene3d>
+    <dgm:sp3d/>
+    <dgm:txPr/>
+    <dgm:style>
+      <a:lnRef idx="2">
+        <a:scrgbClr r="0" g="0" b="0"/>
+      </a:lnRef>
+      <a:fillRef idx="1">
+        <a:scrgbClr r="0" g="0" b="0"/>
+      </a:fillRef>
+      <a:effectRef idx="0">
+        <a:scrgbClr r="0" g="0" b="0"/>
+      </a:effectRef>
+      <a:fontRef idx="minor"/>
+    </dgm:style>
+  </dgm:styleLbl>
+  <dgm:styleLbl name="alignAccFollowNode1">
+    <dgm:scene3d>
+      <a:camera prst="orthographicFront"/>
+      <a:lightRig rig="threePt" dir="t"/>
+    </dgm:scene3d>
+    <dgm:sp3d/>
+    <dgm:txPr/>
+    <dgm:style>
+      <a:lnRef idx="2">
+        <a:scrgbClr r="0" g="0" b="0"/>
+      </a:lnRef>
+      <a:fillRef idx="1">
+        <a:scrgbClr r="0" g="0" b="0"/>
+      </a:fillRef>
+      <a:effectRef idx="0">
+        <a:scrgbClr r="0" g="0" b="0"/>
+      </a:effectRef>
+      <a:fontRef idx="minor"/>
+    </dgm:style>
+  </dgm:styleLbl>
+  <dgm:styleLbl name="bgAccFollowNode1">
+    <dgm:scene3d>
+      <a:camera prst="orthographicFront"/>
+      <a:lightRig rig="threePt" dir="t"/>
+    </dgm:scene3d>
+    <dgm:sp3d/>
+    <dgm:txPr/>
+    <dgm:style>
+      <a:lnRef idx="2">
+        <a:scrgbClr r="0" g="0" b="0"/>
+      </a:lnRef>
+      <a:fillRef idx="1">
+        <a:scrgbClr r="0" g="0" b="0"/>
+      </a:fillRef>
+      <a:effectRef idx="0">
+        <a:scrgbClr r="0" g="0" b="0"/>
+      </a:effectRef>
+      <a:fontRef idx="minor"/>
+    </dgm:style>
+  </dgm:styleLbl>
+  <dgm:styleLbl name="fgAcc0">
+    <dgm:scene3d>
+      <a:camera prst="orthographicFront"/>
+      <a:lightRig rig="threePt" dir="t"/>
+    </dgm:scene3d>
+    <dgm:sp3d/>
+    <dgm:txPr/>
+    <dgm:style>
+      <a:lnRef idx="2">
+        <a:scrgbClr r="0" g="0" b="0"/>
+      </a:lnRef>
+      <a:fillRef idx="1">
+        <a:scrgbClr r="0" g="0" b="0"/>
+      </a:fillRef>
+      <a:effectRef idx="0">
+        <a:scrgbClr r="0" g="0" b="0"/>
+      </a:effectRef>
+      <a:fontRef idx="minor"/>
+    </dgm:style>
+  </dgm:styleLbl>
+  <dgm:styleLbl name="fgAcc2">
+    <dgm:scene3d>
+      <a:camera prst="orthographicFront"/>
+      <a:lightRig rig="threePt" dir="t"/>
+    </dgm:scene3d>
+    <dgm:sp3d/>
+    <dgm:txPr/>
+    <dgm:style>
+      <a:lnRef idx="2">
+        <a:scrgbClr r="0" g="0" b="0"/>
+      </a:lnRef>
+      <a:fillRef idx="1">
+        <a:scrgbClr r="0" g="0" b="0"/>
+      </a:fillRef>
+      <a:effectRef idx="0">
+        <a:scrgbClr r="0" g="0" b="0"/>
+      </a:effectRef>
+      <a:fontRef idx="minor"/>
+    </dgm:style>
+  </dgm:styleLbl>
+  <dgm:styleLbl name="fgAcc3">
+    <dgm:scene3d>
+      <a:camera prst="orthographicFront"/>
+      <a:lightRig rig="threePt" dir="t"/>
+    </dgm:scene3d>
+    <dgm:sp3d/>
+    <dgm:txPr/>
+    <dgm:style>
+      <a:lnRef idx="2">
+        <a:scrgbClr r="0" g="0" b="0"/>
+      </a:lnRef>
+      <a:fillRef idx="1">
+        <a:scrgbClr r="0" g="0" b="0"/>
+      </a:fillRef>
+      <a:effectRef idx="0">
+        <a:scrgbClr r="0" g="0" b="0"/>
+      </a:effectRef>
+      <a:fontRef idx="minor"/>
+    </dgm:style>
+  </dgm:styleLbl>
+  <dgm:styleLbl name="fgAcc4">
+    <dgm:scene3d>
+      <a:camera prst="orthographicFront"/>
+      <a:lightRig rig="threePt" dir="t"/>
+    </dgm:scene3d>
+    <dgm:sp3d/>
+    <dgm:txPr/>
+    <dgm:style>
+      <a:lnRef idx="2">
+        <a:scrgbClr r="0" g="0" b="0"/>
+      </a:lnRef>
+      <a:fillRef idx="1">
+        <a:scrgbClr r="0" g="0" b="0"/>
+      </a:fillRef>
+      <a:effectRef idx="0">
+        <a:scrgbClr r="0" g="0" b="0"/>
+      </a:effectRef>
+      <a:fontRef idx="minor"/>
+    </dgm:style>
+  </dgm:styleLbl>
+  <dgm:styleLbl name="bgShp">
+    <dgm:scene3d>
+      <a:camera prst="orthographicFront"/>
+      <a:lightRig rig="threePt" dir="t"/>
+    </dgm:scene3d>
+    <dgm:sp3d/>
+    <dgm:txPr/>
+    <dgm:style>
+      <a:lnRef idx="0">
+        <a:scrgbClr r="0" g="0" b="0"/>
+      </a:lnRef>
+      <a:fillRef idx="1">
+        <a:scrgbClr r="0" g="0" b="0"/>
+      </a:fillRef>
+      <a:effectRef idx="0">
+        <a:scrgbClr r="0" g="0" b="0"/>
+      </a:effectRef>
+      <a:fontRef idx="minor"/>
+    </dgm:style>
+  </dgm:styleLbl>
+  <dgm:styleLbl name="dkBgShp">
+    <dgm:scene3d>
+      <a:camera prst="orthographicFront"/>
+      <a:lightRig rig="threePt" dir="t"/>
+    </dgm:scene3d>
+    <dgm:sp3d/>
+    <dgm:txPr/>
+    <dgm:style>
+      <a:lnRef idx="0">
+        <a:scrgbClr r="0" g="0" b="0"/>
+      </a:lnRef>
+      <a:fillRef idx="1">
+        <a:scrgbClr r="0" g="0" b="0"/>
+      </a:fillRef>
+      <a:effectRef idx="0">
+        <a:scrgbClr r="0" g="0" b="0"/>
+      </a:effectRef>
+      <a:fontRef idx="minor"/>
+    </dgm:style>
+  </dgm:styleLbl>
+  <dgm:styleLbl name="trBgShp">
+    <dgm:scene3d>
+      <a:camera prst="orthographicFront"/>
+      <a:lightRig rig="threePt" dir="t"/>
+    </dgm:scene3d>
+    <dgm:sp3d/>
+    <dgm:txPr/>
+    <dgm:style>
+      <a:lnRef idx="0">
+        <a:scrgbClr r="0" g="0" b="0"/>
+      </a:lnRef>
+      <a:fillRef idx="1">
+        <a:scrgbClr r="0" g="0" b="0"/>
+      </a:fillRef>
+      <a:effectRef idx="0">
+        <a:scrgbClr r="0" g="0" b="0"/>
+      </a:effectRef>
+      <a:fontRef idx="minor"/>
+    </dgm:style>
+  </dgm:styleLbl>
+  <dgm:styleLbl name="fgShp">
+    <dgm:scene3d>
+      <a:camera prst="orthographicFront"/>
+      <a:lightRig rig="threePt" dir="t"/>
+    </dgm:scene3d>
+    <dgm:sp3d/>
+    <dgm:txPr/>
+    <dgm:style>
+      <a:lnRef idx="2">
+        <a:scrgbClr r="0" g="0" b="0"/>
+      </a:lnRef>
+      <a:fillRef idx="1">
+        <a:scrgbClr r="0" g="0" b="0"/>
+      </a:fillRef>
+      <a:effectRef idx="0">
+        <a:scrgbClr r="0" g="0" b="0"/>
+      </a:effectRef>
+      <a:fontRef idx="minor"/>
+    </dgm:style>
+  </dgm:styleLbl>
+  <dgm:styleLbl name="revTx">
+    <dgm:scene3d>
+      <a:camera prst="orthographicFront"/>
+      <a:lightRig rig="threePt" dir="t"/>
+    </dgm:scene3d>
+    <dgm:sp3d/>
+    <dgm:txPr/>
+    <dgm:style>
+      <a:lnRef idx="0">
+        <a:scrgbClr r="0" g="0" b="0"/>
+      </a:lnRef>
+      <a:fillRef idx="0">
+        <a:scrgbClr r="0" g="0" b="0"/>
+      </a:fillRef>
+      <a:effectRef idx="0">
+        <a:scrgbClr r="0" g="0" b="0"/>
+      </a:effectRef>
+      <a:fontRef idx="minor"/>
+    </dgm:style>
+  </dgm:styleLbl>
+</dgm:styleDef>
+</file>
+
 <file path=ppt/slideLayouts/slideLayout1.xml><?xml version="1.0" encoding="utf-8"?>
 <p:sldLayout xmlns:a="http://schemas.openxmlformats.org/drawingml/2006/main" xmlns:r="http://schemas.openxmlformats.org/officeDocument/2006/relationships" xmlns:p="http://schemas.openxmlformats.org/presentationml/2006/main" type="title" preserve="1">
   <p:cSld name="Title Slide">
@@ -348,7 +3520,7 @@
           <a:p>
             <a:fld id="{C14A4EDE-A1FD-6F4D-B973-0317A1D48AB8}" type="datetimeFigureOut">
               <a:rPr lang="en-US" smtClean="0"/>
-              <a:t>10/19/2019</a:t>
+              <a:t>10/20/2019</a:t>
             </a:fld>
             <a:endParaRPr lang="en-US"/>
           </a:p>
@@ -682,7 +3854,7 @@
           <a:p>
             <a:fld id="{C14A4EDE-A1FD-6F4D-B973-0317A1D48AB8}" type="datetimeFigureOut">
               <a:rPr lang="en-US" smtClean="0"/>
-              <a:t>10/19/2019</a:t>
+              <a:t>10/20/2019</a:t>
             </a:fld>
             <a:endParaRPr lang="en-US"/>
           </a:p>
@@ -960,7 +4132,7 @@
           <a:p>
             <a:fld id="{C14A4EDE-A1FD-6F4D-B973-0317A1D48AB8}" type="datetimeFigureOut">
               <a:rPr lang="en-US" smtClean="0"/>
-              <a:t>10/19/2019</a:t>
+              <a:t>10/20/2019</a:t>
             </a:fld>
             <a:endParaRPr lang="en-US"/>
           </a:p>
@@ -1528,7 +4700,7 @@
           <a:p>
             <a:fld id="{C14A4EDE-A1FD-6F4D-B973-0317A1D48AB8}" type="datetimeFigureOut">
               <a:rPr lang="en-US" smtClean="0"/>
-              <a:t>10/19/2019</a:t>
+              <a:t>10/20/2019</a:t>
             </a:fld>
             <a:endParaRPr lang="en-US"/>
           </a:p>
@@ -1806,7 +4978,7 @@
           <a:p>
             <a:fld id="{C14A4EDE-A1FD-6F4D-B973-0317A1D48AB8}" type="datetimeFigureOut">
               <a:rPr lang="en-US" smtClean="0"/>
-              <a:t>10/19/2019</a:t>
+              <a:t>10/20/2019</a:t>
             </a:fld>
             <a:endParaRPr lang="en-US"/>
           </a:p>
@@ -2368,7 +5540,7 @@
           <a:p>
             <a:fld id="{C14A4EDE-A1FD-6F4D-B973-0317A1D48AB8}" type="datetimeFigureOut">
               <a:rPr lang="en-US" smtClean="0"/>
-              <a:t>10/19/2019</a:t>
+              <a:t>10/20/2019</a:t>
             </a:fld>
             <a:endParaRPr lang="en-US"/>
           </a:p>
@@ -2695,7 +5867,7 @@
           <a:p>
             <a:fld id="{C14A4EDE-A1FD-6F4D-B973-0317A1D48AB8}" type="datetimeFigureOut">
               <a:rPr lang="en-US" smtClean="0"/>
-              <a:t>10/19/2019</a:t>
+              <a:t>10/20/2019</a:t>
             </a:fld>
             <a:endParaRPr lang="en-US"/>
           </a:p>
@@ -2900,7 +6072,7 @@
           <a:p>
             <a:fld id="{C14A4EDE-A1FD-6F4D-B973-0317A1D48AB8}" type="datetimeFigureOut">
               <a:rPr lang="en-US" smtClean="0"/>
-              <a:t>10/19/2019</a:t>
+              <a:t>10/20/2019</a:t>
             </a:fld>
             <a:endParaRPr lang="en-US"/>
           </a:p>
@@ -3110,7 +6282,7 @@
           <a:p>
             <a:fld id="{C14A4EDE-A1FD-6F4D-B973-0317A1D48AB8}" type="datetimeFigureOut">
               <a:rPr lang="en-US" smtClean="0"/>
-              <a:t>10/19/2019</a:t>
+              <a:t>10/20/2019</a:t>
             </a:fld>
             <a:endParaRPr lang="en-US"/>
           </a:p>
@@ -3310,7 +6482,7 @@
           <a:p>
             <a:fld id="{C14A4EDE-A1FD-6F4D-B973-0317A1D48AB8}" type="datetimeFigureOut">
               <a:rPr lang="en-US" smtClean="0"/>
-              <a:t>10/19/2019</a:t>
+              <a:t>10/20/2019</a:t>
             </a:fld>
             <a:endParaRPr lang="en-US"/>
           </a:p>
@@ -3586,7 +6758,7 @@
           <a:p>
             <a:fld id="{C14A4EDE-A1FD-6F4D-B973-0317A1D48AB8}" type="datetimeFigureOut">
               <a:rPr lang="en-US" smtClean="0"/>
-              <a:t>10/19/2019</a:t>
+              <a:t>10/20/2019</a:t>
             </a:fld>
             <a:endParaRPr lang="en-US"/>
           </a:p>
@@ -3852,7 +7024,7 @@
           <a:p>
             <a:fld id="{C14A4EDE-A1FD-6F4D-B973-0317A1D48AB8}" type="datetimeFigureOut">
               <a:rPr lang="en-US" smtClean="0"/>
-              <a:t>10/19/2019</a:t>
+              <a:t>10/20/2019</a:t>
             </a:fld>
             <a:endParaRPr lang="en-US"/>
           </a:p>
@@ -4226,7 +7398,7 @@
           <a:p>
             <a:fld id="{C14A4EDE-A1FD-6F4D-B973-0317A1D48AB8}" type="datetimeFigureOut">
               <a:rPr lang="en-US" smtClean="0"/>
-              <a:t>10/19/2019</a:t>
+              <a:t>10/20/2019</a:t>
             </a:fld>
             <a:endParaRPr lang="en-US"/>
           </a:p>
@@ -4374,7 +7546,7 @@
           <a:p>
             <a:fld id="{C14A4EDE-A1FD-6F4D-B973-0317A1D48AB8}" type="datetimeFigureOut">
               <a:rPr lang="en-US" smtClean="0"/>
-              <a:t>10/19/2019</a:t>
+              <a:t>10/20/2019</a:t>
             </a:fld>
             <a:endParaRPr lang="en-US"/>
           </a:p>
@@ -4499,7 +7671,7 @@
           <a:p>
             <a:fld id="{C14A4EDE-A1FD-6F4D-B973-0317A1D48AB8}" type="datetimeFigureOut">
               <a:rPr lang="en-US" smtClean="0"/>
-              <a:t>10/19/2019</a:t>
+              <a:t>10/20/2019</a:t>
             </a:fld>
             <a:endParaRPr lang="en-US"/>
           </a:p>
@@ -4784,7 +7956,7 @@
           <a:p>
             <a:fld id="{C14A4EDE-A1FD-6F4D-B973-0317A1D48AB8}" type="datetimeFigureOut">
               <a:rPr lang="en-US" smtClean="0"/>
-              <a:t>10/19/2019</a:t>
+              <a:t>10/20/2019</a:t>
             </a:fld>
             <a:endParaRPr lang="en-US"/>
           </a:p>
@@ -5108,7 +8280,7 @@
           <a:p>
             <a:fld id="{C14A4EDE-A1FD-6F4D-B973-0317A1D48AB8}" type="datetimeFigureOut">
               <a:rPr lang="en-US" smtClean="0"/>
-              <a:t>10/19/2019</a:t>
+              <a:t>10/20/2019</a:t>
             </a:fld>
             <a:endParaRPr lang="en-US"/>
           </a:p>
@@ -5340,7 +8512,7 @@
           <a:p>
             <a:fld id="{C14A4EDE-A1FD-6F4D-B973-0317A1D48AB8}" type="datetimeFigureOut">
               <a:rPr lang="en-US" smtClean="0"/>
-              <a:t>10/19/2019</a:t>
+              <a:t>10/20/2019</a:t>
             </a:fld>
             <a:endParaRPr lang="en-US"/>
           </a:p>
@@ -6064,7 +9236,7 @@
           <a:p>
             <a:r>
               <a:rPr lang="en-US" dirty="0"/>
-              <a:t>Dashboard</a:t>
+              <a:t>Coding for Model</a:t>
             </a:r>
           </a:p>
         </p:txBody>
@@ -6074,7 +9246,7 @@
           <p:cNvPr id="4" name="TextBox 3">
             <a:extLst>
               <a:ext uri="{FF2B5EF4-FFF2-40B4-BE49-F238E27FC236}">
-                <a16:creationId xmlns:a16="http://schemas.microsoft.com/office/drawing/2014/main" id="{A25F184E-8D13-474C-965D-789EFAFE76FE}"/>
+                <a16:creationId xmlns:a16="http://schemas.microsoft.com/office/drawing/2014/main" id="{7D71584C-C8FB-FE4F-AC8F-7C28ED2B2892}"/>
               </a:ext>
             </a:extLst>
           </p:cNvPr>
@@ -6104,7 +9276,7 @@
             <a:pPr algn="ctr"/>
             <a:r>
               <a:rPr lang="en-US" b="1" dirty="0"/>
-              <a:t>All</a:t>
+              <a:t>???</a:t>
             </a:r>
           </a:p>
         </p:txBody>
@@ -6112,7 +9284,7 @@
     </p:spTree>
     <p:extLst>
       <p:ext uri="{BB962C8B-B14F-4D97-AF65-F5344CB8AC3E}">
-        <p14:creationId xmlns:p14="http://schemas.microsoft.com/office/powerpoint/2010/main" val="3437850744"/>
+        <p14:creationId xmlns:p14="http://schemas.microsoft.com/office/powerpoint/2010/main" val="2020585456"/>
       </p:ext>
     </p:extLst>
   </p:cSld>
@@ -6154,7 +9326,7 @@
         <p:spPr>
           <a:xfrm>
             <a:off x="1058238" y="678094"/>
-            <a:ext cx="3606229" cy="1200329"/>
+            <a:ext cx="3606229" cy="369332"/>
           </a:xfrm>
           <a:prstGeom prst="rect">
             <a:avLst/>
@@ -6169,20 +9341,8 @@
           <a:p>
             <a:r>
               <a:rPr lang="en-US" dirty="0"/>
-              <a:t>Hypothesis</a:t>
-            </a:r>
-          </a:p>
-          <a:p>
-            <a:endParaRPr lang="en-US" dirty="0"/>
-          </a:p>
-          <a:p>
-            <a:r>
-              <a:rPr lang="en-US" dirty="0"/>
-              <a:t>Conclusion</a:t>
-            </a:r>
-          </a:p>
-          <a:p>
-            <a:endParaRPr lang="en-US" dirty="0"/>
+              <a:t>Dashboard</a:t>
+            </a:r>
           </a:p>
         </p:txBody>
       </p:sp>
@@ -6191,7 +9351,7 @@
           <p:cNvPr id="4" name="TextBox 3">
             <a:extLst>
               <a:ext uri="{FF2B5EF4-FFF2-40B4-BE49-F238E27FC236}">
-                <a16:creationId xmlns:a16="http://schemas.microsoft.com/office/drawing/2014/main" id="{D1845CE9-B618-7E47-B6E6-35431F741F0F}"/>
+                <a16:creationId xmlns:a16="http://schemas.microsoft.com/office/drawing/2014/main" id="{A25F184E-8D13-474C-965D-789EFAFE76FE}"/>
               </a:ext>
             </a:extLst>
           </p:cNvPr>
@@ -6200,8 +9360,8 @@
         </p:nvSpPr>
         <p:spPr>
           <a:xfrm>
-            <a:off x="9613557" y="98854"/>
-            <a:ext cx="2298357" cy="369332"/>
+            <a:off x="10602098" y="98854"/>
+            <a:ext cx="1309816" cy="369332"/>
           </a:xfrm>
           <a:prstGeom prst="rect">
             <a:avLst/>
@@ -6221,7 +9381,7 @@
             <a:pPr algn="ctr"/>
             <a:r>
               <a:rPr lang="en-US" b="1" dirty="0"/>
-              <a:t>All – but one slide</a:t>
+              <a:t>All</a:t>
             </a:r>
           </a:p>
         </p:txBody>
@@ -6229,7 +9389,7 @@
     </p:spTree>
     <p:extLst>
       <p:ext uri="{BB962C8B-B14F-4D97-AF65-F5344CB8AC3E}">
-        <p14:creationId xmlns:p14="http://schemas.microsoft.com/office/powerpoint/2010/main" val="1923034612"/>
+        <p14:creationId xmlns:p14="http://schemas.microsoft.com/office/powerpoint/2010/main" val="3437850744"/>
       </p:ext>
     </p:extLst>
   </p:cSld>
@@ -6286,6 +9446,123 @@
           <a:p>
             <a:r>
               <a:rPr lang="en-US" dirty="0"/>
+              <a:t>Hypothesis</a:t>
+            </a:r>
+          </a:p>
+          <a:p>
+            <a:endParaRPr lang="en-US" dirty="0"/>
+          </a:p>
+          <a:p>
+            <a:r>
+              <a:rPr lang="en-US" dirty="0"/>
+              <a:t>Conclusion</a:t>
+            </a:r>
+          </a:p>
+          <a:p>
+            <a:endParaRPr lang="en-US" dirty="0"/>
+          </a:p>
+        </p:txBody>
+      </p:sp>
+      <p:sp>
+        <p:nvSpPr>
+          <p:cNvPr id="4" name="TextBox 3">
+            <a:extLst>
+              <a:ext uri="{FF2B5EF4-FFF2-40B4-BE49-F238E27FC236}">
+                <a16:creationId xmlns:a16="http://schemas.microsoft.com/office/drawing/2014/main" id="{D1845CE9-B618-7E47-B6E6-35431F741F0F}"/>
+              </a:ext>
+            </a:extLst>
+          </p:cNvPr>
+          <p:cNvSpPr txBox="1"/>
+          <p:nvPr/>
+        </p:nvSpPr>
+        <p:spPr>
+          <a:xfrm>
+            <a:off x="9613557" y="98854"/>
+            <a:ext cx="2298357" cy="369332"/>
+          </a:xfrm>
+          <a:prstGeom prst="rect">
+            <a:avLst/>
+          </a:prstGeom>
+          <a:solidFill>
+            <a:schemeClr val="accent2">
+              <a:lumMod val="50000"/>
+            </a:schemeClr>
+          </a:solidFill>
+        </p:spPr>
+        <p:txBody>
+          <a:bodyPr wrap="square" rtlCol="0">
+            <a:spAutoFit/>
+          </a:bodyPr>
+          <a:lstStyle/>
+          <a:p>
+            <a:pPr algn="ctr"/>
+            <a:r>
+              <a:rPr lang="en-US" b="1" dirty="0"/>
+              <a:t>All – but one slide</a:t>
+            </a:r>
+          </a:p>
+        </p:txBody>
+      </p:sp>
+    </p:spTree>
+    <p:extLst>
+      <p:ext uri="{BB962C8B-B14F-4D97-AF65-F5344CB8AC3E}">
+        <p14:creationId xmlns:p14="http://schemas.microsoft.com/office/powerpoint/2010/main" val="1923034612"/>
+      </p:ext>
+    </p:extLst>
+  </p:cSld>
+  <p:clrMapOvr>
+    <a:masterClrMapping/>
+  </p:clrMapOvr>
+</p:sld>
+</file>
+
+<file path=ppt/slides/slide13.xml><?xml version="1.0" encoding="utf-8"?>
+<p:sld xmlns:a="http://schemas.openxmlformats.org/drawingml/2006/main" xmlns:r="http://schemas.openxmlformats.org/officeDocument/2006/relationships" xmlns:p="http://schemas.openxmlformats.org/presentationml/2006/main">
+  <p:cSld>
+    <p:spTree>
+      <p:nvGrpSpPr>
+        <p:cNvPr id="1" name=""/>
+        <p:cNvGrpSpPr/>
+        <p:nvPr/>
+      </p:nvGrpSpPr>
+      <p:grpSpPr>
+        <a:xfrm>
+          <a:off x="0" y="0"/>
+          <a:ext cx="0" cy="0"/>
+          <a:chOff x="0" y="0"/>
+          <a:chExt cx="0" cy="0"/>
+        </a:xfrm>
+      </p:grpSpPr>
+      <p:sp>
+        <p:nvSpPr>
+          <p:cNvPr id="3" name="TextBox 2">
+            <a:extLst>
+              <a:ext uri="{FF2B5EF4-FFF2-40B4-BE49-F238E27FC236}">
+                <a16:creationId xmlns:a16="http://schemas.microsoft.com/office/drawing/2014/main" id="{E03A1BD5-672E-374E-9E30-401EB3C688D1}"/>
+              </a:ext>
+            </a:extLst>
+          </p:cNvPr>
+          <p:cNvSpPr txBox="1"/>
+          <p:nvPr/>
+        </p:nvSpPr>
+        <p:spPr>
+          <a:xfrm>
+            <a:off x="1058238" y="678094"/>
+            <a:ext cx="3606229" cy="1200329"/>
+          </a:xfrm>
+          <a:prstGeom prst="rect">
+            <a:avLst/>
+          </a:prstGeom>
+          <a:noFill/>
+        </p:spPr>
+        <p:txBody>
+          <a:bodyPr wrap="square" rtlCol="0">
+            <a:spAutoFit/>
+          </a:bodyPr>
+          <a:lstStyle/>
+          <a:p>
+            <a:r>
+              <a:rPr lang="en-US" dirty="0"/>
               <a:t>Limitations</a:t>
             </a:r>
           </a:p>
@@ -6356,7 +9633,7 @@
 </p:sld>
 </file>
 
-<file path=ppt/slides/slide13.xml><?xml version="1.0" encoding="utf-8"?>
+<file path=ppt/slides/slide14.xml><?xml version="1.0" encoding="utf-8"?>
 <p:sld xmlns:a="http://schemas.openxmlformats.org/drawingml/2006/main" xmlns:r="http://schemas.openxmlformats.org/officeDocument/2006/relationships" xmlns:p="http://schemas.openxmlformats.org/presentationml/2006/main">
   <p:cSld>
     <p:spTree>
@@ -6701,8 +9978,8 @@
         </p:nvSpPr>
         <p:spPr>
           <a:xfrm>
-            <a:off x="1164077" y="1899544"/>
-            <a:ext cx="10436211" cy="3970318"/>
+            <a:off x="1448169" y="1979437"/>
+            <a:ext cx="10436211" cy="3539430"/>
           </a:xfrm>
           <a:prstGeom prst="rect">
             <a:avLst/>
@@ -6716,7 +9993,7 @@
           <a:lstStyle/>
           <a:p>
             <a:r>
-              <a:rPr lang="en-US" sz="3600" dirty="0">
+              <a:rPr lang="en-US" sz="3200" b="1" dirty="0">
                 <a:solidFill>
                   <a:schemeClr val="bg1">
                     <a:lumMod val="75000"/>
@@ -6725,10 +10002,10 @@
                 </a:solidFill>
                 <a:latin typeface="Questrial" panose="02000000000000000000"/>
               </a:rPr>
-              <a:t>construct an accurate snapshot of NYC neighborhoods</a:t>
-            </a:r>
-            <a:r>
-              <a:rPr lang="en-US" sz="3600" b="1" dirty="0">
+              <a:t>construct</a:t>
+            </a:r>
+            <a:r>
+              <a:rPr lang="en-US" sz="3200" dirty="0">
                 <a:solidFill>
                   <a:schemeClr val="bg1">
                     <a:lumMod val="75000"/>
@@ -6737,11 +10014,23 @@
                 </a:solidFill>
                 <a:latin typeface="Questrial" panose="02000000000000000000"/>
               </a:rPr>
+              <a:t> an accurate snapshot of NYC neighborhoods</a:t>
+            </a:r>
+            <a:r>
+              <a:rPr lang="en-US" sz="3200" b="1" dirty="0">
+                <a:solidFill>
+                  <a:schemeClr val="bg1">
+                    <a:lumMod val="75000"/>
+                    <a:lumOff val="25000"/>
+                  </a:schemeClr>
+                </a:solidFill>
+                <a:latin typeface="Questrial" panose="02000000000000000000"/>
+              </a:rPr>
               <a:t>			</a:t>
             </a:r>
           </a:p>
           <a:p>
-            <a:endParaRPr lang="en-US" sz="3600" b="1" dirty="0">
+            <a:endParaRPr lang="en-US" sz="3200" b="1" dirty="0">
               <a:solidFill>
                 <a:schemeClr val="bg1">
                   <a:lumMod val="75000"/>
@@ -6752,7 +10041,73 @@
             </a:endParaRPr>
           </a:p>
           <a:p>
-            <a:endParaRPr lang="en-US" sz="3600" b="1" dirty="0">
+            <a:r>
+              <a:rPr lang="en-US" sz="3200" b="1" dirty="0">
+                <a:solidFill>
+                  <a:schemeClr val="bg1">
+                    <a:lumMod val="75000"/>
+                    <a:lumOff val="25000"/>
+                  </a:schemeClr>
+                </a:solidFill>
+                <a:latin typeface="Questrial" panose="02000000000000000000"/>
+              </a:rPr>
+              <a:t>explore </a:t>
+            </a:r>
+            <a:r>
+              <a:rPr lang="en-US" sz="3200" dirty="0">
+                <a:solidFill>
+                  <a:schemeClr val="bg1">
+                    <a:lumMod val="75000"/>
+                    <a:lumOff val="25000"/>
+                  </a:schemeClr>
+                </a:solidFill>
+                <a:latin typeface="Questrial" panose="02000000000000000000"/>
+              </a:rPr>
+              <a:t>growth trends by neighborhood</a:t>
+            </a:r>
+          </a:p>
+          <a:p>
+            <a:r>
+              <a:rPr lang="en-US" sz="3200" b="1" dirty="0">
+                <a:solidFill>
+                  <a:schemeClr val="bg1">
+                    <a:lumMod val="75000"/>
+                    <a:lumOff val="25000"/>
+                  </a:schemeClr>
+                </a:solidFill>
+                <a:latin typeface="Questrial" panose="02000000000000000000"/>
+              </a:rPr>
+              <a:t>		</a:t>
+            </a:r>
+          </a:p>
+          <a:p>
+            <a:r>
+              <a:rPr lang="en-US" sz="3200" b="1" dirty="0">
+                <a:solidFill>
+                  <a:schemeClr val="bg1">
+                    <a:lumMod val="75000"/>
+                    <a:lumOff val="25000"/>
+                  </a:schemeClr>
+                </a:solidFill>
+                <a:latin typeface="Questrial" panose="02000000000000000000"/>
+              </a:rPr>
+              <a:t>develop </a:t>
+            </a:r>
+            <a:r>
+              <a:rPr lang="en-US" sz="3200" dirty="0">
+                <a:solidFill>
+                  <a:schemeClr val="bg1">
+                    <a:lumMod val="75000"/>
+                    <a:lumOff val="25000"/>
+                  </a:schemeClr>
+                </a:solidFill>
+                <a:latin typeface="Questrial" panose="02000000000000000000"/>
+              </a:rPr>
+              <a:t>a method to rank investment worthiness</a:t>
+            </a:r>
+          </a:p>
+          <a:p>
+            <a:endParaRPr lang="en-US" sz="3200" dirty="0">
               <a:solidFill>
                 <a:schemeClr val="bg1">
                   <a:lumMod val="75000"/>
@@ -6764,7 +10119,7 @@
           </a:p>
           <a:p>
             <a:r>
-              <a:rPr lang="en-US" sz="3600" b="1" dirty="0">
+              <a:rPr lang="en-US" sz="3200" b="1" dirty="0">
                 <a:solidFill>
                   <a:schemeClr val="bg1">
                     <a:lumMod val="75000"/>
@@ -6773,23 +10128,10 @@
                 </a:solidFill>
                 <a:latin typeface="Questrial" panose="02000000000000000000"/>
               </a:rPr>
-              <a:t>		</a:t>
-            </a:r>
-          </a:p>
-          <a:p>
-            <a:endParaRPr lang="en-US" sz="3600" b="1" dirty="0">
-              <a:solidFill>
-                <a:schemeClr val="bg1">
-                  <a:lumMod val="75000"/>
-                  <a:lumOff val="25000"/>
-                </a:schemeClr>
-              </a:solidFill>
-              <a:latin typeface="Questrial" panose="02000000000000000000"/>
-            </a:endParaRPr>
-          </a:p>
-          <a:p>
-            <a:r>
-              <a:rPr lang="en-US" sz="3600" b="1" dirty="0">
+              <a:t>evaluate</a:t>
+            </a:r>
+            <a:r>
+              <a:rPr lang="en-US" sz="3200" dirty="0">
                 <a:solidFill>
                   <a:schemeClr val="bg1">
                     <a:lumMod val="75000"/>
@@ -6798,7 +10140,7 @@
                 </a:solidFill>
                 <a:latin typeface="Questrial" panose="02000000000000000000"/>
               </a:rPr>
-              <a:t>develop</a:t>
+              <a:t> the effectiveness of each method</a:t>
             </a:r>
           </a:p>
         </p:txBody>
@@ -6840,59 +10182,6 @@
               <a:rPr lang="en-US" b="1" dirty="0"/>
               <a:t>Emmy</a:t>
             </a:r>
-          </a:p>
-        </p:txBody>
-      </p:sp>
-      <p:sp>
-        <p:nvSpPr>
-          <p:cNvPr id="9" name="TextBox 8">
-            <a:extLst>
-              <a:ext uri="{FF2B5EF4-FFF2-40B4-BE49-F238E27FC236}">
-                <a16:creationId xmlns:a16="http://schemas.microsoft.com/office/drawing/2014/main" id="{0367C30E-E95A-41B4-94CC-5DFCD3720928}"/>
-              </a:ext>
-            </a:extLst>
-          </p:cNvPr>
-          <p:cNvSpPr txBox="1"/>
-          <p:nvPr/>
-        </p:nvSpPr>
-        <p:spPr>
-          <a:xfrm>
-            <a:off x="7994059" y="309860"/>
-            <a:ext cx="3606229" cy="1477328"/>
-          </a:xfrm>
-          <a:prstGeom prst="rect">
-            <a:avLst/>
-          </a:prstGeom>
-          <a:noFill/>
-        </p:spPr>
-        <p:txBody>
-          <a:bodyPr wrap="square" rtlCol="0">
-            <a:spAutoFit/>
-          </a:bodyPr>
-          <a:lstStyle/>
-          <a:p>
-            <a:r>
-              <a:rPr lang="en-US" dirty="0"/>
-              <a:t>What is our model?</a:t>
-            </a:r>
-          </a:p>
-          <a:p>
-            <a:endParaRPr lang="en-US" dirty="0"/>
-          </a:p>
-          <a:p>
-            <a:r>
-              <a:rPr lang="en-US" dirty="0"/>
-              <a:t>Weighted</a:t>
-            </a:r>
-          </a:p>
-          <a:p>
-            <a:r>
-              <a:rPr lang="en-US" dirty="0"/>
-              <a:t>Ranking</a:t>
-            </a:r>
-          </a:p>
-          <a:p>
-            <a:endParaRPr lang="en-US" dirty="0"/>
           </a:p>
         </p:txBody>
       </p:sp>
@@ -7019,7 +10308,7 @@
         </p:nvSpPr>
         <p:spPr>
           <a:xfrm>
-            <a:off x="3350726" y="1902194"/>
+            <a:off x="3350726" y="1680253"/>
             <a:ext cx="7112996" cy="3970318"/>
           </a:xfrm>
           <a:prstGeom prst="rect">
@@ -7134,7 +10423,7 @@
         </p:nvSpPr>
         <p:spPr>
           <a:xfrm>
-            <a:off x="1164077" y="1899544"/>
+            <a:off x="1164077" y="1695359"/>
             <a:ext cx="1781655" cy="3970318"/>
           </a:xfrm>
           <a:prstGeom prst="rect">
@@ -7257,7 +10546,9 @@
               </a:ext>
             </a:extLst>
           </p:cNvPr>
-          <p:cNvCxnSpPr/>
+          <p:cNvCxnSpPr>
+            <a:cxnSpLocks/>
+          </p:cNvCxnSpPr>
           <p:nvPr/>
         </p:nvCxnSpPr>
         <p:spPr>
@@ -7329,6 +10620,119 @@
           </a:p>
         </p:txBody>
       </p:sp>
+      <p:sp>
+        <p:nvSpPr>
+          <p:cNvPr id="9" name="TextBox 8">
+            <a:extLst>
+              <a:ext uri="{FF2B5EF4-FFF2-40B4-BE49-F238E27FC236}">
+                <a16:creationId xmlns:a16="http://schemas.microsoft.com/office/drawing/2014/main" id="{26C4E1B6-E2BC-45AF-A6AA-1BD227A1865A}"/>
+              </a:ext>
+            </a:extLst>
+          </p:cNvPr>
+          <p:cNvSpPr txBox="1"/>
+          <p:nvPr/>
+        </p:nvSpPr>
+        <p:spPr>
+          <a:xfrm>
+            <a:off x="3508118" y="2202121"/>
+            <a:ext cx="4490336" cy="4247317"/>
+          </a:xfrm>
+          <a:prstGeom prst="rect">
+            <a:avLst/>
+          </a:prstGeom>
+          <a:noFill/>
+        </p:spPr>
+        <p:txBody>
+          <a:bodyPr wrap="square" rtlCol="0">
+            <a:spAutoFit/>
+          </a:bodyPr>
+          <a:lstStyle/>
+          <a:p>
+            <a:r>
+              <a:rPr lang="en-US" sz="5400" dirty="0">
+                <a:solidFill>
+                  <a:srgbClr val="FFC000"/>
+                </a:solidFill>
+                <a:effectLst>
+                  <a:outerShdw blurRad="38100" dist="38100" dir="2700000" algn="tl">
+                    <a:srgbClr val="000000">
+                      <a:alpha val="43137"/>
+                    </a:srgbClr>
+                  </a:outerShdw>
+                </a:effectLst>
+                <a:latin typeface="Britannic Bold" panose="020B0903060703020204" pitchFamily="34" charset="0"/>
+              </a:rPr>
+              <a:t>IRS   	 NYPD</a:t>
+            </a:r>
+          </a:p>
+          <a:p>
+            <a:endParaRPr lang="en-US" sz="5400" dirty="0">
+              <a:solidFill>
+                <a:srgbClr val="FFC000"/>
+              </a:solidFill>
+              <a:effectLst>
+                <a:outerShdw blurRad="38100" dist="38100" dir="2700000" algn="tl">
+                  <a:srgbClr val="000000">
+                    <a:alpha val="43137"/>
+                  </a:srgbClr>
+                </a:outerShdw>
+              </a:effectLst>
+              <a:latin typeface="Britannic Bold" panose="020B0903060703020204" pitchFamily="34" charset="0"/>
+            </a:endParaRPr>
+          </a:p>
+          <a:p>
+            <a:r>
+              <a:rPr lang="en-US" sz="5400" dirty="0">
+                <a:solidFill>
+                  <a:srgbClr val="FFC000"/>
+                </a:solidFill>
+                <a:effectLst>
+                  <a:outerShdw blurRad="38100" dist="38100" dir="2700000" algn="tl">
+                    <a:srgbClr val="000000">
+                      <a:alpha val="43137"/>
+                    </a:srgbClr>
+                  </a:outerShdw>
+                </a:effectLst>
+                <a:latin typeface="Britannic Bold" panose="020B0903060703020204" pitchFamily="34" charset="0"/>
+              </a:rPr>
+              <a:t>DOF		 DOB</a:t>
+            </a:r>
+          </a:p>
+          <a:p>
+            <a:endParaRPr lang="en-US" sz="5400" dirty="0">
+              <a:solidFill>
+                <a:srgbClr val="FFC000"/>
+              </a:solidFill>
+              <a:effectLst>
+                <a:outerShdw blurRad="38100" dist="38100" dir="2700000" algn="tl">
+                  <a:srgbClr val="000000">
+                    <a:alpha val="43137"/>
+                  </a:srgbClr>
+                </a:outerShdw>
+              </a:effectLst>
+              <a:latin typeface="Britannic Bold" panose="020B0903060703020204" pitchFamily="34" charset="0"/>
+            </a:endParaRPr>
+          </a:p>
+          <a:p>
+            <a:r>
+              <a:rPr lang="en-US" sz="5400" dirty="0">
+                <a:solidFill>
+                  <a:srgbClr val="FFC000"/>
+                </a:solidFill>
+                <a:effectLst>
+                  <a:outerShdw blurRad="38100" dist="38100" dir="2700000" algn="tl">
+                    <a:srgbClr val="000000">
+                      <a:alpha val="43137"/>
+                    </a:srgbClr>
+                  </a:outerShdw>
+                </a:effectLst>
+                <a:latin typeface="Britannic Bold" panose="020B0903060703020204" pitchFamily="34" charset="0"/>
+              </a:rPr>
+              <a:t>NY ESD</a:t>
+            </a:r>
+          </a:p>
+        </p:txBody>
+      </p:sp>
     </p:spTree>
     <p:extLst>
       <p:ext uri="{BB962C8B-B14F-4D97-AF65-F5344CB8AC3E}">
@@ -7339,6 +10743,92 @@
   <p:clrMapOvr>
     <a:masterClrMapping/>
   </p:clrMapOvr>
+  <p:timing>
+    <p:tnLst>
+      <p:par>
+        <p:cTn id="1" dur="indefinite" restart="never" nodeType="tmRoot">
+          <p:childTnLst>
+            <p:seq concurrent="1" nextAc="seek">
+              <p:cTn id="2" dur="indefinite" nodeType="mainSeq">
+                <p:childTnLst>
+                  <p:par>
+                    <p:cTn id="3" fill="hold">
+                      <p:stCondLst>
+                        <p:cond delay="indefinite"/>
+                      </p:stCondLst>
+                      <p:childTnLst>
+                        <p:par>
+                          <p:cTn id="4" fill="hold">
+                            <p:stCondLst>
+                              <p:cond delay="0"/>
+                            </p:stCondLst>
+                            <p:childTnLst>
+                              <p:par>
+                                <p:cTn id="5" presetID="10" presetClass="entr" presetSubtype="0" fill="hold" grpId="0" nodeType="clickEffect">
+                                  <p:stCondLst>
+                                    <p:cond delay="0"/>
+                                  </p:stCondLst>
+                                  <p:childTnLst>
+                                    <p:set>
+                                      <p:cBhvr>
+                                        <p:cTn id="6" dur="1" fill="hold">
+                                          <p:stCondLst>
+                                            <p:cond delay="0"/>
+                                          </p:stCondLst>
+                                        </p:cTn>
+                                        <p:tgtEl>
+                                          <p:spTgt spid="9"/>
+                                        </p:tgtEl>
+                                        <p:attrNameLst>
+                                          <p:attrName>style.visibility</p:attrName>
+                                        </p:attrNameLst>
+                                      </p:cBhvr>
+                                      <p:to>
+                                        <p:strVal val="visible"/>
+                                      </p:to>
+                                    </p:set>
+                                    <p:animEffect transition="in" filter="fade">
+                                      <p:cBhvr>
+                                        <p:cTn id="7" dur="500"/>
+                                        <p:tgtEl>
+                                          <p:spTgt spid="9"/>
+                                        </p:tgtEl>
+                                      </p:cBhvr>
+                                    </p:animEffect>
+                                  </p:childTnLst>
+                                </p:cTn>
+                              </p:par>
+                            </p:childTnLst>
+                          </p:cTn>
+                        </p:par>
+                      </p:childTnLst>
+                    </p:cTn>
+                  </p:par>
+                </p:childTnLst>
+              </p:cTn>
+              <p:prevCondLst>
+                <p:cond evt="onPrev" delay="0">
+                  <p:tgtEl>
+                    <p:sldTgt/>
+                  </p:tgtEl>
+                </p:cond>
+              </p:prevCondLst>
+              <p:nextCondLst>
+                <p:cond evt="onNext" delay="0">
+                  <p:tgtEl>
+                    <p:sldTgt/>
+                  </p:tgtEl>
+                </p:cond>
+              </p:nextCondLst>
+            </p:seq>
+          </p:childTnLst>
+        </p:cTn>
+      </p:par>
+    </p:tnLst>
+    <p:bldLst>
+      <p:bldP spid="9" grpId="0"/>
+    </p:bldLst>
+  </p:timing>
 </p:sld>
 </file>
 
@@ -7656,6 +11146,32 @@
 <file path=ppt/slides/slide7.xml><?xml version="1.0" encoding="utf-8"?>
 <p:sld xmlns:a="http://schemas.openxmlformats.org/drawingml/2006/main" xmlns:r="http://schemas.openxmlformats.org/officeDocument/2006/relationships" xmlns:p="http://schemas.openxmlformats.org/presentationml/2006/main">
   <p:cSld>
+    <p:bg>
+      <p:bgPr>
+        <a:gradFill flip="none" rotWithShape="1">
+          <a:gsLst>
+            <a:gs pos="23448">
+              <a:schemeClr val="tx1">
+                <a:lumMod val="85000"/>
+              </a:schemeClr>
+            </a:gs>
+            <a:gs pos="83000">
+              <a:schemeClr val="tx1">
+                <a:lumMod val="65000"/>
+              </a:schemeClr>
+            </a:gs>
+            <a:gs pos="100000">
+              <a:schemeClr val="bg2">
+                <a:lumMod val="50000"/>
+              </a:schemeClr>
+            </a:gs>
+          </a:gsLst>
+          <a:lin ang="4740000" scaled="1"/>
+          <a:tileRect/>
+        </a:gradFill>
+        <a:effectLst/>
+      </p:bgPr>
+    </p:bg>
     <p:spTree>
       <p:nvGrpSpPr>
         <p:cNvPr id="1" name=""/>
@@ -7672,10 +11188,10 @@
       </p:grpSpPr>
       <p:sp>
         <p:nvSpPr>
-          <p:cNvPr id="3" name="TextBox 2">
+          <p:cNvPr id="8" name="TextBox 7">
             <a:extLst>
               <a:ext uri="{FF2B5EF4-FFF2-40B4-BE49-F238E27FC236}">
-                <a16:creationId xmlns:a16="http://schemas.microsoft.com/office/drawing/2014/main" id="{E03A1BD5-672E-374E-9E30-401EB3C688D1}"/>
+                <a16:creationId xmlns:a16="http://schemas.microsoft.com/office/drawing/2014/main" id="{46C0A125-FF4F-6C43-B8AE-3C5B715290A5}"/>
               </a:ext>
             </a:extLst>
           </p:cNvPr>
@@ -7684,8 +11200,8 @@
         </p:nvSpPr>
         <p:spPr>
           <a:xfrm>
-            <a:off x="1058238" y="678094"/>
-            <a:ext cx="3606229" cy="1477328"/>
+            <a:off x="823598" y="520095"/>
+            <a:ext cx="6015530" cy="1015663"/>
           </a:xfrm>
           <a:prstGeom prst="rect">
             <a:avLst/>
@@ -7699,36 +11215,47 @@
           <a:lstStyle/>
           <a:p>
             <a:r>
-              <a:rPr lang="en-US" dirty="0"/>
-              <a:t>Data Clean Up</a:t>
-            </a:r>
-          </a:p>
-          <a:p>
-            <a:endParaRPr lang="en-US" dirty="0"/>
-          </a:p>
-          <a:p>
-            <a:r>
-              <a:rPr lang="en-US" dirty="0"/>
-              <a:t>Before and After </a:t>
-            </a:r>
-          </a:p>
-          <a:p>
-            <a:endParaRPr lang="en-US" dirty="0"/>
-          </a:p>
-          <a:p>
-            <a:r>
-              <a:rPr lang="en-US" dirty="0"/>
-              <a:t>Tell the transformation story</a:t>
-            </a:r>
-          </a:p>
-        </p:txBody>
-      </p:sp>
-      <p:sp>
-        <p:nvSpPr>
-          <p:cNvPr id="5" name="TextBox 4">
+              <a:rPr lang="en-US" sz="6000" dirty="0">
+                <a:solidFill>
+                  <a:schemeClr val="bg2">
+                    <a:lumMod val="75000"/>
+                  </a:schemeClr>
+                </a:solidFill>
+                <a:latin typeface="Questrial" panose="02000000000000000000" pitchFamily="2" charset="0"/>
+              </a:rPr>
+              <a:t>our</a:t>
+            </a:r>
+            <a:r>
+              <a:rPr lang="en-US" sz="6000" b="1" dirty="0">
+                <a:solidFill>
+                  <a:schemeClr val="bg2">
+                    <a:lumMod val="75000"/>
+                  </a:schemeClr>
+                </a:solidFill>
+                <a:latin typeface="Questrial" panose="02000000000000000000" pitchFamily="2" charset="0"/>
+              </a:rPr>
+              <a:t> data </a:t>
+            </a:r>
+            <a:r>
+              <a:rPr lang="en-US" sz="6000" dirty="0">
+                <a:solidFill>
+                  <a:schemeClr val="bg2">
+                    <a:lumMod val="75000"/>
+                  </a:schemeClr>
+                </a:solidFill>
+                <a:latin typeface="Questrial" panose="02000000000000000000" pitchFamily="2" charset="0"/>
+              </a:rPr>
+              <a:t>-&gt; sales</a:t>
+            </a:r>
+          </a:p>
+        </p:txBody>
+      </p:sp>
+      <p:sp>
+        <p:nvSpPr>
+          <p:cNvPr id="7" name="TextBox 6">
             <a:extLst>
               <a:ext uri="{FF2B5EF4-FFF2-40B4-BE49-F238E27FC236}">
-                <a16:creationId xmlns:a16="http://schemas.microsoft.com/office/drawing/2014/main" id="{BBEC2DEF-2EEE-D742-A623-0967BCEDC039}"/>
+                <a16:creationId xmlns:a16="http://schemas.microsoft.com/office/drawing/2014/main" id="{63B711B5-FE9C-41C1-9BEF-FD36F6ED18FE}"/>
               </a:ext>
             </a:extLst>
           </p:cNvPr>
@@ -7738,7 +11265,7 @@
         <p:spPr>
           <a:xfrm>
             <a:off x="10602098" y="98854"/>
-            <a:ext cx="1309816" cy="923330"/>
+            <a:ext cx="1309816" cy="369332"/>
           </a:xfrm>
           <a:prstGeom prst="rect">
             <a:avLst/>
@@ -7758,15 +11285,43 @@
             <a:pPr algn="ctr"/>
             <a:r>
               <a:rPr lang="en-US" b="1" dirty="0"/>
-              <a:t>Sales and Dev - Emmy</a:t>
-            </a:r>
-          </a:p>
-        </p:txBody>
-      </p:sp>
+              <a:t>Emmy</a:t>
+            </a:r>
+          </a:p>
+        </p:txBody>
+      </p:sp>
+      <p:graphicFrame>
+        <p:nvGraphicFramePr>
+          <p:cNvPr id="17" name="Diagram 16">
+            <a:extLst>
+              <a:ext uri="{FF2B5EF4-FFF2-40B4-BE49-F238E27FC236}">
+                <a16:creationId xmlns:a16="http://schemas.microsoft.com/office/drawing/2014/main" id="{880232BC-DB29-4321-BCFA-535900F01275}"/>
+              </a:ext>
+            </a:extLst>
+          </p:cNvPr>
+          <p:cNvGraphicFramePr/>
+          <p:nvPr>
+            <p:extLst>
+              <p:ext uri="{D42A27DB-BD31-4B8C-83A1-F6EECF244321}">
+                <p14:modId xmlns:p14="http://schemas.microsoft.com/office/powerpoint/2010/main" val="290880253"/>
+              </p:ext>
+            </p:extLst>
+          </p:nvPr>
+        </p:nvGraphicFramePr>
+        <p:xfrm>
+          <a:off x="557267" y="1686757"/>
+          <a:ext cx="11036969" cy="4806379"/>
+        </p:xfrm>
+        <a:graphic>
+          <a:graphicData uri="http://schemas.openxmlformats.org/drawingml/2006/diagram">
+            <dgm:relIds xmlns:dgm="http://schemas.openxmlformats.org/drawingml/2006/diagram" xmlns:r="http://schemas.openxmlformats.org/officeDocument/2006/relationships" r:dm="rId2" r:lo="rId3" r:qs="rId4" r:cs="rId5"/>
+          </a:graphicData>
+        </a:graphic>
+      </p:graphicFrame>
     </p:spTree>
     <p:extLst>
       <p:ext uri="{BB962C8B-B14F-4D97-AF65-F5344CB8AC3E}">
-        <p14:creationId xmlns:p14="http://schemas.microsoft.com/office/powerpoint/2010/main" val="700342363"/>
+        <p14:creationId xmlns:p14="http://schemas.microsoft.com/office/powerpoint/2010/main" val="1398655382"/>
       </p:ext>
     </p:extLst>
   </p:cSld>
@@ -7851,7 +11406,7 @@
           <p:cNvPr id="5" name="TextBox 4">
             <a:extLst>
               <a:ext uri="{FF2B5EF4-FFF2-40B4-BE49-F238E27FC236}">
-                <a16:creationId xmlns:a16="http://schemas.microsoft.com/office/drawing/2014/main" id="{574CD34D-8741-534E-94A4-835DFAFB26BD}"/>
+                <a16:creationId xmlns:a16="http://schemas.microsoft.com/office/drawing/2014/main" id="{BBEC2DEF-2EEE-D742-A623-0967BCEDC039}"/>
               </a:ext>
             </a:extLst>
           </p:cNvPr>
@@ -7861,7 +11416,7 @@
         <p:spPr>
           <a:xfrm>
             <a:off x="10602098" y="98854"/>
-            <a:ext cx="1309816" cy="369332"/>
+            <a:ext cx="1309816" cy="923330"/>
           </a:xfrm>
           <a:prstGeom prst="rect">
             <a:avLst/>
@@ -7881,7 +11436,7 @@
             <a:pPr algn="ctr"/>
             <a:r>
               <a:rPr lang="en-US" b="1" dirty="0"/>
-              <a:t>JC - Income</a:t>
+              <a:t>Sales and Dev - Emmy</a:t>
             </a:r>
           </a:p>
         </p:txBody>
@@ -7889,7 +11444,7 @@
     </p:spTree>
     <p:extLst>
       <p:ext uri="{BB962C8B-B14F-4D97-AF65-F5344CB8AC3E}">
-        <p14:creationId xmlns:p14="http://schemas.microsoft.com/office/powerpoint/2010/main" val="3882611632"/>
+        <p14:creationId xmlns:p14="http://schemas.microsoft.com/office/powerpoint/2010/main" val="700342363"/>
       </p:ext>
     </p:extLst>
   </p:cSld>
@@ -7931,7 +11486,7 @@
         <p:spPr>
           <a:xfrm>
             <a:off x="1058238" y="678094"/>
-            <a:ext cx="3606229" cy="369332"/>
+            <a:ext cx="3606229" cy="1477328"/>
           </a:xfrm>
           <a:prstGeom prst="rect">
             <a:avLst/>
@@ -7946,17 +11501,35 @@
           <a:p>
             <a:r>
               <a:rPr lang="en-US" dirty="0"/>
-              <a:t>Coding for Model</a:t>
-            </a:r>
-          </a:p>
-        </p:txBody>
-      </p:sp>
-      <p:sp>
-        <p:nvSpPr>
-          <p:cNvPr id="4" name="TextBox 3">
+              <a:t>Data Clean Up</a:t>
+            </a:r>
+          </a:p>
+          <a:p>
+            <a:endParaRPr lang="en-US" dirty="0"/>
+          </a:p>
+          <a:p>
+            <a:r>
+              <a:rPr lang="en-US" dirty="0"/>
+              <a:t>Before and After </a:t>
+            </a:r>
+          </a:p>
+          <a:p>
+            <a:endParaRPr lang="en-US" dirty="0"/>
+          </a:p>
+          <a:p>
+            <a:r>
+              <a:rPr lang="en-US" dirty="0"/>
+              <a:t>Tell the transformation story</a:t>
+            </a:r>
+          </a:p>
+        </p:txBody>
+      </p:sp>
+      <p:sp>
+        <p:nvSpPr>
+          <p:cNvPr id="5" name="TextBox 4">
             <a:extLst>
               <a:ext uri="{FF2B5EF4-FFF2-40B4-BE49-F238E27FC236}">
-                <a16:creationId xmlns:a16="http://schemas.microsoft.com/office/drawing/2014/main" id="{7D71584C-C8FB-FE4F-AC8F-7C28ED2B2892}"/>
+                <a16:creationId xmlns:a16="http://schemas.microsoft.com/office/drawing/2014/main" id="{574CD34D-8741-534E-94A4-835DFAFB26BD}"/>
               </a:ext>
             </a:extLst>
           </p:cNvPr>
@@ -7986,7 +11559,7 @@
             <a:pPr algn="ctr"/>
             <a:r>
               <a:rPr lang="en-US" b="1" dirty="0"/>
-              <a:t>???</a:t>
+              <a:t>JC - Income</a:t>
             </a:r>
           </a:p>
         </p:txBody>
@@ -7994,7 +11567,7 @@
     </p:spTree>
     <p:extLst>
       <p:ext uri="{BB962C8B-B14F-4D97-AF65-F5344CB8AC3E}">
-        <p14:creationId xmlns:p14="http://schemas.microsoft.com/office/powerpoint/2010/main" val="2020585456"/>
+        <p14:creationId xmlns:p14="http://schemas.microsoft.com/office/powerpoint/2010/main" val="3882611632"/>
       </p:ext>
     </p:extLst>
   </p:cSld>

--- a/Presentation - Strawman.pptx
+++ b/Presentation - Strawman.pptx
@@ -11,8 +11,8 @@
     <p:sldId id="272" r:id="rId5"/>
     <p:sldId id="260" r:id="rId6"/>
     <p:sldId id="261" r:id="rId7"/>
-    <p:sldId id="274" r:id="rId8"/>
-    <p:sldId id="269" r:id="rId9"/>
+    <p:sldId id="275" r:id="rId8"/>
+    <p:sldId id="278" r:id="rId9"/>
     <p:sldId id="270" r:id="rId10"/>
     <p:sldId id="262" r:id="rId11"/>
     <p:sldId id="263" r:id="rId12"/>
@@ -876,6 +876,757 @@
 </dgm:colorsDef>
 </file>
 
+<file path=ppt/diagrams/colors2.xml><?xml version="1.0" encoding="utf-8"?>
+<dgm:colorsDef xmlns:dgm="http://schemas.openxmlformats.org/drawingml/2006/diagram" xmlns:a="http://schemas.openxmlformats.org/drawingml/2006/main" uniqueId="urn:microsoft.com/office/officeart/2005/8/colors/accent0_3">
+  <dgm:title val=""/>
+  <dgm:desc val=""/>
+  <dgm:catLst>
+    <dgm:cat type="mainScheme" pri="10300"/>
+  </dgm:catLst>
+  <dgm:styleLbl name="node0">
+    <dgm:fillClrLst meth="repeat">
+      <a:schemeClr val="dk2"/>
+    </dgm:fillClrLst>
+    <dgm:linClrLst meth="repeat">
+      <a:schemeClr val="lt2"/>
+    </dgm:linClrLst>
+    <dgm:effectClrLst/>
+    <dgm:txLinClrLst/>
+    <dgm:txFillClrLst/>
+    <dgm:txEffectClrLst/>
+  </dgm:styleLbl>
+  <dgm:styleLbl name="alignNode1">
+    <dgm:fillClrLst meth="repeat">
+      <a:schemeClr val="dk2"/>
+    </dgm:fillClrLst>
+    <dgm:linClrLst meth="repeat">
+      <a:schemeClr val="dk2"/>
+    </dgm:linClrLst>
+    <dgm:effectClrLst/>
+    <dgm:txLinClrLst/>
+    <dgm:txFillClrLst/>
+    <dgm:txEffectClrLst/>
+  </dgm:styleLbl>
+  <dgm:styleLbl name="node1">
+    <dgm:fillClrLst meth="repeat">
+      <a:schemeClr val="dk2"/>
+    </dgm:fillClrLst>
+    <dgm:linClrLst meth="repeat">
+      <a:schemeClr val="lt2"/>
+    </dgm:linClrLst>
+    <dgm:effectClrLst/>
+    <dgm:txLinClrLst/>
+    <dgm:txFillClrLst/>
+    <dgm:txEffectClrLst/>
+  </dgm:styleLbl>
+  <dgm:styleLbl name="lnNode1">
+    <dgm:fillClrLst meth="repeat">
+      <a:schemeClr val="dk2"/>
+    </dgm:fillClrLst>
+    <dgm:linClrLst meth="repeat">
+      <a:schemeClr val="lt2"/>
+    </dgm:linClrLst>
+    <dgm:effectClrLst/>
+    <dgm:txLinClrLst/>
+    <dgm:txFillClrLst/>
+    <dgm:txEffectClrLst/>
+  </dgm:styleLbl>
+  <dgm:styleLbl name="vennNode1">
+    <dgm:fillClrLst meth="repeat">
+      <a:schemeClr val="dk2">
+        <a:alpha val="50000"/>
+      </a:schemeClr>
+    </dgm:fillClrLst>
+    <dgm:linClrLst meth="repeat">
+      <a:schemeClr val="lt2"/>
+    </dgm:linClrLst>
+    <dgm:effectClrLst/>
+    <dgm:txLinClrLst/>
+    <dgm:txFillClrLst/>
+    <dgm:txEffectClrLst/>
+  </dgm:styleLbl>
+  <dgm:styleLbl name="node2">
+    <dgm:fillClrLst meth="repeat">
+      <a:schemeClr val="dk2"/>
+    </dgm:fillClrLst>
+    <dgm:linClrLst meth="repeat">
+      <a:schemeClr val="lt2"/>
+    </dgm:linClrLst>
+    <dgm:effectClrLst/>
+    <dgm:txLinClrLst/>
+    <dgm:txFillClrLst/>
+    <dgm:txEffectClrLst/>
+  </dgm:styleLbl>
+  <dgm:styleLbl name="node3">
+    <dgm:fillClrLst meth="repeat">
+      <a:schemeClr val="dk2"/>
+    </dgm:fillClrLst>
+    <dgm:linClrLst meth="repeat">
+      <a:schemeClr val="lt2"/>
+    </dgm:linClrLst>
+    <dgm:effectClrLst/>
+    <dgm:txLinClrLst/>
+    <dgm:txFillClrLst/>
+    <dgm:txEffectClrLst/>
+  </dgm:styleLbl>
+  <dgm:styleLbl name="node4">
+    <dgm:fillClrLst meth="repeat">
+      <a:schemeClr val="dk2"/>
+    </dgm:fillClrLst>
+    <dgm:linClrLst meth="repeat">
+      <a:schemeClr val="lt2"/>
+    </dgm:linClrLst>
+    <dgm:effectClrLst/>
+    <dgm:txLinClrLst/>
+    <dgm:txFillClrLst/>
+    <dgm:txEffectClrLst/>
+  </dgm:styleLbl>
+  <dgm:styleLbl name="fgImgPlace1">
+    <dgm:fillClrLst meth="repeat">
+      <a:schemeClr val="dk2">
+        <a:tint val="50000"/>
+      </a:schemeClr>
+    </dgm:fillClrLst>
+    <dgm:linClrLst meth="repeat">
+      <a:schemeClr val="lt2"/>
+    </dgm:linClrLst>
+    <dgm:effectClrLst/>
+    <dgm:txLinClrLst/>
+    <dgm:txFillClrLst meth="repeat">
+      <a:schemeClr val="lt2"/>
+    </dgm:txFillClrLst>
+    <dgm:txEffectClrLst/>
+  </dgm:styleLbl>
+  <dgm:styleLbl name="alignImgPlace1">
+    <dgm:fillClrLst meth="repeat">
+      <a:schemeClr val="dk2">
+        <a:tint val="50000"/>
+      </a:schemeClr>
+    </dgm:fillClrLst>
+    <dgm:linClrLst meth="repeat">
+      <a:schemeClr val="dk2">
+        <a:shade val="80000"/>
+      </a:schemeClr>
+    </dgm:linClrLst>
+    <dgm:effectClrLst/>
+    <dgm:txLinClrLst/>
+    <dgm:txFillClrLst meth="repeat">
+      <a:schemeClr val="lt2"/>
+    </dgm:txFillClrLst>
+    <dgm:txEffectClrLst/>
+  </dgm:styleLbl>
+  <dgm:styleLbl name="bgImgPlace1">
+    <dgm:fillClrLst meth="repeat">
+      <a:schemeClr val="dk2">
+        <a:tint val="50000"/>
+      </a:schemeClr>
+    </dgm:fillClrLst>
+    <dgm:linClrLst meth="repeat">
+      <a:schemeClr val="dk2">
+        <a:shade val="80000"/>
+      </a:schemeClr>
+    </dgm:linClrLst>
+    <dgm:effectClrLst/>
+    <dgm:txLinClrLst/>
+    <dgm:txFillClrLst meth="repeat">
+      <a:schemeClr val="lt2"/>
+    </dgm:txFillClrLst>
+    <dgm:txEffectClrLst/>
+  </dgm:styleLbl>
+  <dgm:styleLbl name="sibTrans2D1">
+    <dgm:fillClrLst meth="repeat">
+      <a:schemeClr val="dk2">
+        <a:tint val="60000"/>
+      </a:schemeClr>
+    </dgm:fillClrLst>
+    <dgm:linClrLst meth="repeat">
+      <a:schemeClr val="dk2">
+        <a:tint val="60000"/>
+      </a:schemeClr>
+    </dgm:linClrLst>
+    <dgm:effectClrLst/>
+    <dgm:txLinClrLst/>
+    <dgm:txFillClrLst/>
+    <dgm:txEffectClrLst/>
+  </dgm:styleLbl>
+  <dgm:styleLbl name="fgSibTrans2D1">
+    <dgm:fillClrLst meth="repeat">
+      <a:schemeClr val="dk2">
+        <a:tint val="60000"/>
+      </a:schemeClr>
+    </dgm:fillClrLst>
+    <dgm:linClrLst meth="repeat">
+      <a:schemeClr val="dk2">
+        <a:tint val="60000"/>
+      </a:schemeClr>
+    </dgm:linClrLst>
+    <dgm:effectClrLst/>
+    <dgm:txLinClrLst/>
+    <dgm:txFillClrLst/>
+    <dgm:txEffectClrLst/>
+  </dgm:styleLbl>
+  <dgm:styleLbl name="bgSibTrans2D1">
+    <dgm:fillClrLst meth="repeat">
+      <a:schemeClr val="dk2">
+        <a:tint val="60000"/>
+      </a:schemeClr>
+    </dgm:fillClrLst>
+    <dgm:linClrLst meth="repeat">
+      <a:schemeClr val="dk2">
+        <a:tint val="60000"/>
+      </a:schemeClr>
+    </dgm:linClrLst>
+    <dgm:effectClrLst/>
+    <dgm:txLinClrLst/>
+    <dgm:txFillClrLst/>
+    <dgm:txEffectClrLst/>
+  </dgm:styleLbl>
+  <dgm:styleLbl name="sibTrans1D1">
+    <dgm:fillClrLst meth="repeat">
+      <a:schemeClr val="dk2"/>
+    </dgm:fillClrLst>
+    <dgm:linClrLst meth="repeat">
+      <a:schemeClr val="dk2"/>
+    </dgm:linClrLst>
+    <dgm:effectClrLst/>
+    <dgm:txLinClrLst/>
+    <dgm:txFillClrLst meth="repeat">
+      <a:schemeClr val="lt2"/>
+    </dgm:txFillClrLst>
+    <dgm:txEffectClrLst/>
+  </dgm:styleLbl>
+  <dgm:styleLbl name="callout">
+    <dgm:fillClrLst meth="repeat">
+      <a:schemeClr val="dk2"/>
+    </dgm:fillClrLst>
+    <dgm:linClrLst meth="repeat">
+      <a:schemeClr val="dk2">
+        <a:tint val="50000"/>
+      </a:schemeClr>
+    </dgm:linClrLst>
+    <dgm:effectClrLst/>
+    <dgm:txLinClrLst/>
+    <dgm:txFillClrLst meth="repeat">
+      <a:schemeClr val="lt2"/>
+    </dgm:txFillClrLst>
+    <dgm:txEffectClrLst/>
+  </dgm:styleLbl>
+  <dgm:styleLbl name="asst0">
+    <dgm:fillClrLst meth="repeat">
+      <a:schemeClr val="dk2"/>
+    </dgm:fillClrLst>
+    <dgm:linClrLst meth="repeat">
+      <a:schemeClr val="lt2"/>
+    </dgm:linClrLst>
+    <dgm:effectClrLst/>
+    <dgm:txLinClrLst/>
+    <dgm:txFillClrLst/>
+    <dgm:txEffectClrLst/>
+  </dgm:styleLbl>
+  <dgm:styleLbl name="asst1">
+    <dgm:fillClrLst meth="repeat">
+      <a:schemeClr val="dk2"/>
+    </dgm:fillClrLst>
+    <dgm:linClrLst meth="repeat">
+      <a:schemeClr val="lt2"/>
+    </dgm:linClrLst>
+    <dgm:effectClrLst/>
+    <dgm:txLinClrLst/>
+    <dgm:txFillClrLst/>
+    <dgm:txEffectClrLst/>
+  </dgm:styleLbl>
+  <dgm:styleLbl name="asst2">
+    <dgm:fillClrLst meth="repeat">
+      <a:schemeClr val="dk2"/>
+    </dgm:fillClrLst>
+    <dgm:linClrLst meth="repeat">
+      <a:schemeClr val="lt2"/>
+    </dgm:linClrLst>
+    <dgm:effectClrLst/>
+    <dgm:txLinClrLst/>
+    <dgm:txFillClrLst/>
+    <dgm:txEffectClrLst/>
+  </dgm:styleLbl>
+  <dgm:styleLbl name="asst3">
+    <dgm:fillClrLst meth="repeat">
+      <a:schemeClr val="dk2"/>
+    </dgm:fillClrLst>
+    <dgm:linClrLst meth="repeat">
+      <a:schemeClr val="lt2"/>
+    </dgm:linClrLst>
+    <dgm:effectClrLst/>
+    <dgm:txLinClrLst/>
+    <dgm:txFillClrLst/>
+    <dgm:txEffectClrLst/>
+  </dgm:styleLbl>
+  <dgm:styleLbl name="asst4">
+    <dgm:fillClrLst meth="repeat">
+      <a:schemeClr val="dk2"/>
+    </dgm:fillClrLst>
+    <dgm:linClrLst meth="repeat">
+      <a:schemeClr val="lt2"/>
+    </dgm:linClrLst>
+    <dgm:effectClrLst/>
+    <dgm:txLinClrLst/>
+    <dgm:txFillClrLst/>
+    <dgm:txEffectClrLst/>
+  </dgm:styleLbl>
+  <dgm:styleLbl name="parChTrans2D1">
+    <dgm:fillClrLst meth="repeat">
+      <a:schemeClr val="dk2">
+        <a:tint val="60000"/>
+      </a:schemeClr>
+    </dgm:fillClrLst>
+    <dgm:linClrLst meth="repeat">
+      <a:schemeClr val="dk2">
+        <a:tint val="60000"/>
+      </a:schemeClr>
+    </dgm:linClrLst>
+    <dgm:effectClrLst/>
+    <dgm:txLinClrLst/>
+    <dgm:txFillClrLst meth="repeat">
+      <a:schemeClr val="lt2"/>
+    </dgm:txFillClrLst>
+    <dgm:txEffectClrLst/>
+  </dgm:styleLbl>
+  <dgm:styleLbl name="parChTrans2D2">
+    <dgm:fillClrLst meth="repeat">
+      <a:schemeClr val="dk2"/>
+    </dgm:fillClrLst>
+    <dgm:linClrLst meth="repeat">
+      <a:schemeClr val="dk2"/>
+    </dgm:linClrLst>
+    <dgm:effectClrLst/>
+    <dgm:txLinClrLst/>
+    <dgm:txFillClrLst meth="repeat">
+      <a:schemeClr val="lt2"/>
+    </dgm:txFillClrLst>
+    <dgm:txEffectClrLst/>
+  </dgm:styleLbl>
+  <dgm:styleLbl name="parChTrans2D3">
+    <dgm:fillClrLst meth="repeat">
+      <a:schemeClr val="dk2"/>
+    </dgm:fillClrLst>
+    <dgm:linClrLst meth="repeat">
+      <a:schemeClr val="dk2"/>
+    </dgm:linClrLst>
+    <dgm:effectClrLst/>
+    <dgm:txLinClrLst/>
+    <dgm:txFillClrLst meth="repeat">
+      <a:schemeClr val="lt2"/>
+    </dgm:txFillClrLst>
+    <dgm:txEffectClrLst/>
+  </dgm:styleLbl>
+  <dgm:styleLbl name="parChTrans2D4">
+    <dgm:fillClrLst meth="repeat">
+      <a:schemeClr val="dk2"/>
+    </dgm:fillClrLst>
+    <dgm:linClrLst meth="repeat">
+      <a:schemeClr val="dk2"/>
+    </dgm:linClrLst>
+    <dgm:effectClrLst/>
+    <dgm:txLinClrLst/>
+    <dgm:txFillClrLst meth="repeat">
+      <a:schemeClr val="lt2"/>
+    </dgm:txFillClrLst>
+    <dgm:txEffectClrLst/>
+  </dgm:styleLbl>
+  <dgm:styleLbl name="parChTrans1D1">
+    <dgm:fillClrLst meth="repeat">
+      <a:schemeClr val="dk2"/>
+    </dgm:fillClrLst>
+    <dgm:linClrLst meth="repeat">
+      <a:schemeClr val="dk2">
+        <a:shade val="60000"/>
+      </a:schemeClr>
+    </dgm:linClrLst>
+    <dgm:effectClrLst/>
+    <dgm:txLinClrLst/>
+    <dgm:txFillClrLst meth="repeat">
+      <a:schemeClr val="tx1"/>
+    </dgm:txFillClrLst>
+    <dgm:txEffectClrLst/>
+  </dgm:styleLbl>
+  <dgm:styleLbl name="parChTrans1D2">
+    <dgm:fillClrLst meth="repeat">
+      <a:schemeClr val="dk2"/>
+    </dgm:fillClrLst>
+    <dgm:linClrLst meth="repeat">
+      <a:schemeClr val="dk2">
+        <a:shade val="60000"/>
+      </a:schemeClr>
+    </dgm:linClrLst>
+    <dgm:effectClrLst/>
+    <dgm:txLinClrLst/>
+    <dgm:txFillClrLst meth="repeat">
+      <a:schemeClr val="tx1"/>
+    </dgm:txFillClrLst>
+    <dgm:txEffectClrLst/>
+  </dgm:styleLbl>
+  <dgm:styleLbl name="parChTrans1D3">
+    <dgm:fillClrLst meth="repeat">
+      <a:schemeClr val="dk2"/>
+    </dgm:fillClrLst>
+    <dgm:linClrLst meth="repeat">
+      <a:schemeClr val="dk2">
+        <a:shade val="80000"/>
+      </a:schemeClr>
+    </dgm:linClrLst>
+    <dgm:effectClrLst/>
+    <dgm:txLinClrLst/>
+    <dgm:txFillClrLst meth="repeat">
+      <a:schemeClr val="tx1"/>
+    </dgm:txFillClrLst>
+    <dgm:txEffectClrLst/>
+  </dgm:styleLbl>
+  <dgm:styleLbl name="parChTrans1D4">
+    <dgm:fillClrLst meth="repeat">
+      <a:schemeClr val="dk2"/>
+    </dgm:fillClrLst>
+    <dgm:linClrLst meth="repeat">
+      <a:schemeClr val="dk2">
+        <a:shade val="80000"/>
+      </a:schemeClr>
+    </dgm:linClrLst>
+    <dgm:effectClrLst/>
+    <dgm:txLinClrLst/>
+    <dgm:txFillClrLst meth="repeat">
+      <a:schemeClr val="tx1"/>
+    </dgm:txFillClrLst>
+    <dgm:txEffectClrLst/>
+  </dgm:styleLbl>
+  <dgm:styleLbl name="fgAcc1">
+    <dgm:fillClrLst meth="repeat">
+      <a:schemeClr val="lt2">
+        <a:alpha val="90000"/>
+      </a:schemeClr>
+    </dgm:fillClrLst>
+    <dgm:linClrLst meth="repeat">
+      <a:schemeClr val="dk2"/>
+    </dgm:linClrLst>
+    <dgm:effectClrLst/>
+    <dgm:txLinClrLst/>
+    <dgm:txFillClrLst meth="repeat">
+      <a:schemeClr val="dk1"/>
+    </dgm:txFillClrLst>
+    <dgm:txEffectClrLst/>
+  </dgm:styleLbl>
+  <dgm:styleLbl name="conFgAcc1">
+    <dgm:fillClrLst meth="repeat">
+      <a:schemeClr val="lt2">
+        <a:alpha val="90000"/>
+      </a:schemeClr>
+    </dgm:fillClrLst>
+    <dgm:linClrLst meth="repeat">
+      <a:schemeClr val="dk2"/>
+    </dgm:linClrLst>
+    <dgm:effectClrLst/>
+    <dgm:txLinClrLst/>
+    <dgm:txFillClrLst meth="repeat">
+      <a:schemeClr val="dk1"/>
+    </dgm:txFillClrLst>
+    <dgm:txEffectClrLst/>
+  </dgm:styleLbl>
+  <dgm:styleLbl name="alignAcc1">
+    <dgm:fillClrLst meth="repeat">
+      <a:schemeClr val="lt2">
+        <a:alpha val="90000"/>
+      </a:schemeClr>
+    </dgm:fillClrLst>
+    <dgm:linClrLst meth="repeat">
+      <a:schemeClr val="dk2"/>
+    </dgm:linClrLst>
+    <dgm:effectClrLst/>
+    <dgm:txLinClrLst/>
+    <dgm:txFillClrLst meth="repeat">
+      <a:schemeClr val="dk1"/>
+    </dgm:txFillClrLst>
+    <dgm:txEffectClrLst/>
+  </dgm:styleLbl>
+  <dgm:styleLbl name="trAlignAcc1">
+    <dgm:fillClrLst meth="repeat">
+      <a:schemeClr val="lt2">
+        <a:alpha val="40000"/>
+      </a:schemeClr>
+    </dgm:fillClrLst>
+    <dgm:linClrLst meth="repeat">
+      <a:schemeClr val="dk2"/>
+    </dgm:linClrLst>
+    <dgm:effectClrLst/>
+    <dgm:txLinClrLst/>
+    <dgm:txFillClrLst meth="repeat">
+      <a:schemeClr val="dk1"/>
+    </dgm:txFillClrLst>
+    <dgm:txEffectClrLst/>
+  </dgm:styleLbl>
+  <dgm:styleLbl name="bgAcc1">
+    <dgm:fillClrLst meth="repeat">
+      <a:schemeClr val="lt2">
+        <a:alpha val="90000"/>
+      </a:schemeClr>
+    </dgm:fillClrLst>
+    <dgm:linClrLst meth="repeat">
+      <a:schemeClr val="dk2"/>
+    </dgm:linClrLst>
+    <dgm:effectClrLst/>
+    <dgm:txLinClrLst/>
+    <dgm:txFillClrLst meth="repeat">
+      <a:schemeClr val="dk1"/>
+    </dgm:txFillClrLst>
+    <dgm:txEffectClrLst/>
+  </dgm:styleLbl>
+  <dgm:styleLbl name="solidFgAcc1">
+    <dgm:fillClrLst meth="repeat">
+      <a:schemeClr val="lt2"/>
+    </dgm:fillClrLst>
+    <dgm:linClrLst meth="repeat">
+      <a:schemeClr val="dk2"/>
+    </dgm:linClrLst>
+    <dgm:effectClrLst/>
+    <dgm:txLinClrLst/>
+    <dgm:txFillClrLst meth="repeat">
+      <a:schemeClr val="dk1"/>
+    </dgm:txFillClrLst>
+    <dgm:txEffectClrLst/>
+  </dgm:styleLbl>
+  <dgm:styleLbl name="solidAlignAcc1">
+    <dgm:fillClrLst meth="repeat">
+      <a:schemeClr val="lt2"/>
+    </dgm:fillClrLst>
+    <dgm:linClrLst meth="repeat">
+      <a:schemeClr val="dk2"/>
+    </dgm:linClrLst>
+    <dgm:effectClrLst/>
+    <dgm:txLinClrLst/>
+    <dgm:txFillClrLst meth="repeat">
+      <a:schemeClr val="dk1"/>
+    </dgm:txFillClrLst>
+    <dgm:txEffectClrLst/>
+  </dgm:styleLbl>
+  <dgm:styleLbl name="solidBgAcc1">
+    <dgm:fillClrLst meth="repeat">
+      <a:schemeClr val="lt2"/>
+    </dgm:fillClrLst>
+    <dgm:linClrLst meth="repeat">
+      <a:schemeClr val="dk2"/>
+    </dgm:linClrLst>
+    <dgm:effectClrLst/>
+    <dgm:txLinClrLst/>
+    <dgm:txFillClrLst meth="repeat">
+      <a:schemeClr val="dk1"/>
+    </dgm:txFillClrLst>
+    <dgm:txEffectClrLst/>
+  </dgm:styleLbl>
+  <dgm:styleLbl name="fgAccFollowNode1">
+    <dgm:fillClrLst meth="repeat">
+      <a:schemeClr val="dk2">
+        <a:alpha val="90000"/>
+        <a:tint val="40000"/>
+      </a:schemeClr>
+    </dgm:fillClrLst>
+    <dgm:linClrLst meth="repeat">
+      <a:schemeClr val="dk2">
+        <a:alpha val="90000"/>
+        <a:tint val="40000"/>
+      </a:schemeClr>
+    </dgm:linClrLst>
+    <dgm:effectClrLst/>
+    <dgm:txLinClrLst/>
+    <dgm:txFillClrLst meth="repeat">
+      <a:schemeClr val="dk1"/>
+    </dgm:txFillClrLst>
+    <dgm:txEffectClrLst/>
+  </dgm:styleLbl>
+  <dgm:styleLbl name="alignAccFollowNode1">
+    <dgm:fillClrLst meth="repeat">
+      <a:schemeClr val="dk2">
+        <a:alpha val="90000"/>
+        <a:tint val="40000"/>
+      </a:schemeClr>
+    </dgm:fillClrLst>
+    <dgm:linClrLst meth="repeat">
+      <a:schemeClr val="dk2">
+        <a:alpha val="90000"/>
+        <a:tint val="40000"/>
+      </a:schemeClr>
+    </dgm:linClrLst>
+    <dgm:effectClrLst/>
+    <dgm:txLinClrLst/>
+    <dgm:txFillClrLst meth="repeat">
+      <a:schemeClr val="dk1"/>
+    </dgm:txFillClrLst>
+    <dgm:txEffectClrLst/>
+  </dgm:styleLbl>
+  <dgm:styleLbl name="bgAccFollowNode1">
+    <dgm:fillClrLst meth="repeat">
+      <a:schemeClr val="dk2">
+        <a:alpha val="90000"/>
+        <a:tint val="40000"/>
+      </a:schemeClr>
+    </dgm:fillClrLst>
+    <dgm:linClrLst meth="repeat">
+      <a:schemeClr val="dk2">
+        <a:alpha val="90000"/>
+        <a:tint val="40000"/>
+      </a:schemeClr>
+    </dgm:linClrLst>
+    <dgm:effectClrLst/>
+    <dgm:txLinClrLst/>
+    <dgm:txFillClrLst meth="repeat">
+      <a:schemeClr val="dk1"/>
+    </dgm:txFillClrLst>
+    <dgm:txEffectClrLst/>
+  </dgm:styleLbl>
+  <dgm:styleLbl name="fgAcc0">
+    <dgm:fillClrLst meth="repeat">
+      <a:schemeClr val="lt2">
+        <a:alpha val="90000"/>
+      </a:schemeClr>
+    </dgm:fillClrLst>
+    <dgm:linClrLst meth="repeat">
+      <a:schemeClr val="dk2"/>
+    </dgm:linClrLst>
+    <dgm:effectClrLst/>
+    <dgm:txLinClrLst/>
+    <dgm:txFillClrLst meth="repeat">
+      <a:schemeClr val="dk1"/>
+    </dgm:txFillClrLst>
+    <dgm:txEffectClrLst/>
+  </dgm:styleLbl>
+  <dgm:styleLbl name="fgAcc2">
+    <dgm:fillClrLst meth="repeat">
+      <a:schemeClr val="lt2">
+        <a:alpha val="90000"/>
+      </a:schemeClr>
+    </dgm:fillClrLst>
+    <dgm:linClrLst meth="repeat">
+      <a:schemeClr val="dk2"/>
+    </dgm:linClrLst>
+    <dgm:effectClrLst/>
+    <dgm:txLinClrLst/>
+    <dgm:txFillClrLst meth="repeat">
+      <a:schemeClr val="dk1"/>
+    </dgm:txFillClrLst>
+    <dgm:txEffectClrLst/>
+  </dgm:styleLbl>
+  <dgm:styleLbl name="fgAcc3">
+    <dgm:fillClrLst meth="repeat">
+      <a:schemeClr val="lt2">
+        <a:alpha val="90000"/>
+      </a:schemeClr>
+    </dgm:fillClrLst>
+    <dgm:linClrLst meth="repeat">
+      <a:schemeClr val="dk2"/>
+    </dgm:linClrLst>
+    <dgm:effectClrLst/>
+    <dgm:txLinClrLst/>
+    <dgm:txFillClrLst meth="repeat">
+      <a:schemeClr val="dk1"/>
+    </dgm:txFillClrLst>
+    <dgm:txEffectClrLst/>
+  </dgm:styleLbl>
+  <dgm:styleLbl name="fgAcc4">
+    <dgm:fillClrLst meth="repeat">
+      <a:schemeClr val="lt2">
+        <a:alpha val="90000"/>
+      </a:schemeClr>
+    </dgm:fillClrLst>
+    <dgm:linClrLst meth="repeat">
+      <a:schemeClr val="dk2"/>
+    </dgm:linClrLst>
+    <dgm:effectClrLst/>
+    <dgm:txLinClrLst/>
+    <dgm:txFillClrLst meth="repeat">
+      <a:schemeClr val="dk1"/>
+    </dgm:txFillClrLst>
+    <dgm:txEffectClrLst/>
+  </dgm:styleLbl>
+  <dgm:styleLbl name="bgShp">
+    <dgm:fillClrLst meth="repeat">
+      <a:schemeClr val="dk2">
+        <a:tint val="40000"/>
+      </a:schemeClr>
+    </dgm:fillClrLst>
+    <dgm:linClrLst meth="repeat">
+      <a:schemeClr val="dk2"/>
+    </dgm:linClrLst>
+    <dgm:effectClrLst/>
+    <dgm:txLinClrLst/>
+    <dgm:txFillClrLst meth="repeat">
+      <a:schemeClr val="dk1"/>
+    </dgm:txFillClrLst>
+    <dgm:txEffectClrLst/>
+  </dgm:styleLbl>
+  <dgm:styleLbl name="dkBgShp">
+    <dgm:fillClrLst meth="repeat">
+      <a:schemeClr val="dk2">
+        <a:shade val="80000"/>
+      </a:schemeClr>
+    </dgm:fillClrLst>
+    <dgm:linClrLst meth="repeat">
+      <a:schemeClr val="dk2"/>
+    </dgm:linClrLst>
+    <dgm:effectClrLst/>
+    <dgm:txLinClrLst/>
+    <dgm:txFillClrLst meth="repeat">
+      <a:schemeClr val="lt1"/>
+    </dgm:txFillClrLst>
+    <dgm:txEffectClrLst/>
+  </dgm:styleLbl>
+  <dgm:styleLbl name="trBgShp">
+    <dgm:fillClrLst meth="repeat">
+      <a:schemeClr val="dk2">
+        <a:tint val="50000"/>
+        <a:alpha val="40000"/>
+      </a:schemeClr>
+    </dgm:fillClrLst>
+    <dgm:linClrLst meth="repeat">
+      <a:schemeClr val="dk2"/>
+    </dgm:linClrLst>
+    <dgm:effectClrLst/>
+    <dgm:txLinClrLst/>
+    <dgm:txFillClrLst meth="repeat">
+      <a:schemeClr val="lt1"/>
+    </dgm:txFillClrLst>
+    <dgm:txEffectClrLst/>
+  </dgm:styleLbl>
+  <dgm:styleLbl name="fgShp">
+    <dgm:fillClrLst meth="repeat">
+      <a:schemeClr val="dk2">
+        <a:tint val="60000"/>
+      </a:schemeClr>
+    </dgm:fillClrLst>
+    <dgm:linClrLst meth="repeat">
+      <a:schemeClr val="lt2"/>
+    </dgm:linClrLst>
+    <dgm:effectClrLst/>
+    <dgm:txLinClrLst/>
+    <dgm:txFillClrLst meth="repeat">
+      <a:schemeClr val="dk1"/>
+    </dgm:txFillClrLst>
+    <dgm:txEffectClrLst/>
+  </dgm:styleLbl>
+  <dgm:styleLbl name="revTx">
+    <dgm:fillClrLst meth="repeat">
+      <a:schemeClr val="lt2">
+        <a:alpha val="0"/>
+      </a:schemeClr>
+    </dgm:fillClrLst>
+    <dgm:linClrLst meth="repeat">
+      <a:schemeClr val="dk1">
+        <a:alpha val="0"/>
+      </a:schemeClr>
+    </dgm:linClrLst>
+    <dgm:effectClrLst/>
+    <dgm:txLinClrLst/>
+    <dgm:txFillClrLst meth="repeat">
+      <a:schemeClr val="tx1"/>
+    </dgm:txFillClrLst>
+    <dgm:txEffectClrLst/>
+  </dgm:styleLbl>
+</dgm:colorsDef>
+</file>
+
 <file path=ppt/diagrams/data1.xml><?xml version="1.0" encoding="utf-8"?>
 <dgm:dataModel xmlns:dgm="http://schemas.openxmlformats.org/drawingml/2006/diagram" xmlns:a="http://schemas.openxmlformats.org/drawingml/2006/main">
   <dgm:ptLst>
@@ -898,7 +1649,7 @@
         <a:lstStyle/>
         <a:p>
           <a:r>
-            <a:rPr lang="en-US" sz="3200" b="1" dirty="0">
+            <a:rPr lang="en-US" sz="2800" b="1" dirty="0">
               <a:effectLst>
                 <a:outerShdw blurRad="38100" dist="38100" dir="2700000" algn="tl">
                   <a:srgbClr val="000000">
@@ -911,7 +1662,7 @@
             <a:t>80 </a:t>
           </a:r>
           <a:r>
-            <a:rPr lang="en-US" sz="3200" dirty="0">
+            <a:rPr lang="en-US" sz="2800" dirty="0">
               <a:latin typeface="Questrial" panose="02000000000000000000"/>
             </a:rPr>
             <a:t>spreadsheets</a:t>
@@ -931,51 +1682,6 @@
       </dgm:t>
     </dgm:pt>
     <dgm:pt modelId="{856951FD-82D0-477E-8940-16B3B22F5698}" type="sibTrans" cxnId="{EF4CDDDD-6F36-4986-A974-3AF35295EE45}">
-      <dgm:prSet/>
-      <dgm:spPr/>
-      <dgm:t>
-        <a:bodyPr/>
-        <a:lstStyle/>
-        <a:p>
-          <a:endParaRPr lang="en-US"/>
-        </a:p>
-      </dgm:t>
-    </dgm:pt>
-    <dgm:pt modelId="{358ABF4A-FC68-43C0-AB36-BDA499C36472}">
-      <dgm:prSet phldrT="[Text]" custT="1"/>
-      <dgm:spPr/>
-      <dgm:t>
-        <a:bodyPr/>
-        <a:lstStyle/>
-        <a:p>
-          <a:pPr>
-            <a:buFontTx/>
-            <a:buNone/>
-          </a:pPr>
-          <a:r>
-            <a:rPr lang="en-US" sz="2400" dirty="0">
-              <a:solidFill>
-                <a:schemeClr val="bg1"/>
-              </a:solidFill>
-              <a:latin typeface="Questrial" panose="02000000000000000000"/>
-            </a:rPr>
-            <a:t>2003 – 2018 sales data by year and borough</a:t>
-          </a:r>
-        </a:p>
-      </dgm:t>
-    </dgm:pt>
-    <dgm:pt modelId="{3B984CCA-996B-4158-A0DF-FAF317905A9B}" type="parTrans" cxnId="{FAD44126-9496-43EC-ABA7-4AE84E2537AA}">
-      <dgm:prSet/>
-      <dgm:spPr/>
-      <dgm:t>
-        <a:bodyPr/>
-        <a:lstStyle/>
-        <a:p>
-          <a:endParaRPr lang="en-US"/>
-        </a:p>
-      </dgm:t>
-    </dgm:pt>
-    <dgm:pt modelId="{7967366A-168D-412E-9D1D-88706D3A0FD0}" type="sibTrans" cxnId="{FAD44126-9496-43EC-ABA7-4AE84E2537AA}">
       <dgm:prSet/>
       <dgm:spPr/>
       <dgm:t>
@@ -1037,66 +1743,6 @@
         </a:p>
       </dgm:t>
     </dgm:pt>
-    <dgm:pt modelId="{15D5409B-8E41-4CF7-97D5-ADE28A891E40}">
-      <dgm:prSet phldrT="[Text]" custT="1"/>
-      <dgm:spPr/>
-      <dgm:t>
-        <a:bodyPr/>
-        <a:lstStyle/>
-        <a:p>
-          <a:pPr>
-            <a:buFontTx/>
-            <a:buNone/>
-          </a:pPr>
-          <a:r>
-            <a:rPr lang="en-US" sz="2400" dirty="0">
-              <a:solidFill>
-                <a:schemeClr val="bg1"/>
-              </a:solidFill>
-              <a:latin typeface="Questrial" panose="02000000000000000000"/>
-            </a:rPr>
-            <a:t>loaded all spreadsheets into </a:t>
-          </a:r>
-          <a:r>
-            <a:rPr lang="en-US" sz="2400" dirty="0" err="1">
-              <a:solidFill>
-                <a:schemeClr val="bg1"/>
-              </a:solidFill>
-              <a:latin typeface="Questrial" panose="02000000000000000000"/>
-            </a:rPr>
-            <a:t>pgAdmin</a:t>
-          </a:r>
-          <a:endParaRPr lang="en-US" sz="2400" dirty="0">
-            <a:solidFill>
-              <a:schemeClr val="bg1"/>
-            </a:solidFill>
-            <a:latin typeface="Questrial" panose="02000000000000000000"/>
-          </a:endParaRPr>
-        </a:p>
-      </dgm:t>
-    </dgm:pt>
-    <dgm:pt modelId="{7AA6BC19-5FF1-4EE8-994F-2CECF8A018F0}" type="parTrans" cxnId="{CA8D88C6-CD80-42D3-8086-1A52855E27FC}">
-      <dgm:prSet/>
-      <dgm:spPr/>
-      <dgm:t>
-        <a:bodyPr/>
-        <a:lstStyle/>
-        <a:p>
-          <a:endParaRPr lang="en-US"/>
-        </a:p>
-      </dgm:t>
-    </dgm:pt>
-    <dgm:pt modelId="{82DD4E70-F76D-4522-96DF-1EF1A4AE332C}" type="sibTrans" cxnId="{CA8D88C6-CD80-42D3-8086-1A52855E27FC}">
-      <dgm:prSet/>
-      <dgm:spPr/>
-      <dgm:t>
-        <a:bodyPr/>
-        <a:lstStyle/>
-        <a:p>
-          <a:endParaRPr lang="en-US"/>
-        </a:p>
-      </dgm:t>
-    </dgm:pt>
     <dgm:pt modelId="{AC5CB9AF-6818-471B-89E9-597FCAC11DBB}">
       <dgm:prSet phldrT="[Text]" custT="1"/>
       <dgm:spPr/>
@@ -1148,30 +1794,46 @@
         </a:p>
       </dgm:t>
     </dgm:pt>
-    <dgm:pt modelId="{B04BE6B5-3481-430E-AA08-ECA9F4C6FB9A}">
-      <dgm:prSet phldrT="[Text]" custT="1"/>
+    <dgm:pt modelId="{0139DEB4-B5E5-49CF-801A-6205E3E0101C}">
+      <dgm:prSet phldrT="[Text]"/>
       <dgm:spPr/>
       <dgm:t>
         <a:bodyPr/>
         <a:lstStyle/>
         <a:p>
-          <a:pPr algn="l">
-            <a:buFontTx/>
-            <a:buNone/>
-          </a:pPr>
           <a:r>
-            <a:rPr lang="en-US" sz="2400" dirty="0">
-              <a:solidFill>
-                <a:schemeClr val="bg1"/>
-              </a:solidFill>
+            <a:rPr lang="en-US" b="1" dirty="0">
+              <a:effectLst>
+                <a:outerShdw blurRad="38100" dist="38100" dir="2700000" algn="tl">
+                  <a:srgbClr val="000000">
+                    <a:alpha val="43137"/>
+                  </a:srgbClr>
+                </a:outerShdw>
+              </a:effectLst>
               <a:latin typeface="Questrial" panose="02000000000000000000"/>
             </a:rPr>
-            <a:t>export data by borough</a:t>
+            <a:t>Combined sales </a:t>
           </a:r>
+          <a:r>
+            <a:rPr lang="en-US" b="1" dirty="0" err="1">
+              <a:effectLst>
+                <a:outerShdw blurRad="38100" dist="38100" dir="2700000" algn="tl">
+                  <a:srgbClr val="000000">
+                    <a:alpha val="43137"/>
+                  </a:srgbClr>
+                </a:outerShdw>
+              </a:effectLst>
+              <a:latin typeface="Questrial" panose="02000000000000000000"/>
+            </a:rPr>
+            <a:t>dataframe</a:t>
+          </a:r>
+          <a:endParaRPr lang="en-US" dirty="0">
+            <a:latin typeface="Questrial" panose="02000000000000000000"/>
+          </a:endParaRPr>
         </a:p>
       </dgm:t>
     </dgm:pt>
-    <dgm:pt modelId="{FFAC3A82-5CC1-4CE5-A2A4-71A59A320D59}" type="parTrans" cxnId="{B2166A3B-B17A-4D96-818A-EB49E698E8D1}">
+    <dgm:pt modelId="{D9440C37-CF70-4712-80A7-59004D8C2B66}" type="parTrans" cxnId="{3FCA3AB5-4328-4931-8232-A22C5072029C}">
       <dgm:prSet/>
       <dgm:spPr/>
       <dgm:t>
@@ -1182,7 +1844,45 @@
         </a:p>
       </dgm:t>
     </dgm:pt>
-    <dgm:pt modelId="{48C5D5C7-8EEC-4C63-8037-FFD535BF0CBE}" type="sibTrans" cxnId="{B2166A3B-B17A-4D96-818A-EB49E698E8D1}">
+    <dgm:pt modelId="{273A92BF-6D2D-4BBE-A72C-8C658AE8A186}" type="sibTrans" cxnId="{3FCA3AB5-4328-4931-8232-A22C5072029C}">
+      <dgm:prSet/>
+      <dgm:spPr/>
+      <dgm:t>
+        <a:bodyPr/>
+        <a:lstStyle/>
+        <a:p>
+          <a:endParaRPr lang="en-US"/>
+        </a:p>
+      </dgm:t>
+    </dgm:pt>
+    <dgm:pt modelId="{84BCC5B6-0B2F-4A9A-A1B5-68652BDB5D5D}">
+      <dgm:prSet phldrT="[Text]"/>
+      <dgm:spPr/>
+      <dgm:t>
+        <a:bodyPr/>
+        <a:lstStyle/>
+        <a:p>
+          <a:r>
+            <a:rPr lang="en-US" b="1" dirty="0">
+              <a:latin typeface="Questrial" panose="02000000000000000000"/>
+            </a:rPr>
+            <a:t>Calculated sales metrics</a:t>
+          </a:r>
+        </a:p>
+      </dgm:t>
+    </dgm:pt>
+    <dgm:pt modelId="{47D55575-B94B-4099-89F2-EE99DC201C96}" type="parTrans" cxnId="{B262A51C-E771-480F-9442-90EC9D5A5467}">
+      <dgm:prSet/>
+      <dgm:spPr/>
+      <dgm:t>
+        <a:bodyPr/>
+        <a:lstStyle/>
+        <a:p>
+          <a:endParaRPr lang="en-US"/>
+        </a:p>
+      </dgm:t>
+    </dgm:pt>
+    <dgm:pt modelId="{24320B84-6964-4F6B-A4FD-61DF460174F3}" type="sibTrans" cxnId="{B262A51C-E771-480F-9442-90EC9D5A5467}">
       <dgm:prSet/>
       <dgm:spPr/>
       <dgm:t>
@@ -1209,11 +1909,11 @@
       <dgm:spPr/>
     </dgm:pt>
     <dgm:pt modelId="{EF1439CA-CDE0-45DB-8D3D-F1704EAC71C2}" type="pres">
-      <dgm:prSet presAssocID="{23FAF6AD-92AA-4B4B-94F4-B5823555B8D3}" presName="bentUpArrow1" presStyleLbl="alignImgPlace1" presStyleIdx="0" presStyleCnt="2"/>
+      <dgm:prSet presAssocID="{23FAF6AD-92AA-4B4B-94F4-B5823555B8D3}" presName="bentUpArrow1" presStyleLbl="alignImgPlace1" presStyleIdx="0" presStyleCnt="4" custAng="0" custLinFactNeighborX="-60453" custLinFactNeighborY="2954"/>
       <dgm:spPr/>
     </dgm:pt>
     <dgm:pt modelId="{5E81B5D2-B089-4B78-9EB8-5432B35A7A8E}" type="pres">
-      <dgm:prSet presAssocID="{23FAF6AD-92AA-4B4B-94F4-B5823555B8D3}" presName="ParentText" presStyleLbl="node1" presStyleIdx="0" presStyleCnt="3" custScaleX="160833" custLinFactNeighborX="-52988" custLinFactNeighborY="-1882">
+      <dgm:prSet presAssocID="{23FAF6AD-92AA-4B4B-94F4-B5823555B8D3}" presName="ParentText" presStyleLbl="node1" presStyleIdx="0" presStyleCnt="5" custScaleX="232220" custLinFactNeighborX="-52988" custLinFactNeighborY="-1882">
         <dgm:presLayoutVars>
           <dgm:chMax val="1"/>
           <dgm:chPref val="1"/>
@@ -1223,7 +1923,7 @@
       <dgm:spPr/>
     </dgm:pt>
     <dgm:pt modelId="{AECF62EF-64C5-4DBD-B200-BCE68A395269}" type="pres">
-      <dgm:prSet presAssocID="{23FAF6AD-92AA-4B4B-94F4-B5823555B8D3}" presName="ChildText" presStyleLbl="revTx" presStyleIdx="0" presStyleCnt="3" custScaleX="229631" custLinFactNeighborX="68568" custLinFactNeighborY="-8695">
+      <dgm:prSet presAssocID="{23FAF6AD-92AA-4B4B-94F4-B5823555B8D3}" presName="ChildText" presStyleLbl="revTx" presStyleIdx="0" presStyleCnt="4" custScaleX="229631" custLinFactNeighborX="68568" custLinFactNeighborY="-8695">
         <dgm:presLayoutVars>
           <dgm:chMax val="0"/>
           <dgm:chPref val="0"/>
@@ -1241,11 +1941,11 @@
       <dgm:spPr/>
     </dgm:pt>
     <dgm:pt modelId="{1D229A78-2F52-4E53-95D9-1CE10743129F}" type="pres">
-      <dgm:prSet presAssocID="{CD4BFA8E-C797-4661-803D-E8C08148CFBA}" presName="bentUpArrow1" presStyleLbl="alignImgPlace1" presStyleIdx="1" presStyleCnt="2"/>
+      <dgm:prSet presAssocID="{CD4BFA8E-C797-4661-803D-E8C08148CFBA}" presName="bentUpArrow1" presStyleLbl="alignImgPlace1" presStyleIdx="1" presStyleCnt="4" custLinFactNeighborX="-84963" custLinFactNeighborY="-2015"/>
       <dgm:spPr/>
     </dgm:pt>
     <dgm:pt modelId="{D62DD6A4-A238-4782-8FED-F742C3E33E47}" type="pres">
-      <dgm:prSet presAssocID="{CD4BFA8E-C797-4661-803D-E8C08148CFBA}" presName="ParentText" presStyleLbl="node1" presStyleIdx="1" presStyleCnt="3" custScaleX="156902" custScaleY="91045" custLinFactNeighborX="-6375" custLinFactNeighborY="-4249">
+      <dgm:prSet presAssocID="{CD4BFA8E-C797-4661-803D-E8C08148CFBA}" presName="ParentText" presStyleLbl="node1" presStyleIdx="1" presStyleCnt="5" custScaleX="281385" custScaleY="91045" custLinFactNeighborX="-29130" custLinFactNeighborY="26">
         <dgm:presLayoutVars>
           <dgm:chMax val="1"/>
           <dgm:chPref val="1"/>
@@ -1255,7 +1955,7 @@
       <dgm:spPr/>
     </dgm:pt>
     <dgm:pt modelId="{D982D841-0F4E-4194-BA6E-8265C0EE41E6}" type="pres">
-      <dgm:prSet presAssocID="{CD4BFA8E-C797-4661-803D-E8C08148CFBA}" presName="ChildText" presStyleLbl="revTx" presStyleIdx="1" presStyleCnt="3" custScaleX="226403" custLinFactX="5696" custLinFactNeighborX="100000" custLinFactNeighborY="-11518">
+      <dgm:prSet presAssocID="{CD4BFA8E-C797-4661-803D-E8C08148CFBA}" presName="ChildText" presStyleLbl="revTx" presStyleIdx="1" presStyleCnt="4" custScaleX="226403" custLinFactX="5696" custLinFactNeighborX="100000" custLinFactNeighborY="-11518">
         <dgm:presLayoutVars>
           <dgm:chMax val="0"/>
           <dgm:chPref val="0"/>
@@ -1272,8 +1972,12 @@
       <dgm:prSet presAssocID="{AC5CB9AF-6818-471B-89E9-597FCAC11DBB}" presName="composite" presStyleCnt="0"/>
       <dgm:spPr/>
     </dgm:pt>
+    <dgm:pt modelId="{8B8E9322-E249-4967-B1BF-13EB8B4F2898}" type="pres">
+      <dgm:prSet presAssocID="{AC5CB9AF-6818-471B-89E9-597FCAC11DBB}" presName="bentUpArrow1" presStyleLbl="alignImgPlace1" presStyleIdx="2" presStyleCnt="4" custLinFactNeighborX="-77883" custLinFactNeighborY="-2015"/>
+      <dgm:spPr/>
+    </dgm:pt>
     <dgm:pt modelId="{5B9741FF-6FA9-4FBF-AF78-BD8E8D06D574}" type="pres">
-      <dgm:prSet presAssocID="{AC5CB9AF-6818-471B-89E9-597FCAC11DBB}" presName="ParentText" presStyleLbl="node1" presStyleIdx="2" presStyleCnt="3" custScaleX="147670" custScaleY="87204" custLinFactNeighborX="-4080" custLinFactNeighborY="-11077">
+      <dgm:prSet presAssocID="{AC5CB9AF-6818-471B-89E9-597FCAC11DBB}" presName="ParentText" presStyleLbl="node1" presStyleIdx="2" presStyleCnt="5" custScaleX="247062" custScaleY="87204" custLinFactNeighborX="-15427" custLinFactNeighborY="38">
         <dgm:presLayoutVars>
           <dgm:chMax val="1"/>
           <dgm:chPref val="1"/>
@@ -1282,8 +1986,8 @@
       </dgm:prSet>
       <dgm:spPr/>
     </dgm:pt>
-    <dgm:pt modelId="{39A2C4B4-D988-4263-902A-FDBB1806567C}" type="pres">
-      <dgm:prSet presAssocID="{AC5CB9AF-6818-471B-89E9-597FCAC11DBB}" presName="FinalChildText" presStyleLbl="revTx" presStyleIdx="2" presStyleCnt="3" custScaleX="104785" custLinFactNeighborX="31263" custLinFactNeighborY="-11443">
+    <dgm:pt modelId="{066685B2-0032-4D27-935D-CBD011AAF316}" type="pres">
+      <dgm:prSet presAssocID="{AC5CB9AF-6818-471B-89E9-597FCAC11DBB}" presName="ChildText" presStyleLbl="revTx" presStyleIdx="2" presStyleCnt="4">
         <dgm:presLayoutVars>
           <dgm:chMax val="0"/>
           <dgm:chPref val="0"/>
@@ -1292,18 +1996,66 @@
       </dgm:prSet>
       <dgm:spPr/>
     </dgm:pt>
+    <dgm:pt modelId="{4F5B5531-E185-4556-83FE-8C1A910BA409}" type="pres">
+      <dgm:prSet presAssocID="{90D7488A-B5B2-4C51-95D5-72F0F0952BFC}" presName="sibTrans" presStyleCnt="0"/>
+      <dgm:spPr/>
+    </dgm:pt>
+    <dgm:pt modelId="{A9ED2CF9-CB9C-4E31-90C3-27DA66F13702}" type="pres">
+      <dgm:prSet presAssocID="{0139DEB4-B5E5-49CF-801A-6205E3E0101C}" presName="composite" presStyleCnt="0"/>
+      <dgm:spPr/>
+    </dgm:pt>
+    <dgm:pt modelId="{71435524-55CE-416E-A013-EC13344992D7}" type="pres">
+      <dgm:prSet presAssocID="{0139DEB4-B5E5-49CF-801A-6205E3E0101C}" presName="bentUpArrow1" presStyleLbl="alignImgPlace1" presStyleIdx="3" presStyleCnt="4" custLinFactX="-11045" custLinFactNeighborX="-100000" custLinFactNeighborY="1199"/>
+      <dgm:spPr/>
+    </dgm:pt>
+    <dgm:pt modelId="{8E53BCF3-3ECE-479E-99D9-CA92F7A3F707}" type="pres">
+      <dgm:prSet presAssocID="{0139DEB4-B5E5-49CF-801A-6205E3E0101C}" presName="ParentText" presStyleLbl="node1" presStyleIdx="3" presStyleCnt="5" custScaleX="264073" custScaleY="87204" custLinFactNeighborX="-32185" custLinFactNeighborY="-68">
+        <dgm:presLayoutVars>
+          <dgm:chMax val="1"/>
+          <dgm:chPref val="1"/>
+          <dgm:bulletEnabled val="1"/>
+        </dgm:presLayoutVars>
+      </dgm:prSet>
+      <dgm:spPr/>
+    </dgm:pt>
+    <dgm:pt modelId="{4EE13A61-1429-43F1-AC66-CE44DFF3FB70}" type="pres">
+      <dgm:prSet presAssocID="{0139DEB4-B5E5-49CF-801A-6205E3E0101C}" presName="ChildText" presStyleLbl="revTx" presStyleIdx="3" presStyleCnt="4">
+        <dgm:presLayoutVars>
+          <dgm:chMax val="0"/>
+          <dgm:chPref val="0"/>
+          <dgm:bulletEnabled val="1"/>
+        </dgm:presLayoutVars>
+      </dgm:prSet>
+      <dgm:spPr/>
+    </dgm:pt>
+    <dgm:pt modelId="{1AAE9397-4E9E-4325-A5AA-7C9CDC293BA3}" type="pres">
+      <dgm:prSet presAssocID="{273A92BF-6D2D-4BBE-A72C-8C658AE8A186}" presName="sibTrans" presStyleCnt="0"/>
+      <dgm:spPr/>
+    </dgm:pt>
+    <dgm:pt modelId="{E0A0431F-3D00-4439-87AE-8505D05C0C36}" type="pres">
+      <dgm:prSet presAssocID="{84BCC5B6-0B2F-4A9A-A1B5-68652BDB5D5D}" presName="composite" presStyleCnt="0"/>
+      <dgm:spPr/>
+    </dgm:pt>
+    <dgm:pt modelId="{C012FD27-6483-4A1B-ACE9-F9990CC4B970}" type="pres">
+      <dgm:prSet presAssocID="{84BCC5B6-0B2F-4A9A-A1B5-68652BDB5D5D}" presName="ParentText" presStyleLbl="node1" presStyleIdx="4" presStyleCnt="5" custScaleX="291214" custScaleY="87204" custLinFactNeighborX="-42526" custLinFactNeighborY="-2527">
+        <dgm:presLayoutVars>
+          <dgm:chMax val="1"/>
+          <dgm:chPref val="1"/>
+          <dgm:bulletEnabled val="1"/>
+        </dgm:presLayoutVars>
+      </dgm:prSet>
+      <dgm:spPr/>
+    </dgm:pt>
   </dgm:ptLst>
   <dgm:cxnLst>
-    <dgm:cxn modelId="{A0A76F0E-D656-49DD-8E35-BCF2BEE7C1F4}" type="presOf" srcId="{358ABF4A-FC68-43C0-AB36-BDA499C36472}" destId="{AECF62EF-64C5-4DBD-B200-BCE68A395269}" srcOrd="0" destOrd="0" presId="urn:microsoft.com/office/officeart/2005/8/layout/StepDownProcess"/>
+    <dgm:cxn modelId="{B262A51C-E771-480F-9442-90EC9D5A5467}" srcId="{57215324-4B36-4698-928B-A519AAB8B2BA}" destId="{84BCC5B6-0B2F-4A9A-A1B5-68652BDB5D5D}" srcOrd="4" destOrd="0" parTransId="{47D55575-B94B-4099-89F2-EE99DC201C96}" sibTransId="{24320B84-6964-4F6B-A4FD-61DF460174F3}"/>
     <dgm:cxn modelId="{4AF18525-B594-4AD2-8D17-EFC7554F98AF}" srcId="{57215324-4B36-4698-928B-A519AAB8B2BA}" destId="{CD4BFA8E-C797-4661-803D-E8C08148CFBA}" srcOrd="1" destOrd="0" parTransId="{25248325-C8D7-4080-B0A3-01C1C039D033}" sibTransId="{36651CF2-4017-438C-A729-97B40E8D4581}"/>
-    <dgm:cxn modelId="{FAD44126-9496-43EC-ABA7-4AE84E2537AA}" srcId="{23FAF6AD-92AA-4B4B-94F4-B5823555B8D3}" destId="{358ABF4A-FC68-43C0-AB36-BDA499C36472}" srcOrd="0" destOrd="0" parTransId="{3B984CCA-996B-4158-A0DF-FAF317905A9B}" sibTransId="{7967366A-168D-412E-9D1D-88706D3A0FD0}"/>
     <dgm:cxn modelId="{3D476630-9267-4A97-98DE-784B7CEA4AB6}" type="presOf" srcId="{57215324-4B36-4698-928B-A519AAB8B2BA}" destId="{AA8399F3-B393-42C5-93C2-24AAED05767E}" srcOrd="0" destOrd="0" presId="urn:microsoft.com/office/officeart/2005/8/layout/StepDownProcess"/>
-    <dgm:cxn modelId="{B2166A3B-B17A-4D96-818A-EB49E698E8D1}" srcId="{AC5CB9AF-6818-471B-89E9-597FCAC11DBB}" destId="{B04BE6B5-3481-430E-AA08-ECA9F4C6FB9A}" srcOrd="0" destOrd="0" parTransId="{FFAC3A82-5CC1-4CE5-A2A4-71A59A320D59}" sibTransId="{48C5D5C7-8EEC-4C63-8037-FFD535BF0CBE}"/>
     <dgm:cxn modelId="{C6D89C45-3534-4AC8-A104-4D818B3C0A44}" type="presOf" srcId="{CD4BFA8E-C797-4661-803D-E8C08148CFBA}" destId="{D62DD6A4-A238-4782-8FED-F742C3E33E47}" srcOrd="0" destOrd="0" presId="urn:microsoft.com/office/officeart/2005/8/layout/StepDownProcess"/>
     <dgm:cxn modelId="{5613D88A-01CE-44D2-9D3F-6A40CA2DA851}" type="presOf" srcId="{23FAF6AD-92AA-4B4B-94F4-B5823555B8D3}" destId="{5E81B5D2-B089-4B78-9EB8-5432B35A7A8E}" srcOrd="0" destOrd="0" presId="urn:microsoft.com/office/officeart/2005/8/layout/StepDownProcess"/>
-    <dgm:cxn modelId="{0F924AB5-987F-455F-917D-3F0774B524C1}" type="presOf" srcId="{B04BE6B5-3481-430E-AA08-ECA9F4C6FB9A}" destId="{39A2C4B4-D988-4263-902A-FDBB1806567C}" srcOrd="0" destOrd="0" presId="urn:microsoft.com/office/officeart/2005/8/layout/StepDownProcess"/>
-    <dgm:cxn modelId="{6713E4BD-75AD-44E2-BB1C-EA97769F2EB1}" type="presOf" srcId="{15D5409B-8E41-4CF7-97D5-ADE28A891E40}" destId="{D982D841-0F4E-4194-BA6E-8265C0EE41E6}" srcOrd="0" destOrd="0" presId="urn:microsoft.com/office/officeart/2005/8/layout/StepDownProcess"/>
-    <dgm:cxn modelId="{CA8D88C6-CD80-42D3-8086-1A52855E27FC}" srcId="{CD4BFA8E-C797-4661-803D-E8C08148CFBA}" destId="{15D5409B-8E41-4CF7-97D5-ADE28A891E40}" srcOrd="0" destOrd="0" parTransId="{7AA6BC19-5FF1-4EE8-994F-2CECF8A018F0}" sibTransId="{82DD4E70-F76D-4522-96DF-1EF1A4AE332C}"/>
+    <dgm:cxn modelId="{21744FAB-757D-4C19-8970-AD42F0BF80B6}" type="presOf" srcId="{0139DEB4-B5E5-49CF-801A-6205E3E0101C}" destId="{8E53BCF3-3ECE-479E-99D9-CA92F7A3F707}" srcOrd="0" destOrd="0" presId="urn:microsoft.com/office/officeart/2005/8/layout/StepDownProcess"/>
+    <dgm:cxn modelId="{3FCA3AB5-4328-4931-8232-A22C5072029C}" srcId="{57215324-4B36-4698-928B-A519AAB8B2BA}" destId="{0139DEB4-B5E5-49CF-801A-6205E3E0101C}" srcOrd="3" destOrd="0" parTransId="{D9440C37-CF70-4712-80A7-59004D8C2B66}" sibTransId="{273A92BF-6D2D-4BBE-A72C-8C658AE8A186}"/>
+    <dgm:cxn modelId="{A08AB4D8-2014-481E-9671-344694250962}" type="presOf" srcId="{84BCC5B6-0B2F-4A9A-A1B5-68652BDB5D5D}" destId="{C012FD27-6483-4A1B-ACE9-F9990CC4B970}" srcOrd="0" destOrd="0" presId="urn:microsoft.com/office/officeart/2005/8/layout/StepDownProcess"/>
     <dgm:cxn modelId="{EF4CDDDD-6F36-4986-A974-3AF35295EE45}" srcId="{57215324-4B36-4698-928B-A519AAB8B2BA}" destId="{23FAF6AD-92AA-4B4B-94F4-B5823555B8D3}" srcOrd="0" destOrd="0" parTransId="{AE8AE40E-81F6-434F-B844-85B5D2EE1476}" sibTransId="{856951FD-82D0-477E-8940-16B3B22F5698}"/>
     <dgm:cxn modelId="{CDA6AFF4-AEB2-48F8-9AE7-C252264B2C9B}" type="presOf" srcId="{AC5CB9AF-6818-471B-89E9-597FCAC11DBB}" destId="{5B9741FF-6FA9-4FBF-AF78-BD8E8D06D574}" srcOrd="0" destOrd="0" presId="urn:microsoft.com/office/officeart/2005/8/layout/StepDownProcess"/>
     <dgm:cxn modelId="{34339AF7-1F7C-4177-B5AE-E02147A8C2D7}" srcId="{57215324-4B36-4698-928B-A519AAB8B2BA}" destId="{AC5CB9AF-6818-471B-89E9-597FCAC11DBB}" srcOrd="2" destOrd="0" parTransId="{48646341-2CAC-48C6-B870-5918DC2A607F}" sibTransId="{90D7488A-B5B2-4C51-95D5-72F0F0952BFC}"/>
@@ -1318,8 +2070,362 @@
     <dgm:cxn modelId="{595BBF49-FCEE-461E-BF60-C5A16D5088FA}" type="presParOf" srcId="{543E5286-F93E-4038-9BA9-D50E0D42B152}" destId="{D982D841-0F4E-4194-BA6E-8265C0EE41E6}" srcOrd="2" destOrd="0" presId="urn:microsoft.com/office/officeart/2005/8/layout/StepDownProcess"/>
     <dgm:cxn modelId="{5AEE544E-F42E-4F2B-8290-4F1CD3BA0726}" type="presParOf" srcId="{AA8399F3-B393-42C5-93C2-24AAED05767E}" destId="{7FBB80D3-CB2F-4068-AE1C-D10413D2C637}" srcOrd="3" destOrd="0" presId="urn:microsoft.com/office/officeart/2005/8/layout/StepDownProcess"/>
     <dgm:cxn modelId="{865EACF7-73C0-43EB-BC92-FF248EF4A844}" type="presParOf" srcId="{AA8399F3-B393-42C5-93C2-24AAED05767E}" destId="{BC54DACF-26BC-4D5E-99D4-88DDEA6A9005}" srcOrd="4" destOrd="0" presId="urn:microsoft.com/office/officeart/2005/8/layout/StepDownProcess"/>
-    <dgm:cxn modelId="{D89C7C47-53BA-459B-90F3-03223B97FD74}" type="presParOf" srcId="{BC54DACF-26BC-4D5E-99D4-88DDEA6A9005}" destId="{5B9741FF-6FA9-4FBF-AF78-BD8E8D06D574}" srcOrd="0" destOrd="0" presId="urn:microsoft.com/office/officeart/2005/8/layout/StepDownProcess"/>
-    <dgm:cxn modelId="{69C2324B-2659-4C19-A29E-85A7452A7061}" type="presParOf" srcId="{BC54DACF-26BC-4D5E-99D4-88DDEA6A9005}" destId="{39A2C4B4-D988-4263-902A-FDBB1806567C}" srcOrd="1" destOrd="0" presId="urn:microsoft.com/office/officeart/2005/8/layout/StepDownProcess"/>
+    <dgm:cxn modelId="{31A15E6D-ABEA-4939-8AE3-528DBB2D1BC4}" type="presParOf" srcId="{BC54DACF-26BC-4D5E-99D4-88DDEA6A9005}" destId="{8B8E9322-E249-4967-B1BF-13EB8B4F2898}" srcOrd="0" destOrd="0" presId="urn:microsoft.com/office/officeart/2005/8/layout/StepDownProcess"/>
+    <dgm:cxn modelId="{D89C7C47-53BA-459B-90F3-03223B97FD74}" type="presParOf" srcId="{BC54DACF-26BC-4D5E-99D4-88DDEA6A9005}" destId="{5B9741FF-6FA9-4FBF-AF78-BD8E8D06D574}" srcOrd="1" destOrd="0" presId="urn:microsoft.com/office/officeart/2005/8/layout/StepDownProcess"/>
+    <dgm:cxn modelId="{0BC4E90B-48CD-4321-911A-2F4C93A515E4}" type="presParOf" srcId="{BC54DACF-26BC-4D5E-99D4-88DDEA6A9005}" destId="{066685B2-0032-4D27-935D-CBD011AAF316}" srcOrd="2" destOrd="0" presId="urn:microsoft.com/office/officeart/2005/8/layout/StepDownProcess"/>
+    <dgm:cxn modelId="{1C419E50-0E88-4435-8844-2161303C5EFC}" type="presParOf" srcId="{AA8399F3-B393-42C5-93C2-24AAED05767E}" destId="{4F5B5531-E185-4556-83FE-8C1A910BA409}" srcOrd="5" destOrd="0" presId="urn:microsoft.com/office/officeart/2005/8/layout/StepDownProcess"/>
+    <dgm:cxn modelId="{4002178E-5F02-4656-9DDE-C04A273E4595}" type="presParOf" srcId="{AA8399F3-B393-42C5-93C2-24AAED05767E}" destId="{A9ED2CF9-CB9C-4E31-90C3-27DA66F13702}" srcOrd="6" destOrd="0" presId="urn:microsoft.com/office/officeart/2005/8/layout/StepDownProcess"/>
+    <dgm:cxn modelId="{D786585D-9A6C-4EBA-B51F-0A54B3996BE5}" type="presParOf" srcId="{A9ED2CF9-CB9C-4E31-90C3-27DA66F13702}" destId="{71435524-55CE-416E-A013-EC13344992D7}" srcOrd="0" destOrd="0" presId="urn:microsoft.com/office/officeart/2005/8/layout/StepDownProcess"/>
+    <dgm:cxn modelId="{37E8CB60-F352-405C-9E81-710B498E5DAA}" type="presParOf" srcId="{A9ED2CF9-CB9C-4E31-90C3-27DA66F13702}" destId="{8E53BCF3-3ECE-479E-99D9-CA92F7A3F707}" srcOrd="1" destOrd="0" presId="urn:microsoft.com/office/officeart/2005/8/layout/StepDownProcess"/>
+    <dgm:cxn modelId="{6BB44647-4563-4D04-A3A5-22E39C8B3D44}" type="presParOf" srcId="{A9ED2CF9-CB9C-4E31-90C3-27DA66F13702}" destId="{4EE13A61-1429-43F1-AC66-CE44DFF3FB70}" srcOrd="2" destOrd="0" presId="urn:microsoft.com/office/officeart/2005/8/layout/StepDownProcess"/>
+    <dgm:cxn modelId="{94AE8641-CB2F-420F-BF06-ADD7DE02387B}" type="presParOf" srcId="{AA8399F3-B393-42C5-93C2-24AAED05767E}" destId="{1AAE9397-4E9E-4325-A5AA-7C9CDC293BA3}" srcOrd="7" destOrd="0" presId="urn:microsoft.com/office/officeart/2005/8/layout/StepDownProcess"/>
+    <dgm:cxn modelId="{94D1CFA9-1BF1-47E9-AB89-C55E8961470C}" type="presParOf" srcId="{AA8399F3-B393-42C5-93C2-24AAED05767E}" destId="{E0A0431F-3D00-4439-87AE-8505D05C0C36}" srcOrd="8" destOrd="0" presId="urn:microsoft.com/office/officeart/2005/8/layout/StepDownProcess"/>
+    <dgm:cxn modelId="{148F376B-90FA-4A41-BBDB-001910DC1A14}" type="presParOf" srcId="{E0A0431F-3D00-4439-87AE-8505D05C0C36}" destId="{C012FD27-6483-4A1B-ACE9-F9990CC4B970}" srcOrd="0" destOrd="0" presId="urn:microsoft.com/office/officeart/2005/8/layout/StepDownProcess"/>
+  </dgm:cxnLst>
+  <dgm:bg/>
+  <dgm:whole/>
+  <dgm:extLst>
+    <a:ext uri="http://schemas.microsoft.com/office/drawing/2008/diagram">
+      <dsp:dataModelExt xmlns:dsp="http://schemas.microsoft.com/office/drawing/2008/diagram" relId="rId6" minVer="http://schemas.openxmlformats.org/drawingml/2006/diagram"/>
+    </a:ext>
+  </dgm:extLst>
+</dgm:dataModel>
+</file>
+
+<file path=ppt/diagrams/data2.xml><?xml version="1.0" encoding="utf-8"?>
+<dgm:dataModel xmlns:dgm="http://schemas.openxmlformats.org/drawingml/2006/diagram" xmlns:a="http://schemas.openxmlformats.org/drawingml/2006/main">
+  <dgm:ptLst>
+    <dgm:pt modelId="{57215324-4B36-4698-928B-A519AAB8B2BA}" type="doc">
+      <dgm:prSet loTypeId="urn:microsoft.com/office/officeart/2005/8/layout/StepDownProcess" loCatId="process" qsTypeId="urn:microsoft.com/office/officeart/2005/8/quickstyle/simple1" qsCatId="simple" csTypeId="urn:microsoft.com/office/officeart/2005/8/colors/accent0_3" csCatId="mainScheme" phldr="1"/>
+      <dgm:spPr/>
+      <dgm:t>
+        <a:bodyPr/>
+        <a:lstStyle/>
+        <a:p>
+          <a:endParaRPr lang="en-US"/>
+        </a:p>
+      </dgm:t>
+    </dgm:pt>
+    <dgm:pt modelId="{23FAF6AD-92AA-4B4B-94F4-B5823555B8D3}">
+      <dgm:prSet phldrT="[Text]" custT="1"/>
+      <dgm:spPr/>
+      <dgm:t>
+        <a:bodyPr/>
+        <a:lstStyle/>
+        <a:p>
+          <a:r>
+            <a:rPr lang="en-US" sz="3200" b="1" dirty="0">
+              <a:effectLst>
+                <a:outerShdw blurRad="38100" dist="38100" dir="2700000" algn="tl">
+                  <a:srgbClr val="000000">
+                    <a:alpha val="43137"/>
+                  </a:srgbClr>
+                </a:outerShdw>
+              </a:effectLst>
+              <a:latin typeface="Questrial" panose="02000000000000000000"/>
+            </a:rPr>
+            <a:t>OPEN DATA API</a:t>
+          </a:r>
+          <a:endParaRPr lang="en-US" sz="3200" b="1" dirty="0">
+            <a:latin typeface="Questrial" panose="02000000000000000000"/>
+          </a:endParaRPr>
+        </a:p>
+      </dgm:t>
+    </dgm:pt>
+    <dgm:pt modelId="{AE8AE40E-81F6-434F-B844-85B5D2EE1476}" type="parTrans" cxnId="{EF4CDDDD-6F36-4986-A974-3AF35295EE45}">
+      <dgm:prSet/>
+      <dgm:spPr/>
+      <dgm:t>
+        <a:bodyPr/>
+        <a:lstStyle/>
+        <a:p>
+          <a:endParaRPr lang="en-US"/>
+        </a:p>
+      </dgm:t>
+    </dgm:pt>
+    <dgm:pt modelId="{856951FD-82D0-477E-8940-16B3B22F5698}" type="sibTrans" cxnId="{EF4CDDDD-6F36-4986-A974-3AF35295EE45}">
+      <dgm:prSet/>
+      <dgm:spPr/>
+      <dgm:t>
+        <a:bodyPr/>
+        <a:lstStyle/>
+        <a:p>
+          <a:endParaRPr lang="en-US"/>
+        </a:p>
+      </dgm:t>
+    </dgm:pt>
+    <dgm:pt modelId="{CD4BFA8E-C797-4661-803D-E8C08148CFBA}">
+      <dgm:prSet phldrT="[Text]" custT="1"/>
+      <dgm:spPr/>
+      <dgm:t>
+        <a:bodyPr/>
+        <a:lstStyle/>
+        <a:p>
+          <a:r>
+            <a:rPr lang="en-US" sz="3200" b="1" dirty="0" err="1">
+              <a:latin typeface="Questrial" panose="02000000000000000000"/>
+            </a:rPr>
+            <a:t>Dataframe</a:t>
+          </a:r>
+          <a:endParaRPr lang="en-US" sz="3200" b="1" dirty="0">
+            <a:latin typeface="Questrial" panose="02000000000000000000"/>
+          </a:endParaRPr>
+        </a:p>
+      </dgm:t>
+    </dgm:pt>
+    <dgm:pt modelId="{25248325-C8D7-4080-B0A3-01C1C039D033}" type="parTrans" cxnId="{4AF18525-B594-4AD2-8D17-EFC7554F98AF}">
+      <dgm:prSet/>
+      <dgm:spPr/>
+      <dgm:t>
+        <a:bodyPr/>
+        <a:lstStyle/>
+        <a:p>
+          <a:endParaRPr lang="en-US"/>
+        </a:p>
+      </dgm:t>
+    </dgm:pt>
+    <dgm:pt modelId="{36651CF2-4017-438C-A729-97B40E8D4581}" type="sibTrans" cxnId="{4AF18525-B594-4AD2-8D17-EFC7554F98AF}">
+      <dgm:prSet/>
+      <dgm:spPr/>
+      <dgm:t>
+        <a:bodyPr/>
+        <a:lstStyle/>
+        <a:p>
+          <a:endParaRPr lang="en-US"/>
+        </a:p>
+      </dgm:t>
+    </dgm:pt>
+    <dgm:pt modelId="{AC5CB9AF-6818-471B-89E9-597FCAC11DBB}">
+      <dgm:prSet phldrT="[Text]" custT="1"/>
+      <dgm:spPr/>
+      <dgm:t>
+        <a:bodyPr/>
+        <a:lstStyle/>
+        <a:p>
+          <a:r>
+            <a:rPr lang="en-US" sz="3200" b="1" dirty="0" err="1">
+              <a:latin typeface="Questrial" panose="02000000000000000000"/>
+            </a:rPr>
+            <a:t>Dataframe</a:t>
+          </a:r>
+          <a:r>
+            <a:rPr lang="en-US" sz="3200" b="1" dirty="0">
+              <a:latin typeface="Questrial" panose="02000000000000000000"/>
+            </a:rPr>
+            <a:t> with Neighborhood</a:t>
+          </a:r>
+        </a:p>
+      </dgm:t>
+    </dgm:pt>
+    <dgm:pt modelId="{48646341-2CAC-48C6-B870-5918DC2A607F}" type="parTrans" cxnId="{34339AF7-1F7C-4177-B5AE-E02147A8C2D7}">
+      <dgm:prSet/>
+      <dgm:spPr/>
+      <dgm:t>
+        <a:bodyPr/>
+        <a:lstStyle/>
+        <a:p>
+          <a:endParaRPr lang="en-US"/>
+        </a:p>
+      </dgm:t>
+    </dgm:pt>
+    <dgm:pt modelId="{90D7488A-B5B2-4C51-95D5-72F0F0952BFC}" type="sibTrans" cxnId="{34339AF7-1F7C-4177-B5AE-E02147A8C2D7}">
+      <dgm:prSet/>
+      <dgm:spPr/>
+      <dgm:t>
+        <a:bodyPr/>
+        <a:lstStyle/>
+        <a:p>
+          <a:endParaRPr lang="en-US"/>
+        </a:p>
+      </dgm:t>
+    </dgm:pt>
+    <dgm:pt modelId="{0139DEB4-B5E5-49CF-801A-6205E3E0101C}">
+      <dgm:prSet phldrT="[Text]"/>
+      <dgm:spPr/>
+      <dgm:t>
+        <a:bodyPr/>
+        <a:lstStyle/>
+        <a:p>
+          <a:r>
+            <a:rPr lang="en-US" b="1" dirty="0">
+              <a:latin typeface="Questrial" panose="02000000000000000000"/>
+            </a:rPr>
+            <a:t>Calculated development metrics</a:t>
+          </a:r>
+        </a:p>
+      </dgm:t>
+    </dgm:pt>
+    <dgm:pt modelId="{D9440C37-CF70-4712-80A7-59004D8C2B66}" type="parTrans" cxnId="{3FCA3AB5-4328-4931-8232-A22C5072029C}">
+      <dgm:prSet/>
+      <dgm:spPr/>
+      <dgm:t>
+        <a:bodyPr/>
+        <a:lstStyle/>
+        <a:p>
+          <a:endParaRPr lang="en-US"/>
+        </a:p>
+      </dgm:t>
+    </dgm:pt>
+    <dgm:pt modelId="{273A92BF-6D2D-4BBE-A72C-8C658AE8A186}" type="sibTrans" cxnId="{3FCA3AB5-4328-4931-8232-A22C5072029C}">
+      <dgm:prSet/>
+      <dgm:spPr/>
+      <dgm:t>
+        <a:bodyPr/>
+        <a:lstStyle/>
+        <a:p>
+          <a:endParaRPr lang="en-US"/>
+        </a:p>
+      </dgm:t>
+    </dgm:pt>
+    <dgm:pt modelId="{AA8399F3-B393-42C5-93C2-24AAED05767E}" type="pres">
+      <dgm:prSet presAssocID="{57215324-4B36-4698-928B-A519AAB8B2BA}" presName="rootnode" presStyleCnt="0">
+        <dgm:presLayoutVars>
+          <dgm:chMax/>
+          <dgm:chPref/>
+          <dgm:dir/>
+          <dgm:animLvl val="lvl"/>
+        </dgm:presLayoutVars>
+      </dgm:prSet>
+      <dgm:spPr/>
+    </dgm:pt>
+    <dgm:pt modelId="{1296E01F-BE85-42FE-A703-5F1B45D5F0C2}" type="pres">
+      <dgm:prSet presAssocID="{23FAF6AD-92AA-4B4B-94F4-B5823555B8D3}" presName="composite" presStyleCnt="0"/>
+      <dgm:spPr/>
+    </dgm:pt>
+    <dgm:pt modelId="{EF1439CA-CDE0-45DB-8D3D-F1704EAC71C2}" type="pres">
+      <dgm:prSet presAssocID="{23FAF6AD-92AA-4B4B-94F4-B5823555B8D3}" presName="bentUpArrow1" presStyleLbl="alignImgPlace1" presStyleIdx="0" presStyleCnt="3" custLinFactNeighborX="-27614" custLinFactNeighborY="7448"/>
+      <dgm:spPr/>
+    </dgm:pt>
+    <dgm:pt modelId="{5E81B5D2-B089-4B78-9EB8-5432B35A7A8E}" type="pres">
+      <dgm:prSet presAssocID="{23FAF6AD-92AA-4B4B-94F4-B5823555B8D3}" presName="ParentText" presStyleLbl="node1" presStyleIdx="0" presStyleCnt="4" custScaleX="227099" custScaleY="90367" custLinFactNeighborX="-668" custLinFactNeighborY="250">
+        <dgm:presLayoutVars>
+          <dgm:chMax val="1"/>
+          <dgm:chPref val="1"/>
+          <dgm:bulletEnabled val="1"/>
+        </dgm:presLayoutVars>
+      </dgm:prSet>
+      <dgm:spPr/>
+    </dgm:pt>
+    <dgm:pt modelId="{AECF62EF-64C5-4DBD-B200-BCE68A395269}" type="pres">
+      <dgm:prSet presAssocID="{23FAF6AD-92AA-4B4B-94F4-B5823555B8D3}" presName="ChildText" presStyleLbl="revTx" presStyleIdx="0" presStyleCnt="3" custScaleX="229631" custLinFactNeighborX="67884" custLinFactNeighborY="-6058">
+        <dgm:presLayoutVars>
+          <dgm:chMax val="0"/>
+          <dgm:chPref val="0"/>
+          <dgm:bulletEnabled val="1"/>
+        </dgm:presLayoutVars>
+      </dgm:prSet>
+      <dgm:spPr/>
+    </dgm:pt>
+    <dgm:pt modelId="{E3E56ED7-6E7B-419A-80C7-0CB753D6BD19}" type="pres">
+      <dgm:prSet presAssocID="{856951FD-82D0-477E-8940-16B3B22F5698}" presName="sibTrans" presStyleCnt="0"/>
+      <dgm:spPr/>
+    </dgm:pt>
+    <dgm:pt modelId="{543E5286-F93E-4038-9BA9-D50E0D42B152}" type="pres">
+      <dgm:prSet presAssocID="{CD4BFA8E-C797-4661-803D-E8C08148CFBA}" presName="composite" presStyleCnt="0"/>
+      <dgm:spPr/>
+    </dgm:pt>
+    <dgm:pt modelId="{1D229A78-2F52-4E53-95D9-1CE10743129F}" type="pres">
+      <dgm:prSet presAssocID="{CD4BFA8E-C797-4661-803D-E8C08148CFBA}" presName="bentUpArrow1" presStyleLbl="alignImgPlace1" presStyleIdx="1" presStyleCnt="3" custLinFactNeighborX="-1528" custLinFactNeighborY="10529"/>
+      <dgm:spPr/>
+    </dgm:pt>
+    <dgm:pt modelId="{D62DD6A4-A238-4782-8FED-F742C3E33E47}" type="pres">
+      <dgm:prSet presAssocID="{CD4BFA8E-C797-4661-803D-E8C08148CFBA}" presName="ParentText" presStyleLbl="node1" presStyleIdx="1" presStyleCnt="4" custScaleX="156902" custScaleY="91045" custLinFactNeighborX="-5944" custLinFactNeighborY="7348">
+        <dgm:presLayoutVars>
+          <dgm:chMax val="1"/>
+          <dgm:chPref val="1"/>
+          <dgm:bulletEnabled val="1"/>
+        </dgm:presLayoutVars>
+      </dgm:prSet>
+      <dgm:spPr/>
+    </dgm:pt>
+    <dgm:pt modelId="{D982D841-0F4E-4194-BA6E-8265C0EE41E6}" type="pres">
+      <dgm:prSet presAssocID="{CD4BFA8E-C797-4661-803D-E8C08148CFBA}" presName="ChildText" presStyleLbl="revTx" presStyleIdx="1" presStyleCnt="3" custScaleX="226403" custLinFactX="5012" custLinFactNeighborX="100000" custLinFactNeighborY="-8881">
+        <dgm:presLayoutVars>
+          <dgm:chMax val="0"/>
+          <dgm:chPref val="0"/>
+          <dgm:bulletEnabled val="1"/>
+        </dgm:presLayoutVars>
+      </dgm:prSet>
+      <dgm:spPr/>
+    </dgm:pt>
+    <dgm:pt modelId="{7FBB80D3-CB2F-4068-AE1C-D10413D2C637}" type="pres">
+      <dgm:prSet presAssocID="{36651CF2-4017-438C-A729-97B40E8D4581}" presName="sibTrans" presStyleCnt="0"/>
+      <dgm:spPr/>
+    </dgm:pt>
+    <dgm:pt modelId="{BC54DACF-26BC-4D5E-99D4-88DDEA6A9005}" type="pres">
+      <dgm:prSet presAssocID="{AC5CB9AF-6818-471B-89E9-597FCAC11DBB}" presName="composite" presStyleCnt="0"/>
+      <dgm:spPr/>
+    </dgm:pt>
+    <dgm:pt modelId="{8B8E9322-E249-4967-B1BF-13EB8B4F2898}" type="pres">
+      <dgm:prSet presAssocID="{AC5CB9AF-6818-471B-89E9-597FCAC11DBB}" presName="bentUpArrow1" presStyleLbl="alignImgPlace1" presStyleIdx="2" presStyleCnt="3" custLinFactX="-34976" custLinFactNeighborX="-100000" custLinFactNeighborY="14652"/>
+      <dgm:spPr/>
+    </dgm:pt>
+    <dgm:pt modelId="{5B9741FF-6FA9-4FBF-AF78-BD8E8D06D574}" type="pres">
+      <dgm:prSet presAssocID="{AC5CB9AF-6818-471B-89E9-597FCAC11DBB}" presName="ParentText" presStyleLbl="node1" presStyleIdx="2" presStyleCnt="4" custScaleX="374610" custScaleY="87204" custLinFactNeighborX="-26011" custLinFactNeighborY="7971">
+        <dgm:presLayoutVars>
+          <dgm:chMax val="1"/>
+          <dgm:chPref val="1"/>
+          <dgm:bulletEnabled val="1"/>
+        </dgm:presLayoutVars>
+      </dgm:prSet>
+      <dgm:spPr/>
+    </dgm:pt>
+    <dgm:pt modelId="{066685B2-0032-4D27-935D-CBD011AAF316}" type="pres">
+      <dgm:prSet presAssocID="{AC5CB9AF-6818-471B-89E9-597FCAC11DBB}" presName="ChildText" presStyleLbl="revTx" presStyleIdx="2" presStyleCnt="3" custLinFactNeighborX="-684" custLinFactNeighborY="2637">
+        <dgm:presLayoutVars>
+          <dgm:chMax val="0"/>
+          <dgm:chPref val="0"/>
+          <dgm:bulletEnabled val="1"/>
+        </dgm:presLayoutVars>
+      </dgm:prSet>
+      <dgm:spPr/>
+    </dgm:pt>
+    <dgm:pt modelId="{4F5B5531-E185-4556-83FE-8C1A910BA409}" type="pres">
+      <dgm:prSet presAssocID="{90D7488A-B5B2-4C51-95D5-72F0F0952BFC}" presName="sibTrans" presStyleCnt="0"/>
+      <dgm:spPr/>
+    </dgm:pt>
+    <dgm:pt modelId="{A9ED2CF9-CB9C-4E31-90C3-27DA66F13702}" type="pres">
+      <dgm:prSet presAssocID="{0139DEB4-B5E5-49CF-801A-6205E3E0101C}" presName="composite" presStyleCnt="0"/>
+      <dgm:spPr/>
+    </dgm:pt>
+    <dgm:pt modelId="{8E53BCF3-3ECE-479E-99D9-CA92F7A3F707}" type="pres">
+      <dgm:prSet presAssocID="{0139DEB4-B5E5-49CF-801A-6205E3E0101C}" presName="ParentText" presStyleLbl="node1" presStyleIdx="3" presStyleCnt="4" custScaleX="293913" custScaleY="87204" custLinFactNeighborX="-7182" custLinFactNeighborY="10607">
+        <dgm:presLayoutVars>
+          <dgm:chMax val="1"/>
+          <dgm:chPref val="1"/>
+          <dgm:bulletEnabled val="1"/>
+        </dgm:presLayoutVars>
+      </dgm:prSet>
+      <dgm:spPr/>
+    </dgm:pt>
+  </dgm:ptLst>
+  <dgm:cxnLst>
+    <dgm:cxn modelId="{4AF18525-B594-4AD2-8D17-EFC7554F98AF}" srcId="{57215324-4B36-4698-928B-A519AAB8B2BA}" destId="{CD4BFA8E-C797-4661-803D-E8C08148CFBA}" srcOrd="1" destOrd="0" parTransId="{25248325-C8D7-4080-B0A3-01C1C039D033}" sibTransId="{36651CF2-4017-438C-A729-97B40E8D4581}"/>
+    <dgm:cxn modelId="{3D476630-9267-4A97-98DE-784B7CEA4AB6}" type="presOf" srcId="{57215324-4B36-4698-928B-A519AAB8B2BA}" destId="{AA8399F3-B393-42C5-93C2-24AAED05767E}" srcOrd="0" destOrd="0" presId="urn:microsoft.com/office/officeart/2005/8/layout/StepDownProcess"/>
+    <dgm:cxn modelId="{C6D89C45-3534-4AC8-A104-4D818B3C0A44}" type="presOf" srcId="{CD4BFA8E-C797-4661-803D-E8C08148CFBA}" destId="{D62DD6A4-A238-4782-8FED-F742C3E33E47}" srcOrd="0" destOrd="0" presId="urn:microsoft.com/office/officeart/2005/8/layout/StepDownProcess"/>
+    <dgm:cxn modelId="{5613D88A-01CE-44D2-9D3F-6A40CA2DA851}" type="presOf" srcId="{23FAF6AD-92AA-4B4B-94F4-B5823555B8D3}" destId="{5E81B5D2-B089-4B78-9EB8-5432B35A7A8E}" srcOrd="0" destOrd="0" presId="urn:microsoft.com/office/officeart/2005/8/layout/StepDownProcess"/>
+    <dgm:cxn modelId="{21744FAB-757D-4C19-8970-AD42F0BF80B6}" type="presOf" srcId="{0139DEB4-B5E5-49CF-801A-6205E3E0101C}" destId="{8E53BCF3-3ECE-479E-99D9-CA92F7A3F707}" srcOrd="0" destOrd="0" presId="urn:microsoft.com/office/officeart/2005/8/layout/StepDownProcess"/>
+    <dgm:cxn modelId="{3FCA3AB5-4328-4931-8232-A22C5072029C}" srcId="{57215324-4B36-4698-928B-A519AAB8B2BA}" destId="{0139DEB4-B5E5-49CF-801A-6205E3E0101C}" srcOrd="3" destOrd="0" parTransId="{D9440C37-CF70-4712-80A7-59004D8C2B66}" sibTransId="{273A92BF-6D2D-4BBE-A72C-8C658AE8A186}"/>
+    <dgm:cxn modelId="{EF4CDDDD-6F36-4986-A974-3AF35295EE45}" srcId="{57215324-4B36-4698-928B-A519AAB8B2BA}" destId="{23FAF6AD-92AA-4B4B-94F4-B5823555B8D3}" srcOrd="0" destOrd="0" parTransId="{AE8AE40E-81F6-434F-B844-85B5D2EE1476}" sibTransId="{856951FD-82D0-477E-8940-16B3B22F5698}"/>
+    <dgm:cxn modelId="{CDA6AFF4-AEB2-48F8-9AE7-C252264B2C9B}" type="presOf" srcId="{AC5CB9AF-6818-471B-89E9-597FCAC11DBB}" destId="{5B9741FF-6FA9-4FBF-AF78-BD8E8D06D574}" srcOrd="0" destOrd="0" presId="urn:microsoft.com/office/officeart/2005/8/layout/StepDownProcess"/>
+    <dgm:cxn modelId="{34339AF7-1F7C-4177-B5AE-E02147A8C2D7}" srcId="{57215324-4B36-4698-928B-A519AAB8B2BA}" destId="{AC5CB9AF-6818-471B-89E9-597FCAC11DBB}" srcOrd="2" destOrd="0" parTransId="{48646341-2CAC-48C6-B870-5918DC2A607F}" sibTransId="{90D7488A-B5B2-4C51-95D5-72F0F0952BFC}"/>
+    <dgm:cxn modelId="{1B0854A3-76A0-4552-8A4A-594D304FDE32}" type="presParOf" srcId="{AA8399F3-B393-42C5-93C2-24AAED05767E}" destId="{1296E01F-BE85-42FE-A703-5F1B45D5F0C2}" srcOrd="0" destOrd="0" presId="urn:microsoft.com/office/officeart/2005/8/layout/StepDownProcess"/>
+    <dgm:cxn modelId="{9A91720E-D920-4D5C-B2F0-560E7CCE2850}" type="presParOf" srcId="{1296E01F-BE85-42FE-A703-5F1B45D5F0C2}" destId="{EF1439CA-CDE0-45DB-8D3D-F1704EAC71C2}" srcOrd="0" destOrd="0" presId="urn:microsoft.com/office/officeart/2005/8/layout/StepDownProcess"/>
+    <dgm:cxn modelId="{518AE0F3-D489-4FA5-BD3B-FCD72C89340C}" type="presParOf" srcId="{1296E01F-BE85-42FE-A703-5F1B45D5F0C2}" destId="{5E81B5D2-B089-4B78-9EB8-5432B35A7A8E}" srcOrd="1" destOrd="0" presId="urn:microsoft.com/office/officeart/2005/8/layout/StepDownProcess"/>
+    <dgm:cxn modelId="{48B193C4-345A-4115-BA95-8D0738B04BA6}" type="presParOf" srcId="{1296E01F-BE85-42FE-A703-5F1B45D5F0C2}" destId="{AECF62EF-64C5-4DBD-B200-BCE68A395269}" srcOrd="2" destOrd="0" presId="urn:microsoft.com/office/officeart/2005/8/layout/StepDownProcess"/>
+    <dgm:cxn modelId="{A97BFF57-3507-4AFE-B485-B4E8C62669C0}" type="presParOf" srcId="{AA8399F3-B393-42C5-93C2-24AAED05767E}" destId="{E3E56ED7-6E7B-419A-80C7-0CB753D6BD19}" srcOrd="1" destOrd="0" presId="urn:microsoft.com/office/officeart/2005/8/layout/StepDownProcess"/>
+    <dgm:cxn modelId="{235E3469-0950-4F42-9117-AC7DD3EDCBC0}" type="presParOf" srcId="{AA8399F3-B393-42C5-93C2-24AAED05767E}" destId="{543E5286-F93E-4038-9BA9-D50E0D42B152}" srcOrd="2" destOrd="0" presId="urn:microsoft.com/office/officeart/2005/8/layout/StepDownProcess"/>
+    <dgm:cxn modelId="{6BC2C6D7-2A0F-41DB-BD15-1C3B6653A910}" type="presParOf" srcId="{543E5286-F93E-4038-9BA9-D50E0D42B152}" destId="{1D229A78-2F52-4E53-95D9-1CE10743129F}" srcOrd="0" destOrd="0" presId="urn:microsoft.com/office/officeart/2005/8/layout/StepDownProcess"/>
+    <dgm:cxn modelId="{F66E6F9D-C164-43C6-9DF0-6911A69844E4}" type="presParOf" srcId="{543E5286-F93E-4038-9BA9-D50E0D42B152}" destId="{D62DD6A4-A238-4782-8FED-F742C3E33E47}" srcOrd="1" destOrd="0" presId="urn:microsoft.com/office/officeart/2005/8/layout/StepDownProcess"/>
+    <dgm:cxn modelId="{595BBF49-FCEE-461E-BF60-C5A16D5088FA}" type="presParOf" srcId="{543E5286-F93E-4038-9BA9-D50E0D42B152}" destId="{D982D841-0F4E-4194-BA6E-8265C0EE41E6}" srcOrd="2" destOrd="0" presId="urn:microsoft.com/office/officeart/2005/8/layout/StepDownProcess"/>
+    <dgm:cxn modelId="{5AEE544E-F42E-4F2B-8290-4F1CD3BA0726}" type="presParOf" srcId="{AA8399F3-B393-42C5-93C2-24AAED05767E}" destId="{7FBB80D3-CB2F-4068-AE1C-D10413D2C637}" srcOrd="3" destOrd="0" presId="urn:microsoft.com/office/officeart/2005/8/layout/StepDownProcess"/>
+    <dgm:cxn modelId="{865EACF7-73C0-43EB-BC92-FF248EF4A844}" type="presParOf" srcId="{AA8399F3-B393-42C5-93C2-24AAED05767E}" destId="{BC54DACF-26BC-4D5E-99D4-88DDEA6A9005}" srcOrd="4" destOrd="0" presId="urn:microsoft.com/office/officeart/2005/8/layout/StepDownProcess"/>
+    <dgm:cxn modelId="{31A15E6D-ABEA-4939-8AE3-528DBB2D1BC4}" type="presParOf" srcId="{BC54DACF-26BC-4D5E-99D4-88DDEA6A9005}" destId="{8B8E9322-E249-4967-B1BF-13EB8B4F2898}" srcOrd="0" destOrd="0" presId="urn:microsoft.com/office/officeart/2005/8/layout/StepDownProcess"/>
+    <dgm:cxn modelId="{D89C7C47-53BA-459B-90F3-03223B97FD74}" type="presParOf" srcId="{BC54DACF-26BC-4D5E-99D4-88DDEA6A9005}" destId="{5B9741FF-6FA9-4FBF-AF78-BD8E8D06D574}" srcOrd="1" destOrd="0" presId="urn:microsoft.com/office/officeart/2005/8/layout/StepDownProcess"/>
+    <dgm:cxn modelId="{0BC4E90B-48CD-4321-911A-2F4C93A515E4}" type="presParOf" srcId="{BC54DACF-26BC-4D5E-99D4-88DDEA6A9005}" destId="{066685B2-0032-4D27-935D-CBD011AAF316}" srcOrd="2" destOrd="0" presId="urn:microsoft.com/office/officeart/2005/8/layout/StepDownProcess"/>
+    <dgm:cxn modelId="{1C419E50-0E88-4435-8844-2161303C5EFC}" type="presParOf" srcId="{AA8399F3-B393-42C5-93C2-24AAED05767E}" destId="{4F5B5531-E185-4556-83FE-8C1A910BA409}" srcOrd="5" destOrd="0" presId="urn:microsoft.com/office/officeart/2005/8/layout/StepDownProcess"/>
+    <dgm:cxn modelId="{4002178E-5F02-4656-9DDE-C04A273E4595}" type="presParOf" srcId="{AA8399F3-B393-42C5-93C2-24AAED05767E}" destId="{A9ED2CF9-CB9C-4E31-90C3-27DA66F13702}" srcOrd="6" destOrd="0" presId="urn:microsoft.com/office/officeart/2005/8/layout/StepDownProcess"/>
+    <dgm:cxn modelId="{37E8CB60-F352-405C-9E81-710B498E5DAA}" type="presParOf" srcId="{A9ED2CF9-CB9C-4E31-90C3-27DA66F13702}" destId="{8E53BCF3-3ECE-479E-99D9-CA92F7A3F707}" srcOrd="0" destOrd="0" presId="urn:microsoft.com/office/officeart/2005/8/layout/StepDownProcess"/>
   </dgm:cxnLst>
   <dgm:bg/>
   <dgm:whole/>
@@ -1346,8 +2452,8 @@
       </dsp:nvSpPr>
       <dsp:spPr>
         <a:xfrm rot="5400000">
-          <a:off x="1691828" y="1480811"/>
-          <a:ext cx="1312930" cy="1494724"/>
+          <a:off x="566806" y="912804"/>
+          <a:ext cx="775732" cy="883144"/>
         </a:xfrm>
         <a:prstGeom prst="bentUpArrow">
           <a:avLst>
@@ -1399,8 +2505,8 @@
       </dsp:nvSpPr>
       <dsp:spPr>
         <a:xfrm>
-          <a:off x="0" y="0"/>
-          <a:ext cx="3554733" cy="1547069"/>
+          <a:off x="0" y="12771"/>
+          <a:ext cx="3032507" cy="914071"/>
         </a:xfrm>
         <a:prstGeom prst="roundRect">
           <a:avLst>
@@ -1443,12 +2549,12 @@
         </a:fontRef>
       </dsp:style>
       <dsp:txBody>
-        <a:bodyPr spcFirstLastPara="0" vert="horz" wrap="square" lIns="121920" tIns="121920" rIns="121920" bIns="121920" numCol="1" spcCol="1270" anchor="ctr" anchorCtr="0">
+        <a:bodyPr spcFirstLastPara="0" vert="horz" wrap="square" lIns="106680" tIns="106680" rIns="106680" bIns="106680" numCol="1" spcCol="1270" anchor="ctr" anchorCtr="0">
           <a:noAutofit/>
         </a:bodyPr>
         <a:lstStyle/>
         <a:p>
-          <a:pPr marL="0" lvl="0" indent="0" algn="ctr" defTabSz="1422400">
+          <a:pPr marL="0" lvl="0" indent="0" algn="ctr" defTabSz="1244600">
             <a:lnSpc>
               <a:spcPct val="90000"/>
             </a:lnSpc>
@@ -1461,7 +2567,7 @@
             <a:buNone/>
           </a:pPr>
           <a:r>
-            <a:rPr lang="en-US" sz="3200" b="1" kern="1200" dirty="0">
+            <a:rPr lang="en-US" sz="2800" b="1" kern="1200" dirty="0">
               <a:effectLst>
                 <a:outerShdw blurRad="38100" dist="38100" dir="2700000" algn="tl">
                   <a:srgbClr val="000000">
@@ -1474,7 +2580,7 @@
             <a:t>80 </a:t>
           </a:r>
           <a:r>
-            <a:rPr lang="en-US" sz="3200" kern="1200" dirty="0">
+            <a:rPr lang="en-US" sz="2800" kern="1200" dirty="0">
               <a:latin typeface="Questrial" panose="02000000000000000000"/>
             </a:rPr>
             <a:t>spreadsheets</a:t>
@@ -1482,8 +2588,8 @@
         </a:p>
       </dsp:txBody>
       <dsp:txXfrm>
-        <a:off x="75535" y="75535"/>
-        <a:ext cx="3403663" cy="1395999"/>
+        <a:off x="44629" y="57400"/>
+        <a:ext cx="2943249" cy="824813"/>
       </dsp:txXfrm>
     </dsp:sp>
     <dsp:sp modelId="{AECF62EF-64C5-4DBD-B200-BCE68A395269}">
@@ -1493,8 +2599,8 @@
       </dsp:nvSpPr>
       <dsp:spPr>
         <a:xfrm>
-          <a:off x="3614504" y="64227"/>
-          <a:ext cx="3691294" cy="1250409"/>
+          <a:off x="2236689" y="52913"/>
+          <a:ext cx="2180967" cy="738793"/>
         </a:xfrm>
         <a:prstGeom prst="rect">
           <a:avLst/>
@@ -1517,40 +2623,6 @@
         </a:effectRef>
         <a:fontRef idx="minor"/>
       </dsp:style>
-      <dsp:txBody>
-        <a:bodyPr spcFirstLastPara="0" vert="horz" wrap="square" lIns="91440" tIns="91440" rIns="91440" bIns="91440" numCol="1" spcCol="1270" anchor="ctr" anchorCtr="0">
-          <a:noAutofit/>
-        </a:bodyPr>
-        <a:lstStyle/>
-        <a:p>
-          <a:pPr marL="228600" lvl="1" indent="-228600" algn="l" defTabSz="1066800">
-            <a:lnSpc>
-              <a:spcPct val="90000"/>
-            </a:lnSpc>
-            <a:spcBef>
-              <a:spcPct val="0"/>
-            </a:spcBef>
-            <a:spcAft>
-              <a:spcPct val="15000"/>
-            </a:spcAft>
-            <a:buFontTx/>
-            <a:buNone/>
-          </a:pPr>
-          <a:r>
-            <a:rPr lang="en-US" sz="2400" kern="1200" dirty="0">
-              <a:solidFill>
-                <a:schemeClr val="bg1"/>
-              </a:solidFill>
-              <a:latin typeface="Questrial" panose="02000000000000000000"/>
-            </a:rPr>
-            <a:t>2003 – 2018 sales data by year and borough</a:t>
-          </a:r>
-        </a:p>
-      </dsp:txBody>
-      <dsp:txXfrm>
-        <a:off x="3614504" y="64227"/>
-        <a:ext cx="3691294" cy="1250409"/>
-      </dsp:txXfrm>
     </dsp:sp>
     <dsp:sp modelId="{1D229A78-2F52-4E53-95D9-1CE10743129F}">
       <dsp:nvSpPr>
@@ -1559,8 +2631,8 @@
       </dsp:nvSpPr>
       <dsp:spPr>
         <a:xfrm rot="5400000">
-          <a:off x="4303679" y="3149410"/>
-          <a:ext cx="1312930" cy="1494724"/>
+          <a:off x="2463955" y="1860134"/>
+          <a:ext cx="775732" cy="883144"/>
         </a:xfrm>
         <a:prstGeom prst="bentUpArrow">
           <a:avLst>
@@ -1612,8 +2684,8 @@
       </dsp:nvSpPr>
       <dsp:spPr>
         <a:xfrm>
-          <a:off x="3186108" y="1697536"/>
-          <a:ext cx="3467849" cy="1408529"/>
+          <a:off x="1444044" y="1057015"/>
+          <a:ext cx="3674542" cy="832216"/>
         </a:xfrm>
         <a:prstGeom prst="roundRect">
           <a:avLst>
@@ -1695,8 +2767,8 @@
         </a:p>
       </dsp:txBody>
       <dsp:txXfrm>
-        <a:off x="3254879" y="1766307"/>
-        <a:ext cx="3330307" cy="1270987"/>
+        <a:off x="1484677" y="1097648"/>
+        <a:ext cx="3593276" cy="750950"/>
       </dsp:txXfrm>
     </dsp:sp>
     <dsp:sp modelId="{D982D841-0F4E-4194-BA6E-8265C0EE41E6}">
@@ -1706,8 +2778,8 @@
       </dsp:nvSpPr>
       <dsp:spPr>
         <a:xfrm>
-          <a:off x="6849129" y="1697527"/>
-          <a:ext cx="3639405" cy="1250409"/>
+          <a:off x="4718256" y="1017933"/>
+          <a:ext cx="2150309" cy="738793"/>
         </a:xfrm>
         <a:prstGeom prst="rect">
           <a:avLst/>
@@ -1730,55 +2802,59 @@
         </a:effectRef>
         <a:fontRef idx="minor"/>
       </dsp:style>
-      <dsp:txBody>
-        <a:bodyPr spcFirstLastPara="0" vert="horz" wrap="square" lIns="91440" tIns="91440" rIns="91440" bIns="91440" numCol="1" spcCol="1270" anchor="ctr" anchorCtr="0">
-          <a:noAutofit/>
-        </a:bodyPr>
-        <a:lstStyle/>
-        <a:p>
-          <a:pPr marL="228600" lvl="1" indent="-228600" algn="l" defTabSz="1066800">
-            <a:lnSpc>
-              <a:spcPct val="90000"/>
-            </a:lnSpc>
-            <a:spcBef>
-              <a:spcPct val="0"/>
-            </a:spcBef>
-            <a:spcAft>
-              <a:spcPct val="15000"/>
-            </a:spcAft>
-            <a:buFontTx/>
-            <a:buNone/>
-          </a:pPr>
-          <a:r>
-            <a:rPr lang="en-US" sz="2400" kern="1200" dirty="0">
-              <a:solidFill>
-                <a:schemeClr val="bg1"/>
-              </a:solidFill>
-              <a:latin typeface="Questrial" panose="02000000000000000000"/>
-            </a:rPr>
-            <a:t>loaded all spreadsheets into </a:t>
-          </a:r>
-          <a:r>
-            <a:rPr lang="en-US" sz="2400" kern="1200" dirty="0" err="1">
-              <a:solidFill>
-                <a:schemeClr val="bg1"/>
-              </a:solidFill>
-              <a:latin typeface="Questrial" panose="02000000000000000000"/>
-            </a:rPr>
-            <a:t>pgAdmin</a:t>
-          </a:r>
-          <a:endParaRPr lang="en-US" sz="2400" kern="1200" dirty="0">
-            <a:solidFill>
-              <a:schemeClr val="bg1"/>
-            </a:solidFill>
-            <a:latin typeface="Questrial" panose="02000000000000000000"/>
-          </a:endParaRPr>
-        </a:p>
-      </dsp:txBody>
-      <dsp:txXfrm>
-        <a:off x="6849129" y="1697527"/>
-        <a:ext cx="3639405" cy="1250409"/>
-      </dsp:txXfrm>
+    </dsp:sp>
+    <dsp:sp modelId="{8B8E9322-E249-4967-B1BF-13EB8B4F2898}">
+      <dsp:nvSpPr>
+        <dsp:cNvPr id="0" name=""/>
+        <dsp:cNvSpPr/>
+      </dsp:nvSpPr>
+      <dsp:spPr>
+        <a:xfrm rot="5400000">
+          <a:off x="4094963" y="2828456"/>
+          <a:ext cx="775732" cy="883144"/>
+        </a:xfrm>
+        <a:prstGeom prst="bentUpArrow">
+          <a:avLst>
+            <a:gd name="adj1" fmla="val 32840"/>
+            <a:gd name="adj2" fmla="val 25000"/>
+            <a:gd name="adj3" fmla="val 35780"/>
+          </a:avLst>
+        </a:prstGeom>
+        <a:solidFill>
+          <a:schemeClr val="dk2">
+            <a:tint val="50000"/>
+            <a:hueOff val="0"/>
+            <a:satOff val="0"/>
+            <a:lumOff val="0"/>
+            <a:alphaOff val="0"/>
+          </a:schemeClr>
+        </a:solidFill>
+        <a:ln w="19050" cap="rnd" cmpd="sng" algn="ctr">
+          <a:solidFill>
+            <a:schemeClr val="dk2">
+              <a:shade val="80000"/>
+              <a:hueOff val="0"/>
+              <a:satOff val="0"/>
+              <a:lumOff val="0"/>
+              <a:alphaOff val="0"/>
+            </a:schemeClr>
+          </a:solidFill>
+          <a:prstDash val="solid"/>
+        </a:ln>
+        <a:effectLst/>
+      </dsp:spPr>
+      <dsp:style>
+        <a:lnRef idx="2">
+          <a:scrgbClr r="0" g="0" b="0"/>
+        </a:lnRef>
+        <a:fillRef idx="1">
+          <a:scrgbClr r="0" g="0" b="0"/>
+        </a:fillRef>
+        <a:effectRef idx="0">
+          <a:scrgbClr r="0" g="0" b="0"/>
+        </a:effectRef>
+        <a:fontRef idx="minor"/>
+      </dsp:style>
     </dsp:sp>
     <dsp:sp modelId="{5B9741FF-6FA9-4FBF-AF78-BD8E8D06D574}">
       <dsp:nvSpPr>
@@ -1787,8 +2863,8 @@
       </dsp:nvSpPr>
       <dsp:spPr>
         <a:xfrm>
-          <a:off x="5892124" y="3260501"/>
-          <a:ext cx="3263804" cy="1349106"/>
+          <a:off x="3415578" y="2043001"/>
+          <a:ext cx="3226326" cy="797107"/>
         </a:xfrm>
         <a:prstGeom prst="roundRect">
           <a:avLst>
@@ -1870,19 +2946,19 @@
         </a:p>
       </dsp:txBody>
       <dsp:txXfrm>
-        <a:off x="5957994" y="3326371"/>
-        <a:ext cx="3132064" cy="1217366"/>
+        <a:off x="3454497" y="2081920"/>
+        <a:ext cx="3148488" cy="719269"/>
       </dsp:txXfrm>
     </dsp:sp>
-    <dsp:sp modelId="{39A2C4B4-D988-4263-902A-FDBB1806567C}">
+    <dsp:sp modelId="{066685B2-0032-4D27-935D-CBD011AAF316}">
       <dsp:nvSpPr>
         <dsp:cNvPr id="0" name=""/>
         <dsp:cNvSpPr/>
       </dsp:nvSpPr>
       <dsp:spPr>
         <a:xfrm>
-          <a:off x="9183394" y="3337353"/>
-          <a:ext cx="1684408" cy="1250409"/>
+          <a:off x="5883137" y="2071349"/>
+          <a:ext cx="949770" cy="738793"/>
         </a:xfrm>
         <a:prstGeom prst="rect">
           <a:avLst/>
@@ -1905,13 +2981,117 @@
         </a:effectRef>
         <a:fontRef idx="minor"/>
       </dsp:style>
+    </dsp:sp>
+    <dsp:sp modelId="{71435524-55CE-416E-A013-EC13344992D7}">
+      <dsp:nvSpPr>
+        <dsp:cNvPr id="0" name=""/>
+        <dsp:cNvSpPr/>
+      </dsp:nvSpPr>
+      <dsp:spPr>
+        <a:xfrm rot="5400000">
+          <a:off x="5705756" y="3821710"/>
+          <a:ext cx="775732" cy="883144"/>
+        </a:xfrm>
+        <a:prstGeom prst="bentUpArrow">
+          <a:avLst>
+            <a:gd name="adj1" fmla="val 32840"/>
+            <a:gd name="adj2" fmla="val 25000"/>
+            <a:gd name="adj3" fmla="val 35780"/>
+          </a:avLst>
+        </a:prstGeom>
+        <a:solidFill>
+          <a:schemeClr val="dk2">
+            <a:tint val="50000"/>
+            <a:hueOff val="0"/>
+            <a:satOff val="0"/>
+            <a:lumOff val="0"/>
+            <a:alphaOff val="0"/>
+          </a:schemeClr>
+        </a:solidFill>
+        <a:ln w="19050" cap="rnd" cmpd="sng" algn="ctr">
+          <a:solidFill>
+            <a:schemeClr val="dk2">
+              <a:shade val="80000"/>
+              <a:hueOff val="0"/>
+              <a:satOff val="0"/>
+              <a:lumOff val="0"/>
+              <a:alphaOff val="0"/>
+            </a:schemeClr>
+          </a:solidFill>
+          <a:prstDash val="solid"/>
+        </a:ln>
+        <a:effectLst/>
+      </dsp:spPr>
+      <dsp:style>
+        <a:lnRef idx="2">
+          <a:scrgbClr r="0" g="0" b="0"/>
+        </a:lnRef>
+        <a:fillRef idx="1">
+          <a:scrgbClr r="0" g="0" b="0"/>
+        </a:fillRef>
+        <a:effectRef idx="0">
+          <a:scrgbClr r="0" g="0" b="0"/>
+        </a:effectRef>
+        <a:fontRef idx="minor"/>
+      </dsp:style>
+    </dsp:sp>
+    <dsp:sp modelId="{8E53BCF3-3ECE-479E-99D9-CA92F7A3F707}">
+      <dsp:nvSpPr>
+        <dsp:cNvPr id="0" name=""/>
+        <dsp:cNvSpPr/>
+      </dsp:nvSpPr>
+      <dsp:spPr>
+        <a:xfrm>
+          <a:off x="4989329" y="3010354"/>
+          <a:ext cx="3448469" cy="797107"/>
+        </a:xfrm>
+        <a:prstGeom prst="roundRect">
+          <a:avLst>
+            <a:gd name="adj" fmla="val 16670"/>
+          </a:avLst>
+        </a:prstGeom>
+        <a:solidFill>
+          <a:schemeClr val="dk2">
+            <a:hueOff val="0"/>
+            <a:satOff val="0"/>
+            <a:lumOff val="0"/>
+            <a:alphaOff val="0"/>
+          </a:schemeClr>
+        </a:solidFill>
+        <a:ln w="19050" cap="rnd" cmpd="sng" algn="ctr">
+          <a:solidFill>
+            <a:schemeClr val="lt2">
+              <a:hueOff val="0"/>
+              <a:satOff val="0"/>
+              <a:lumOff val="0"/>
+              <a:alphaOff val="0"/>
+            </a:schemeClr>
+          </a:solidFill>
+          <a:prstDash val="solid"/>
+        </a:ln>
+        <a:effectLst/>
+      </dsp:spPr>
+      <dsp:style>
+        <a:lnRef idx="2">
+          <a:scrgbClr r="0" g="0" b="0"/>
+        </a:lnRef>
+        <a:fillRef idx="1">
+          <a:scrgbClr r="0" g="0" b="0"/>
+        </a:fillRef>
+        <a:effectRef idx="0">
+          <a:scrgbClr r="0" g="0" b="0"/>
+        </a:effectRef>
+        <a:fontRef idx="minor">
+          <a:schemeClr val="lt1"/>
+        </a:fontRef>
+      </dsp:style>
       <dsp:txBody>
-        <a:bodyPr spcFirstLastPara="0" vert="horz" wrap="square" lIns="91440" tIns="91440" rIns="91440" bIns="91440" numCol="1" spcCol="1270" anchor="ctr" anchorCtr="0">
+        <a:bodyPr spcFirstLastPara="0" vert="horz" wrap="square" lIns="83820" tIns="83820" rIns="83820" bIns="83820" numCol="1" spcCol="1270" anchor="ctr" anchorCtr="0">
           <a:noAutofit/>
         </a:bodyPr>
         <a:lstStyle/>
         <a:p>
-          <a:pPr marL="228600" lvl="1" indent="-228600" algn="l" defTabSz="1066800">
+          <a:pPr marL="0" lvl="0" indent="0" algn="ctr" defTabSz="977900">
             <a:lnSpc>
               <a:spcPct val="90000"/>
             </a:lnSpc>
@@ -1919,25 +3099,767 @@
               <a:spcPct val="0"/>
             </a:spcBef>
             <a:spcAft>
-              <a:spcPct val="15000"/>
+              <a:spcPct val="35000"/>
             </a:spcAft>
-            <a:buFontTx/>
             <a:buNone/>
           </a:pPr>
           <a:r>
-            <a:rPr lang="en-US" sz="2400" kern="1200" dirty="0">
-              <a:solidFill>
-                <a:schemeClr val="bg1"/>
-              </a:solidFill>
+            <a:rPr lang="en-US" sz="2200" b="1" kern="1200" dirty="0">
+              <a:effectLst>
+                <a:outerShdw blurRad="38100" dist="38100" dir="2700000" algn="tl">
+                  <a:srgbClr val="000000">
+                    <a:alpha val="43137"/>
+                  </a:srgbClr>
+                </a:outerShdw>
+              </a:effectLst>
               <a:latin typeface="Questrial" panose="02000000000000000000"/>
             </a:rPr>
-            <a:t>export data by borough</a:t>
+            <a:t>Combined sales </a:t>
+          </a:r>
+          <a:r>
+            <a:rPr lang="en-US" sz="2200" b="1" kern="1200" dirty="0" err="1">
+              <a:effectLst>
+                <a:outerShdw blurRad="38100" dist="38100" dir="2700000" algn="tl">
+                  <a:srgbClr val="000000">
+                    <a:alpha val="43137"/>
+                  </a:srgbClr>
+                </a:outerShdw>
+              </a:effectLst>
+              <a:latin typeface="Questrial" panose="02000000000000000000"/>
+            </a:rPr>
+            <a:t>dataframe</a:t>
+          </a:r>
+          <a:endParaRPr lang="en-US" sz="2200" kern="1200" dirty="0">
+            <a:latin typeface="Questrial" panose="02000000000000000000"/>
+          </a:endParaRPr>
+        </a:p>
+      </dsp:txBody>
+      <dsp:txXfrm>
+        <a:off x="5028248" y="3049273"/>
+        <a:ext cx="3370631" cy="719269"/>
+      </dsp:txXfrm>
+    </dsp:sp>
+    <dsp:sp modelId="{4EE13A61-1429-43F1-AC66-CE44DFF3FB70}">
+      <dsp:nvSpPr>
+        <dsp:cNvPr id="0" name=""/>
+        <dsp:cNvSpPr/>
+      </dsp:nvSpPr>
+      <dsp:spPr>
+        <a:xfrm>
+          <a:off x="7786798" y="3039671"/>
+          <a:ext cx="949770" cy="738793"/>
+        </a:xfrm>
+        <a:prstGeom prst="rect">
+          <a:avLst/>
+        </a:prstGeom>
+        <a:noFill/>
+        <a:ln>
+          <a:noFill/>
+        </a:ln>
+        <a:effectLst/>
+      </dsp:spPr>
+      <dsp:style>
+        <a:lnRef idx="0">
+          <a:scrgbClr r="0" g="0" b="0"/>
+        </a:lnRef>
+        <a:fillRef idx="0">
+          <a:scrgbClr r="0" g="0" b="0"/>
+        </a:fillRef>
+        <a:effectRef idx="0">
+          <a:scrgbClr r="0" g="0" b="0"/>
+        </a:effectRef>
+        <a:fontRef idx="minor"/>
+      </dsp:style>
+    </dsp:sp>
+    <dsp:sp modelId="{C012FD27-6483-4A1B-ACE9-F9990CC4B970}">
+      <dsp:nvSpPr>
+        <dsp:cNvPr id="0" name=""/>
+        <dsp:cNvSpPr/>
+      </dsp:nvSpPr>
+      <dsp:spPr>
+        <a:xfrm>
+          <a:off x="6646877" y="3956199"/>
+          <a:ext cx="3802897" cy="797107"/>
+        </a:xfrm>
+        <a:prstGeom prst="roundRect">
+          <a:avLst>
+            <a:gd name="adj" fmla="val 16670"/>
+          </a:avLst>
+        </a:prstGeom>
+        <a:solidFill>
+          <a:schemeClr val="dk2">
+            <a:hueOff val="0"/>
+            <a:satOff val="0"/>
+            <a:lumOff val="0"/>
+            <a:alphaOff val="0"/>
+          </a:schemeClr>
+        </a:solidFill>
+        <a:ln w="19050" cap="rnd" cmpd="sng" algn="ctr">
+          <a:solidFill>
+            <a:schemeClr val="lt2">
+              <a:hueOff val="0"/>
+              <a:satOff val="0"/>
+              <a:lumOff val="0"/>
+              <a:alphaOff val="0"/>
+            </a:schemeClr>
+          </a:solidFill>
+          <a:prstDash val="solid"/>
+        </a:ln>
+        <a:effectLst/>
+      </dsp:spPr>
+      <dsp:style>
+        <a:lnRef idx="2">
+          <a:scrgbClr r="0" g="0" b="0"/>
+        </a:lnRef>
+        <a:fillRef idx="1">
+          <a:scrgbClr r="0" g="0" b="0"/>
+        </a:fillRef>
+        <a:effectRef idx="0">
+          <a:scrgbClr r="0" g="0" b="0"/>
+        </a:effectRef>
+        <a:fontRef idx="minor">
+          <a:schemeClr val="lt1"/>
+        </a:fontRef>
+      </dsp:style>
+      <dsp:txBody>
+        <a:bodyPr spcFirstLastPara="0" vert="horz" wrap="square" lIns="83820" tIns="83820" rIns="83820" bIns="83820" numCol="1" spcCol="1270" anchor="ctr" anchorCtr="0">
+          <a:noAutofit/>
+        </a:bodyPr>
+        <a:lstStyle/>
+        <a:p>
+          <a:pPr marL="0" lvl="0" indent="0" algn="ctr" defTabSz="977900">
+            <a:lnSpc>
+              <a:spcPct val="90000"/>
+            </a:lnSpc>
+            <a:spcBef>
+              <a:spcPct val="0"/>
+            </a:spcBef>
+            <a:spcAft>
+              <a:spcPct val="35000"/>
+            </a:spcAft>
+            <a:buNone/>
+          </a:pPr>
+          <a:r>
+            <a:rPr lang="en-US" sz="2200" b="1" kern="1200" dirty="0">
+              <a:latin typeface="Questrial" panose="02000000000000000000"/>
+            </a:rPr>
+            <a:t>Calculated sales metrics</a:t>
           </a:r>
         </a:p>
       </dsp:txBody>
       <dsp:txXfrm>
-        <a:off x="9183394" y="3337353"/>
-        <a:ext cx="1684408" cy="1250409"/>
+        <a:off x="6685796" y="3995118"/>
+        <a:ext cx="3725059" cy="719269"/>
+      </dsp:txXfrm>
+    </dsp:sp>
+  </dsp:spTree>
+</dsp:drawing>
+</file>
+
+<file path=ppt/diagrams/drawing2.xml><?xml version="1.0" encoding="utf-8"?>
+<dsp:drawing xmlns:dgm="http://schemas.openxmlformats.org/drawingml/2006/diagram" xmlns:dsp="http://schemas.microsoft.com/office/drawing/2008/diagram" xmlns:a="http://schemas.openxmlformats.org/drawingml/2006/main">
+  <dsp:spTree>
+    <dsp:nvGrpSpPr>
+      <dsp:cNvPr id="0" name=""/>
+      <dsp:cNvGrpSpPr/>
+    </dsp:nvGrpSpPr>
+    <dsp:grpSpPr/>
+    <dsp:sp modelId="{EF1439CA-CDE0-45DB-8D3D-F1704EAC71C2}">
+      <dsp:nvSpPr>
+        <dsp:cNvPr id="0" name=""/>
+        <dsp:cNvSpPr/>
+      </dsp:nvSpPr>
+      <dsp:spPr>
+        <a:xfrm rot="5400000">
+          <a:off x="955133" y="1207856"/>
+          <a:ext cx="933441" cy="1062690"/>
+        </a:xfrm>
+        <a:prstGeom prst="bentUpArrow">
+          <a:avLst>
+            <a:gd name="adj1" fmla="val 32840"/>
+            <a:gd name="adj2" fmla="val 25000"/>
+            <a:gd name="adj3" fmla="val 35780"/>
+          </a:avLst>
+        </a:prstGeom>
+        <a:solidFill>
+          <a:schemeClr val="dk2">
+            <a:tint val="50000"/>
+            <a:hueOff val="0"/>
+            <a:satOff val="0"/>
+            <a:lumOff val="0"/>
+            <a:alphaOff val="0"/>
+          </a:schemeClr>
+        </a:solidFill>
+        <a:ln w="19050" cap="rnd" cmpd="sng" algn="ctr">
+          <a:solidFill>
+            <a:schemeClr val="dk2">
+              <a:shade val="80000"/>
+              <a:hueOff val="0"/>
+              <a:satOff val="0"/>
+              <a:lumOff val="0"/>
+              <a:alphaOff val="0"/>
+            </a:schemeClr>
+          </a:solidFill>
+          <a:prstDash val="solid"/>
+        </a:ln>
+        <a:effectLst/>
+      </dsp:spPr>
+      <dsp:style>
+        <a:lnRef idx="2">
+          <a:scrgbClr r="0" g="0" b="0"/>
+        </a:lnRef>
+        <a:fillRef idx="1">
+          <a:scrgbClr r="0" g="0" b="0"/>
+        </a:fillRef>
+        <a:effectRef idx="0">
+          <a:scrgbClr r="0" g="0" b="0"/>
+        </a:effectRef>
+        <a:fontRef idx="minor"/>
+      </dsp:style>
+    </dsp:sp>
+    <dsp:sp modelId="{5E81B5D2-B089-4B78-9EB8-5432B35A7A8E}">
+      <dsp:nvSpPr>
+        <dsp:cNvPr id="0" name=""/>
+        <dsp:cNvSpPr/>
+      </dsp:nvSpPr>
+      <dsp:spPr>
+        <a:xfrm>
+          <a:off x="0" y="159321"/>
+          <a:ext cx="3568558" cy="993951"/>
+        </a:xfrm>
+        <a:prstGeom prst="roundRect">
+          <a:avLst>
+            <a:gd name="adj" fmla="val 16670"/>
+          </a:avLst>
+        </a:prstGeom>
+        <a:solidFill>
+          <a:schemeClr val="dk2">
+            <a:hueOff val="0"/>
+            <a:satOff val="0"/>
+            <a:lumOff val="0"/>
+            <a:alphaOff val="0"/>
+          </a:schemeClr>
+        </a:solidFill>
+        <a:ln w="19050" cap="rnd" cmpd="sng" algn="ctr">
+          <a:solidFill>
+            <a:schemeClr val="lt2">
+              <a:hueOff val="0"/>
+              <a:satOff val="0"/>
+              <a:lumOff val="0"/>
+              <a:alphaOff val="0"/>
+            </a:schemeClr>
+          </a:solidFill>
+          <a:prstDash val="solid"/>
+        </a:ln>
+        <a:effectLst/>
+      </dsp:spPr>
+      <dsp:style>
+        <a:lnRef idx="2">
+          <a:scrgbClr r="0" g="0" b="0"/>
+        </a:lnRef>
+        <a:fillRef idx="1">
+          <a:scrgbClr r="0" g="0" b="0"/>
+        </a:fillRef>
+        <a:effectRef idx="0">
+          <a:scrgbClr r="0" g="0" b="0"/>
+        </a:effectRef>
+        <a:fontRef idx="minor">
+          <a:schemeClr val="lt1"/>
+        </a:fontRef>
+      </dsp:style>
+      <dsp:txBody>
+        <a:bodyPr spcFirstLastPara="0" vert="horz" wrap="square" lIns="121920" tIns="121920" rIns="121920" bIns="121920" numCol="1" spcCol="1270" anchor="ctr" anchorCtr="0">
+          <a:noAutofit/>
+        </a:bodyPr>
+        <a:lstStyle/>
+        <a:p>
+          <a:pPr marL="0" lvl="0" indent="0" algn="ctr" defTabSz="1422400">
+            <a:lnSpc>
+              <a:spcPct val="90000"/>
+            </a:lnSpc>
+            <a:spcBef>
+              <a:spcPct val="0"/>
+            </a:spcBef>
+            <a:spcAft>
+              <a:spcPct val="35000"/>
+            </a:spcAft>
+            <a:buNone/>
+          </a:pPr>
+          <a:r>
+            <a:rPr lang="en-US" sz="3200" b="1" kern="1200" dirty="0">
+              <a:effectLst>
+                <a:outerShdw blurRad="38100" dist="38100" dir="2700000" algn="tl">
+                  <a:srgbClr val="000000">
+                    <a:alpha val="43137"/>
+                  </a:srgbClr>
+                </a:outerShdw>
+              </a:effectLst>
+              <a:latin typeface="Questrial" panose="02000000000000000000"/>
+            </a:rPr>
+            <a:t>OPEN DATA API</a:t>
+          </a:r>
+          <a:endParaRPr lang="en-US" sz="3200" b="1" kern="1200" dirty="0">
+            <a:latin typeface="Questrial" panose="02000000000000000000"/>
+          </a:endParaRPr>
+        </a:p>
+      </dsp:txBody>
+      <dsp:txXfrm>
+        <a:off x="48529" y="207850"/>
+        <a:ext cx="3471500" cy="896893"/>
+      </dsp:txXfrm>
+    </dsp:sp>
+    <dsp:sp modelId="{AECF62EF-64C5-4DBD-B200-BCE68A395269}">
+      <dsp:nvSpPr>
+        <dsp:cNvPr id="0" name=""/>
+        <dsp:cNvSpPr/>
+      </dsp:nvSpPr>
+      <dsp:spPr>
+        <a:xfrm>
+          <a:off x="2607714" y="154640"/>
+          <a:ext cx="2624366" cy="888992"/>
+        </a:xfrm>
+        <a:prstGeom prst="rect">
+          <a:avLst/>
+        </a:prstGeom>
+        <a:noFill/>
+        <a:ln>
+          <a:noFill/>
+        </a:ln>
+        <a:effectLst/>
+      </dsp:spPr>
+      <dsp:style>
+        <a:lnRef idx="0">
+          <a:scrgbClr r="0" g="0" b="0"/>
+        </a:lnRef>
+        <a:fillRef idx="0">
+          <a:scrgbClr r="0" g="0" b="0"/>
+        </a:fillRef>
+        <a:effectRef idx="0">
+          <a:scrgbClr r="0" g="0" b="0"/>
+        </a:effectRef>
+        <a:fontRef idx="minor"/>
+      </dsp:style>
+    </dsp:sp>
+    <dsp:sp modelId="{1D229A78-2F52-4E53-95D9-1CE10743129F}">
+      <dsp:nvSpPr>
+        <dsp:cNvPr id="0" name=""/>
+        <dsp:cNvSpPr/>
+      </dsp:nvSpPr>
+      <dsp:spPr>
+        <a:xfrm rot="5400000">
+          <a:off x="2818537" y="2422924"/>
+          <a:ext cx="933441" cy="1062690"/>
+        </a:xfrm>
+        <a:prstGeom prst="bentUpArrow">
+          <a:avLst>
+            <a:gd name="adj1" fmla="val 32840"/>
+            <a:gd name="adj2" fmla="val 25000"/>
+            <a:gd name="adj3" fmla="val 35780"/>
+          </a:avLst>
+        </a:prstGeom>
+        <a:solidFill>
+          <a:schemeClr val="dk2">
+            <a:tint val="50000"/>
+            <a:hueOff val="0"/>
+            <a:satOff val="0"/>
+            <a:lumOff val="0"/>
+            <a:alphaOff val="0"/>
+          </a:schemeClr>
+        </a:solidFill>
+        <a:ln w="19050" cap="rnd" cmpd="sng" algn="ctr">
+          <a:solidFill>
+            <a:schemeClr val="dk2">
+              <a:shade val="80000"/>
+              <a:hueOff val="0"/>
+              <a:satOff val="0"/>
+              <a:lumOff val="0"/>
+              <a:alphaOff val="0"/>
+            </a:schemeClr>
+          </a:solidFill>
+          <a:prstDash val="solid"/>
+        </a:ln>
+        <a:effectLst/>
+      </dsp:spPr>
+      <dsp:style>
+        <a:lnRef idx="2">
+          <a:scrgbClr r="0" g="0" b="0"/>
+        </a:lnRef>
+        <a:fillRef idx="1">
+          <a:scrgbClr r="0" g="0" b="0"/>
+        </a:fillRef>
+        <a:effectRef idx="0">
+          <a:scrgbClr r="0" g="0" b="0"/>
+        </a:effectRef>
+        <a:fontRef idx="minor"/>
+      </dsp:style>
+    </dsp:sp>
+    <dsp:sp modelId="{D62DD6A4-A238-4782-8FED-F742C3E33E47}">
+      <dsp:nvSpPr>
+        <dsp:cNvPr id="0" name=""/>
+        <dsp:cNvSpPr/>
+      </dsp:nvSpPr>
+      <dsp:spPr>
+        <a:xfrm>
+          <a:off x="2046998" y="1419972"/>
+          <a:ext cx="2465505" cy="1001409"/>
+        </a:xfrm>
+        <a:prstGeom prst="roundRect">
+          <a:avLst>
+            <a:gd name="adj" fmla="val 16670"/>
+          </a:avLst>
+        </a:prstGeom>
+        <a:solidFill>
+          <a:schemeClr val="dk2">
+            <a:hueOff val="0"/>
+            <a:satOff val="0"/>
+            <a:lumOff val="0"/>
+            <a:alphaOff val="0"/>
+          </a:schemeClr>
+        </a:solidFill>
+        <a:ln w="19050" cap="rnd" cmpd="sng" algn="ctr">
+          <a:solidFill>
+            <a:schemeClr val="lt2">
+              <a:hueOff val="0"/>
+              <a:satOff val="0"/>
+              <a:lumOff val="0"/>
+              <a:alphaOff val="0"/>
+            </a:schemeClr>
+          </a:solidFill>
+          <a:prstDash val="solid"/>
+        </a:ln>
+        <a:effectLst/>
+      </dsp:spPr>
+      <dsp:style>
+        <a:lnRef idx="2">
+          <a:scrgbClr r="0" g="0" b="0"/>
+        </a:lnRef>
+        <a:fillRef idx="1">
+          <a:scrgbClr r="0" g="0" b="0"/>
+        </a:fillRef>
+        <a:effectRef idx="0">
+          <a:scrgbClr r="0" g="0" b="0"/>
+        </a:effectRef>
+        <a:fontRef idx="minor">
+          <a:schemeClr val="lt1"/>
+        </a:fontRef>
+      </dsp:style>
+      <dsp:txBody>
+        <a:bodyPr spcFirstLastPara="0" vert="horz" wrap="square" lIns="121920" tIns="121920" rIns="121920" bIns="121920" numCol="1" spcCol="1270" anchor="ctr" anchorCtr="0">
+          <a:noAutofit/>
+        </a:bodyPr>
+        <a:lstStyle/>
+        <a:p>
+          <a:pPr marL="0" lvl="0" indent="0" algn="ctr" defTabSz="1422400">
+            <a:lnSpc>
+              <a:spcPct val="90000"/>
+            </a:lnSpc>
+            <a:spcBef>
+              <a:spcPct val="0"/>
+            </a:spcBef>
+            <a:spcAft>
+              <a:spcPct val="35000"/>
+            </a:spcAft>
+            <a:buNone/>
+          </a:pPr>
+          <a:r>
+            <a:rPr lang="en-US" sz="3200" b="1" kern="1200" dirty="0" err="1">
+              <a:latin typeface="Questrial" panose="02000000000000000000"/>
+            </a:rPr>
+            <a:t>Dataframe</a:t>
+          </a:r>
+          <a:endParaRPr lang="en-US" sz="3200" b="1" kern="1200" dirty="0">
+            <a:latin typeface="Questrial" panose="02000000000000000000"/>
+          </a:endParaRPr>
+        </a:p>
+      </dsp:txBody>
+      <dsp:txXfrm>
+        <a:off x="2095892" y="1468866"/>
+        <a:ext cx="2367717" cy="903621"/>
+      </dsp:txXfrm>
+    </dsp:sp>
+    <dsp:sp modelId="{D982D841-0F4E-4194-BA6E-8265C0EE41E6}">
+      <dsp:nvSpPr>
+        <dsp:cNvPr id="0" name=""/>
+        <dsp:cNvSpPr/>
+      </dsp:nvSpPr>
+      <dsp:spPr>
+        <a:xfrm>
+          <a:off x="4636673" y="1315853"/>
+          <a:ext cx="2587474" cy="888992"/>
+        </a:xfrm>
+        <a:prstGeom prst="rect">
+          <a:avLst/>
+        </a:prstGeom>
+        <a:noFill/>
+        <a:ln>
+          <a:noFill/>
+        </a:ln>
+        <a:effectLst/>
+      </dsp:spPr>
+      <dsp:style>
+        <a:lnRef idx="0">
+          <a:scrgbClr r="0" g="0" b="0"/>
+        </a:lnRef>
+        <a:fillRef idx="0">
+          <a:scrgbClr r="0" g="0" b="0"/>
+        </a:fillRef>
+        <a:effectRef idx="0">
+          <a:scrgbClr r="0" g="0" b="0"/>
+        </a:effectRef>
+        <a:fontRef idx="minor"/>
+      </dsp:style>
+    </dsp:sp>
+    <dsp:sp modelId="{8B8E9322-E249-4967-B1BF-13EB8B4F2898}">
+      <dsp:nvSpPr>
+        <dsp:cNvPr id="0" name=""/>
+        <dsp:cNvSpPr/>
+      </dsp:nvSpPr>
+      <dsp:spPr>
+        <a:xfrm rot="5400000">
+          <a:off x="5248610" y="3626595"/>
+          <a:ext cx="933441" cy="1062690"/>
+        </a:xfrm>
+        <a:prstGeom prst="bentUpArrow">
+          <a:avLst>
+            <a:gd name="adj1" fmla="val 32840"/>
+            <a:gd name="adj2" fmla="val 25000"/>
+            <a:gd name="adj3" fmla="val 35780"/>
+          </a:avLst>
+        </a:prstGeom>
+        <a:solidFill>
+          <a:schemeClr val="dk2">
+            <a:tint val="50000"/>
+            <a:hueOff val="0"/>
+            <a:satOff val="0"/>
+            <a:lumOff val="0"/>
+            <a:alphaOff val="0"/>
+          </a:schemeClr>
+        </a:solidFill>
+        <a:ln w="19050" cap="rnd" cmpd="sng" algn="ctr">
+          <a:solidFill>
+            <a:schemeClr val="dk2">
+              <a:shade val="80000"/>
+              <a:hueOff val="0"/>
+              <a:satOff val="0"/>
+              <a:lumOff val="0"/>
+              <a:alphaOff val="0"/>
+            </a:schemeClr>
+          </a:solidFill>
+          <a:prstDash val="solid"/>
+        </a:ln>
+        <a:effectLst/>
+      </dsp:spPr>
+      <dsp:style>
+        <a:lnRef idx="2">
+          <a:scrgbClr r="0" g="0" b="0"/>
+        </a:lnRef>
+        <a:fillRef idx="1">
+          <a:scrgbClr r="0" g="0" b="0"/>
+        </a:fillRef>
+        <a:effectRef idx="0">
+          <a:scrgbClr r="0" g="0" b="0"/>
+        </a:effectRef>
+        <a:fontRef idx="minor"/>
+      </dsp:style>
+    </dsp:sp>
+    <dsp:sp modelId="{5B9741FF-6FA9-4FBF-AF78-BD8E8D06D574}">
+      <dsp:nvSpPr>
+        <dsp:cNvPr id="0" name=""/>
+        <dsp:cNvSpPr/>
+      </dsp:nvSpPr>
+      <dsp:spPr>
+        <a:xfrm>
+          <a:off x="3869389" y="2613134"/>
+          <a:ext cx="5886497" cy="959161"/>
+        </a:xfrm>
+        <a:prstGeom prst="roundRect">
+          <a:avLst>
+            <a:gd name="adj" fmla="val 16670"/>
+          </a:avLst>
+        </a:prstGeom>
+        <a:solidFill>
+          <a:schemeClr val="dk2">
+            <a:hueOff val="0"/>
+            <a:satOff val="0"/>
+            <a:lumOff val="0"/>
+            <a:alphaOff val="0"/>
+          </a:schemeClr>
+        </a:solidFill>
+        <a:ln w="19050" cap="rnd" cmpd="sng" algn="ctr">
+          <a:solidFill>
+            <a:schemeClr val="lt2">
+              <a:hueOff val="0"/>
+              <a:satOff val="0"/>
+              <a:lumOff val="0"/>
+              <a:alphaOff val="0"/>
+            </a:schemeClr>
+          </a:solidFill>
+          <a:prstDash val="solid"/>
+        </a:ln>
+        <a:effectLst/>
+      </dsp:spPr>
+      <dsp:style>
+        <a:lnRef idx="2">
+          <a:scrgbClr r="0" g="0" b="0"/>
+        </a:lnRef>
+        <a:fillRef idx="1">
+          <a:scrgbClr r="0" g="0" b="0"/>
+        </a:fillRef>
+        <a:effectRef idx="0">
+          <a:scrgbClr r="0" g="0" b="0"/>
+        </a:effectRef>
+        <a:fontRef idx="minor">
+          <a:schemeClr val="lt1"/>
+        </a:fontRef>
+      </dsp:style>
+      <dsp:txBody>
+        <a:bodyPr spcFirstLastPara="0" vert="horz" wrap="square" lIns="121920" tIns="121920" rIns="121920" bIns="121920" numCol="1" spcCol="1270" anchor="ctr" anchorCtr="0">
+          <a:noAutofit/>
+        </a:bodyPr>
+        <a:lstStyle/>
+        <a:p>
+          <a:pPr marL="0" lvl="0" indent="0" algn="ctr" defTabSz="1422400">
+            <a:lnSpc>
+              <a:spcPct val="90000"/>
+            </a:lnSpc>
+            <a:spcBef>
+              <a:spcPct val="0"/>
+            </a:spcBef>
+            <a:spcAft>
+              <a:spcPct val="35000"/>
+            </a:spcAft>
+            <a:buNone/>
+          </a:pPr>
+          <a:r>
+            <a:rPr lang="en-US" sz="3200" b="1" kern="1200" dirty="0" err="1">
+              <a:latin typeface="Questrial" panose="02000000000000000000"/>
+            </a:rPr>
+            <a:t>Dataframe</a:t>
+          </a:r>
+          <a:r>
+            <a:rPr lang="en-US" sz="3200" b="1" kern="1200" dirty="0">
+              <a:latin typeface="Questrial" panose="02000000000000000000"/>
+            </a:rPr>
+            <a:t> with Neighborhood</a:t>
+          </a:r>
+        </a:p>
+      </dsp:txBody>
+      <dsp:txXfrm>
+        <a:off x="3916220" y="2659965"/>
+        <a:ext cx="5792835" cy="865499"/>
+      </dsp:txXfrm>
+    </dsp:sp>
+    <dsp:sp modelId="{066685B2-0032-4D27-935D-CBD011AAF316}">
+      <dsp:nvSpPr>
+        <dsp:cNvPr id="0" name=""/>
+        <dsp:cNvSpPr/>
+      </dsp:nvSpPr>
+      <dsp:spPr>
+        <a:xfrm>
+          <a:off x="7999232" y="2583432"/>
+          <a:ext cx="1142862" cy="888992"/>
+        </a:xfrm>
+        <a:prstGeom prst="rect">
+          <a:avLst/>
+        </a:prstGeom>
+        <a:noFill/>
+        <a:ln>
+          <a:noFill/>
+        </a:ln>
+        <a:effectLst/>
+      </dsp:spPr>
+      <dsp:style>
+        <a:lnRef idx="0">
+          <a:scrgbClr r="0" g="0" b="0"/>
+        </a:lnRef>
+        <a:fillRef idx="0">
+          <a:scrgbClr r="0" g="0" b="0"/>
+        </a:fillRef>
+        <a:effectRef idx="0">
+          <a:scrgbClr r="0" g="0" b="0"/>
+        </a:effectRef>
+        <a:fontRef idx="minor"/>
+      </dsp:style>
+    </dsp:sp>
+    <dsp:sp modelId="{8E53BCF3-3ECE-479E-99D9-CA92F7A3F707}">
+      <dsp:nvSpPr>
+        <dsp:cNvPr id="0" name=""/>
+        <dsp:cNvSpPr/>
+      </dsp:nvSpPr>
+      <dsp:spPr>
+        <a:xfrm>
+          <a:off x="6302978" y="3807312"/>
+          <a:ext cx="4618451" cy="959161"/>
+        </a:xfrm>
+        <a:prstGeom prst="roundRect">
+          <a:avLst>
+            <a:gd name="adj" fmla="val 16670"/>
+          </a:avLst>
+        </a:prstGeom>
+        <a:solidFill>
+          <a:schemeClr val="dk2">
+            <a:hueOff val="0"/>
+            <a:satOff val="0"/>
+            <a:lumOff val="0"/>
+            <a:alphaOff val="0"/>
+          </a:schemeClr>
+        </a:solidFill>
+        <a:ln w="19050" cap="rnd" cmpd="sng" algn="ctr">
+          <a:solidFill>
+            <a:schemeClr val="lt2">
+              <a:hueOff val="0"/>
+              <a:satOff val="0"/>
+              <a:lumOff val="0"/>
+              <a:alphaOff val="0"/>
+            </a:schemeClr>
+          </a:solidFill>
+          <a:prstDash val="solid"/>
+        </a:ln>
+        <a:effectLst/>
+      </dsp:spPr>
+      <dsp:style>
+        <a:lnRef idx="2">
+          <a:scrgbClr r="0" g="0" b="0"/>
+        </a:lnRef>
+        <a:fillRef idx="1">
+          <a:scrgbClr r="0" g="0" b="0"/>
+        </a:fillRef>
+        <a:effectRef idx="0">
+          <a:scrgbClr r="0" g="0" b="0"/>
+        </a:effectRef>
+        <a:fontRef idx="minor">
+          <a:schemeClr val="lt1"/>
+        </a:fontRef>
+      </dsp:style>
+      <dsp:txBody>
+        <a:bodyPr spcFirstLastPara="0" vert="horz" wrap="square" lIns="95250" tIns="95250" rIns="95250" bIns="95250" numCol="1" spcCol="1270" anchor="ctr" anchorCtr="0">
+          <a:noAutofit/>
+        </a:bodyPr>
+        <a:lstStyle/>
+        <a:p>
+          <a:pPr marL="0" lvl="0" indent="0" algn="ctr" defTabSz="1111250">
+            <a:lnSpc>
+              <a:spcPct val="90000"/>
+            </a:lnSpc>
+            <a:spcBef>
+              <a:spcPct val="0"/>
+            </a:spcBef>
+            <a:spcAft>
+              <a:spcPct val="35000"/>
+            </a:spcAft>
+            <a:buNone/>
+          </a:pPr>
+          <a:r>
+            <a:rPr lang="en-US" sz="2500" b="1" kern="1200" dirty="0">
+              <a:latin typeface="Questrial" panose="02000000000000000000"/>
+            </a:rPr>
+            <a:t>Calculated development metrics</a:t>
+          </a:r>
+        </a:p>
+      </dsp:txBody>
+      <dsp:txXfrm>
+        <a:off x="6349809" y="3854143"/>
+        <a:ext cx="4524789" cy="865499"/>
       </dsp:txXfrm>
     </dsp:sp>
   </dsp:spTree>
@@ -1945,6 +3867,324 @@
 </file>
 
 <file path=ppt/diagrams/layout1.xml><?xml version="1.0" encoding="utf-8"?>
+<dgm:layoutDef xmlns:dgm="http://schemas.openxmlformats.org/drawingml/2006/diagram" xmlns:a="http://schemas.openxmlformats.org/drawingml/2006/main" uniqueId="urn:microsoft.com/office/officeart/2005/8/layout/StepDownProcess">
+  <dgm:title val=""/>
+  <dgm:desc val=""/>
+  <dgm:catLst>
+    <dgm:cat type="process" pri="1600"/>
+  </dgm:catLst>
+  <dgm:sampData>
+    <dgm:dataModel>
+      <dgm:ptLst>
+        <dgm:pt modelId="0" type="doc"/>
+        <dgm:pt modelId="10">
+          <dgm:prSet phldr="1"/>
+        </dgm:pt>
+        <dgm:pt modelId="11">
+          <dgm:prSet phldr="1"/>
+        </dgm:pt>
+        <dgm:pt modelId="20">
+          <dgm:prSet phldr="1"/>
+        </dgm:pt>
+        <dgm:pt modelId="21">
+          <dgm:prSet phldr="1"/>
+        </dgm:pt>
+        <dgm:pt modelId="30">
+          <dgm:prSet phldr="1"/>
+        </dgm:pt>
+        <dgm:pt modelId="31">
+          <dgm:prSet phldr="1"/>
+        </dgm:pt>
+      </dgm:ptLst>
+      <dgm:cxnLst>
+        <dgm:cxn modelId="60" srcId="0" destId="10" srcOrd="0" destOrd="0"/>
+        <dgm:cxn modelId="12" srcId="10" destId="11" srcOrd="0" destOrd="0"/>
+        <dgm:cxn modelId="70" srcId="0" destId="20" srcOrd="1" destOrd="0"/>
+        <dgm:cxn modelId="22" srcId="20" destId="21" srcOrd="0" destOrd="0"/>
+        <dgm:cxn modelId="80" srcId="0" destId="30" srcOrd="2" destOrd="0"/>
+        <dgm:cxn modelId="32" srcId="30" destId="31" srcOrd="0" destOrd="0"/>
+      </dgm:cxnLst>
+      <dgm:bg/>
+      <dgm:whole/>
+    </dgm:dataModel>
+  </dgm:sampData>
+  <dgm:styleData>
+    <dgm:dataModel>
+      <dgm:ptLst>
+        <dgm:pt modelId="0" type="doc"/>
+        <dgm:pt modelId="10">
+          <dgm:prSet phldr="1"/>
+        </dgm:pt>
+        <dgm:pt modelId="20">
+          <dgm:prSet phldr="1"/>
+        </dgm:pt>
+      </dgm:ptLst>
+      <dgm:cxnLst>
+        <dgm:cxn modelId="60" srcId="0" destId="10" srcOrd="0" destOrd="0"/>
+        <dgm:cxn modelId="70" srcId="0" destId="20" srcOrd="1" destOrd="0"/>
+      </dgm:cxnLst>
+      <dgm:bg/>
+      <dgm:whole/>
+    </dgm:dataModel>
+  </dgm:styleData>
+  <dgm:clrData>
+    <dgm:dataModel>
+      <dgm:ptLst>
+        <dgm:pt modelId="0" type="doc"/>
+        <dgm:pt modelId="10">
+          <dgm:prSet phldr="1"/>
+        </dgm:pt>
+        <dgm:pt modelId="20">
+          <dgm:prSet phldr="1"/>
+        </dgm:pt>
+        <dgm:pt modelId="30">
+          <dgm:prSet phldr="1"/>
+        </dgm:pt>
+        <dgm:pt modelId="40">
+          <dgm:prSet phldr="1"/>
+        </dgm:pt>
+      </dgm:ptLst>
+      <dgm:cxnLst>
+        <dgm:cxn modelId="60" srcId="0" destId="10" srcOrd="0" destOrd="0"/>
+        <dgm:cxn modelId="70" srcId="0" destId="20" srcOrd="1" destOrd="0"/>
+        <dgm:cxn modelId="80" srcId="0" destId="30" srcOrd="2" destOrd="0"/>
+        <dgm:cxn modelId="90" srcId="0" destId="40" srcOrd="3" destOrd="0"/>
+      </dgm:cxnLst>
+      <dgm:bg/>
+      <dgm:whole/>
+    </dgm:dataModel>
+  </dgm:clrData>
+  <dgm:layoutNode name="rootnode">
+    <dgm:varLst>
+      <dgm:chMax/>
+      <dgm:chPref/>
+      <dgm:dir/>
+      <dgm:animLvl val="lvl"/>
+    </dgm:varLst>
+    <dgm:choose name="Name0">
+      <dgm:if name="Name1" func="var" arg="dir" op="equ" val="norm">
+        <dgm:alg type="snake">
+          <dgm:param type="grDir" val="tL"/>
+          <dgm:param type="flowDir" val="row"/>
+          <dgm:param type="off" val="off"/>
+          <dgm:param type="bkpt" val="fixed"/>
+          <dgm:param type="bkPtFixedVal" val="1"/>
+        </dgm:alg>
+      </dgm:if>
+      <dgm:else name="Name2">
+        <dgm:alg type="snake">
+          <dgm:param type="grDir" val="tR"/>
+          <dgm:param type="flowDir" val="row"/>
+          <dgm:param type="off" val="off"/>
+          <dgm:param type="bkpt" val="fixed"/>
+          <dgm:param type="bkPtFixedVal" val="1"/>
+        </dgm:alg>
+      </dgm:else>
+    </dgm:choose>
+    <dgm:shape xmlns:r="http://schemas.openxmlformats.org/officeDocument/2006/relationships" r:blip="">
+      <dgm:adjLst/>
+    </dgm:shape>
+    <dgm:choose name="Name3">
+      <dgm:if name="Name4" func="var" arg="dir" op="equ" val="norm">
+        <dgm:constrLst>
+          <dgm:constr type="alignOff" forName="rootnode" val="0.48"/>
+          <dgm:constr type="primFontSz" for="des" forName="ParentText" val="65"/>
+          <dgm:constr type="primFontSz" for="des" forName="ChildText" refType="primFontSz" refFor="des" refForName="ParentText" op="lte"/>
+          <dgm:constr type="w" for="ch" forName="composite" refType="w"/>
+          <dgm:constr type="h" for="ch" forName="composite" refType="h"/>
+          <dgm:constr type="sp" refType="h" refFor="ch" refForName="composite" op="equ" fact="-0.38"/>
+        </dgm:constrLst>
+      </dgm:if>
+      <dgm:else name="Name5">
+        <dgm:constrLst>
+          <dgm:constr type="alignOff" forName="rootnode" val="0.48"/>
+          <dgm:constr type="primFontSz" for="des" forName="ParentText" val="65"/>
+          <dgm:constr type="primFontSz" for="des" forName="ChildText" refType="primFontSz" refFor="des" refForName="ParentText" op="lte"/>
+          <dgm:constr type="w" for="ch" forName="composite" refType="w"/>
+          <dgm:constr type="h" for="ch" forName="composite" refType="h"/>
+          <dgm:constr type="sp" refType="h" refFor="ch" refForName="composite" op="equ" fact="-0.38"/>
+        </dgm:constrLst>
+      </dgm:else>
+    </dgm:choose>
+    <dgm:forEach name="nodesForEach" axis="ch" ptType="node">
+      <dgm:layoutNode name="composite">
+        <dgm:alg type="composite">
+          <dgm:param type="ar" val="1.2439"/>
+        </dgm:alg>
+        <dgm:shape xmlns:r="http://schemas.openxmlformats.org/officeDocument/2006/relationships" r:blip="">
+          <dgm:adjLst/>
+        </dgm:shape>
+        <dgm:choose name="Name6">
+          <dgm:if name="Name7" func="var" arg="dir" op="equ" val="norm">
+            <dgm:constrLst>
+              <dgm:constr type="l" for="ch" forName="bentUpArrow1" refType="w" fact="0.07"/>
+              <dgm:constr type="t" for="ch" forName="bentUpArrow1" refType="h" fact="0.524"/>
+              <dgm:constr type="w" for="ch" forName="bentUpArrow1" refType="w" fact="0.3844"/>
+              <dgm:constr type="h" for="ch" forName="bentUpArrow1" refType="h" fact="0.42"/>
+              <dgm:constr type="l" for="ch" forName="ParentText" refType="w" fact="0"/>
+              <dgm:constr type="t" for="ch" forName="ParentText" refType="h" fact="0"/>
+              <dgm:constr type="w" for="ch" forName="ParentText" refType="w" fact="0.5684"/>
+              <dgm:constr type="h" for="ch" forName="ParentText" refType="h" fact="0.4949"/>
+              <dgm:constr type="l" for="ch" forName="ChildText" refType="w" refFor="ch" refForName="ParentText"/>
+              <dgm:constr type="t" for="ch" forName="ChildText" refType="h" fact="0.05"/>
+              <dgm:constr type="w" for="ch" forName="ChildText" refType="w" fact="0.4134"/>
+              <dgm:constr type="h" for="ch" forName="ChildText" refType="h" fact="0.4"/>
+              <dgm:constr type="l" for="ch" forName="FinalChildText" refType="w" refFor="ch" refForName="ParentText"/>
+              <dgm:constr type="t" for="ch" forName="FinalChildText" refType="h" fact="0.05"/>
+              <dgm:constr type="w" for="ch" forName="FinalChildText" refType="w" fact="0.4134"/>
+              <dgm:constr type="h" for="ch" forName="FinalChildText" refType="h" fact="0.4"/>
+            </dgm:constrLst>
+          </dgm:if>
+          <dgm:else name="Name8">
+            <dgm:constrLst>
+              <dgm:constr type="r" for="ch" forName="bentUpArrow1" refType="w" fact="0.97"/>
+              <dgm:constr type="t" for="ch" forName="bentUpArrow1" refType="h" fact="0.524"/>
+              <dgm:constr type="w" for="ch" forName="bentUpArrow1" refType="w" fact="0.3844"/>
+              <dgm:constr type="h" for="ch" forName="bentUpArrow1" refType="h" fact="0.42"/>
+              <dgm:constr type="l" for="ch" forName="ParentText" refType="w" fact="0.4316"/>
+              <dgm:constr type="t" for="ch" forName="ParentText" refType="h" fact="0"/>
+              <dgm:constr type="w" for="ch" forName="ParentText" refType="w" fact="0.5684"/>
+              <dgm:constr type="h" for="ch" forName="ParentText" refType="h" fact="0.4949"/>
+              <dgm:constr type="l" for="ch" forName="ChildText" refType="w" fact="0"/>
+              <dgm:constr type="t" for="ch" forName="ChildText" refType="h" fact="0.05"/>
+              <dgm:constr type="w" for="ch" forName="ChildText" refType="w" fact="0.4134"/>
+              <dgm:constr type="h" for="ch" forName="ChildText" refType="h" fact="0.4"/>
+              <dgm:constr type="l" for="ch" forName="FinalChildText" refType="w" fact="0"/>
+              <dgm:constr type="t" for="ch" forName="FinalChildText" refType="h" fact="0.05"/>
+              <dgm:constr type="w" for="ch" forName="FinalChildText" refType="w" fact="0.4134"/>
+              <dgm:constr type="h" for="ch" forName="FinalChildText" refType="h" fact="0.4"/>
+            </dgm:constrLst>
+          </dgm:else>
+        </dgm:choose>
+        <dgm:choose name="Name9">
+          <dgm:if name="Name10" axis="followSib" ptType="node" func="cnt" op="gte" val="1">
+            <dgm:layoutNode name="bentUpArrow1" styleLbl="alignImgPlace1">
+              <dgm:alg type="sp"/>
+              <dgm:choose name="Name11">
+                <dgm:if name="Name12" func="var" arg="dir" op="equ" val="norm">
+                  <dgm:shape xmlns:r="http://schemas.openxmlformats.org/officeDocument/2006/relationships" rot="90" type="bentUpArrow" r:blip="">
+                    <dgm:adjLst>
+                      <dgm:adj idx="1" val="0.3284"/>
+                      <dgm:adj idx="2" val="0.25"/>
+                      <dgm:adj idx="3" val="0.3578"/>
+                    </dgm:adjLst>
+                  </dgm:shape>
+                </dgm:if>
+                <dgm:else name="Name13">
+                  <dgm:shape xmlns:r="http://schemas.openxmlformats.org/officeDocument/2006/relationships" rot="180" type="bentArrow" r:blip="">
+                    <dgm:adjLst>
+                      <dgm:adj idx="1" val="0.3284"/>
+                      <dgm:adj idx="2" val="0.25"/>
+                      <dgm:adj idx="3" val="0.3578"/>
+                      <dgm:adj idx="4" val="0"/>
+                    </dgm:adjLst>
+                  </dgm:shape>
+                </dgm:else>
+              </dgm:choose>
+              <dgm:presOf/>
+            </dgm:layoutNode>
+          </dgm:if>
+          <dgm:else name="Name14"/>
+        </dgm:choose>
+        <dgm:layoutNode name="ParentText" styleLbl="node1">
+          <dgm:varLst>
+            <dgm:chMax val="1"/>
+            <dgm:chPref val="1"/>
+            <dgm:bulletEnabled val="1"/>
+          </dgm:varLst>
+          <dgm:alg type="tx"/>
+          <dgm:shape xmlns:r="http://schemas.openxmlformats.org/officeDocument/2006/relationships" type="roundRect" r:blip="">
+            <dgm:adjLst>
+              <dgm:adj idx="1" val="0.1667"/>
+            </dgm:adjLst>
+          </dgm:shape>
+          <dgm:presOf axis="self" ptType="node"/>
+          <dgm:constrLst>
+            <dgm:constr type="lMarg" refType="primFontSz" fact="0.3"/>
+            <dgm:constr type="rMarg" refType="primFontSz" fact="0.3"/>
+            <dgm:constr type="tMarg" refType="primFontSz" fact="0.3"/>
+            <dgm:constr type="bMarg" refType="primFontSz" fact="0.3"/>
+          </dgm:constrLst>
+          <dgm:ruleLst>
+            <dgm:rule type="primFontSz" val="5" fact="NaN" max="NaN"/>
+          </dgm:ruleLst>
+        </dgm:layoutNode>
+        <dgm:choose name="Name15">
+          <dgm:if name="Name16" axis="followSib" ptType="node" func="cnt" op="equ" val="0">
+            <dgm:choose name="Name17">
+              <dgm:if name="Name18" axis="ch" ptType="node" func="cnt" op="gte" val="1">
+                <dgm:layoutNode name="FinalChildText" styleLbl="revTx">
+                  <dgm:varLst>
+                    <dgm:chMax val="0"/>
+                    <dgm:chPref val="0"/>
+                    <dgm:bulletEnabled val="1"/>
+                  </dgm:varLst>
+                  <dgm:alg type="tx">
+                    <dgm:param type="stBulletLvl" val="1"/>
+                    <dgm:param type="txAnchorVertCh" val="mid"/>
+                    <dgm:param type="parTxLTRAlign" val="l"/>
+                  </dgm:alg>
+                  <dgm:shape xmlns:r="http://schemas.openxmlformats.org/officeDocument/2006/relationships" type="rect" r:blip="">
+                    <dgm:adjLst/>
+                  </dgm:shape>
+                  <dgm:presOf axis="des" ptType="node"/>
+                  <dgm:constrLst>
+                    <dgm:constr type="lMarg" refType="primFontSz" fact="0.3"/>
+                    <dgm:constr type="rMarg" refType="primFontSz" fact="0.3"/>
+                    <dgm:constr type="tMarg" refType="primFontSz" fact="0.3"/>
+                    <dgm:constr type="bMarg" refType="primFontSz" fact="0.3"/>
+                  </dgm:constrLst>
+                  <dgm:ruleLst>
+                    <dgm:rule type="primFontSz" val="5" fact="NaN" max="NaN"/>
+                  </dgm:ruleLst>
+                </dgm:layoutNode>
+              </dgm:if>
+              <dgm:else name="Name19"/>
+            </dgm:choose>
+          </dgm:if>
+          <dgm:else name="Name20">
+            <dgm:layoutNode name="ChildText" styleLbl="revTx">
+              <dgm:varLst>
+                <dgm:chMax val="0"/>
+                <dgm:chPref val="0"/>
+                <dgm:bulletEnabled val="1"/>
+              </dgm:varLst>
+              <dgm:alg type="tx">
+                <dgm:param type="stBulletLvl" val="1"/>
+                <dgm:param type="txAnchorVertCh" val="mid"/>
+                <dgm:param type="parTxLTRAlign" val="l"/>
+              </dgm:alg>
+              <dgm:shape xmlns:r="http://schemas.openxmlformats.org/officeDocument/2006/relationships" type="rect" r:blip="">
+                <dgm:adjLst/>
+              </dgm:shape>
+              <dgm:presOf axis="des" ptType="node"/>
+              <dgm:constrLst>
+                <dgm:constr type="lMarg" refType="primFontSz" fact="0.3"/>
+                <dgm:constr type="rMarg" refType="primFontSz" fact="0.3"/>
+                <dgm:constr type="tMarg" refType="primFontSz" fact="0.3"/>
+                <dgm:constr type="bMarg" refType="primFontSz" fact="0.3"/>
+              </dgm:constrLst>
+              <dgm:ruleLst>
+                <dgm:rule type="primFontSz" val="5" fact="NaN" max="NaN"/>
+              </dgm:ruleLst>
+            </dgm:layoutNode>
+          </dgm:else>
+        </dgm:choose>
+      </dgm:layoutNode>
+      <dgm:forEach name="sibTransForEach" axis="followSib" ptType="sibTrans" cnt="1">
+        <dgm:layoutNode name="sibTrans">
+          <dgm:alg type="sp"/>
+          <dgm:shape xmlns:r="http://schemas.openxmlformats.org/officeDocument/2006/relationships" r:blip="">
+            <dgm:adjLst/>
+          </dgm:shape>
+        </dgm:layoutNode>
+      </dgm:forEach>
+    </dgm:forEach>
+  </dgm:layoutNode>
+</dgm:layoutDef>
+</file>
+
+<file path=ppt/diagrams/layout2.xml><?xml version="1.0" encoding="utf-8"?>
 <dgm:layoutDef xmlns:dgm="http://schemas.openxmlformats.org/drawingml/2006/diagram" xmlns:a="http://schemas.openxmlformats.org/drawingml/2006/main" uniqueId="urn:microsoft.com/office/officeart/2005/8/layout/StepDownProcess">
   <dgm:title val=""/>
   <dgm:desc val=""/>
@@ -3296,6 +5536,1040 @@
 </dgm:styleDef>
 </file>
 
+<file path=ppt/diagrams/quickStyle2.xml><?xml version="1.0" encoding="utf-8"?>
+<dgm:styleDef xmlns:dgm="http://schemas.openxmlformats.org/drawingml/2006/diagram" xmlns:a="http://schemas.openxmlformats.org/drawingml/2006/main" uniqueId="urn:microsoft.com/office/officeart/2005/8/quickstyle/simple1">
+  <dgm:title val=""/>
+  <dgm:desc val=""/>
+  <dgm:catLst>
+    <dgm:cat type="simple" pri="10100"/>
+  </dgm:catLst>
+  <dgm:scene3d>
+    <a:camera prst="orthographicFront"/>
+    <a:lightRig rig="threePt" dir="t"/>
+  </dgm:scene3d>
+  <dgm:styleLbl name="node0">
+    <dgm:scene3d>
+      <a:camera prst="orthographicFront"/>
+      <a:lightRig rig="threePt" dir="t"/>
+    </dgm:scene3d>
+    <dgm:sp3d/>
+    <dgm:txPr/>
+    <dgm:style>
+      <a:lnRef idx="2">
+        <a:scrgbClr r="0" g="0" b="0"/>
+      </a:lnRef>
+      <a:fillRef idx="1">
+        <a:scrgbClr r="0" g="0" b="0"/>
+      </a:fillRef>
+      <a:effectRef idx="0">
+        <a:scrgbClr r="0" g="0" b="0"/>
+      </a:effectRef>
+      <a:fontRef idx="minor">
+        <a:schemeClr val="lt1"/>
+      </a:fontRef>
+    </dgm:style>
+  </dgm:styleLbl>
+  <dgm:styleLbl name="lnNode1">
+    <dgm:scene3d>
+      <a:camera prst="orthographicFront"/>
+      <a:lightRig rig="threePt" dir="t"/>
+    </dgm:scene3d>
+    <dgm:sp3d/>
+    <dgm:txPr/>
+    <dgm:style>
+      <a:lnRef idx="2">
+        <a:scrgbClr r="0" g="0" b="0"/>
+      </a:lnRef>
+      <a:fillRef idx="1">
+        <a:scrgbClr r="0" g="0" b="0"/>
+      </a:fillRef>
+      <a:effectRef idx="0">
+        <a:scrgbClr r="0" g="0" b="0"/>
+      </a:effectRef>
+      <a:fontRef idx="minor">
+        <a:schemeClr val="lt1"/>
+      </a:fontRef>
+    </dgm:style>
+  </dgm:styleLbl>
+  <dgm:styleLbl name="vennNode1">
+    <dgm:scene3d>
+      <a:camera prst="orthographicFront"/>
+      <a:lightRig rig="threePt" dir="t"/>
+    </dgm:scene3d>
+    <dgm:sp3d/>
+    <dgm:txPr/>
+    <dgm:style>
+      <a:lnRef idx="2">
+        <a:scrgbClr r="0" g="0" b="0"/>
+      </a:lnRef>
+      <a:fillRef idx="1">
+        <a:scrgbClr r="0" g="0" b="0"/>
+      </a:fillRef>
+      <a:effectRef idx="0">
+        <a:scrgbClr r="0" g="0" b="0"/>
+      </a:effectRef>
+      <a:fontRef idx="minor">
+        <a:schemeClr val="tx1"/>
+      </a:fontRef>
+    </dgm:style>
+  </dgm:styleLbl>
+  <dgm:styleLbl name="alignNode1">
+    <dgm:scene3d>
+      <a:camera prst="orthographicFront"/>
+      <a:lightRig rig="threePt" dir="t"/>
+    </dgm:scene3d>
+    <dgm:sp3d/>
+    <dgm:txPr/>
+    <dgm:style>
+      <a:lnRef idx="2">
+        <a:scrgbClr r="0" g="0" b="0"/>
+      </a:lnRef>
+      <a:fillRef idx="1">
+        <a:scrgbClr r="0" g="0" b="0"/>
+      </a:fillRef>
+      <a:effectRef idx="0">
+        <a:scrgbClr r="0" g="0" b="0"/>
+      </a:effectRef>
+      <a:fontRef idx="minor">
+        <a:schemeClr val="lt1"/>
+      </a:fontRef>
+    </dgm:style>
+  </dgm:styleLbl>
+  <dgm:styleLbl name="node1">
+    <dgm:scene3d>
+      <a:camera prst="orthographicFront"/>
+      <a:lightRig rig="threePt" dir="t"/>
+    </dgm:scene3d>
+    <dgm:sp3d/>
+    <dgm:txPr/>
+    <dgm:style>
+      <a:lnRef idx="2">
+        <a:scrgbClr r="0" g="0" b="0"/>
+      </a:lnRef>
+      <a:fillRef idx="1">
+        <a:scrgbClr r="0" g="0" b="0"/>
+      </a:fillRef>
+      <a:effectRef idx="0">
+        <a:scrgbClr r="0" g="0" b="0"/>
+      </a:effectRef>
+      <a:fontRef idx="minor">
+        <a:schemeClr val="lt1"/>
+      </a:fontRef>
+    </dgm:style>
+  </dgm:styleLbl>
+  <dgm:styleLbl name="node2">
+    <dgm:scene3d>
+      <a:camera prst="orthographicFront"/>
+      <a:lightRig rig="threePt" dir="t"/>
+    </dgm:scene3d>
+    <dgm:sp3d/>
+    <dgm:txPr/>
+    <dgm:style>
+      <a:lnRef idx="2">
+        <a:scrgbClr r="0" g="0" b="0"/>
+      </a:lnRef>
+      <a:fillRef idx="1">
+        <a:scrgbClr r="0" g="0" b="0"/>
+      </a:fillRef>
+      <a:effectRef idx="0">
+        <a:scrgbClr r="0" g="0" b="0"/>
+      </a:effectRef>
+      <a:fontRef idx="minor">
+        <a:schemeClr val="lt1"/>
+      </a:fontRef>
+    </dgm:style>
+  </dgm:styleLbl>
+  <dgm:styleLbl name="node3">
+    <dgm:scene3d>
+      <a:camera prst="orthographicFront"/>
+      <a:lightRig rig="threePt" dir="t"/>
+    </dgm:scene3d>
+    <dgm:sp3d/>
+    <dgm:txPr/>
+    <dgm:style>
+      <a:lnRef idx="2">
+        <a:scrgbClr r="0" g="0" b="0"/>
+      </a:lnRef>
+      <a:fillRef idx="1">
+        <a:scrgbClr r="0" g="0" b="0"/>
+      </a:fillRef>
+      <a:effectRef idx="0">
+        <a:scrgbClr r="0" g="0" b="0"/>
+      </a:effectRef>
+      <a:fontRef idx="minor">
+        <a:schemeClr val="lt1"/>
+      </a:fontRef>
+    </dgm:style>
+  </dgm:styleLbl>
+  <dgm:styleLbl name="node4">
+    <dgm:scene3d>
+      <a:camera prst="orthographicFront"/>
+      <a:lightRig rig="threePt" dir="t"/>
+    </dgm:scene3d>
+    <dgm:sp3d/>
+    <dgm:txPr/>
+    <dgm:style>
+      <a:lnRef idx="2">
+        <a:scrgbClr r="0" g="0" b="0"/>
+      </a:lnRef>
+      <a:fillRef idx="1">
+        <a:scrgbClr r="0" g="0" b="0"/>
+      </a:fillRef>
+      <a:effectRef idx="0">
+        <a:scrgbClr r="0" g="0" b="0"/>
+      </a:effectRef>
+      <a:fontRef idx="minor">
+        <a:schemeClr val="lt1"/>
+      </a:fontRef>
+    </dgm:style>
+  </dgm:styleLbl>
+  <dgm:styleLbl name="fgImgPlace1">
+    <dgm:scene3d>
+      <a:camera prst="orthographicFront"/>
+      <a:lightRig rig="threePt" dir="t"/>
+    </dgm:scene3d>
+    <dgm:sp3d/>
+    <dgm:txPr/>
+    <dgm:style>
+      <a:lnRef idx="2">
+        <a:scrgbClr r="0" g="0" b="0"/>
+      </a:lnRef>
+      <a:fillRef idx="1">
+        <a:scrgbClr r="0" g="0" b="0"/>
+      </a:fillRef>
+      <a:effectRef idx="0">
+        <a:scrgbClr r="0" g="0" b="0"/>
+      </a:effectRef>
+      <a:fontRef idx="minor"/>
+    </dgm:style>
+  </dgm:styleLbl>
+  <dgm:styleLbl name="alignImgPlace1">
+    <dgm:scene3d>
+      <a:camera prst="orthographicFront"/>
+      <a:lightRig rig="threePt" dir="t"/>
+    </dgm:scene3d>
+    <dgm:sp3d/>
+    <dgm:txPr/>
+    <dgm:style>
+      <a:lnRef idx="2">
+        <a:scrgbClr r="0" g="0" b="0"/>
+      </a:lnRef>
+      <a:fillRef idx="1">
+        <a:scrgbClr r="0" g="0" b="0"/>
+      </a:fillRef>
+      <a:effectRef idx="0">
+        <a:scrgbClr r="0" g="0" b="0"/>
+      </a:effectRef>
+      <a:fontRef idx="minor"/>
+    </dgm:style>
+  </dgm:styleLbl>
+  <dgm:styleLbl name="bgImgPlace1">
+    <dgm:scene3d>
+      <a:camera prst="orthographicFront"/>
+      <a:lightRig rig="threePt" dir="t"/>
+    </dgm:scene3d>
+    <dgm:sp3d/>
+    <dgm:txPr/>
+    <dgm:style>
+      <a:lnRef idx="2">
+        <a:scrgbClr r="0" g="0" b="0"/>
+      </a:lnRef>
+      <a:fillRef idx="1">
+        <a:scrgbClr r="0" g="0" b="0"/>
+      </a:fillRef>
+      <a:effectRef idx="0">
+        <a:scrgbClr r="0" g="0" b="0"/>
+      </a:effectRef>
+      <a:fontRef idx="minor"/>
+    </dgm:style>
+  </dgm:styleLbl>
+  <dgm:styleLbl name="sibTrans2D1">
+    <dgm:scene3d>
+      <a:camera prst="orthographicFront"/>
+      <a:lightRig rig="threePt" dir="t"/>
+    </dgm:scene3d>
+    <dgm:sp3d/>
+    <dgm:txPr/>
+    <dgm:style>
+      <a:lnRef idx="0">
+        <a:scrgbClr r="0" g="0" b="0"/>
+      </a:lnRef>
+      <a:fillRef idx="1">
+        <a:scrgbClr r="0" g="0" b="0"/>
+      </a:fillRef>
+      <a:effectRef idx="0">
+        <a:scrgbClr r="0" g="0" b="0"/>
+      </a:effectRef>
+      <a:fontRef idx="minor">
+        <a:schemeClr val="lt1"/>
+      </a:fontRef>
+    </dgm:style>
+  </dgm:styleLbl>
+  <dgm:styleLbl name="fgSibTrans2D1">
+    <dgm:scene3d>
+      <a:camera prst="orthographicFront"/>
+      <a:lightRig rig="threePt" dir="t"/>
+    </dgm:scene3d>
+    <dgm:sp3d/>
+    <dgm:txPr/>
+    <dgm:style>
+      <a:lnRef idx="0">
+        <a:scrgbClr r="0" g="0" b="0"/>
+      </a:lnRef>
+      <a:fillRef idx="1">
+        <a:scrgbClr r="0" g="0" b="0"/>
+      </a:fillRef>
+      <a:effectRef idx="0">
+        <a:scrgbClr r="0" g="0" b="0"/>
+      </a:effectRef>
+      <a:fontRef idx="minor">
+        <a:schemeClr val="lt1"/>
+      </a:fontRef>
+    </dgm:style>
+  </dgm:styleLbl>
+  <dgm:styleLbl name="bgSibTrans2D1">
+    <dgm:scene3d>
+      <a:camera prst="orthographicFront"/>
+      <a:lightRig rig="threePt" dir="t"/>
+    </dgm:scene3d>
+    <dgm:sp3d/>
+    <dgm:txPr/>
+    <dgm:style>
+      <a:lnRef idx="0">
+        <a:scrgbClr r="0" g="0" b="0"/>
+      </a:lnRef>
+      <a:fillRef idx="1">
+        <a:scrgbClr r="0" g="0" b="0"/>
+      </a:fillRef>
+      <a:effectRef idx="0">
+        <a:scrgbClr r="0" g="0" b="0"/>
+      </a:effectRef>
+      <a:fontRef idx="minor">
+        <a:schemeClr val="lt1"/>
+      </a:fontRef>
+    </dgm:style>
+  </dgm:styleLbl>
+  <dgm:styleLbl name="sibTrans1D1">
+    <dgm:scene3d>
+      <a:camera prst="orthographicFront"/>
+      <a:lightRig rig="threePt" dir="t"/>
+    </dgm:scene3d>
+    <dgm:sp3d/>
+    <dgm:txPr/>
+    <dgm:style>
+      <a:lnRef idx="1">
+        <a:scrgbClr r="0" g="0" b="0"/>
+      </a:lnRef>
+      <a:fillRef idx="0">
+        <a:scrgbClr r="0" g="0" b="0"/>
+      </a:fillRef>
+      <a:effectRef idx="0">
+        <a:scrgbClr r="0" g="0" b="0"/>
+      </a:effectRef>
+      <a:fontRef idx="minor"/>
+    </dgm:style>
+  </dgm:styleLbl>
+  <dgm:styleLbl name="callout">
+    <dgm:scene3d>
+      <a:camera prst="orthographicFront"/>
+      <a:lightRig rig="threePt" dir="t"/>
+    </dgm:scene3d>
+    <dgm:sp3d/>
+    <dgm:txPr/>
+    <dgm:style>
+      <a:lnRef idx="2">
+        <a:scrgbClr r="0" g="0" b="0"/>
+      </a:lnRef>
+      <a:fillRef idx="1">
+        <a:scrgbClr r="0" g="0" b="0"/>
+      </a:fillRef>
+      <a:effectRef idx="0">
+        <a:scrgbClr r="0" g="0" b="0"/>
+      </a:effectRef>
+      <a:fontRef idx="minor"/>
+    </dgm:style>
+  </dgm:styleLbl>
+  <dgm:styleLbl name="asst0">
+    <dgm:scene3d>
+      <a:camera prst="orthographicFront"/>
+      <a:lightRig rig="threePt" dir="t"/>
+    </dgm:scene3d>
+    <dgm:sp3d/>
+    <dgm:txPr/>
+    <dgm:style>
+      <a:lnRef idx="2">
+        <a:scrgbClr r="0" g="0" b="0"/>
+      </a:lnRef>
+      <a:fillRef idx="1">
+        <a:scrgbClr r="0" g="0" b="0"/>
+      </a:fillRef>
+      <a:effectRef idx="0">
+        <a:scrgbClr r="0" g="0" b="0"/>
+      </a:effectRef>
+      <a:fontRef idx="minor">
+        <a:schemeClr val="lt1"/>
+      </a:fontRef>
+    </dgm:style>
+  </dgm:styleLbl>
+  <dgm:styleLbl name="asst1">
+    <dgm:scene3d>
+      <a:camera prst="orthographicFront"/>
+      <a:lightRig rig="threePt" dir="t"/>
+    </dgm:scene3d>
+    <dgm:sp3d/>
+    <dgm:txPr/>
+    <dgm:style>
+      <a:lnRef idx="2">
+        <a:scrgbClr r="0" g="0" b="0"/>
+      </a:lnRef>
+      <a:fillRef idx="1">
+        <a:scrgbClr r="0" g="0" b="0"/>
+      </a:fillRef>
+      <a:effectRef idx="0">
+        <a:scrgbClr r="0" g="0" b="0"/>
+      </a:effectRef>
+      <a:fontRef idx="minor">
+        <a:schemeClr val="lt1"/>
+      </a:fontRef>
+    </dgm:style>
+  </dgm:styleLbl>
+  <dgm:styleLbl name="asst2">
+    <dgm:scene3d>
+      <a:camera prst="orthographicFront"/>
+      <a:lightRig rig="threePt" dir="t"/>
+    </dgm:scene3d>
+    <dgm:sp3d/>
+    <dgm:txPr/>
+    <dgm:style>
+      <a:lnRef idx="2">
+        <a:scrgbClr r="0" g="0" b="0"/>
+      </a:lnRef>
+      <a:fillRef idx="1">
+        <a:scrgbClr r="0" g="0" b="0"/>
+      </a:fillRef>
+      <a:effectRef idx="0">
+        <a:scrgbClr r="0" g="0" b="0"/>
+      </a:effectRef>
+      <a:fontRef idx="minor">
+        <a:schemeClr val="lt1"/>
+      </a:fontRef>
+    </dgm:style>
+  </dgm:styleLbl>
+  <dgm:styleLbl name="asst3">
+    <dgm:scene3d>
+      <a:camera prst="orthographicFront"/>
+      <a:lightRig rig="threePt" dir="t"/>
+    </dgm:scene3d>
+    <dgm:sp3d/>
+    <dgm:txPr/>
+    <dgm:style>
+      <a:lnRef idx="2">
+        <a:scrgbClr r="0" g="0" b="0"/>
+      </a:lnRef>
+      <a:fillRef idx="1">
+        <a:scrgbClr r="0" g="0" b="0"/>
+      </a:fillRef>
+      <a:effectRef idx="0">
+        <a:scrgbClr r="0" g="0" b="0"/>
+      </a:effectRef>
+      <a:fontRef idx="minor">
+        <a:schemeClr val="lt1"/>
+      </a:fontRef>
+    </dgm:style>
+  </dgm:styleLbl>
+  <dgm:styleLbl name="asst4">
+    <dgm:scene3d>
+      <a:camera prst="orthographicFront"/>
+      <a:lightRig rig="threePt" dir="t"/>
+    </dgm:scene3d>
+    <dgm:sp3d/>
+    <dgm:txPr/>
+    <dgm:style>
+      <a:lnRef idx="2">
+        <a:scrgbClr r="0" g="0" b="0"/>
+      </a:lnRef>
+      <a:fillRef idx="1">
+        <a:scrgbClr r="0" g="0" b="0"/>
+      </a:fillRef>
+      <a:effectRef idx="0">
+        <a:scrgbClr r="0" g="0" b="0"/>
+      </a:effectRef>
+      <a:fontRef idx="minor">
+        <a:schemeClr val="lt1"/>
+      </a:fontRef>
+    </dgm:style>
+  </dgm:styleLbl>
+  <dgm:styleLbl name="parChTrans2D1">
+    <dgm:scene3d>
+      <a:camera prst="orthographicFront"/>
+      <a:lightRig rig="threePt" dir="t"/>
+    </dgm:scene3d>
+    <dgm:sp3d/>
+    <dgm:txPr/>
+    <dgm:style>
+      <a:lnRef idx="2">
+        <a:scrgbClr r="0" g="0" b="0"/>
+      </a:lnRef>
+      <a:fillRef idx="1">
+        <a:scrgbClr r="0" g="0" b="0"/>
+      </a:fillRef>
+      <a:effectRef idx="0">
+        <a:scrgbClr r="0" g="0" b="0"/>
+      </a:effectRef>
+      <a:fontRef idx="minor">
+        <a:schemeClr val="lt1"/>
+      </a:fontRef>
+    </dgm:style>
+  </dgm:styleLbl>
+  <dgm:styleLbl name="parChTrans2D2">
+    <dgm:scene3d>
+      <a:camera prst="orthographicFront"/>
+      <a:lightRig rig="threePt" dir="t"/>
+    </dgm:scene3d>
+    <dgm:sp3d/>
+    <dgm:txPr/>
+    <dgm:style>
+      <a:lnRef idx="2">
+        <a:scrgbClr r="0" g="0" b="0"/>
+      </a:lnRef>
+      <a:fillRef idx="1">
+        <a:scrgbClr r="0" g="0" b="0"/>
+      </a:fillRef>
+      <a:effectRef idx="0">
+        <a:scrgbClr r="0" g="0" b="0"/>
+      </a:effectRef>
+      <a:fontRef idx="minor">
+        <a:schemeClr val="lt1"/>
+      </a:fontRef>
+    </dgm:style>
+  </dgm:styleLbl>
+  <dgm:styleLbl name="parChTrans2D3">
+    <dgm:scene3d>
+      <a:camera prst="orthographicFront"/>
+      <a:lightRig rig="threePt" dir="t"/>
+    </dgm:scene3d>
+    <dgm:sp3d/>
+    <dgm:txPr/>
+    <dgm:style>
+      <a:lnRef idx="2">
+        <a:scrgbClr r="0" g="0" b="0"/>
+      </a:lnRef>
+      <a:fillRef idx="1">
+        <a:scrgbClr r="0" g="0" b="0"/>
+      </a:fillRef>
+      <a:effectRef idx="0">
+        <a:scrgbClr r="0" g="0" b="0"/>
+      </a:effectRef>
+      <a:fontRef idx="minor">
+        <a:schemeClr val="lt1"/>
+      </a:fontRef>
+    </dgm:style>
+  </dgm:styleLbl>
+  <dgm:styleLbl name="parChTrans2D4">
+    <dgm:scene3d>
+      <a:camera prst="orthographicFront"/>
+      <a:lightRig rig="threePt" dir="t"/>
+    </dgm:scene3d>
+    <dgm:sp3d/>
+    <dgm:txPr/>
+    <dgm:style>
+      <a:lnRef idx="2">
+        <a:scrgbClr r="0" g="0" b="0"/>
+      </a:lnRef>
+      <a:fillRef idx="1">
+        <a:scrgbClr r="0" g="0" b="0"/>
+      </a:fillRef>
+      <a:effectRef idx="0">
+        <a:scrgbClr r="0" g="0" b="0"/>
+      </a:effectRef>
+      <a:fontRef idx="minor">
+        <a:schemeClr val="lt1"/>
+      </a:fontRef>
+    </dgm:style>
+  </dgm:styleLbl>
+  <dgm:styleLbl name="parChTrans1D1">
+    <dgm:scene3d>
+      <a:camera prst="orthographicFront"/>
+      <a:lightRig rig="threePt" dir="t"/>
+    </dgm:scene3d>
+    <dgm:sp3d/>
+    <dgm:txPr/>
+    <dgm:style>
+      <a:lnRef idx="2">
+        <a:scrgbClr r="0" g="0" b="0"/>
+      </a:lnRef>
+      <a:fillRef idx="0">
+        <a:scrgbClr r="0" g="0" b="0"/>
+      </a:fillRef>
+      <a:effectRef idx="0">
+        <a:scrgbClr r="0" g="0" b="0"/>
+      </a:effectRef>
+      <a:fontRef idx="minor"/>
+    </dgm:style>
+  </dgm:styleLbl>
+  <dgm:styleLbl name="parChTrans1D2">
+    <dgm:scene3d>
+      <a:camera prst="orthographicFront"/>
+      <a:lightRig rig="threePt" dir="t"/>
+    </dgm:scene3d>
+    <dgm:sp3d/>
+    <dgm:txPr/>
+    <dgm:style>
+      <a:lnRef idx="2">
+        <a:scrgbClr r="0" g="0" b="0"/>
+      </a:lnRef>
+      <a:fillRef idx="0">
+        <a:scrgbClr r="0" g="0" b="0"/>
+      </a:fillRef>
+      <a:effectRef idx="0">
+        <a:scrgbClr r="0" g="0" b="0"/>
+      </a:effectRef>
+      <a:fontRef idx="minor"/>
+    </dgm:style>
+  </dgm:styleLbl>
+  <dgm:styleLbl name="parChTrans1D3">
+    <dgm:scene3d>
+      <a:camera prst="orthographicFront"/>
+      <a:lightRig rig="threePt" dir="t"/>
+    </dgm:scene3d>
+    <dgm:sp3d/>
+    <dgm:txPr/>
+    <dgm:style>
+      <a:lnRef idx="2">
+        <a:scrgbClr r="0" g="0" b="0"/>
+      </a:lnRef>
+      <a:fillRef idx="0">
+        <a:scrgbClr r="0" g="0" b="0"/>
+      </a:fillRef>
+      <a:effectRef idx="0">
+        <a:scrgbClr r="0" g="0" b="0"/>
+      </a:effectRef>
+      <a:fontRef idx="minor"/>
+    </dgm:style>
+  </dgm:styleLbl>
+  <dgm:styleLbl name="parChTrans1D4">
+    <dgm:scene3d>
+      <a:camera prst="orthographicFront"/>
+      <a:lightRig rig="threePt" dir="t"/>
+    </dgm:scene3d>
+    <dgm:sp3d/>
+    <dgm:txPr/>
+    <dgm:style>
+      <a:lnRef idx="2">
+        <a:scrgbClr r="0" g="0" b="0"/>
+      </a:lnRef>
+      <a:fillRef idx="0">
+        <a:scrgbClr r="0" g="0" b="0"/>
+      </a:fillRef>
+      <a:effectRef idx="0">
+        <a:scrgbClr r="0" g="0" b="0"/>
+      </a:effectRef>
+      <a:fontRef idx="minor"/>
+    </dgm:style>
+  </dgm:styleLbl>
+  <dgm:styleLbl name="fgAcc1">
+    <dgm:scene3d>
+      <a:camera prst="orthographicFront"/>
+      <a:lightRig rig="threePt" dir="t"/>
+    </dgm:scene3d>
+    <dgm:sp3d/>
+    <dgm:txPr/>
+    <dgm:style>
+      <a:lnRef idx="2">
+        <a:scrgbClr r="0" g="0" b="0"/>
+      </a:lnRef>
+      <a:fillRef idx="1">
+        <a:scrgbClr r="0" g="0" b="0"/>
+      </a:fillRef>
+      <a:effectRef idx="0">
+        <a:scrgbClr r="0" g="0" b="0"/>
+      </a:effectRef>
+      <a:fontRef idx="minor"/>
+    </dgm:style>
+  </dgm:styleLbl>
+  <dgm:styleLbl name="conFgAcc1">
+    <dgm:scene3d>
+      <a:camera prst="orthographicFront"/>
+      <a:lightRig rig="threePt" dir="t"/>
+    </dgm:scene3d>
+    <dgm:sp3d/>
+    <dgm:txPr/>
+    <dgm:style>
+      <a:lnRef idx="2">
+        <a:scrgbClr r="0" g="0" b="0"/>
+      </a:lnRef>
+      <a:fillRef idx="1">
+        <a:scrgbClr r="0" g="0" b="0"/>
+      </a:fillRef>
+      <a:effectRef idx="0">
+        <a:scrgbClr r="0" g="0" b="0"/>
+      </a:effectRef>
+      <a:fontRef idx="minor"/>
+    </dgm:style>
+  </dgm:styleLbl>
+  <dgm:styleLbl name="alignAcc1">
+    <dgm:scene3d>
+      <a:camera prst="orthographicFront"/>
+      <a:lightRig rig="threePt" dir="t"/>
+    </dgm:scene3d>
+    <dgm:sp3d/>
+    <dgm:txPr/>
+    <dgm:style>
+      <a:lnRef idx="2">
+        <a:scrgbClr r="0" g="0" b="0"/>
+      </a:lnRef>
+      <a:fillRef idx="1">
+        <a:scrgbClr r="0" g="0" b="0"/>
+      </a:fillRef>
+      <a:effectRef idx="0">
+        <a:scrgbClr r="0" g="0" b="0"/>
+      </a:effectRef>
+      <a:fontRef idx="minor"/>
+    </dgm:style>
+  </dgm:styleLbl>
+  <dgm:styleLbl name="trAlignAcc1">
+    <dgm:scene3d>
+      <a:camera prst="orthographicFront"/>
+      <a:lightRig rig="threePt" dir="t"/>
+    </dgm:scene3d>
+    <dgm:sp3d/>
+    <dgm:txPr/>
+    <dgm:style>
+      <a:lnRef idx="1">
+        <a:scrgbClr r="0" g="0" b="0"/>
+      </a:lnRef>
+      <a:fillRef idx="1">
+        <a:scrgbClr r="0" g="0" b="0"/>
+      </a:fillRef>
+      <a:effectRef idx="0">
+        <a:scrgbClr r="0" g="0" b="0"/>
+      </a:effectRef>
+      <a:fontRef idx="minor"/>
+    </dgm:style>
+  </dgm:styleLbl>
+  <dgm:styleLbl name="bgAcc1">
+    <dgm:scene3d>
+      <a:camera prst="orthographicFront"/>
+      <a:lightRig rig="threePt" dir="t"/>
+    </dgm:scene3d>
+    <dgm:sp3d/>
+    <dgm:txPr/>
+    <dgm:style>
+      <a:lnRef idx="2">
+        <a:scrgbClr r="0" g="0" b="0"/>
+      </a:lnRef>
+      <a:fillRef idx="1">
+        <a:scrgbClr r="0" g="0" b="0"/>
+      </a:fillRef>
+      <a:effectRef idx="0">
+        <a:scrgbClr r="0" g="0" b="0"/>
+      </a:effectRef>
+      <a:fontRef idx="minor"/>
+    </dgm:style>
+  </dgm:styleLbl>
+  <dgm:styleLbl name="solidFgAcc1">
+    <dgm:scene3d>
+      <a:camera prst="orthographicFront"/>
+      <a:lightRig rig="threePt" dir="t"/>
+    </dgm:scene3d>
+    <dgm:sp3d/>
+    <dgm:txPr/>
+    <dgm:style>
+      <a:lnRef idx="2">
+        <a:scrgbClr r="0" g="0" b="0"/>
+      </a:lnRef>
+      <a:fillRef idx="1">
+        <a:scrgbClr r="0" g="0" b="0"/>
+      </a:fillRef>
+      <a:effectRef idx="0">
+        <a:scrgbClr r="0" g="0" b="0"/>
+      </a:effectRef>
+      <a:fontRef idx="minor"/>
+    </dgm:style>
+  </dgm:styleLbl>
+  <dgm:styleLbl name="solidAlignAcc1">
+    <dgm:scene3d>
+      <a:camera prst="orthographicFront"/>
+      <a:lightRig rig="threePt" dir="t"/>
+    </dgm:scene3d>
+    <dgm:sp3d/>
+    <dgm:txPr/>
+    <dgm:style>
+      <a:lnRef idx="2">
+        <a:scrgbClr r="0" g="0" b="0"/>
+      </a:lnRef>
+      <a:fillRef idx="1">
+        <a:scrgbClr r="0" g="0" b="0"/>
+      </a:fillRef>
+      <a:effectRef idx="0">
+        <a:scrgbClr r="0" g="0" b="0"/>
+      </a:effectRef>
+      <a:fontRef idx="minor"/>
+    </dgm:style>
+  </dgm:styleLbl>
+  <dgm:styleLbl name="solidBgAcc1">
+    <dgm:scene3d>
+      <a:camera prst="orthographicFront"/>
+      <a:lightRig rig="threePt" dir="t"/>
+    </dgm:scene3d>
+    <dgm:sp3d/>
+    <dgm:txPr/>
+    <dgm:style>
+      <a:lnRef idx="2">
+        <a:scrgbClr r="0" g="0" b="0"/>
+      </a:lnRef>
+      <a:fillRef idx="1">
+        <a:scrgbClr r="0" g="0" b="0"/>
+      </a:fillRef>
+      <a:effectRef idx="0">
+        <a:scrgbClr r="0" g="0" b="0"/>
+      </a:effectRef>
+      <a:fontRef idx="minor"/>
+    </dgm:style>
+  </dgm:styleLbl>
+  <dgm:styleLbl name="fgAccFollowNode1">
+    <dgm:scene3d>
+      <a:camera prst="orthographicFront"/>
+      <a:lightRig rig="threePt" dir="t"/>
+    </dgm:scene3d>
+    <dgm:sp3d/>
+    <dgm:txPr/>
+    <dgm:style>
+      <a:lnRef idx="2">
+        <a:scrgbClr r="0" g="0" b="0"/>
+      </a:lnRef>
+      <a:fillRef idx="1">
+        <a:scrgbClr r="0" g="0" b="0"/>
+      </a:fillRef>
+      <a:effectRef idx="0">
+        <a:scrgbClr r="0" g="0" b="0"/>
+      </a:effectRef>
+      <a:fontRef idx="minor"/>
+    </dgm:style>
+  </dgm:styleLbl>
+  <dgm:styleLbl name="alignAccFollowNode1">
+    <dgm:scene3d>
+      <a:camera prst="orthographicFront"/>
+      <a:lightRig rig="threePt" dir="t"/>
+    </dgm:scene3d>
+    <dgm:sp3d/>
+    <dgm:txPr/>
+    <dgm:style>
+      <a:lnRef idx="2">
+        <a:scrgbClr r="0" g="0" b="0"/>
+      </a:lnRef>
+      <a:fillRef idx="1">
+        <a:scrgbClr r="0" g="0" b="0"/>
+      </a:fillRef>
+      <a:effectRef idx="0">
+        <a:scrgbClr r="0" g="0" b="0"/>
+      </a:effectRef>
+      <a:fontRef idx="minor"/>
+    </dgm:style>
+  </dgm:styleLbl>
+  <dgm:styleLbl name="bgAccFollowNode1">
+    <dgm:scene3d>
+      <a:camera prst="orthographicFront"/>
+      <a:lightRig rig="threePt" dir="t"/>
+    </dgm:scene3d>
+    <dgm:sp3d/>
+    <dgm:txPr/>
+    <dgm:style>
+      <a:lnRef idx="2">
+        <a:scrgbClr r="0" g="0" b="0"/>
+      </a:lnRef>
+      <a:fillRef idx="1">
+        <a:scrgbClr r="0" g="0" b="0"/>
+      </a:fillRef>
+      <a:effectRef idx="0">
+        <a:scrgbClr r="0" g="0" b="0"/>
+      </a:effectRef>
+      <a:fontRef idx="minor"/>
+    </dgm:style>
+  </dgm:styleLbl>
+  <dgm:styleLbl name="fgAcc0">
+    <dgm:scene3d>
+      <a:camera prst="orthographicFront"/>
+      <a:lightRig rig="threePt" dir="t"/>
+    </dgm:scene3d>
+    <dgm:sp3d/>
+    <dgm:txPr/>
+    <dgm:style>
+      <a:lnRef idx="2">
+        <a:scrgbClr r="0" g="0" b="0"/>
+      </a:lnRef>
+      <a:fillRef idx="1">
+        <a:scrgbClr r="0" g="0" b="0"/>
+      </a:fillRef>
+      <a:effectRef idx="0">
+        <a:scrgbClr r="0" g="0" b="0"/>
+      </a:effectRef>
+      <a:fontRef idx="minor"/>
+    </dgm:style>
+  </dgm:styleLbl>
+  <dgm:styleLbl name="fgAcc2">
+    <dgm:scene3d>
+      <a:camera prst="orthographicFront"/>
+      <a:lightRig rig="threePt" dir="t"/>
+    </dgm:scene3d>
+    <dgm:sp3d/>
+    <dgm:txPr/>
+    <dgm:style>
+      <a:lnRef idx="2">
+        <a:scrgbClr r="0" g="0" b="0"/>
+      </a:lnRef>
+      <a:fillRef idx="1">
+        <a:scrgbClr r="0" g="0" b="0"/>
+      </a:fillRef>
+      <a:effectRef idx="0">
+        <a:scrgbClr r="0" g="0" b="0"/>
+      </a:effectRef>
+      <a:fontRef idx="minor"/>
+    </dgm:style>
+  </dgm:styleLbl>
+  <dgm:styleLbl name="fgAcc3">
+    <dgm:scene3d>
+      <a:camera prst="orthographicFront"/>
+      <a:lightRig rig="threePt" dir="t"/>
+    </dgm:scene3d>
+    <dgm:sp3d/>
+    <dgm:txPr/>
+    <dgm:style>
+      <a:lnRef idx="2">
+        <a:scrgbClr r="0" g="0" b="0"/>
+      </a:lnRef>
+      <a:fillRef idx="1">
+        <a:scrgbClr r="0" g="0" b="0"/>
+      </a:fillRef>
+      <a:effectRef idx="0">
+        <a:scrgbClr r="0" g="0" b="0"/>
+      </a:effectRef>
+      <a:fontRef idx="minor"/>
+    </dgm:style>
+  </dgm:styleLbl>
+  <dgm:styleLbl name="fgAcc4">
+    <dgm:scene3d>
+      <a:camera prst="orthographicFront"/>
+      <a:lightRig rig="threePt" dir="t"/>
+    </dgm:scene3d>
+    <dgm:sp3d/>
+    <dgm:txPr/>
+    <dgm:style>
+      <a:lnRef idx="2">
+        <a:scrgbClr r="0" g="0" b="0"/>
+      </a:lnRef>
+      <a:fillRef idx="1">
+        <a:scrgbClr r="0" g="0" b="0"/>
+      </a:fillRef>
+      <a:effectRef idx="0">
+        <a:scrgbClr r="0" g="0" b="0"/>
+      </a:effectRef>
+      <a:fontRef idx="minor"/>
+    </dgm:style>
+  </dgm:styleLbl>
+  <dgm:styleLbl name="bgShp">
+    <dgm:scene3d>
+      <a:camera prst="orthographicFront"/>
+      <a:lightRig rig="threePt" dir="t"/>
+    </dgm:scene3d>
+    <dgm:sp3d/>
+    <dgm:txPr/>
+    <dgm:style>
+      <a:lnRef idx="0">
+        <a:scrgbClr r="0" g="0" b="0"/>
+      </a:lnRef>
+      <a:fillRef idx="1">
+        <a:scrgbClr r="0" g="0" b="0"/>
+      </a:fillRef>
+      <a:effectRef idx="0">
+        <a:scrgbClr r="0" g="0" b="0"/>
+      </a:effectRef>
+      <a:fontRef idx="minor"/>
+    </dgm:style>
+  </dgm:styleLbl>
+  <dgm:styleLbl name="dkBgShp">
+    <dgm:scene3d>
+      <a:camera prst="orthographicFront"/>
+      <a:lightRig rig="threePt" dir="t"/>
+    </dgm:scene3d>
+    <dgm:sp3d/>
+    <dgm:txPr/>
+    <dgm:style>
+      <a:lnRef idx="0">
+        <a:scrgbClr r="0" g="0" b="0"/>
+      </a:lnRef>
+      <a:fillRef idx="1">
+        <a:scrgbClr r="0" g="0" b="0"/>
+      </a:fillRef>
+      <a:effectRef idx="0">
+        <a:scrgbClr r="0" g="0" b="0"/>
+      </a:effectRef>
+      <a:fontRef idx="minor"/>
+    </dgm:style>
+  </dgm:styleLbl>
+  <dgm:styleLbl name="trBgShp">
+    <dgm:scene3d>
+      <a:camera prst="orthographicFront"/>
+      <a:lightRig rig="threePt" dir="t"/>
+    </dgm:scene3d>
+    <dgm:sp3d/>
+    <dgm:txPr/>
+    <dgm:style>
+      <a:lnRef idx="0">
+        <a:scrgbClr r="0" g="0" b="0"/>
+      </a:lnRef>
+      <a:fillRef idx="1">
+        <a:scrgbClr r="0" g="0" b="0"/>
+      </a:fillRef>
+      <a:effectRef idx="0">
+        <a:scrgbClr r="0" g="0" b="0"/>
+      </a:effectRef>
+      <a:fontRef idx="minor"/>
+    </dgm:style>
+  </dgm:styleLbl>
+  <dgm:styleLbl name="fgShp">
+    <dgm:scene3d>
+      <a:camera prst="orthographicFront"/>
+      <a:lightRig rig="threePt" dir="t"/>
+    </dgm:scene3d>
+    <dgm:sp3d/>
+    <dgm:txPr/>
+    <dgm:style>
+      <a:lnRef idx="2">
+        <a:scrgbClr r="0" g="0" b="0"/>
+      </a:lnRef>
+      <a:fillRef idx="1">
+        <a:scrgbClr r="0" g="0" b="0"/>
+      </a:fillRef>
+      <a:effectRef idx="0">
+        <a:scrgbClr r="0" g="0" b="0"/>
+      </a:effectRef>
+      <a:fontRef idx="minor"/>
+    </dgm:style>
+  </dgm:styleLbl>
+  <dgm:styleLbl name="revTx">
+    <dgm:scene3d>
+      <a:camera prst="orthographicFront"/>
+      <a:lightRig rig="threePt" dir="t"/>
+    </dgm:scene3d>
+    <dgm:sp3d/>
+    <dgm:txPr/>
+    <dgm:style>
+      <a:lnRef idx="0">
+        <a:scrgbClr r="0" g="0" b="0"/>
+      </a:lnRef>
+      <a:fillRef idx="0">
+        <a:scrgbClr r="0" g="0" b="0"/>
+      </a:fillRef>
+      <a:effectRef idx="0">
+        <a:scrgbClr r="0" g="0" b="0"/>
+      </a:effectRef>
+      <a:fontRef idx="minor"/>
+    </dgm:style>
+  </dgm:styleLbl>
+</dgm:styleDef>
+</file>
+
 <file path=ppt/slideLayouts/slideLayout1.xml><?xml version="1.0" encoding="utf-8"?>
 <p:sldLayout xmlns:a="http://schemas.openxmlformats.org/drawingml/2006/main" xmlns:r="http://schemas.openxmlformats.org/officeDocument/2006/relationships" xmlns:p="http://schemas.openxmlformats.org/presentationml/2006/main" type="title" preserve="1">
   <p:cSld name="Title Slide">
@@ -3520,7 +6794,7 @@
           <a:p>
             <a:fld id="{C14A4EDE-A1FD-6F4D-B973-0317A1D48AB8}" type="datetimeFigureOut">
               <a:rPr lang="en-US" smtClean="0"/>
-              <a:t>10/20/2019</a:t>
+              <a:t>10/21/2019</a:t>
             </a:fld>
             <a:endParaRPr lang="en-US"/>
           </a:p>
@@ -3854,7 +7128,7 @@
           <a:p>
             <a:fld id="{C14A4EDE-A1FD-6F4D-B973-0317A1D48AB8}" type="datetimeFigureOut">
               <a:rPr lang="en-US" smtClean="0"/>
-              <a:t>10/20/2019</a:t>
+              <a:t>10/21/2019</a:t>
             </a:fld>
             <a:endParaRPr lang="en-US"/>
           </a:p>
@@ -4132,7 +7406,7 @@
           <a:p>
             <a:fld id="{C14A4EDE-A1FD-6F4D-B973-0317A1D48AB8}" type="datetimeFigureOut">
               <a:rPr lang="en-US" smtClean="0"/>
-              <a:t>10/20/2019</a:t>
+              <a:t>10/21/2019</a:t>
             </a:fld>
             <a:endParaRPr lang="en-US"/>
           </a:p>
@@ -4700,7 +7974,7 @@
           <a:p>
             <a:fld id="{C14A4EDE-A1FD-6F4D-B973-0317A1D48AB8}" type="datetimeFigureOut">
               <a:rPr lang="en-US" smtClean="0"/>
-              <a:t>10/20/2019</a:t>
+              <a:t>10/21/2019</a:t>
             </a:fld>
             <a:endParaRPr lang="en-US"/>
           </a:p>
@@ -4978,7 +8252,7 @@
           <a:p>
             <a:fld id="{C14A4EDE-A1FD-6F4D-B973-0317A1D48AB8}" type="datetimeFigureOut">
               <a:rPr lang="en-US" smtClean="0"/>
-              <a:t>10/20/2019</a:t>
+              <a:t>10/21/2019</a:t>
             </a:fld>
             <a:endParaRPr lang="en-US"/>
           </a:p>
@@ -5540,7 +8814,7 @@
           <a:p>
             <a:fld id="{C14A4EDE-A1FD-6F4D-B973-0317A1D48AB8}" type="datetimeFigureOut">
               <a:rPr lang="en-US" smtClean="0"/>
-              <a:t>10/20/2019</a:t>
+              <a:t>10/21/2019</a:t>
             </a:fld>
             <a:endParaRPr lang="en-US"/>
           </a:p>
@@ -5867,7 +9141,7 @@
           <a:p>
             <a:fld id="{C14A4EDE-A1FD-6F4D-B973-0317A1D48AB8}" type="datetimeFigureOut">
               <a:rPr lang="en-US" smtClean="0"/>
-              <a:t>10/20/2019</a:t>
+              <a:t>10/21/2019</a:t>
             </a:fld>
             <a:endParaRPr lang="en-US"/>
           </a:p>
@@ -6072,7 +9346,7 @@
           <a:p>
             <a:fld id="{C14A4EDE-A1FD-6F4D-B973-0317A1D48AB8}" type="datetimeFigureOut">
               <a:rPr lang="en-US" smtClean="0"/>
-              <a:t>10/20/2019</a:t>
+              <a:t>10/21/2019</a:t>
             </a:fld>
             <a:endParaRPr lang="en-US"/>
           </a:p>
@@ -6282,7 +9556,7 @@
           <a:p>
             <a:fld id="{C14A4EDE-A1FD-6F4D-B973-0317A1D48AB8}" type="datetimeFigureOut">
               <a:rPr lang="en-US" smtClean="0"/>
-              <a:t>10/20/2019</a:t>
+              <a:t>10/21/2019</a:t>
             </a:fld>
             <a:endParaRPr lang="en-US"/>
           </a:p>
@@ -6482,7 +9756,7 @@
           <a:p>
             <a:fld id="{C14A4EDE-A1FD-6F4D-B973-0317A1D48AB8}" type="datetimeFigureOut">
               <a:rPr lang="en-US" smtClean="0"/>
-              <a:t>10/20/2019</a:t>
+              <a:t>10/21/2019</a:t>
             </a:fld>
             <a:endParaRPr lang="en-US"/>
           </a:p>
@@ -6758,7 +10032,7 @@
           <a:p>
             <a:fld id="{C14A4EDE-A1FD-6F4D-B973-0317A1D48AB8}" type="datetimeFigureOut">
               <a:rPr lang="en-US" smtClean="0"/>
-              <a:t>10/20/2019</a:t>
+              <a:t>10/21/2019</a:t>
             </a:fld>
             <a:endParaRPr lang="en-US"/>
           </a:p>
@@ -7024,7 +10298,7 @@
           <a:p>
             <a:fld id="{C14A4EDE-A1FD-6F4D-B973-0317A1D48AB8}" type="datetimeFigureOut">
               <a:rPr lang="en-US" smtClean="0"/>
-              <a:t>10/20/2019</a:t>
+              <a:t>10/21/2019</a:t>
             </a:fld>
             <a:endParaRPr lang="en-US"/>
           </a:p>
@@ -7398,7 +10672,7 @@
           <a:p>
             <a:fld id="{C14A4EDE-A1FD-6F4D-B973-0317A1D48AB8}" type="datetimeFigureOut">
               <a:rPr lang="en-US" smtClean="0"/>
-              <a:t>10/20/2019</a:t>
+              <a:t>10/21/2019</a:t>
             </a:fld>
             <a:endParaRPr lang="en-US"/>
           </a:p>
@@ -7546,7 +10820,7 @@
           <a:p>
             <a:fld id="{C14A4EDE-A1FD-6F4D-B973-0317A1D48AB8}" type="datetimeFigureOut">
               <a:rPr lang="en-US" smtClean="0"/>
-              <a:t>10/20/2019</a:t>
+              <a:t>10/21/2019</a:t>
             </a:fld>
             <a:endParaRPr lang="en-US"/>
           </a:p>
@@ -7671,7 +10945,7 @@
           <a:p>
             <a:fld id="{C14A4EDE-A1FD-6F4D-B973-0317A1D48AB8}" type="datetimeFigureOut">
               <a:rPr lang="en-US" smtClean="0"/>
-              <a:t>10/20/2019</a:t>
+              <a:t>10/21/2019</a:t>
             </a:fld>
             <a:endParaRPr lang="en-US"/>
           </a:p>
@@ -7956,7 +11230,7 @@
           <a:p>
             <a:fld id="{C14A4EDE-A1FD-6F4D-B973-0317A1D48AB8}" type="datetimeFigureOut">
               <a:rPr lang="en-US" smtClean="0"/>
-              <a:t>10/20/2019</a:t>
+              <a:t>10/21/2019</a:t>
             </a:fld>
             <a:endParaRPr lang="en-US"/>
           </a:p>
@@ -8280,7 +11554,7 @@
           <a:p>
             <a:fld id="{C14A4EDE-A1FD-6F4D-B973-0317A1D48AB8}" type="datetimeFigureOut">
               <a:rPr lang="en-US" smtClean="0"/>
-              <a:t>10/20/2019</a:t>
+              <a:t>10/21/2019</a:t>
             </a:fld>
             <a:endParaRPr lang="en-US"/>
           </a:p>
@@ -8512,7 +11786,7 @@
           <a:p>
             <a:fld id="{C14A4EDE-A1FD-6F4D-B973-0317A1D48AB8}" type="datetimeFigureOut">
               <a:rPr lang="en-US" smtClean="0"/>
-              <a:t>10/20/2019</a:t>
+              <a:t>10/21/2019</a:t>
             </a:fld>
             <a:endParaRPr lang="en-US"/>
           </a:p>
@@ -11214,36 +14488,77 @@
           </a:bodyPr>
           <a:lstStyle/>
           <a:p>
+            <a:pPr marL="0" marR="0" lvl="0" indent="0" algn="l" defTabSz="457200" rtl="0" eaLnBrk="1" fontAlgn="auto" latinLnBrk="0" hangingPunct="1">
+              <a:lnSpc>
+                <a:spcPct val="100000"/>
+              </a:lnSpc>
+              <a:spcBef>
+                <a:spcPts val="0"/>
+              </a:spcBef>
+              <a:spcAft>
+                <a:spcPts val="0"/>
+              </a:spcAft>
+              <a:buClrTx/>
+              <a:buSzTx/>
+              <a:buFontTx/>
+              <a:buNone/>
+              <a:tabLst/>
+              <a:defRPr/>
+            </a:pPr>
             <a:r>
-              <a:rPr lang="en-US" sz="6000" dirty="0">
+              <a:rPr kumimoji="0" lang="en-US" sz="6000" b="0" i="0" u="none" strike="noStrike" kern="1200" cap="none" spc="0" normalizeH="0" baseline="0" noProof="0" dirty="0">
+                <a:ln>
+                  <a:noFill/>
+                </a:ln>
                 <a:solidFill>
-                  <a:schemeClr val="bg2">
+                  <a:srgbClr val="16476F">
                     <a:lumMod val="75000"/>
-                  </a:schemeClr>
+                  </a:srgbClr>
                 </a:solidFill>
+                <a:effectLst/>
+                <a:uLnTx/>
+                <a:uFillTx/>
                 <a:latin typeface="Questrial" panose="02000000000000000000" pitchFamily="2" charset="0"/>
+                <a:ea typeface="+mn-ea"/>
+                <a:cs typeface="+mn-cs"/>
               </a:rPr>
               <a:t>our</a:t>
             </a:r>
             <a:r>
-              <a:rPr lang="en-US" sz="6000" b="1" dirty="0">
+              <a:rPr kumimoji="0" lang="en-US" sz="6000" b="1" i="0" u="none" strike="noStrike" kern="1200" cap="none" spc="0" normalizeH="0" baseline="0" noProof="0" dirty="0">
+                <a:ln>
+                  <a:noFill/>
+                </a:ln>
                 <a:solidFill>
-                  <a:schemeClr val="bg2">
+                  <a:srgbClr val="16476F">
                     <a:lumMod val="75000"/>
-                  </a:schemeClr>
+                  </a:srgbClr>
                 </a:solidFill>
+                <a:effectLst/>
+                <a:uLnTx/>
+                <a:uFillTx/>
                 <a:latin typeface="Questrial" panose="02000000000000000000" pitchFamily="2" charset="0"/>
+                <a:ea typeface="+mn-ea"/>
+                <a:cs typeface="+mn-cs"/>
               </a:rPr>
               <a:t> data </a:t>
             </a:r>
             <a:r>
-              <a:rPr lang="en-US" sz="6000" dirty="0">
+              <a:rPr kumimoji="0" lang="en-US" sz="6000" b="0" i="0" u="none" strike="noStrike" kern="1200" cap="none" spc="0" normalizeH="0" baseline="0" noProof="0" dirty="0">
+                <a:ln>
+                  <a:noFill/>
+                </a:ln>
                 <a:solidFill>
-                  <a:schemeClr val="bg2">
+                  <a:srgbClr val="16476F">
                     <a:lumMod val="75000"/>
-                  </a:schemeClr>
+                  </a:srgbClr>
                 </a:solidFill>
+                <a:effectLst/>
+                <a:uLnTx/>
+                <a:uFillTx/>
                 <a:latin typeface="Questrial" panose="02000000000000000000" pitchFamily="2" charset="0"/>
+                <a:ea typeface="+mn-ea"/>
+                <a:cs typeface="+mn-cs"/>
               </a:rPr>
               <a:t>-&gt; sales</a:t>
             </a:r>
@@ -11282,9 +14597,38 @@
           </a:bodyPr>
           <a:lstStyle/>
           <a:p>
-            <a:pPr algn="ctr"/>
+            <a:pPr marL="0" marR="0" lvl="0" indent="0" algn="ctr" defTabSz="457200" rtl="0" eaLnBrk="1" fontAlgn="auto" latinLnBrk="0" hangingPunct="1">
+              <a:lnSpc>
+                <a:spcPct val="100000"/>
+              </a:lnSpc>
+              <a:spcBef>
+                <a:spcPts val="0"/>
+              </a:spcBef>
+              <a:spcAft>
+                <a:spcPts val="0"/>
+              </a:spcAft>
+              <a:buClrTx/>
+              <a:buSzTx/>
+              <a:buFontTx/>
+              <a:buNone/>
+              <a:tabLst/>
+              <a:defRPr/>
+            </a:pPr>
             <a:r>
-              <a:rPr lang="en-US" b="1" dirty="0"/>
+              <a:rPr kumimoji="0" lang="en-US" sz="1800" b="1" i="0" u="none" strike="noStrike" kern="1200" cap="none" spc="0" normalizeH="0" baseline="0" noProof="0" dirty="0">
+                <a:ln>
+                  <a:noFill/>
+                </a:ln>
+                <a:solidFill>
+                  <a:prstClr val="white"/>
+                </a:solidFill>
+                <a:effectLst/>
+                <a:uLnTx/>
+                <a:uFillTx/>
+                <a:latin typeface="Calibri" panose="020F0502020204030204"/>
+                <a:ea typeface="+mn-ea"/>
+                <a:cs typeface="+mn-cs"/>
+              </a:rPr>
               <a:t>Emmy</a:t>
             </a:r>
           </a:p>
@@ -11300,13 +14644,7 @@
             </a:extLst>
           </p:cNvPr>
           <p:cNvGraphicFramePr/>
-          <p:nvPr>
-            <p:extLst>
-              <p:ext uri="{D42A27DB-BD31-4B8C-83A1-F6EECF244321}">
-                <p14:modId xmlns:p14="http://schemas.microsoft.com/office/powerpoint/2010/main" val="290880253"/>
-              </p:ext>
-            </p:extLst>
-          </p:nvPr>
+          <p:nvPr/>
         </p:nvGraphicFramePr>
         <p:xfrm>
           <a:off x="557267" y="1686757"/>
@@ -11318,10 +14656,245 @@
           </a:graphicData>
         </a:graphic>
       </p:graphicFrame>
+      <p:grpSp>
+        <p:nvGrpSpPr>
+          <p:cNvPr id="5" name="Group 4">
+            <a:extLst>
+              <a:ext uri="{FF2B5EF4-FFF2-40B4-BE49-F238E27FC236}">
+                <a16:creationId xmlns:a16="http://schemas.microsoft.com/office/drawing/2014/main" id="{98F24120-F044-4664-9333-EAC5D7496D00}"/>
+              </a:ext>
+            </a:extLst>
+          </p:cNvPr>
+          <p:cNvGrpSpPr/>
+          <p:nvPr/>
+        </p:nvGrpSpPr>
+        <p:grpSpPr>
+          <a:xfrm>
+            <a:off x="8487890" y="3167232"/>
+            <a:ext cx="2500539" cy="1091568"/>
+            <a:chOff x="7197156" y="3648168"/>
+            <a:chExt cx="2423350" cy="1001701"/>
+          </a:xfrm>
+        </p:grpSpPr>
+        <p:sp>
+          <p:nvSpPr>
+            <p:cNvPr id="6" name="Rectangle: Rounded Corners 5">
+              <a:extLst>
+                <a:ext uri="{FF2B5EF4-FFF2-40B4-BE49-F238E27FC236}">
+                  <a16:creationId xmlns:a16="http://schemas.microsoft.com/office/drawing/2014/main" id="{1F3DAD43-835F-4A55-ADA1-84711B0A71D4}"/>
+                </a:ext>
+              </a:extLst>
+            </p:cNvPr>
+            <p:cNvSpPr/>
+            <p:nvPr/>
+          </p:nvSpPr>
+          <p:spPr>
+            <a:xfrm>
+              <a:off x="7197156" y="3648168"/>
+              <a:ext cx="2423350" cy="1001701"/>
+            </a:xfrm>
+            <a:prstGeom prst="roundRect">
+              <a:avLst>
+                <a:gd name="adj" fmla="val 16670"/>
+              </a:avLst>
+            </a:prstGeom>
+          </p:spPr>
+          <p:style>
+            <a:lnRef idx="2">
+              <a:schemeClr val="lt2">
+                <a:hueOff val="0"/>
+                <a:satOff val="0"/>
+                <a:lumOff val="0"/>
+                <a:alphaOff val="0"/>
+              </a:schemeClr>
+            </a:lnRef>
+            <a:fillRef idx="1">
+              <a:schemeClr val="dk2">
+                <a:hueOff val="0"/>
+                <a:satOff val="0"/>
+                <a:lumOff val="0"/>
+                <a:alphaOff val="0"/>
+              </a:schemeClr>
+            </a:fillRef>
+            <a:effectRef idx="0">
+              <a:schemeClr val="dk2">
+                <a:hueOff val="0"/>
+                <a:satOff val="0"/>
+                <a:lumOff val="0"/>
+                <a:alphaOff val="0"/>
+              </a:schemeClr>
+            </a:effectRef>
+            <a:fontRef idx="minor">
+              <a:schemeClr val="lt1"/>
+            </a:fontRef>
+          </p:style>
+        </p:sp>
+        <p:sp>
+          <p:nvSpPr>
+            <p:cNvPr id="9" name="Rectangle: Rounded Corners 4">
+              <a:extLst>
+                <a:ext uri="{FF2B5EF4-FFF2-40B4-BE49-F238E27FC236}">
+                  <a16:creationId xmlns:a16="http://schemas.microsoft.com/office/drawing/2014/main" id="{FB4B5AC0-42CC-4FF8-9E63-DD9CFAC5DE2B}"/>
+                </a:ext>
+              </a:extLst>
+            </p:cNvPr>
+            <p:cNvSpPr txBox="1"/>
+            <p:nvPr/>
+          </p:nvSpPr>
+          <p:spPr>
+            <a:xfrm>
+              <a:off x="7246064" y="3697076"/>
+              <a:ext cx="2325534" cy="903885"/>
+            </a:xfrm>
+            <a:prstGeom prst="rect">
+              <a:avLst/>
+            </a:prstGeom>
+          </p:spPr>
+          <p:style>
+            <a:lnRef idx="0">
+              <a:scrgbClr r="0" g="0" b="0"/>
+            </a:lnRef>
+            <a:fillRef idx="0">
+              <a:scrgbClr r="0" g="0" b="0"/>
+            </a:fillRef>
+            <a:effectRef idx="0">
+              <a:scrgbClr r="0" g="0" b="0"/>
+            </a:effectRef>
+            <a:fontRef idx="minor">
+              <a:schemeClr val="lt1"/>
+            </a:fontRef>
+          </p:style>
+          <p:txBody>
+            <a:bodyPr spcFirstLastPara="0" vert="horz" wrap="square" lIns="129540" tIns="129540" rIns="129540" bIns="129540" numCol="1" spcCol="1270" anchor="ctr" anchorCtr="0">
+              <a:noAutofit/>
+            </a:bodyPr>
+            <a:lstStyle/>
+            <a:p>
+              <a:pPr marL="0" marR="0" lvl="0" indent="0" algn="ctr" defTabSz="1511300" rtl="0" eaLnBrk="1" fontAlgn="auto" latinLnBrk="0" hangingPunct="1">
+                <a:lnSpc>
+                  <a:spcPct val="90000"/>
+                </a:lnSpc>
+                <a:spcBef>
+                  <a:spcPct val="0"/>
+                </a:spcBef>
+                <a:spcAft>
+                  <a:spcPct val="35000"/>
+                </a:spcAft>
+                <a:buClrTx/>
+                <a:buSzTx/>
+                <a:buFontTx/>
+                <a:buNone/>
+                <a:tabLst/>
+                <a:defRPr/>
+              </a:pPr>
+              <a:r>
+                <a:rPr kumimoji="0" lang="en-US" sz="2800" b="1" i="0" u="none" strike="noStrike" kern="1200" cap="none" spc="0" normalizeH="0" baseline="0" noProof="0" dirty="0">
+                  <a:ln>
+                    <a:noFill/>
+                  </a:ln>
+                  <a:solidFill>
+                    <a:prstClr val="white"/>
+                  </a:solidFill>
+                  <a:effectLst>
+                    <a:outerShdw blurRad="38100" dist="38100" dir="2700000" algn="tl">
+                      <a:srgbClr val="000000">
+                        <a:alpha val="43137"/>
+                      </a:srgbClr>
+                    </a:outerShdw>
+                  </a:effectLst>
+                  <a:uLnTx/>
+                  <a:uFillTx/>
+                  <a:latin typeface="Questrial" panose="02000000000000000000"/>
+                  <a:ea typeface="+mn-ea"/>
+                  <a:cs typeface="+mn-cs"/>
+                </a:rPr>
+                <a:t>JUNCTION TABLE</a:t>
+              </a:r>
+              <a:endParaRPr kumimoji="0" lang="en-US" sz="2800" b="0" i="0" u="none" strike="noStrike" kern="1200" cap="none" spc="0" normalizeH="0" baseline="0" noProof="0" dirty="0">
+                <a:ln>
+                  <a:noFill/>
+                </a:ln>
+                <a:solidFill>
+                  <a:prstClr val="white"/>
+                </a:solidFill>
+                <a:effectLst/>
+                <a:uLnTx/>
+                <a:uFillTx/>
+                <a:latin typeface="Questrial" panose="02000000000000000000"/>
+                <a:ea typeface="+mn-ea"/>
+                <a:cs typeface="+mn-cs"/>
+              </a:endParaRPr>
+            </a:p>
+          </p:txBody>
+        </p:sp>
+      </p:grpSp>
+      <p:sp>
+        <p:nvSpPr>
+          <p:cNvPr id="10" name="Arrow: Bent-Up 9">
+            <a:extLst>
+              <a:ext uri="{FF2B5EF4-FFF2-40B4-BE49-F238E27FC236}">
+                <a16:creationId xmlns:a16="http://schemas.microsoft.com/office/drawing/2014/main" id="{4B3E7E86-74CB-4CAC-8A5F-91CB33D9AF95}"/>
+              </a:ext>
+            </a:extLst>
+          </p:cNvPr>
+          <p:cNvSpPr/>
+          <p:nvPr/>
+        </p:nvSpPr>
+        <p:spPr>
+          <a:xfrm>
+            <a:off x="9206930" y="4322301"/>
+            <a:ext cx="775732" cy="883144"/>
+          </a:xfrm>
+          <a:prstGeom prst="bentUpArrow">
+            <a:avLst>
+              <a:gd name="adj1" fmla="val 32840"/>
+              <a:gd name="adj2" fmla="val 25000"/>
+              <a:gd name="adj3" fmla="val 35780"/>
+            </a:avLst>
+          </a:prstGeom>
+        </p:spPr>
+        <p:style>
+          <a:lnRef idx="2">
+            <a:schemeClr val="dk2">
+              <a:shade val="80000"/>
+              <a:hueOff val="0"/>
+              <a:satOff val="0"/>
+              <a:lumOff val="0"/>
+              <a:alphaOff val="0"/>
+            </a:schemeClr>
+          </a:lnRef>
+          <a:fillRef idx="1">
+            <a:schemeClr val="dk2">
+              <a:tint val="50000"/>
+              <a:hueOff val="0"/>
+              <a:satOff val="0"/>
+              <a:lumOff val="0"/>
+              <a:alphaOff val="0"/>
+            </a:schemeClr>
+          </a:fillRef>
+          <a:effectRef idx="0">
+            <a:schemeClr val="dk2">
+              <a:tint val="50000"/>
+              <a:hueOff val="0"/>
+              <a:satOff val="0"/>
+              <a:lumOff val="0"/>
+              <a:alphaOff val="0"/>
+            </a:schemeClr>
+          </a:effectRef>
+          <a:fontRef idx="minor">
+            <a:schemeClr val="lt2">
+              <a:hueOff val="0"/>
+              <a:satOff val="0"/>
+              <a:lumOff val="0"/>
+              <a:alphaOff val="0"/>
+            </a:schemeClr>
+          </a:fontRef>
+        </p:style>
+      </p:sp>
     </p:spTree>
     <p:extLst>
       <p:ext uri="{BB962C8B-B14F-4D97-AF65-F5344CB8AC3E}">
-        <p14:creationId xmlns:p14="http://schemas.microsoft.com/office/powerpoint/2010/main" val="1398655382"/>
+        <p14:creationId xmlns:p14="http://schemas.microsoft.com/office/powerpoint/2010/main" val="2622049128"/>
       </p:ext>
     </p:extLst>
   </p:cSld>
@@ -11334,6 +14907,32 @@
 <file path=ppt/slides/slide8.xml><?xml version="1.0" encoding="utf-8"?>
 <p:sld xmlns:a="http://schemas.openxmlformats.org/drawingml/2006/main" xmlns:r="http://schemas.openxmlformats.org/officeDocument/2006/relationships" xmlns:p="http://schemas.openxmlformats.org/presentationml/2006/main">
   <p:cSld>
+    <p:bg>
+      <p:bgPr>
+        <a:gradFill flip="none" rotWithShape="1">
+          <a:gsLst>
+            <a:gs pos="23448">
+              <a:schemeClr val="tx1">
+                <a:lumMod val="85000"/>
+              </a:schemeClr>
+            </a:gs>
+            <a:gs pos="83000">
+              <a:schemeClr val="tx1">
+                <a:lumMod val="65000"/>
+              </a:schemeClr>
+            </a:gs>
+            <a:gs pos="100000">
+              <a:schemeClr val="bg2">
+                <a:lumMod val="50000"/>
+              </a:schemeClr>
+            </a:gs>
+          </a:gsLst>
+          <a:lin ang="4740000" scaled="1"/>
+          <a:tileRect/>
+        </a:gradFill>
+        <a:effectLst/>
+      </p:bgPr>
+    </p:bg>
     <p:spTree>
       <p:nvGrpSpPr>
         <p:cNvPr id="1" name=""/>
@@ -11350,10 +14949,10 @@
       </p:grpSpPr>
       <p:sp>
         <p:nvSpPr>
-          <p:cNvPr id="3" name="TextBox 2">
+          <p:cNvPr id="8" name="TextBox 7">
             <a:extLst>
               <a:ext uri="{FF2B5EF4-FFF2-40B4-BE49-F238E27FC236}">
-                <a16:creationId xmlns:a16="http://schemas.microsoft.com/office/drawing/2014/main" id="{E03A1BD5-672E-374E-9E30-401EB3C688D1}"/>
+                <a16:creationId xmlns:a16="http://schemas.microsoft.com/office/drawing/2014/main" id="{46C0A125-FF4F-6C43-B8AE-3C5B715290A5}"/>
               </a:ext>
             </a:extLst>
           </p:cNvPr>
@@ -11362,8 +14961,8 @@
         </p:nvSpPr>
         <p:spPr>
           <a:xfrm>
-            <a:off x="1058238" y="678094"/>
-            <a:ext cx="3606229" cy="1477328"/>
+            <a:off x="823597" y="520095"/>
+            <a:ext cx="8507971" cy="1015663"/>
           </a:xfrm>
           <a:prstGeom prst="rect">
             <a:avLst/>
@@ -11376,37 +14975,89 @@
           </a:bodyPr>
           <a:lstStyle/>
           <a:p>
+            <a:pPr marL="0" marR="0" lvl="0" indent="0" algn="l" defTabSz="457200" rtl="0" eaLnBrk="1" fontAlgn="auto" latinLnBrk="0" hangingPunct="1">
+              <a:lnSpc>
+                <a:spcPct val="100000"/>
+              </a:lnSpc>
+              <a:spcBef>
+                <a:spcPts val="0"/>
+              </a:spcBef>
+              <a:spcAft>
+                <a:spcPts val="0"/>
+              </a:spcAft>
+              <a:buClrTx/>
+              <a:buSzTx/>
+              <a:buFontTx/>
+              <a:buNone/>
+              <a:tabLst/>
+              <a:defRPr/>
+            </a:pPr>
             <a:r>
-              <a:rPr lang="en-US" dirty="0"/>
-              <a:t>Data Clean Up</a:t>
+              <a:rPr kumimoji="0" lang="en-US" sz="6000" b="0" i="0" u="none" strike="noStrike" kern="1200" cap="none" spc="0" normalizeH="0" baseline="0" noProof="0" dirty="0">
+                <a:ln>
+                  <a:noFill/>
+                </a:ln>
+                <a:solidFill>
+                  <a:srgbClr val="16476F">
+                    <a:lumMod val="75000"/>
+                  </a:srgbClr>
+                </a:solidFill>
+                <a:effectLst/>
+                <a:uLnTx/>
+                <a:uFillTx/>
+                <a:latin typeface="Questrial" panose="02000000000000000000" pitchFamily="2" charset="0"/>
+                <a:ea typeface="+mn-ea"/>
+                <a:cs typeface="+mn-cs"/>
+              </a:rPr>
+              <a:t>our</a:t>
             </a:r>
-          </a:p>
-          <a:p>
-            <a:endParaRPr lang="en-US" dirty="0"/>
-          </a:p>
-          <a:p>
             <a:r>
-              <a:rPr lang="en-US" dirty="0"/>
-              <a:t>Before and After </a:t>
+              <a:rPr kumimoji="0" lang="en-US" sz="6000" b="1" i="0" u="none" strike="noStrike" kern="1200" cap="none" spc="0" normalizeH="0" baseline="0" noProof="0" dirty="0">
+                <a:ln>
+                  <a:noFill/>
+                </a:ln>
+                <a:solidFill>
+                  <a:srgbClr val="16476F">
+                    <a:lumMod val="75000"/>
+                  </a:srgbClr>
+                </a:solidFill>
+                <a:effectLst/>
+                <a:uLnTx/>
+                <a:uFillTx/>
+                <a:latin typeface="Questrial" panose="02000000000000000000" pitchFamily="2" charset="0"/>
+                <a:ea typeface="+mn-ea"/>
+                <a:cs typeface="+mn-cs"/>
+              </a:rPr>
+              <a:t> data </a:t>
             </a:r>
-          </a:p>
-          <a:p>
-            <a:endParaRPr lang="en-US" dirty="0"/>
-          </a:p>
-          <a:p>
             <a:r>
-              <a:rPr lang="en-US" dirty="0"/>
-              <a:t>Tell the transformation story</a:t>
+              <a:rPr kumimoji="0" lang="en-US" sz="6000" b="0" i="0" u="none" strike="noStrike" kern="1200" cap="none" spc="0" normalizeH="0" baseline="0" noProof="0" dirty="0">
+                <a:ln>
+                  <a:noFill/>
+                </a:ln>
+                <a:solidFill>
+                  <a:srgbClr val="16476F">
+                    <a:lumMod val="75000"/>
+                  </a:srgbClr>
+                </a:solidFill>
+                <a:effectLst/>
+                <a:uLnTx/>
+                <a:uFillTx/>
+                <a:latin typeface="Questrial" panose="02000000000000000000" pitchFamily="2" charset="0"/>
+                <a:ea typeface="+mn-ea"/>
+                <a:cs typeface="+mn-cs"/>
+              </a:rPr>
+              <a:t>-&gt; development</a:t>
             </a:r>
           </a:p>
         </p:txBody>
       </p:sp>
       <p:sp>
         <p:nvSpPr>
-          <p:cNvPr id="5" name="TextBox 4">
+          <p:cNvPr id="7" name="TextBox 6">
             <a:extLst>
               <a:ext uri="{FF2B5EF4-FFF2-40B4-BE49-F238E27FC236}">
-                <a16:creationId xmlns:a16="http://schemas.microsoft.com/office/drawing/2014/main" id="{BBEC2DEF-2EEE-D742-A623-0967BCEDC039}"/>
+                <a16:creationId xmlns:a16="http://schemas.microsoft.com/office/drawing/2014/main" id="{63B711B5-FE9C-41C1-9BEF-FD36F6ED18FE}"/>
               </a:ext>
             </a:extLst>
           </p:cNvPr>
@@ -11416,7 +15067,7 @@
         <p:spPr>
           <a:xfrm>
             <a:off x="10602098" y="98854"/>
-            <a:ext cx="1309816" cy="923330"/>
+            <a:ext cx="1309816" cy="369332"/>
           </a:xfrm>
           <a:prstGeom prst="rect">
             <a:avLst/>
@@ -11433,18 +15084,247 @@
           </a:bodyPr>
           <a:lstStyle/>
           <a:p>
-            <a:pPr algn="ctr"/>
+            <a:pPr marL="0" marR="0" lvl="0" indent="0" algn="ctr" defTabSz="457200" rtl="0" eaLnBrk="1" fontAlgn="auto" latinLnBrk="0" hangingPunct="1">
+              <a:lnSpc>
+                <a:spcPct val="100000"/>
+              </a:lnSpc>
+              <a:spcBef>
+                <a:spcPts val="0"/>
+              </a:spcBef>
+              <a:spcAft>
+                <a:spcPts val="0"/>
+              </a:spcAft>
+              <a:buClrTx/>
+              <a:buSzTx/>
+              <a:buFontTx/>
+              <a:buNone/>
+              <a:tabLst/>
+              <a:defRPr/>
+            </a:pPr>
             <a:r>
-              <a:rPr lang="en-US" b="1" dirty="0"/>
-              <a:t>Sales and Dev - Emmy</a:t>
+              <a:rPr kumimoji="0" lang="en-US" sz="1800" b="1" i="0" u="none" strike="noStrike" kern="1200" cap="none" spc="0" normalizeH="0" baseline="0" noProof="0" dirty="0">
+                <a:ln>
+                  <a:noFill/>
+                </a:ln>
+                <a:solidFill>
+                  <a:prstClr val="white"/>
+                </a:solidFill>
+                <a:effectLst/>
+                <a:uLnTx/>
+                <a:uFillTx/>
+                <a:latin typeface="Calibri" panose="020F0502020204030204"/>
+                <a:ea typeface="+mn-ea"/>
+                <a:cs typeface="+mn-cs"/>
+              </a:rPr>
+              <a:t>Emmy</a:t>
             </a:r>
+          </a:p>
+        </p:txBody>
+      </p:sp>
+      <p:graphicFrame>
+        <p:nvGraphicFramePr>
+          <p:cNvPr id="17" name="Diagram 16">
+            <a:extLst>
+              <a:ext uri="{FF2B5EF4-FFF2-40B4-BE49-F238E27FC236}">
+                <a16:creationId xmlns:a16="http://schemas.microsoft.com/office/drawing/2014/main" id="{880232BC-DB29-4321-BCFA-535900F01275}"/>
+              </a:ext>
+            </a:extLst>
+          </p:cNvPr>
+          <p:cNvGraphicFramePr/>
+          <p:nvPr/>
+        </p:nvGraphicFramePr>
+        <p:xfrm>
+          <a:off x="557267" y="1686757"/>
+          <a:ext cx="11036969" cy="4806379"/>
+        </p:xfrm>
+        <a:graphic>
+          <a:graphicData uri="http://schemas.openxmlformats.org/drawingml/2006/diagram">
+            <dgm:relIds xmlns:dgm="http://schemas.openxmlformats.org/drawingml/2006/diagram" xmlns:r="http://schemas.openxmlformats.org/officeDocument/2006/relationships" r:dm="rId2" r:lo="rId3" r:qs="rId4" r:cs="rId5"/>
+          </a:graphicData>
+        </a:graphic>
+      </p:graphicFrame>
+      <p:sp>
+        <p:nvSpPr>
+          <p:cNvPr id="2" name="Callout: Left Arrow 1">
+            <a:extLst>
+              <a:ext uri="{FF2B5EF4-FFF2-40B4-BE49-F238E27FC236}">
+                <a16:creationId xmlns:a16="http://schemas.microsoft.com/office/drawing/2014/main" id="{D6AF3C83-E7D0-4B32-B604-2DF22F238C8D}"/>
+              </a:ext>
+            </a:extLst>
+          </p:cNvPr>
+          <p:cNvSpPr/>
+          <p:nvPr/>
+        </p:nvSpPr>
+        <p:spPr>
+          <a:xfrm>
+            <a:off x="5181597" y="2998378"/>
+            <a:ext cx="4149971" cy="1091568"/>
+          </a:xfrm>
+          <a:prstGeom prst="leftArrowCallout">
+            <a:avLst/>
+          </a:prstGeom>
+          <a:solidFill>
+            <a:schemeClr val="accent5">
+              <a:lumMod val="50000"/>
+            </a:schemeClr>
+          </a:solidFill>
+        </p:spPr>
+        <p:style>
+          <a:lnRef idx="2">
+            <a:schemeClr val="accent1">
+              <a:shade val="50000"/>
+            </a:schemeClr>
+          </a:lnRef>
+          <a:fillRef idx="1">
+            <a:schemeClr val="accent1"/>
+          </a:fillRef>
+          <a:effectRef idx="0">
+            <a:schemeClr val="accent1"/>
+          </a:effectRef>
+          <a:fontRef idx="minor">
+            <a:schemeClr val="lt1"/>
+          </a:fontRef>
+        </p:style>
+        <p:txBody>
+          <a:bodyPr rtlCol="0" anchor="ctr"/>
+          <a:lstStyle/>
+          <a:p>
+            <a:pPr marL="0" marR="0" lvl="0" indent="0" algn="ctr" defTabSz="914400" rtl="0" eaLnBrk="1" fontAlgn="auto" latinLnBrk="0" hangingPunct="1">
+              <a:lnSpc>
+                <a:spcPct val="100000"/>
+              </a:lnSpc>
+              <a:spcBef>
+                <a:spcPts val="0"/>
+              </a:spcBef>
+              <a:spcAft>
+                <a:spcPts val="0"/>
+              </a:spcAft>
+              <a:buClrTx/>
+              <a:buSzTx/>
+              <a:buFontTx/>
+              <a:buNone/>
+              <a:tabLst/>
+              <a:defRPr/>
+            </a:pPr>
+            <a:endParaRPr kumimoji="0" lang="en-US" sz="1800" b="0" i="0" u="none" strike="noStrike" kern="1200" cap="none" spc="0" normalizeH="0" baseline="0" noProof="0" dirty="0">
+              <a:ln>
+                <a:noFill/>
+              </a:ln>
+              <a:solidFill>
+                <a:prstClr val="white"/>
+              </a:solidFill>
+              <a:effectLst/>
+              <a:uLnTx/>
+              <a:uFillTx/>
+              <a:latin typeface="Calibri" panose="020F0502020204030204"/>
+              <a:ea typeface="+mn-ea"/>
+              <a:cs typeface="+mn-cs"/>
+            </a:endParaRPr>
+          </a:p>
+        </p:txBody>
+      </p:sp>
+      <p:sp>
+        <p:nvSpPr>
+          <p:cNvPr id="13" name="Rectangle: Rounded Corners 4">
+            <a:extLst>
+              <a:ext uri="{FF2B5EF4-FFF2-40B4-BE49-F238E27FC236}">
+                <a16:creationId xmlns:a16="http://schemas.microsoft.com/office/drawing/2014/main" id="{F7079086-CBDF-49D9-9632-C9DB366BAEA3}"/>
+              </a:ext>
+            </a:extLst>
+          </p:cNvPr>
+          <p:cNvSpPr txBox="1"/>
+          <p:nvPr/>
+        </p:nvSpPr>
+        <p:spPr>
+          <a:xfrm>
+            <a:off x="6863492" y="3051674"/>
+            <a:ext cx="2399607" cy="984976"/>
+          </a:xfrm>
+          <a:prstGeom prst="rect">
+            <a:avLst/>
+          </a:prstGeom>
+        </p:spPr>
+        <p:style>
+          <a:lnRef idx="0">
+            <a:scrgbClr r="0" g="0" b="0"/>
+          </a:lnRef>
+          <a:fillRef idx="0">
+            <a:scrgbClr r="0" g="0" b="0"/>
+          </a:fillRef>
+          <a:effectRef idx="0">
+            <a:scrgbClr r="0" g="0" b="0"/>
+          </a:effectRef>
+          <a:fontRef idx="minor">
+            <a:schemeClr val="lt1"/>
+          </a:fontRef>
+        </p:style>
+        <p:txBody>
+          <a:bodyPr spcFirstLastPara="0" vert="horz" wrap="square" lIns="129540" tIns="129540" rIns="129540" bIns="129540" numCol="1" spcCol="1270" anchor="ctr" anchorCtr="0">
+            <a:noAutofit/>
+          </a:bodyPr>
+          <a:lstStyle/>
+          <a:p>
+            <a:pPr marL="0" marR="0" lvl="0" indent="0" algn="ctr" defTabSz="1511300" rtl="0" eaLnBrk="1" fontAlgn="auto" latinLnBrk="0" hangingPunct="1">
+              <a:lnSpc>
+                <a:spcPct val="90000"/>
+              </a:lnSpc>
+              <a:spcBef>
+                <a:spcPct val="0"/>
+              </a:spcBef>
+              <a:spcAft>
+                <a:spcPct val="35000"/>
+              </a:spcAft>
+              <a:buClrTx/>
+              <a:buSzTx/>
+              <a:buFontTx/>
+              <a:buNone/>
+              <a:tabLst/>
+              <a:defRPr/>
+            </a:pPr>
+            <a:r>
+              <a:rPr kumimoji="0" lang="en-US" sz="2800" b="1" i="0" u="none" strike="noStrike" kern="1200" cap="none" spc="0" normalizeH="0" baseline="0" noProof="0" dirty="0">
+                <a:ln>
+                  <a:noFill/>
+                </a:ln>
+                <a:solidFill>
+                  <a:prstClr val="white"/>
+                </a:solidFill>
+                <a:effectLst>
+                  <a:outerShdw blurRad="38100" dist="38100" dir="2700000" algn="tl">
+                    <a:srgbClr val="000000">
+                      <a:alpha val="43137"/>
+                    </a:srgbClr>
+                  </a:outerShdw>
+                </a:effectLst>
+                <a:uLnTx/>
+                <a:uFillTx/>
+                <a:latin typeface="Questrial" panose="02000000000000000000"/>
+                <a:ea typeface="+mn-ea"/>
+                <a:cs typeface="+mn-cs"/>
+              </a:rPr>
+              <a:t>JUNCTION TABLE</a:t>
+            </a:r>
+            <a:endParaRPr kumimoji="0" lang="en-US" sz="2800" b="0" i="0" u="none" strike="noStrike" kern="1200" cap="none" spc="0" normalizeH="0" baseline="0" noProof="0" dirty="0">
+              <a:ln>
+                <a:noFill/>
+              </a:ln>
+              <a:solidFill>
+                <a:prstClr val="white"/>
+              </a:solidFill>
+              <a:effectLst/>
+              <a:uLnTx/>
+              <a:uFillTx/>
+              <a:latin typeface="Questrial" panose="02000000000000000000"/>
+              <a:ea typeface="+mn-ea"/>
+              <a:cs typeface="+mn-cs"/>
+            </a:endParaRPr>
           </a:p>
         </p:txBody>
       </p:sp>
     </p:spTree>
     <p:extLst>
       <p:ext uri="{BB962C8B-B14F-4D97-AF65-F5344CB8AC3E}">
-        <p14:creationId xmlns:p14="http://schemas.microsoft.com/office/powerpoint/2010/main" val="700342363"/>
+        <p14:creationId xmlns:p14="http://schemas.microsoft.com/office/powerpoint/2010/main" val="3822898914"/>
       </p:ext>
     </p:extLst>
   </p:cSld>

--- a/Presentation - Strawman.pptx
+++ b/Presentation - Strawman.pptx
@@ -14,11 +14,12 @@
     <p:sldId id="274" r:id="rId8"/>
     <p:sldId id="269" r:id="rId9"/>
     <p:sldId id="270" r:id="rId10"/>
-    <p:sldId id="262" r:id="rId11"/>
-    <p:sldId id="263" r:id="rId12"/>
-    <p:sldId id="264" r:id="rId13"/>
-    <p:sldId id="265" r:id="rId14"/>
-    <p:sldId id="266" r:id="rId15"/>
+    <p:sldId id="275" r:id="rId11"/>
+    <p:sldId id="262" r:id="rId12"/>
+    <p:sldId id="263" r:id="rId13"/>
+    <p:sldId id="264" r:id="rId14"/>
+    <p:sldId id="265" r:id="rId15"/>
+    <p:sldId id="266" r:id="rId16"/>
   </p:sldIdLst>
   <p:sldSz cx="12192000" cy="6858000"/>
   <p:notesSz cx="6858000" cy="9144000"/>
@@ -858,6 +859,753 @@
   <dgm:styleLbl name="revTx">
     <dgm:fillClrLst meth="repeat">
       <a:schemeClr val="lt2">
+        <a:alpha val="0"/>
+      </a:schemeClr>
+    </dgm:fillClrLst>
+    <dgm:linClrLst meth="repeat">
+      <a:schemeClr val="dk1">
+        <a:alpha val="0"/>
+      </a:schemeClr>
+    </dgm:linClrLst>
+    <dgm:effectClrLst/>
+    <dgm:txLinClrLst/>
+    <dgm:txFillClrLst meth="repeat">
+      <a:schemeClr val="tx1"/>
+    </dgm:txFillClrLst>
+    <dgm:txEffectClrLst/>
+  </dgm:styleLbl>
+</dgm:colorsDef>
+</file>
+
+<file path=ppt/diagrams/colors2.xml><?xml version="1.0" encoding="utf-8"?>
+<dgm:colorsDef xmlns:dgm="http://schemas.openxmlformats.org/drawingml/2006/diagram" xmlns:a="http://schemas.openxmlformats.org/drawingml/2006/main" uniqueId="urn:microsoft.com/office/officeart/2005/8/colors/accent1_2">
+  <dgm:title val=""/>
+  <dgm:desc val=""/>
+  <dgm:catLst>
+    <dgm:cat type="accent1" pri="11200"/>
+  </dgm:catLst>
+  <dgm:styleLbl name="node0">
+    <dgm:fillClrLst meth="repeat">
+      <a:schemeClr val="accent1"/>
+    </dgm:fillClrLst>
+    <dgm:linClrLst meth="repeat">
+      <a:schemeClr val="lt1"/>
+    </dgm:linClrLst>
+    <dgm:effectClrLst/>
+    <dgm:txLinClrLst/>
+    <dgm:txFillClrLst/>
+    <dgm:txEffectClrLst/>
+  </dgm:styleLbl>
+  <dgm:styleLbl name="alignNode1">
+    <dgm:fillClrLst meth="repeat">
+      <a:schemeClr val="accent1"/>
+    </dgm:fillClrLst>
+    <dgm:linClrLst meth="repeat">
+      <a:schemeClr val="accent1"/>
+    </dgm:linClrLst>
+    <dgm:effectClrLst/>
+    <dgm:txLinClrLst/>
+    <dgm:txFillClrLst/>
+    <dgm:txEffectClrLst/>
+  </dgm:styleLbl>
+  <dgm:styleLbl name="node1">
+    <dgm:fillClrLst meth="repeat">
+      <a:schemeClr val="accent1"/>
+    </dgm:fillClrLst>
+    <dgm:linClrLst meth="repeat">
+      <a:schemeClr val="lt1"/>
+    </dgm:linClrLst>
+    <dgm:effectClrLst/>
+    <dgm:txLinClrLst/>
+    <dgm:txFillClrLst/>
+    <dgm:txEffectClrLst/>
+  </dgm:styleLbl>
+  <dgm:styleLbl name="lnNode1">
+    <dgm:fillClrLst meth="repeat">
+      <a:schemeClr val="accent1"/>
+    </dgm:fillClrLst>
+    <dgm:linClrLst meth="repeat">
+      <a:schemeClr val="lt1"/>
+    </dgm:linClrLst>
+    <dgm:effectClrLst/>
+    <dgm:txLinClrLst/>
+    <dgm:txFillClrLst/>
+    <dgm:txEffectClrLst/>
+  </dgm:styleLbl>
+  <dgm:styleLbl name="vennNode1">
+    <dgm:fillClrLst meth="repeat">
+      <a:schemeClr val="accent1">
+        <a:alpha val="50000"/>
+      </a:schemeClr>
+    </dgm:fillClrLst>
+    <dgm:linClrLst meth="repeat">
+      <a:schemeClr val="lt1"/>
+    </dgm:linClrLst>
+    <dgm:effectClrLst/>
+    <dgm:txLinClrLst/>
+    <dgm:txFillClrLst/>
+    <dgm:txEffectClrLst/>
+  </dgm:styleLbl>
+  <dgm:styleLbl name="node2">
+    <dgm:fillClrLst meth="repeat">
+      <a:schemeClr val="accent1"/>
+    </dgm:fillClrLst>
+    <dgm:linClrLst meth="repeat">
+      <a:schemeClr val="lt1"/>
+    </dgm:linClrLst>
+    <dgm:effectClrLst/>
+    <dgm:txLinClrLst/>
+    <dgm:txFillClrLst/>
+    <dgm:txEffectClrLst/>
+  </dgm:styleLbl>
+  <dgm:styleLbl name="node3">
+    <dgm:fillClrLst meth="repeat">
+      <a:schemeClr val="accent1"/>
+    </dgm:fillClrLst>
+    <dgm:linClrLst meth="repeat">
+      <a:schemeClr val="lt1"/>
+    </dgm:linClrLst>
+    <dgm:effectClrLst/>
+    <dgm:txLinClrLst/>
+    <dgm:txFillClrLst/>
+    <dgm:txEffectClrLst/>
+  </dgm:styleLbl>
+  <dgm:styleLbl name="node4">
+    <dgm:fillClrLst meth="repeat">
+      <a:schemeClr val="accent1"/>
+    </dgm:fillClrLst>
+    <dgm:linClrLst meth="repeat">
+      <a:schemeClr val="lt1"/>
+    </dgm:linClrLst>
+    <dgm:effectClrLst/>
+    <dgm:txLinClrLst/>
+    <dgm:txFillClrLst/>
+    <dgm:txEffectClrLst/>
+  </dgm:styleLbl>
+  <dgm:styleLbl name="fgImgPlace1">
+    <dgm:fillClrLst meth="repeat">
+      <a:schemeClr val="accent1">
+        <a:tint val="50000"/>
+      </a:schemeClr>
+    </dgm:fillClrLst>
+    <dgm:linClrLst meth="repeat">
+      <a:schemeClr val="lt1"/>
+    </dgm:linClrLst>
+    <dgm:effectClrLst/>
+    <dgm:txLinClrLst/>
+    <dgm:txFillClrLst meth="repeat">
+      <a:schemeClr val="lt1"/>
+    </dgm:txFillClrLst>
+    <dgm:txEffectClrLst/>
+  </dgm:styleLbl>
+  <dgm:styleLbl name="alignImgPlace1">
+    <dgm:fillClrLst meth="repeat">
+      <a:schemeClr val="accent1">
+        <a:tint val="50000"/>
+      </a:schemeClr>
+    </dgm:fillClrLst>
+    <dgm:linClrLst meth="repeat">
+      <a:schemeClr val="lt1"/>
+    </dgm:linClrLst>
+    <dgm:effectClrLst/>
+    <dgm:txLinClrLst/>
+    <dgm:txFillClrLst meth="repeat">
+      <a:schemeClr val="lt1"/>
+    </dgm:txFillClrLst>
+    <dgm:txEffectClrLst/>
+  </dgm:styleLbl>
+  <dgm:styleLbl name="bgImgPlace1">
+    <dgm:fillClrLst meth="repeat">
+      <a:schemeClr val="accent1">
+        <a:tint val="50000"/>
+      </a:schemeClr>
+    </dgm:fillClrLst>
+    <dgm:linClrLst meth="repeat">
+      <a:schemeClr val="lt1"/>
+    </dgm:linClrLst>
+    <dgm:effectClrLst/>
+    <dgm:txLinClrLst/>
+    <dgm:txFillClrLst meth="repeat">
+      <a:schemeClr val="lt1"/>
+    </dgm:txFillClrLst>
+    <dgm:txEffectClrLst/>
+  </dgm:styleLbl>
+  <dgm:styleLbl name="sibTrans2D1">
+    <dgm:fillClrLst meth="repeat">
+      <a:schemeClr val="accent1">
+        <a:tint val="60000"/>
+      </a:schemeClr>
+    </dgm:fillClrLst>
+    <dgm:linClrLst meth="repeat">
+      <a:schemeClr val="accent1">
+        <a:tint val="60000"/>
+      </a:schemeClr>
+    </dgm:linClrLst>
+    <dgm:effectClrLst/>
+    <dgm:txLinClrLst/>
+    <dgm:txFillClrLst/>
+    <dgm:txEffectClrLst/>
+  </dgm:styleLbl>
+  <dgm:styleLbl name="fgSibTrans2D1">
+    <dgm:fillClrLst meth="repeat">
+      <a:schemeClr val="accent1">
+        <a:tint val="60000"/>
+      </a:schemeClr>
+    </dgm:fillClrLst>
+    <dgm:linClrLst meth="repeat">
+      <a:schemeClr val="accent1">
+        <a:tint val="60000"/>
+      </a:schemeClr>
+    </dgm:linClrLst>
+    <dgm:effectClrLst/>
+    <dgm:txLinClrLst/>
+    <dgm:txFillClrLst/>
+    <dgm:txEffectClrLst/>
+  </dgm:styleLbl>
+  <dgm:styleLbl name="bgSibTrans2D1">
+    <dgm:fillClrLst meth="repeat">
+      <a:schemeClr val="accent1">
+        <a:tint val="60000"/>
+      </a:schemeClr>
+    </dgm:fillClrLst>
+    <dgm:linClrLst meth="repeat">
+      <a:schemeClr val="accent1">
+        <a:tint val="60000"/>
+      </a:schemeClr>
+    </dgm:linClrLst>
+    <dgm:effectClrLst/>
+    <dgm:txLinClrLst/>
+    <dgm:txFillClrLst/>
+    <dgm:txEffectClrLst/>
+  </dgm:styleLbl>
+  <dgm:styleLbl name="sibTrans1D1">
+    <dgm:fillClrLst meth="repeat">
+      <a:schemeClr val="accent1"/>
+    </dgm:fillClrLst>
+    <dgm:linClrLst meth="repeat">
+      <a:schemeClr val="accent1"/>
+    </dgm:linClrLst>
+    <dgm:effectClrLst/>
+    <dgm:txLinClrLst/>
+    <dgm:txFillClrLst meth="repeat">
+      <a:schemeClr val="tx1"/>
+    </dgm:txFillClrLst>
+    <dgm:txEffectClrLst/>
+  </dgm:styleLbl>
+  <dgm:styleLbl name="callout">
+    <dgm:fillClrLst meth="repeat">
+      <a:schemeClr val="accent1"/>
+    </dgm:fillClrLst>
+    <dgm:linClrLst meth="repeat">
+      <a:schemeClr val="accent1">
+        <a:tint val="50000"/>
+      </a:schemeClr>
+    </dgm:linClrLst>
+    <dgm:effectClrLst/>
+    <dgm:txLinClrLst/>
+    <dgm:txFillClrLst meth="repeat">
+      <a:schemeClr val="tx1"/>
+    </dgm:txFillClrLst>
+    <dgm:txEffectClrLst/>
+  </dgm:styleLbl>
+  <dgm:styleLbl name="asst0">
+    <dgm:fillClrLst meth="repeat">
+      <a:schemeClr val="accent1"/>
+    </dgm:fillClrLst>
+    <dgm:linClrLst meth="repeat">
+      <a:schemeClr val="lt1"/>
+    </dgm:linClrLst>
+    <dgm:effectClrLst/>
+    <dgm:txLinClrLst/>
+    <dgm:txFillClrLst/>
+    <dgm:txEffectClrLst/>
+  </dgm:styleLbl>
+  <dgm:styleLbl name="asst1">
+    <dgm:fillClrLst meth="repeat">
+      <a:schemeClr val="accent1"/>
+    </dgm:fillClrLst>
+    <dgm:linClrLst meth="repeat">
+      <a:schemeClr val="lt1"/>
+    </dgm:linClrLst>
+    <dgm:effectClrLst/>
+    <dgm:txLinClrLst/>
+    <dgm:txFillClrLst/>
+    <dgm:txEffectClrLst/>
+  </dgm:styleLbl>
+  <dgm:styleLbl name="asst2">
+    <dgm:fillClrLst meth="repeat">
+      <a:schemeClr val="accent1"/>
+    </dgm:fillClrLst>
+    <dgm:linClrLst meth="repeat">
+      <a:schemeClr val="lt1"/>
+    </dgm:linClrLst>
+    <dgm:effectClrLst/>
+    <dgm:txLinClrLst/>
+    <dgm:txFillClrLst/>
+    <dgm:txEffectClrLst/>
+  </dgm:styleLbl>
+  <dgm:styleLbl name="asst3">
+    <dgm:fillClrLst meth="repeat">
+      <a:schemeClr val="accent1"/>
+    </dgm:fillClrLst>
+    <dgm:linClrLst meth="repeat">
+      <a:schemeClr val="lt1"/>
+    </dgm:linClrLst>
+    <dgm:effectClrLst/>
+    <dgm:txLinClrLst/>
+    <dgm:txFillClrLst/>
+    <dgm:txEffectClrLst/>
+  </dgm:styleLbl>
+  <dgm:styleLbl name="asst4">
+    <dgm:fillClrLst meth="repeat">
+      <a:schemeClr val="accent1"/>
+    </dgm:fillClrLst>
+    <dgm:linClrLst meth="repeat">
+      <a:schemeClr val="lt1"/>
+    </dgm:linClrLst>
+    <dgm:effectClrLst/>
+    <dgm:txLinClrLst/>
+    <dgm:txFillClrLst/>
+    <dgm:txEffectClrLst/>
+  </dgm:styleLbl>
+  <dgm:styleLbl name="parChTrans2D1">
+    <dgm:fillClrLst meth="repeat">
+      <a:schemeClr val="accent1">
+        <a:tint val="60000"/>
+      </a:schemeClr>
+    </dgm:fillClrLst>
+    <dgm:linClrLst meth="repeat">
+      <a:schemeClr val="accent1">
+        <a:tint val="60000"/>
+      </a:schemeClr>
+    </dgm:linClrLst>
+    <dgm:effectClrLst/>
+    <dgm:txLinClrLst/>
+    <dgm:txFillClrLst meth="repeat">
+      <a:schemeClr val="lt1"/>
+    </dgm:txFillClrLst>
+    <dgm:txEffectClrLst/>
+  </dgm:styleLbl>
+  <dgm:styleLbl name="parChTrans2D2">
+    <dgm:fillClrLst meth="repeat">
+      <a:schemeClr val="accent1"/>
+    </dgm:fillClrLst>
+    <dgm:linClrLst meth="repeat">
+      <a:schemeClr val="accent1"/>
+    </dgm:linClrLst>
+    <dgm:effectClrLst/>
+    <dgm:txLinClrLst/>
+    <dgm:txFillClrLst meth="repeat">
+      <a:schemeClr val="lt1"/>
+    </dgm:txFillClrLst>
+    <dgm:txEffectClrLst/>
+  </dgm:styleLbl>
+  <dgm:styleLbl name="parChTrans2D3">
+    <dgm:fillClrLst meth="repeat">
+      <a:schemeClr val="accent1"/>
+    </dgm:fillClrLst>
+    <dgm:linClrLst meth="repeat">
+      <a:schemeClr val="accent1"/>
+    </dgm:linClrLst>
+    <dgm:effectClrLst/>
+    <dgm:txLinClrLst/>
+    <dgm:txFillClrLst meth="repeat">
+      <a:schemeClr val="lt1"/>
+    </dgm:txFillClrLst>
+    <dgm:txEffectClrLst/>
+  </dgm:styleLbl>
+  <dgm:styleLbl name="parChTrans2D4">
+    <dgm:fillClrLst meth="repeat">
+      <a:schemeClr val="accent1"/>
+    </dgm:fillClrLst>
+    <dgm:linClrLst meth="repeat">
+      <a:schemeClr val="accent1"/>
+    </dgm:linClrLst>
+    <dgm:effectClrLst/>
+    <dgm:txLinClrLst/>
+    <dgm:txFillClrLst meth="repeat">
+      <a:schemeClr val="lt1"/>
+    </dgm:txFillClrLst>
+    <dgm:txEffectClrLst/>
+  </dgm:styleLbl>
+  <dgm:styleLbl name="parChTrans1D1">
+    <dgm:fillClrLst meth="repeat">
+      <a:schemeClr val="accent1"/>
+    </dgm:fillClrLst>
+    <dgm:linClrLst meth="repeat">
+      <a:schemeClr val="accent1">
+        <a:shade val="60000"/>
+      </a:schemeClr>
+    </dgm:linClrLst>
+    <dgm:effectClrLst/>
+    <dgm:txLinClrLst/>
+    <dgm:txFillClrLst meth="repeat">
+      <a:schemeClr val="tx1"/>
+    </dgm:txFillClrLst>
+    <dgm:txEffectClrLst/>
+  </dgm:styleLbl>
+  <dgm:styleLbl name="parChTrans1D2">
+    <dgm:fillClrLst meth="repeat">
+      <a:schemeClr val="accent1"/>
+    </dgm:fillClrLst>
+    <dgm:linClrLst meth="repeat">
+      <a:schemeClr val="accent1">
+        <a:shade val="60000"/>
+      </a:schemeClr>
+    </dgm:linClrLst>
+    <dgm:effectClrLst/>
+    <dgm:txLinClrLst/>
+    <dgm:txFillClrLst meth="repeat">
+      <a:schemeClr val="tx1"/>
+    </dgm:txFillClrLst>
+    <dgm:txEffectClrLst/>
+  </dgm:styleLbl>
+  <dgm:styleLbl name="parChTrans1D3">
+    <dgm:fillClrLst meth="repeat">
+      <a:schemeClr val="accent1"/>
+    </dgm:fillClrLst>
+    <dgm:linClrLst meth="repeat">
+      <a:schemeClr val="accent1">
+        <a:shade val="80000"/>
+      </a:schemeClr>
+    </dgm:linClrLst>
+    <dgm:effectClrLst/>
+    <dgm:txLinClrLst/>
+    <dgm:txFillClrLst meth="repeat">
+      <a:schemeClr val="tx1"/>
+    </dgm:txFillClrLst>
+    <dgm:txEffectClrLst/>
+  </dgm:styleLbl>
+  <dgm:styleLbl name="parChTrans1D4">
+    <dgm:fillClrLst meth="repeat">
+      <a:schemeClr val="accent1"/>
+    </dgm:fillClrLst>
+    <dgm:linClrLst meth="repeat">
+      <a:schemeClr val="accent1">
+        <a:shade val="80000"/>
+      </a:schemeClr>
+    </dgm:linClrLst>
+    <dgm:effectClrLst/>
+    <dgm:txLinClrLst/>
+    <dgm:txFillClrLst meth="repeat">
+      <a:schemeClr val="tx1"/>
+    </dgm:txFillClrLst>
+    <dgm:txEffectClrLst/>
+  </dgm:styleLbl>
+  <dgm:styleLbl name="fgAcc1">
+    <dgm:fillClrLst meth="repeat">
+      <a:schemeClr val="lt1">
+        <a:alpha val="90000"/>
+      </a:schemeClr>
+    </dgm:fillClrLst>
+    <dgm:linClrLst meth="repeat">
+      <a:schemeClr val="accent1"/>
+    </dgm:linClrLst>
+    <dgm:effectClrLst/>
+    <dgm:txLinClrLst/>
+    <dgm:txFillClrLst meth="repeat">
+      <a:schemeClr val="dk1"/>
+    </dgm:txFillClrLst>
+    <dgm:txEffectClrLst/>
+  </dgm:styleLbl>
+  <dgm:styleLbl name="conFgAcc1">
+    <dgm:fillClrLst meth="repeat">
+      <a:schemeClr val="lt1">
+        <a:alpha val="90000"/>
+      </a:schemeClr>
+    </dgm:fillClrLst>
+    <dgm:linClrLst meth="repeat">
+      <a:schemeClr val="accent1"/>
+    </dgm:linClrLst>
+    <dgm:effectClrLst/>
+    <dgm:txLinClrLst/>
+    <dgm:txFillClrLst meth="repeat">
+      <a:schemeClr val="dk1"/>
+    </dgm:txFillClrLst>
+    <dgm:txEffectClrLst/>
+  </dgm:styleLbl>
+  <dgm:styleLbl name="alignAcc1">
+    <dgm:fillClrLst meth="repeat">
+      <a:schemeClr val="lt1">
+        <a:alpha val="90000"/>
+      </a:schemeClr>
+    </dgm:fillClrLst>
+    <dgm:linClrLst meth="repeat">
+      <a:schemeClr val="accent1"/>
+    </dgm:linClrLst>
+    <dgm:effectClrLst/>
+    <dgm:txLinClrLst/>
+    <dgm:txFillClrLst meth="repeat">
+      <a:schemeClr val="dk1"/>
+    </dgm:txFillClrLst>
+    <dgm:txEffectClrLst/>
+  </dgm:styleLbl>
+  <dgm:styleLbl name="trAlignAcc1">
+    <dgm:fillClrLst meth="repeat">
+      <a:schemeClr val="lt1">
+        <a:alpha val="40000"/>
+      </a:schemeClr>
+    </dgm:fillClrLst>
+    <dgm:linClrLst meth="repeat">
+      <a:schemeClr val="accent1"/>
+    </dgm:linClrLst>
+    <dgm:effectClrLst/>
+    <dgm:txLinClrLst/>
+    <dgm:txFillClrLst meth="repeat">
+      <a:schemeClr val="dk1"/>
+    </dgm:txFillClrLst>
+    <dgm:txEffectClrLst/>
+  </dgm:styleLbl>
+  <dgm:styleLbl name="bgAcc1">
+    <dgm:fillClrLst meth="repeat">
+      <a:schemeClr val="lt1">
+        <a:alpha val="90000"/>
+      </a:schemeClr>
+    </dgm:fillClrLst>
+    <dgm:linClrLst meth="repeat">
+      <a:schemeClr val="accent1"/>
+    </dgm:linClrLst>
+    <dgm:effectClrLst/>
+    <dgm:txLinClrLst/>
+    <dgm:txFillClrLst meth="repeat">
+      <a:schemeClr val="dk1"/>
+    </dgm:txFillClrLst>
+    <dgm:txEffectClrLst/>
+  </dgm:styleLbl>
+  <dgm:styleLbl name="solidFgAcc1">
+    <dgm:fillClrLst meth="repeat">
+      <a:schemeClr val="lt1"/>
+    </dgm:fillClrLst>
+    <dgm:linClrLst meth="repeat">
+      <a:schemeClr val="accent1"/>
+    </dgm:linClrLst>
+    <dgm:effectClrLst/>
+    <dgm:txLinClrLst/>
+    <dgm:txFillClrLst meth="repeat">
+      <a:schemeClr val="dk1"/>
+    </dgm:txFillClrLst>
+    <dgm:txEffectClrLst/>
+  </dgm:styleLbl>
+  <dgm:styleLbl name="solidAlignAcc1">
+    <dgm:fillClrLst meth="repeat">
+      <a:schemeClr val="lt1"/>
+    </dgm:fillClrLst>
+    <dgm:linClrLst meth="repeat">
+      <a:schemeClr val="accent1"/>
+    </dgm:linClrLst>
+    <dgm:effectClrLst/>
+    <dgm:txLinClrLst/>
+    <dgm:txFillClrLst meth="repeat">
+      <a:schemeClr val="dk1"/>
+    </dgm:txFillClrLst>
+    <dgm:txEffectClrLst/>
+  </dgm:styleLbl>
+  <dgm:styleLbl name="solidBgAcc1">
+    <dgm:fillClrLst meth="repeat">
+      <a:schemeClr val="lt1"/>
+    </dgm:fillClrLst>
+    <dgm:linClrLst meth="repeat">
+      <a:schemeClr val="accent1"/>
+    </dgm:linClrLst>
+    <dgm:effectClrLst/>
+    <dgm:txLinClrLst/>
+    <dgm:txFillClrLst meth="repeat">
+      <a:schemeClr val="dk1"/>
+    </dgm:txFillClrLst>
+    <dgm:txEffectClrLst/>
+  </dgm:styleLbl>
+  <dgm:styleLbl name="fgAccFollowNode1">
+    <dgm:fillClrLst meth="repeat">
+      <a:schemeClr val="accent1">
+        <a:alpha val="90000"/>
+        <a:tint val="40000"/>
+      </a:schemeClr>
+    </dgm:fillClrLst>
+    <dgm:linClrLst meth="repeat">
+      <a:schemeClr val="accent1">
+        <a:alpha val="90000"/>
+        <a:tint val="40000"/>
+      </a:schemeClr>
+    </dgm:linClrLst>
+    <dgm:effectClrLst/>
+    <dgm:txLinClrLst/>
+    <dgm:txFillClrLst meth="repeat">
+      <a:schemeClr val="dk1"/>
+    </dgm:txFillClrLst>
+    <dgm:txEffectClrLst/>
+  </dgm:styleLbl>
+  <dgm:styleLbl name="alignAccFollowNode1">
+    <dgm:fillClrLst meth="repeat">
+      <a:schemeClr val="accent1">
+        <a:alpha val="90000"/>
+        <a:tint val="40000"/>
+      </a:schemeClr>
+    </dgm:fillClrLst>
+    <dgm:linClrLst meth="repeat">
+      <a:schemeClr val="accent1">
+        <a:alpha val="90000"/>
+        <a:tint val="40000"/>
+      </a:schemeClr>
+    </dgm:linClrLst>
+    <dgm:effectClrLst/>
+    <dgm:txLinClrLst/>
+    <dgm:txFillClrLst meth="repeat">
+      <a:schemeClr val="dk1"/>
+    </dgm:txFillClrLst>
+    <dgm:txEffectClrLst/>
+  </dgm:styleLbl>
+  <dgm:styleLbl name="bgAccFollowNode1">
+    <dgm:fillClrLst meth="repeat">
+      <a:schemeClr val="accent1">
+        <a:alpha val="90000"/>
+        <a:tint val="40000"/>
+      </a:schemeClr>
+    </dgm:fillClrLst>
+    <dgm:linClrLst meth="repeat">
+      <a:schemeClr val="accent1">
+        <a:alpha val="90000"/>
+        <a:tint val="40000"/>
+      </a:schemeClr>
+    </dgm:linClrLst>
+    <dgm:effectClrLst/>
+    <dgm:txLinClrLst/>
+    <dgm:txFillClrLst meth="repeat">
+      <a:schemeClr val="dk1"/>
+    </dgm:txFillClrLst>
+    <dgm:txEffectClrLst/>
+  </dgm:styleLbl>
+  <dgm:styleLbl name="fgAcc0">
+    <dgm:fillClrLst meth="repeat">
+      <a:schemeClr val="lt1">
+        <a:alpha val="90000"/>
+      </a:schemeClr>
+    </dgm:fillClrLst>
+    <dgm:linClrLst meth="repeat">
+      <a:schemeClr val="accent1"/>
+    </dgm:linClrLst>
+    <dgm:effectClrLst/>
+    <dgm:txLinClrLst/>
+    <dgm:txFillClrLst meth="repeat">
+      <a:schemeClr val="dk1"/>
+    </dgm:txFillClrLst>
+    <dgm:txEffectClrLst/>
+  </dgm:styleLbl>
+  <dgm:styleLbl name="fgAcc2">
+    <dgm:fillClrLst meth="repeat">
+      <a:schemeClr val="lt1">
+        <a:alpha val="90000"/>
+      </a:schemeClr>
+    </dgm:fillClrLst>
+    <dgm:linClrLst meth="repeat">
+      <a:schemeClr val="accent1"/>
+    </dgm:linClrLst>
+    <dgm:effectClrLst/>
+    <dgm:txLinClrLst/>
+    <dgm:txFillClrLst meth="repeat">
+      <a:schemeClr val="dk1"/>
+    </dgm:txFillClrLst>
+    <dgm:txEffectClrLst/>
+  </dgm:styleLbl>
+  <dgm:styleLbl name="fgAcc3">
+    <dgm:fillClrLst meth="repeat">
+      <a:schemeClr val="lt1">
+        <a:alpha val="90000"/>
+      </a:schemeClr>
+    </dgm:fillClrLst>
+    <dgm:linClrLst meth="repeat">
+      <a:schemeClr val="accent1"/>
+    </dgm:linClrLst>
+    <dgm:effectClrLst/>
+    <dgm:txLinClrLst/>
+    <dgm:txFillClrLst meth="repeat">
+      <a:schemeClr val="dk1"/>
+    </dgm:txFillClrLst>
+    <dgm:txEffectClrLst/>
+  </dgm:styleLbl>
+  <dgm:styleLbl name="fgAcc4">
+    <dgm:fillClrLst meth="repeat">
+      <a:schemeClr val="lt1">
+        <a:alpha val="90000"/>
+      </a:schemeClr>
+    </dgm:fillClrLst>
+    <dgm:linClrLst meth="repeat">
+      <a:schemeClr val="accent1"/>
+    </dgm:linClrLst>
+    <dgm:effectClrLst/>
+    <dgm:txLinClrLst/>
+    <dgm:txFillClrLst meth="repeat">
+      <a:schemeClr val="dk1"/>
+    </dgm:txFillClrLst>
+    <dgm:txEffectClrLst/>
+  </dgm:styleLbl>
+  <dgm:styleLbl name="bgShp">
+    <dgm:fillClrLst meth="repeat">
+      <a:schemeClr val="accent1">
+        <a:tint val="40000"/>
+      </a:schemeClr>
+    </dgm:fillClrLst>
+    <dgm:linClrLst meth="repeat">
+      <a:schemeClr val="accent1"/>
+    </dgm:linClrLst>
+    <dgm:effectClrLst/>
+    <dgm:txLinClrLst/>
+    <dgm:txFillClrLst meth="repeat">
+      <a:schemeClr val="dk1"/>
+    </dgm:txFillClrLst>
+    <dgm:txEffectClrLst/>
+  </dgm:styleLbl>
+  <dgm:styleLbl name="dkBgShp">
+    <dgm:fillClrLst meth="repeat">
+      <a:schemeClr val="accent1">
+        <a:shade val="80000"/>
+      </a:schemeClr>
+    </dgm:fillClrLst>
+    <dgm:linClrLst meth="repeat">
+      <a:schemeClr val="accent1"/>
+    </dgm:linClrLst>
+    <dgm:effectClrLst/>
+    <dgm:txLinClrLst/>
+    <dgm:txFillClrLst meth="repeat">
+      <a:schemeClr val="lt1"/>
+    </dgm:txFillClrLst>
+    <dgm:txEffectClrLst/>
+  </dgm:styleLbl>
+  <dgm:styleLbl name="trBgShp">
+    <dgm:fillClrLst meth="repeat">
+      <a:schemeClr val="accent1">
+        <a:tint val="50000"/>
+        <a:alpha val="40000"/>
+      </a:schemeClr>
+    </dgm:fillClrLst>
+    <dgm:linClrLst meth="repeat">
+      <a:schemeClr val="accent1"/>
+    </dgm:linClrLst>
+    <dgm:effectClrLst/>
+    <dgm:txLinClrLst/>
+    <dgm:txFillClrLst meth="repeat">
+      <a:schemeClr val="lt1"/>
+    </dgm:txFillClrLst>
+    <dgm:txEffectClrLst/>
+  </dgm:styleLbl>
+  <dgm:styleLbl name="fgShp">
+    <dgm:fillClrLst meth="repeat">
+      <a:schemeClr val="accent1">
+        <a:tint val="60000"/>
+      </a:schemeClr>
+    </dgm:fillClrLst>
+    <dgm:linClrLst meth="repeat">
+      <a:schemeClr val="lt1"/>
+    </dgm:linClrLst>
+    <dgm:effectClrLst/>
+    <dgm:txLinClrLst/>
+    <dgm:txFillClrLst meth="repeat">
+      <a:schemeClr val="dk1"/>
+    </dgm:txFillClrLst>
+    <dgm:txEffectClrLst/>
+  </dgm:styleLbl>
+  <dgm:styleLbl name="revTx">
+    <dgm:fillClrLst meth="repeat">
+      <a:schemeClr val="lt1">
         <a:alpha val="0"/>
       </a:schemeClr>
     </dgm:fillClrLst>
@@ -1322,6 +2070,256 @@
     <dgm:cxn modelId="{69C2324B-2659-4C19-A29E-85A7452A7061}" type="presParOf" srcId="{BC54DACF-26BC-4D5E-99D4-88DDEA6A9005}" destId="{39A2C4B4-D988-4263-902A-FDBB1806567C}" srcOrd="1" destOrd="0" presId="urn:microsoft.com/office/officeart/2005/8/layout/StepDownProcess"/>
   </dgm:cxnLst>
   <dgm:bg/>
+  <dgm:whole/>
+  <dgm:extLst>
+    <a:ext uri="http://schemas.microsoft.com/office/drawing/2008/diagram">
+      <dsp:dataModelExt xmlns:dsp="http://schemas.microsoft.com/office/drawing/2008/diagram" relId="rId6" minVer="http://schemas.openxmlformats.org/drawingml/2006/diagram"/>
+    </a:ext>
+  </dgm:extLst>
+</dgm:dataModel>
+</file>
+
+<file path=ppt/diagrams/data2.xml><?xml version="1.0" encoding="utf-8"?>
+<dgm:dataModel xmlns:dgm="http://schemas.openxmlformats.org/drawingml/2006/diagram" xmlns:a="http://schemas.openxmlformats.org/drawingml/2006/main">
+  <dgm:ptLst>
+    <dgm:pt modelId="{832F8164-F727-0341-8AA5-4789E2A8F365}" type="doc">
+      <dgm:prSet loTypeId="urn:microsoft.com/office/officeart/2005/8/layout/process1" loCatId="" qsTypeId="urn:microsoft.com/office/officeart/2005/8/quickstyle/simple1" qsCatId="simple" csTypeId="urn:microsoft.com/office/officeart/2005/8/colors/accent1_2" csCatId="accent1" phldr="1"/>
+      <dgm:spPr/>
+    </dgm:pt>
+    <dgm:pt modelId="{327B4C24-BBC7-8545-A36F-9B6379020CB4}">
+      <dgm:prSet phldrT="[Text]" custT="1"/>
+      <dgm:spPr>
+        <a:solidFill>
+          <a:schemeClr val="bg2">
+            <a:lumMod val="75000"/>
+          </a:schemeClr>
+        </a:solidFill>
+      </dgm:spPr>
+      <dgm:t>
+        <a:bodyPr/>
+        <a:lstStyle/>
+        <a:p>
+          <a:r>
+            <a:rPr lang="en-US" sz="3200" dirty="0">
+              <a:latin typeface="Questrial" panose="02000000000000000000" pitchFamily="2" charset="0"/>
+            </a:rPr>
+            <a:t>tabula </a:t>
+          </a:r>
+          <a:r>
+            <a:rPr lang="en-US" sz="3200" dirty="0" err="1">
+              <a:latin typeface="Questrial" panose="02000000000000000000" pitchFamily="2" charset="0"/>
+            </a:rPr>
+            <a:t>py</a:t>
+          </a:r>
+          <a:endParaRPr lang="en-US" sz="3200" dirty="0">
+            <a:latin typeface="Questrial" panose="02000000000000000000" pitchFamily="2" charset="0"/>
+          </a:endParaRPr>
+        </a:p>
+      </dgm:t>
+    </dgm:pt>
+    <dgm:pt modelId="{C8794E51-040D-514E-A229-6145CF5100A9}" type="parTrans" cxnId="{E1072863-CD73-D24C-BE42-43849A25CDF8}">
+      <dgm:prSet/>
+      <dgm:spPr/>
+      <dgm:t>
+        <a:bodyPr/>
+        <a:lstStyle/>
+        <a:p>
+          <a:endParaRPr lang="en-US" sz="3200">
+            <a:latin typeface="Questrial" panose="02000000000000000000" pitchFamily="2" charset="0"/>
+          </a:endParaRPr>
+        </a:p>
+      </dgm:t>
+    </dgm:pt>
+    <dgm:pt modelId="{4A4A7518-BDB5-8149-9FF6-428BBE2BCAE7}" type="sibTrans" cxnId="{E1072863-CD73-D24C-BE42-43849A25CDF8}">
+      <dgm:prSet custT="1"/>
+      <dgm:spPr>
+        <a:solidFill>
+          <a:schemeClr val="tx1"/>
+        </a:solidFill>
+      </dgm:spPr>
+      <dgm:t>
+        <a:bodyPr/>
+        <a:lstStyle/>
+        <a:p>
+          <a:endParaRPr lang="en-US" sz="3200">
+            <a:latin typeface="Questrial" panose="02000000000000000000" pitchFamily="2" charset="0"/>
+          </a:endParaRPr>
+        </a:p>
+      </dgm:t>
+    </dgm:pt>
+    <dgm:pt modelId="{03682FA9-0E73-464A-B737-9F1F3BB42791}">
+      <dgm:prSet phldrT="[Text]" custT="1"/>
+      <dgm:spPr>
+        <a:solidFill>
+          <a:schemeClr val="bg2">
+            <a:lumMod val="75000"/>
+          </a:schemeClr>
+        </a:solidFill>
+      </dgm:spPr>
+      <dgm:t>
+        <a:bodyPr/>
+        <a:lstStyle/>
+        <a:p>
+          <a:r>
+            <a:rPr lang="en-US" sz="3200" dirty="0">
+              <a:latin typeface="Questrial" panose="02000000000000000000" pitchFamily="2" charset="0"/>
+            </a:rPr>
+            <a:t>clean up</a:t>
+          </a:r>
+        </a:p>
+      </dgm:t>
+    </dgm:pt>
+    <dgm:pt modelId="{CD1C12C1-59A2-3C4E-8B3F-E7F2F06EC40C}" type="parTrans" cxnId="{E2D658DB-B86D-6342-8BD1-0630A87289DF}">
+      <dgm:prSet/>
+      <dgm:spPr/>
+      <dgm:t>
+        <a:bodyPr/>
+        <a:lstStyle/>
+        <a:p>
+          <a:endParaRPr lang="en-US" sz="3200">
+            <a:latin typeface="Questrial" panose="02000000000000000000" pitchFamily="2" charset="0"/>
+          </a:endParaRPr>
+        </a:p>
+      </dgm:t>
+    </dgm:pt>
+    <dgm:pt modelId="{EED4B939-4427-384E-998D-0172932AC879}" type="sibTrans" cxnId="{E2D658DB-B86D-6342-8BD1-0630A87289DF}">
+      <dgm:prSet custT="1"/>
+      <dgm:spPr>
+        <a:solidFill>
+          <a:schemeClr val="tx1"/>
+        </a:solidFill>
+      </dgm:spPr>
+      <dgm:t>
+        <a:bodyPr/>
+        <a:lstStyle/>
+        <a:p>
+          <a:endParaRPr lang="en-US" sz="3200">
+            <a:latin typeface="Questrial" panose="02000000000000000000" pitchFamily="2" charset="0"/>
+          </a:endParaRPr>
+        </a:p>
+      </dgm:t>
+    </dgm:pt>
+    <dgm:pt modelId="{E9D18312-F38B-144E-8B62-96E2DA91BE66}">
+      <dgm:prSet phldrT="[Text]" custT="1"/>
+      <dgm:spPr>
+        <a:solidFill>
+          <a:schemeClr val="bg2">
+            <a:lumMod val="75000"/>
+          </a:schemeClr>
+        </a:solidFill>
+      </dgm:spPr>
+      <dgm:t>
+        <a:bodyPr/>
+        <a:lstStyle/>
+        <a:p>
+          <a:r>
+            <a:rPr lang="en-US" sz="3200" dirty="0">
+              <a:latin typeface="Questrial" panose="02000000000000000000" pitchFamily="2" charset="0"/>
+            </a:rPr>
+            <a:t>normalized</a:t>
+          </a:r>
+        </a:p>
+      </dgm:t>
+    </dgm:pt>
+    <dgm:pt modelId="{92CEA34E-DBB0-704F-B135-60771B9CB648}" type="parTrans" cxnId="{1F08EDD7-EBB4-6541-A0FD-F7B5201F5559}">
+      <dgm:prSet/>
+      <dgm:spPr/>
+      <dgm:t>
+        <a:bodyPr/>
+        <a:lstStyle/>
+        <a:p>
+          <a:endParaRPr lang="en-US" sz="3200">
+            <a:latin typeface="Questrial" panose="02000000000000000000" pitchFamily="2" charset="0"/>
+          </a:endParaRPr>
+        </a:p>
+      </dgm:t>
+    </dgm:pt>
+    <dgm:pt modelId="{26591882-3032-B94C-8784-9E601771FF9B}" type="sibTrans" cxnId="{1F08EDD7-EBB4-6541-A0FD-F7B5201F5559}">
+      <dgm:prSet/>
+      <dgm:spPr/>
+      <dgm:t>
+        <a:bodyPr/>
+        <a:lstStyle/>
+        <a:p>
+          <a:endParaRPr lang="en-US" sz="3200">
+            <a:latin typeface="Questrial" panose="02000000000000000000" pitchFamily="2" charset="0"/>
+          </a:endParaRPr>
+        </a:p>
+      </dgm:t>
+    </dgm:pt>
+    <dgm:pt modelId="{6AC15599-C576-2541-92B1-246D546D98C2}" type="pres">
+      <dgm:prSet presAssocID="{832F8164-F727-0341-8AA5-4789E2A8F365}" presName="Name0" presStyleCnt="0">
+        <dgm:presLayoutVars>
+          <dgm:dir/>
+          <dgm:resizeHandles val="exact"/>
+        </dgm:presLayoutVars>
+      </dgm:prSet>
+      <dgm:spPr/>
+    </dgm:pt>
+    <dgm:pt modelId="{1ED3C5EC-29FA-D04E-ADF2-EF63ECFC9C27}" type="pres">
+      <dgm:prSet presAssocID="{327B4C24-BBC7-8545-A36F-9B6379020CB4}" presName="node" presStyleLbl="node1" presStyleIdx="0" presStyleCnt="3">
+        <dgm:presLayoutVars>
+          <dgm:bulletEnabled val="1"/>
+        </dgm:presLayoutVars>
+      </dgm:prSet>
+      <dgm:spPr/>
+    </dgm:pt>
+    <dgm:pt modelId="{B803D4B7-12DD-0B48-88C1-8C1FAF8BF1E3}" type="pres">
+      <dgm:prSet presAssocID="{4A4A7518-BDB5-8149-9FF6-428BBE2BCAE7}" presName="sibTrans" presStyleLbl="sibTrans2D1" presStyleIdx="0" presStyleCnt="2"/>
+      <dgm:spPr/>
+    </dgm:pt>
+    <dgm:pt modelId="{4EF42A08-C88C-3648-8373-DD206A8E4C05}" type="pres">
+      <dgm:prSet presAssocID="{4A4A7518-BDB5-8149-9FF6-428BBE2BCAE7}" presName="connectorText" presStyleLbl="sibTrans2D1" presStyleIdx="0" presStyleCnt="2"/>
+      <dgm:spPr/>
+    </dgm:pt>
+    <dgm:pt modelId="{F80820BC-CB52-7442-961E-DD497D8F5AB3}" type="pres">
+      <dgm:prSet presAssocID="{03682FA9-0E73-464A-B737-9F1F3BB42791}" presName="node" presStyleLbl="node1" presStyleIdx="1" presStyleCnt="3">
+        <dgm:presLayoutVars>
+          <dgm:bulletEnabled val="1"/>
+        </dgm:presLayoutVars>
+      </dgm:prSet>
+      <dgm:spPr/>
+    </dgm:pt>
+    <dgm:pt modelId="{1613E343-1D83-9D47-A010-ED16899BF04D}" type="pres">
+      <dgm:prSet presAssocID="{EED4B939-4427-384E-998D-0172932AC879}" presName="sibTrans" presStyleLbl="sibTrans2D1" presStyleIdx="1" presStyleCnt="2"/>
+      <dgm:spPr/>
+    </dgm:pt>
+    <dgm:pt modelId="{0AA27C2B-6650-2449-8822-18E42FFC7191}" type="pres">
+      <dgm:prSet presAssocID="{EED4B939-4427-384E-998D-0172932AC879}" presName="connectorText" presStyleLbl="sibTrans2D1" presStyleIdx="1" presStyleCnt="2"/>
+      <dgm:spPr/>
+    </dgm:pt>
+    <dgm:pt modelId="{2132A068-EDCB-5648-8F37-52B038598451}" type="pres">
+      <dgm:prSet presAssocID="{E9D18312-F38B-144E-8B62-96E2DA91BE66}" presName="node" presStyleLbl="node1" presStyleIdx="2" presStyleCnt="3">
+        <dgm:presLayoutVars>
+          <dgm:bulletEnabled val="1"/>
+        </dgm:presLayoutVars>
+      </dgm:prSet>
+      <dgm:spPr/>
+    </dgm:pt>
+  </dgm:ptLst>
+  <dgm:cxnLst>
+    <dgm:cxn modelId="{88AEE327-A1EE-CF4B-BB69-3DC22D79E597}" type="presOf" srcId="{03682FA9-0E73-464A-B737-9F1F3BB42791}" destId="{F80820BC-CB52-7442-961E-DD497D8F5AB3}" srcOrd="0" destOrd="0" presId="urn:microsoft.com/office/officeart/2005/8/layout/process1"/>
+    <dgm:cxn modelId="{E935D73C-D161-8842-902F-C952FF213B09}" type="presOf" srcId="{EED4B939-4427-384E-998D-0172932AC879}" destId="{0AA27C2B-6650-2449-8822-18E42FFC7191}" srcOrd="1" destOrd="0" presId="urn:microsoft.com/office/officeart/2005/8/layout/process1"/>
+    <dgm:cxn modelId="{AA414E3D-2B27-7541-A6FF-13E411F81A53}" type="presOf" srcId="{327B4C24-BBC7-8545-A36F-9B6379020CB4}" destId="{1ED3C5EC-29FA-D04E-ADF2-EF63ECFC9C27}" srcOrd="0" destOrd="0" presId="urn:microsoft.com/office/officeart/2005/8/layout/process1"/>
+    <dgm:cxn modelId="{E1072863-CD73-D24C-BE42-43849A25CDF8}" srcId="{832F8164-F727-0341-8AA5-4789E2A8F365}" destId="{327B4C24-BBC7-8545-A36F-9B6379020CB4}" srcOrd="0" destOrd="0" parTransId="{C8794E51-040D-514E-A229-6145CF5100A9}" sibTransId="{4A4A7518-BDB5-8149-9FF6-428BBE2BCAE7}"/>
+    <dgm:cxn modelId="{861BB378-03F6-A94D-9429-0CC5A6A0CAD8}" type="presOf" srcId="{832F8164-F727-0341-8AA5-4789E2A8F365}" destId="{6AC15599-C576-2541-92B1-246D546D98C2}" srcOrd="0" destOrd="0" presId="urn:microsoft.com/office/officeart/2005/8/layout/process1"/>
+    <dgm:cxn modelId="{A0789B89-78F0-844B-8C62-1F33B5393907}" type="presOf" srcId="{4A4A7518-BDB5-8149-9FF6-428BBE2BCAE7}" destId="{B803D4B7-12DD-0B48-88C1-8C1FAF8BF1E3}" srcOrd="0" destOrd="0" presId="urn:microsoft.com/office/officeart/2005/8/layout/process1"/>
+    <dgm:cxn modelId="{586402A5-8402-0147-8A66-6C90F09518AF}" type="presOf" srcId="{EED4B939-4427-384E-998D-0172932AC879}" destId="{1613E343-1D83-9D47-A010-ED16899BF04D}" srcOrd="0" destOrd="0" presId="urn:microsoft.com/office/officeart/2005/8/layout/process1"/>
+    <dgm:cxn modelId="{100978B4-9D2F-9048-9D24-13B473C7B90E}" type="presOf" srcId="{E9D18312-F38B-144E-8B62-96E2DA91BE66}" destId="{2132A068-EDCB-5648-8F37-52B038598451}" srcOrd="0" destOrd="0" presId="urn:microsoft.com/office/officeart/2005/8/layout/process1"/>
+    <dgm:cxn modelId="{11CE65C7-15EE-1F4C-A6FB-FC3D375F7A87}" type="presOf" srcId="{4A4A7518-BDB5-8149-9FF6-428BBE2BCAE7}" destId="{4EF42A08-C88C-3648-8373-DD206A8E4C05}" srcOrd="1" destOrd="0" presId="urn:microsoft.com/office/officeart/2005/8/layout/process1"/>
+    <dgm:cxn modelId="{1F08EDD7-EBB4-6541-A0FD-F7B5201F5559}" srcId="{832F8164-F727-0341-8AA5-4789E2A8F365}" destId="{E9D18312-F38B-144E-8B62-96E2DA91BE66}" srcOrd="2" destOrd="0" parTransId="{92CEA34E-DBB0-704F-B135-60771B9CB648}" sibTransId="{26591882-3032-B94C-8784-9E601771FF9B}"/>
+    <dgm:cxn modelId="{E2D658DB-B86D-6342-8BD1-0630A87289DF}" srcId="{832F8164-F727-0341-8AA5-4789E2A8F365}" destId="{03682FA9-0E73-464A-B737-9F1F3BB42791}" srcOrd="1" destOrd="0" parTransId="{CD1C12C1-59A2-3C4E-8B3F-E7F2F06EC40C}" sibTransId="{EED4B939-4427-384E-998D-0172932AC879}"/>
+    <dgm:cxn modelId="{DE5532FE-4FF3-F84E-9C50-ABD79A5BE7DC}" type="presParOf" srcId="{6AC15599-C576-2541-92B1-246D546D98C2}" destId="{1ED3C5EC-29FA-D04E-ADF2-EF63ECFC9C27}" srcOrd="0" destOrd="0" presId="urn:microsoft.com/office/officeart/2005/8/layout/process1"/>
+    <dgm:cxn modelId="{B4A8B919-1DF3-1D44-B42C-9F5FB4787EBA}" type="presParOf" srcId="{6AC15599-C576-2541-92B1-246D546D98C2}" destId="{B803D4B7-12DD-0B48-88C1-8C1FAF8BF1E3}" srcOrd="1" destOrd="0" presId="urn:microsoft.com/office/officeart/2005/8/layout/process1"/>
+    <dgm:cxn modelId="{3D1003F1-15A0-C941-8DA9-A9729D4CCC0F}" type="presParOf" srcId="{B803D4B7-12DD-0B48-88C1-8C1FAF8BF1E3}" destId="{4EF42A08-C88C-3648-8373-DD206A8E4C05}" srcOrd="0" destOrd="0" presId="urn:microsoft.com/office/officeart/2005/8/layout/process1"/>
+    <dgm:cxn modelId="{177B69EC-8466-D248-92A8-EC2D91854ADD}" type="presParOf" srcId="{6AC15599-C576-2541-92B1-246D546D98C2}" destId="{F80820BC-CB52-7442-961E-DD497D8F5AB3}" srcOrd="2" destOrd="0" presId="urn:microsoft.com/office/officeart/2005/8/layout/process1"/>
+    <dgm:cxn modelId="{B7E6DA99-08BF-094D-8F49-2CD7113311D3}" type="presParOf" srcId="{6AC15599-C576-2541-92B1-246D546D98C2}" destId="{1613E343-1D83-9D47-A010-ED16899BF04D}" srcOrd="3" destOrd="0" presId="urn:microsoft.com/office/officeart/2005/8/layout/process1"/>
+    <dgm:cxn modelId="{96D6E886-917F-0747-A47C-5FDB9B64F84F}" type="presParOf" srcId="{1613E343-1D83-9D47-A010-ED16899BF04D}" destId="{0AA27C2B-6650-2449-8822-18E42FFC7191}" srcOrd="0" destOrd="0" presId="urn:microsoft.com/office/officeart/2005/8/layout/process1"/>
+    <dgm:cxn modelId="{CF25F614-994F-6743-B894-F349600A3086}" type="presParOf" srcId="{6AC15599-C576-2541-92B1-246D546D98C2}" destId="{2132A068-EDCB-5648-8F37-52B038598451}" srcOrd="4" destOrd="0" presId="urn:microsoft.com/office/officeart/2005/8/layout/process1"/>
+  </dgm:cxnLst>
+  <dgm:bg>
+    <a:noFill/>
+  </dgm:bg>
   <dgm:whole/>
   <dgm:extLst>
     <a:ext uri="http://schemas.microsoft.com/office/drawing/2008/diagram">
@@ -1944,6 +2942,393 @@
 </dsp:drawing>
 </file>
 
+<file path=ppt/diagrams/drawing2.xml><?xml version="1.0" encoding="utf-8"?>
+<dsp:drawing xmlns:dgm="http://schemas.openxmlformats.org/drawingml/2006/diagram" xmlns:dsp="http://schemas.microsoft.com/office/drawing/2008/diagram" xmlns:a="http://schemas.openxmlformats.org/drawingml/2006/main">
+  <dsp:spTree>
+    <dsp:nvGrpSpPr>
+      <dsp:cNvPr id="0" name=""/>
+      <dsp:cNvGrpSpPr/>
+    </dsp:nvGrpSpPr>
+    <dsp:grpSpPr/>
+    <dsp:sp modelId="{1ED3C5EC-29FA-D04E-ADF2-EF63ECFC9C27}">
+      <dsp:nvSpPr>
+        <dsp:cNvPr id="0" name=""/>
+        <dsp:cNvSpPr/>
+      </dsp:nvSpPr>
+      <dsp:spPr>
+        <a:xfrm>
+          <a:off x="8683" y="1278637"/>
+          <a:ext cx="2595407" cy="1557244"/>
+        </a:xfrm>
+        <a:prstGeom prst="roundRect">
+          <a:avLst>
+            <a:gd name="adj" fmla="val 10000"/>
+          </a:avLst>
+        </a:prstGeom>
+        <a:solidFill>
+          <a:schemeClr val="bg2">
+            <a:lumMod val="75000"/>
+          </a:schemeClr>
+        </a:solidFill>
+        <a:ln w="19050" cap="rnd" cmpd="sng" algn="ctr">
+          <a:solidFill>
+            <a:schemeClr val="lt1">
+              <a:hueOff val="0"/>
+              <a:satOff val="0"/>
+              <a:lumOff val="0"/>
+              <a:alphaOff val="0"/>
+            </a:schemeClr>
+          </a:solidFill>
+          <a:prstDash val="solid"/>
+        </a:ln>
+        <a:effectLst/>
+      </dsp:spPr>
+      <dsp:style>
+        <a:lnRef idx="2">
+          <a:scrgbClr r="0" g="0" b="0"/>
+        </a:lnRef>
+        <a:fillRef idx="1">
+          <a:scrgbClr r="0" g="0" b="0"/>
+        </a:fillRef>
+        <a:effectRef idx="0">
+          <a:scrgbClr r="0" g="0" b="0"/>
+        </a:effectRef>
+        <a:fontRef idx="minor">
+          <a:schemeClr val="lt1"/>
+        </a:fontRef>
+      </dsp:style>
+      <dsp:txBody>
+        <a:bodyPr spcFirstLastPara="0" vert="horz" wrap="square" lIns="121920" tIns="121920" rIns="121920" bIns="121920" numCol="1" spcCol="1270" anchor="ctr" anchorCtr="0">
+          <a:noAutofit/>
+        </a:bodyPr>
+        <a:lstStyle/>
+        <a:p>
+          <a:pPr marL="0" lvl="0" indent="0" algn="ctr" defTabSz="1422400">
+            <a:lnSpc>
+              <a:spcPct val="90000"/>
+            </a:lnSpc>
+            <a:spcBef>
+              <a:spcPct val="0"/>
+            </a:spcBef>
+            <a:spcAft>
+              <a:spcPct val="35000"/>
+            </a:spcAft>
+            <a:buNone/>
+          </a:pPr>
+          <a:r>
+            <a:rPr lang="en-US" sz="3200" kern="1200" dirty="0">
+              <a:latin typeface="Questrial" panose="02000000000000000000" pitchFamily="2" charset="0"/>
+            </a:rPr>
+            <a:t>tabula </a:t>
+          </a:r>
+          <a:r>
+            <a:rPr lang="en-US" sz="3200" kern="1200" dirty="0" err="1">
+              <a:latin typeface="Questrial" panose="02000000000000000000" pitchFamily="2" charset="0"/>
+            </a:rPr>
+            <a:t>py</a:t>
+          </a:r>
+          <a:endParaRPr lang="en-US" sz="3200" kern="1200" dirty="0">
+            <a:latin typeface="Questrial" panose="02000000000000000000" pitchFamily="2" charset="0"/>
+          </a:endParaRPr>
+        </a:p>
+      </dsp:txBody>
+      <dsp:txXfrm>
+        <a:off x="54293" y="1324247"/>
+        <a:ext cx="2504187" cy="1466024"/>
+      </dsp:txXfrm>
+    </dsp:sp>
+    <dsp:sp modelId="{B803D4B7-12DD-0B48-88C1-8C1FAF8BF1E3}">
+      <dsp:nvSpPr>
+        <dsp:cNvPr id="0" name=""/>
+        <dsp:cNvSpPr/>
+      </dsp:nvSpPr>
+      <dsp:spPr>
+        <a:xfrm>
+          <a:off x="2863631" y="1735429"/>
+          <a:ext cx="550226" cy="643660"/>
+        </a:xfrm>
+        <a:prstGeom prst="rightArrow">
+          <a:avLst>
+            <a:gd name="adj1" fmla="val 60000"/>
+            <a:gd name="adj2" fmla="val 50000"/>
+          </a:avLst>
+        </a:prstGeom>
+        <a:solidFill>
+          <a:schemeClr val="tx1"/>
+        </a:solidFill>
+        <a:ln>
+          <a:noFill/>
+        </a:ln>
+        <a:effectLst/>
+      </dsp:spPr>
+      <dsp:style>
+        <a:lnRef idx="0">
+          <a:scrgbClr r="0" g="0" b="0"/>
+        </a:lnRef>
+        <a:fillRef idx="1">
+          <a:scrgbClr r="0" g="0" b="0"/>
+        </a:fillRef>
+        <a:effectRef idx="0">
+          <a:scrgbClr r="0" g="0" b="0"/>
+        </a:effectRef>
+        <a:fontRef idx="minor">
+          <a:schemeClr val="lt1"/>
+        </a:fontRef>
+      </dsp:style>
+      <dsp:txBody>
+        <a:bodyPr spcFirstLastPara="0" vert="horz" wrap="square" lIns="0" tIns="0" rIns="0" bIns="0" numCol="1" spcCol="1270" anchor="ctr" anchorCtr="0">
+          <a:noAutofit/>
+        </a:bodyPr>
+        <a:lstStyle/>
+        <a:p>
+          <a:pPr marL="0" lvl="0" indent="0" algn="ctr" defTabSz="1422400">
+            <a:lnSpc>
+              <a:spcPct val="90000"/>
+            </a:lnSpc>
+            <a:spcBef>
+              <a:spcPct val="0"/>
+            </a:spcBef>
+            <a:spcAft>
+              <a:spcPct val="35000"/>
+            </a:spcAft>
+            <a:buNone/>
+          </a:pPr>
+          <a:endParaRPr lang="en-US" sz="3200" kern="1200">
+            <a:latin typeface="Questrial" panose="02000000000000000000" pitchFamily="2" charset="0"/>
+          </a:endParaRPr>
+        </a:p>
+      </dsp:txBody>
+      <dsp:txXfrm>
+        <a:off x="2863631" y="1864161"/>
+        <a:ext cx="385158" cy="386196"/>
+      </dsp:txXfrm>
+    </dsp:sp>
+    <dsp:sp modelId="{F80820BC-CB52-7442-961E-DD497D8F5AB3}">
+      <dsp:nvSpPr>
+        <dsp:cNvPr id="0" name=""/>
+        <dsp:cNvSpPr/>
+      </dsp:nvSpPr>
+      <dsp:spPr>
+        <a:xfrm>
+          <a:off x="3642253" y="1278637"/>
+          <a:ext cx="2595407" cy="1557244"/>
+        </a:xfrm>
+        <a:prstGeom prst="roundRect">
+          <a:avLst>
+            <a:gd name="adj" fmla="val 10000"/>
+          </a:avLst>
+        </a:prstGeom>
+        <a:solidFill>
+          <a:schemeClr val="bg2">
+            <a:lumMod val="75000"/>
+          </a:schemeClr>
+        </a:solidFill>
+        <a:ln w="19050" cap="rnd" cmpd="sng" algn="ctr">
+          <a:solidFill>
+            <a:schemeClr val="lt1">
+              <a:hueOff val="0"/>
+              <a:satOff val="0"/>
+              <a:lumOff val="0"/>
+              <a:alphaOff val="0"/>
+            </a:schemeClr>
+          </a:solidFill>
+          <a:prstDash val="solid"/>
+        </a:ln>
+        <a:effectLst/>
+      </dsp:spPr>
+      <dsp:style>
+        <a:lnRef idx="2">
+          <a:scrgbClr r="0" g="0" b="0"/>
+        </a:lnRef>
+        <a:fillRef idx="1">
+          <a:scrgbClr r="0" g="0" b="0"/>
+        </a:fillRef>
+        <a:effectRef idx="0">
+          <a:scrgbClr r="0" g="0" b="0"/>
+        </a:effectRef>
+        <a:fontRef idx="minor">
+          <a:schemeClr val="lt1"/>
+        </a:fontRef>
+      </dsp:style>
+      <dsp:txBody>
+        <a:bodyPr spcFirstLastPara="0" vert="horz" wrap="square" lIns="121920" tIns="121920" rIns="121920" bIns="121920" numCol="1" spcCol="1270" anchor="ctr" anchorCtr="0">
+          <a:noAutofit/>
+        </a:bodyPr>
+        <a:lstStyle/>
+        <a:p>
+          <a:pPr marL="0" lvl="0" indent="0" algn="ctr" defTabSz="1422400">
+            <a:lnSpc>
+              <a:spcPct val="90000"/>
+            </a:lnSpc>
+            <a:spcBef>
+              <a:spcPct val="0"/>
+            </a:spcBef>
+            <a:spcAft>
+              <a:spcPct val="35000"/>
+            </a:spcAft>
+            <a:buNone/>
+          </a:pPr>
+          <a:r>
+            <a:rPr lang="en-US" sz="3200" kern="1200" dirty="0">
+              <a:latin typeface="Questrial" panose="02000000000000000000" pitchFamily="2" charset="0"/>
+            </a:rPr>
+            <a:t>clean up</a:t>
+          </a:r>
+        </a:p>
+      </dsp:txBody>
+      <dsp:txXfrm>
+        <a:off x="3687863" y="1324247"/>
+        <a:ext cx="2504187" cy="1466024"/>
+      </dsp:txXfrm>
+    </dsp:sp>
+    <dsp:sp modelId="{1613E343-1D83-9D47-A010-ED16899BF04D}">
+      <dsp:nvSpPr>
+        <dsp:cNvPr id="0" name=""/>
+        <dsp:cNvSpPr/>
+      </dsp:nvSpPr>
+      <dsp:spPr>
+        <a:xfrm>
+          <a:off x="6497201" y="1735429"/>
+          <a:ext cx="550226" cy="643660"/>
+        </a:xfrm>
+        <a:prstGeom prst="rightArrow">
+          <a:avLst>
+            <a:gd name="adj1" fmla="val 60000"/>
+            <a:gd name="adj2" fmla="val 50000"/>
+          </a:avLst>
+        </a:prstGeom>
+        <a:solidFill>
+          <a:schemeClr val="tx1"/>
+        </a:solidFill>
+        <a:ln>
+          <a:noFill/>
+        </a:ln>
+        <a:effectLst/>
+      </dsp:spPr>
+      <dsp:style>
+        <a:lnRef idx="0">
+          <a:scrgbClr r="0" g="0" b="0"/>
+        </a:lnRef>
+        <a:fillRef idx="1">
+          <a:scrgbClr r="0" g="0" b="0"/>
+        </a:fillRef>
+        <a:effectRef idx="0">
+          <a:scrgbClr r="0" g="0" b="0"/>
+        </a:effectRef>
+        <a:fontRef idx="minor">
+          <a:schemeClr val="lt1"/>
+        </a:fontRef>
+      </dsp:style>
+      <dsp:txBody>
+        <a:bodyPr spcFirstLastPara="0" vert="horz" wrap="square" lIns="0" tIns="0" rIns="0" bIns="0" numCol="1" spcCol="1270" anchor="ctr" anchorCtr="0">
+          <a:noAutofit/>
+        </a:bodyPr>
+        <a:lstStyle/>
+        <a:p>
+          <a:pPr marL="0" lvl="0" indent="0" algn="ctr" defTabSz="1422400">
+            <a:lnSpc>
+              <a:spcPct val="90000"/>
+            </a:lnSpc>
+            <a:spcBef>
+              <a:spcPct val="0"/>
+            </a:spcBef>
+            <a:spcAft>
+              <a:spcPct val="35000"/>
+            </a:spcAft>
+            <a:buNone/>
+          </a:pPr>
+          <a:endParaRPr lang="en-US" sz="3200" kern="1200">
+            <a:latin typeface="Questrial" panose="02000000000000000000" pitchFamily="2" charset="0"/>
+          </a:endParaRPr>
+        </a:p>
+      </dsp:txBody>
+      <dsp:txXfrm>
+        <a:off x="6497201" y="1864161"/>
+        <a:ext cx="385158" cy="386196"/>
+      </dsp:txXfrm>
+    </dsp:sp>
+    <dsp:sp modelId="{2132A068-EDCB-5648-8F37-52B038598451}">
+      <dsp:nvSpPr>
+        <dsp:cNvPr id="0" name=""/>
+        <dsp:cNvSpPr/>
+      </dsp:nvSpPr>
+      <dsp:spPr>
+        <a:xfrm>
+          <a:off x="7275823" y="1278637"/>
+          <a:ext cx="2595407" cy="1557244"/>
+        </a:xfrm>
+        <a:prstGeom prst="roundRect">
+          <a:avLst>
+            <a:gd name="adj" fmla="val 10000"/>
+          </a:avLst>
+        </a:prstGeom>
+        <a:solidFill>
+          <a:schemeClr val="bg2">
+            <a:lumMod val="75000"/>
+          </a:schemeClr>
+        </a:solidFill>
+        <a:ln w="19050" cap="rnd" cmpd="sng" algn="ctr">
+          <a:solidFill>
+            <a:schemeClr val="lt1">
+              <a:hueOff val="0"/>
+              <a:satOff val="0"/>
+              <a:lumOff val="0"/>
+              <a:alphaOff val="0"/>
+            </a:schemeClr>
+          </a:solidFill>
+          <a:prstDash val="solid"/>
+        </a:ln>
+        <a:effectLst/>
+      </dsp:spPr>
+      <dsp:style>
+        <a:lnRef idx="2">
+          <a:scrgbClr r="0" g="0" b="0"/>
+        </a:lnRef>
+        <a:fillRef idx="1">
+          <a:scrgbClr r="0" g="0" b="0"/>
+        </a:fillRef>
+        <a:effectRef idx="0">
+          <a:scrgbClr r="0" g="0" b="0"/>
+        </a:effectRef>
+        <a:fontRef idx="minor">
+          <a:schemeClr val="lt1"/>
+        </a:fontRef>
+      </dsp:style>
+      <dsp:txBody>
+        <a:bodyPr spcFirstLastPara="0" vert="horz" wrap="square" lIns="121920" tIns="121920" rIns="121920" bIns="121920" numCol="1" spcCol="1270" anchor="ctr" anchorCtr="0">
+          <a:noAutofit/>
+        </a:bodyPr>
+        <a:lstStyle/>
+        <a:p>
+          <a:pPr marL="0" lvl="0" indent="0" algn="ctr" defTabSz="1422400">
+            <a:lnSpc>
+              <a:spcPct val="90000"/>
+            </a:lnSpc>
+            <a:spcBef>
+              <a:spcPct val="0"/>
+            </a:spcBef>
+            <a:spcAft>
+              <a:spcPct val="35000"/>
+            </a:spcAft>
+            <a:buNone/>
+          </a:pPr>
+          <a:r>
+            <a:rPr lang="en-US" sz="3200" kern="1200" dirty="0">
+              <a:latin typeface="Questrial" panose="02000000000000000000" pitchFamily="2" charset="0"/>
+            </a:rPr>
+            <a:t>normalized</a:t>
+          </a:r>
+        </a:p>
+      </dsp:txBody>
+      <dsp:txXfrm>
+        <a:off x="7321433" y="1324247"/>
+        <a:ext cx="2504187" cy="1466024"/>
+      </dsp:txXfrm>
+    </dsp:sp>
+  </dsp:spTree>
+</dsp:drawing>
+</file>
+
 <file path=ppt/diagrams/layout1.xml><?xml version="1.0" encoding="utf-8"?>
 <dgm:layoutDef xmlns:dgm="http://schemas.openxmlformats.org/drawingml/2006/diagram" xmlns:a="http://schemas.openxmlformats.org/drawingml/2006/main" uniqueId="urn:microsoft.com/office/officeart/2005/8/layout/StepDownProcess">
   <dgm:title val=""/>
@@ -2262,7 +3647,1187 @@
 </dgm:layoutDef>
 </file>
 
+<file path=ppt/diagrams/layout2.xml><?xml version="1.0" encoding="utf-8"?>
+<dgm:layoutDef xmlns:dgm="http://schemas.openxmlformats.org/drawingml/2006/diagram" xmlns:a="http://schemas.openxmlformats.org/drawingml/2006/main" uniqueId="urn:microsoft.com/office/officeart/2005/8/layout/process1">
+  <dgm:title val=""/>
+  <dgm:desc val=""/>
+  <dgm:catLst>
+    <dgm:cat type="process" pri="1000"/>
+    <dgm:cat type="convert" pri="15000"/>
+  </dgm:catLst>
+  <dgm:sampData useDef="1">
+    <dgm:dataModel>
+      <dgm:ptLst/>
+      <dgm:bg/>
+      <dgm:whole/>
+    </dgm:dataModel>
+  </dgm:sampData>
+  <dgm:styleData>
+    <dgm:dataModel>
+      <dgm:ptLst>
+        <dgm:pt modelId="0" type="doc"/>
+        <dgm:pt modelId="1"/>
+        <dgm:pt modelId="2"/>
+      </dgm:ptLst>
+      <dgm:cxnLst>
+        <dgm:cxn modelId="3" srcId="0" destId="1" srcOrd="0" destOrd="0"/>
+        <dgm:cxn modelId="4" srcId="0" destId="2" srcOrd="1" destOrd="0"/>
+      </dgm:cxnLst>
+      <dgm:bg/>
+      <dgm:whole/>
+    </dgm:dataModel>
+  </dgm:styleData>
+  <dgm:clrData>
+    <dgm:dataModel>
+      <dgm:ptLst>
+        <dgm:pt modelId="0" type="doc"/>
+        <dgm:pt modelId="1"/>
+        <dgm:pt modelId="2"/>
+        <dgm:pt modelId="3"/>
+        <dgm:pt modelId="4"/>
+      </dgm:ptLst>
+      <dgm:cxnLst>
+        <dgm:cxn modelId="5" srcId="0" destId="1" srcOrd="0" destOrd="0"/>
+        <dgm:cxn modelId="6" srcId="0" destId="2" srcOrd="1" destOrd="0"/>
+        <dgm:cxn modelId="7" srcId="0" destId="3" srcOrd="2" destOrd="0"/>
+        <dgm:cxn modelId="8" srcId="0" destId="4" srcOrd="3" destOrd="0"/>
+      </dgm:cxnLst>
+      <dgm:bg/>
+      <dgm:whole/>
+    </dgm:dataModel>
+  </dgm:clrData>
+  <dgm:layoutNode name="Name0">
+    <dgm:varLst>
+      <dgm:dir/>
+      <dgm:resizeHandles val="exact"/>
+    </dgm:varLst>
+    <dgm:choose name="Name1">
+      <dgm:if name="Name2" func="var" arg="dir" op="equ" val="norm">
+        <dgm:alg type="lin"/>
+      </dgm:if>
+      <dgm:else name="Name3">
+        <dgm:alg type="lin">
+          <dgm:param type="linDir" val="fromR"/>
+        </dgm:alg>
+      </dgm:else>
+    </dgm:choose>
+    <dgm:shape xmlns:r="http://schemas.openxmlformats.org/officeDocument/2006/relationships" r:blip="">
+      <dgm:adjLst/>
+    </dgm:shape>
+    <dgm:presOf/>
+    <dgm:constrLst>
+      <dgm:constr type="w" for="ch" ptType="node" refType="w"/>
+      <dgm:constr type="h" for="ch" ptType="node" op="equ"/>
+      <dgm:constr type="primFontSz" for="ch" ptType="node" op="equ" val="65"/>
+      <dgm:constr type="w" for="ch" ptType="sibTrans" refType="w" refFor="ch" refPtType="node" op="equ" fact="0.4"/>
+      <dgm:constr type="h" for="ch" ptType="sibTrans" op="equ"/>
+      <dgm:constr type="primFontSz" for="des" forName="connectorText" op="equ" val="55"/>
+      <dgm:constr type="primFontSz" for="des" forName="connectorText" refType="primFontSz" refFor="ch" refPtType="node" op="lte" fact="0.8"/>
+    </dgm:constrLst>
+    <dgm:ruleLst/>
+    <dgm:forEach name="nodesForEach" axis="ch" ptType="node">
+      <dgm:layoutNode name="node">
+        <dgm:varLst>
+          <dgm:bulletEnabled val="1"/>
+        </dgm:varLst>
+        <dgm:alg type="tx"/>
+        <dgm:shape xmlns:r="http://schemas.openxmlformats.org/officeDocument/2006/relationships" type="roundRect" r:blip="">
+          <dgm:adjLst>
+            <dgm:adj idx="1" val="0.1"/>
+          </dgm:adjLst>
+        </dgm:shape>
+        <dgm:presOf axis="desOrSelf" ptType="node"/>
+        <dgm:constrLst>
+          <dgm:constr type="h" refType="w" fact="0.6"/>
+          <dgm:constr type="tMarg" refType="primFontSz" fact="0.3"/>
+          <dgm:constr type="bMarg" refType="primFontSz" fact="0.3"/>
+          <dgm:constr type="lMarg" refType="primFontSz" fact="0.3"/>
+          <dgm:constr type="rMarg" refType="primFontSz" fact="0.3"/>
+        </dgm:constrLst>
+        <dgm:ruleLst>
+          <dgm:rule type="primFontSz" val="18" fact="NaN" max="NaN"/>
+          <dgm:rule type="h" val="NaN" fact="1.5" max="NaN"/>
+          <dgm:rule type="primFontSz" val="5" fact="NaN" max="NaN"/>
+          <dgm:rule type="h" val="INF" fact="NaN" max="NaN"/>
+        </dgm:ruleLst>
+      </dgm:layoutNode>
+      <dgm:forEach name="sibTransForEach" axis="followSib" ptType="sibTrans" cnt="1">
+        <dgm:layoutNode name="sibTrans">
+          <dgm:alg type="conn">
+            <dgm:param type="begPts" val="auto"/>
+            <dgm:param type="endPts" val="auto"/>
+          </dgm:alg>
+          <dgm:shape xmlns:r="http://schemas.openxmlformats.org/officeDocument/2006/relationships" type="conn" r:blip="">
+            <dgm:adjLst/>
+          </dgm:shape>
+          <dgm:presOf axis="self"/>
+          <dgm:constrLst>
+            <dgm:constr type="h" refType="w" fact="0.62"/>
+            <dgm:constr type="connDist"/>
+            <dgm:constr type="begPad" refType="connDist" fact="0.25"/>
+            <dgm:constr type="endPad" refType="connDist" fact="0.22"/>
+          </dgm:constrLst>
+          <dgm:ruleLst/>
+          <dgm:layoutNode name="connectorText">
+            <dgm:alg type="tx">
+              <dgm:param type="autoTxRot" val="grav"/>
+            </dgm:alg>
+            <dgm:shape xmlns:r="http://schemas.openxmlformats.org/officeDocument/2006/relationships" type="conn" r:blip="" hideGeom="1">
+              <dgm:adjLst/>
+            </dgm:shape>
+            <dgm:presOf axis="self"/>
+            <dgm:constrLst>
+              <dgm:constr type="lMarg"/>
+              <dgm:constr type="rMarg"/>
+              <dgm:constr type="tMarg"/>
+              <dgm:constr type="bMarg"/>
+            </dgm:constrLst>
+            <dgm:ruleLst>
+              <dgm:rule type="primFontSz" val="5" fact="NaN" max="NaN"/>
+            </dgm:ruleLst>
+          </dgm:layoutNode>
+        </dgm:layoutNode>
+      </dgm:forEach>
+    </dgm:forEach>
+  </dgm:layoutNode>
+</dgm:layoutDef>
+</file>
+
 <file path=ppt/diagrams/quickStyle1.xml><?xml version="1.0" encoding="utf-8"?>
+<dgm:styleDef xmlns:dgm="http://schemas.openxmlformats.org/drawingml/2006/diagram" xmlns:a="http://schemas.openxmlformats.org/drawingml/2006/main" uniqueId="urn:microsoft.com/office/officeart/2005/8/quickstyle/simple1">
+  <dgm:title val=""/>
+  <dgm:desc val=""/>
+  <dgm:catLst>
+    <dgm:cat type="simple" pri="10100"/>
+  </dgm:catLst>
+  <dgm:scene3d>
+    <a:camera prst="orthographicFront"/>
+    <a:lightRig rig="threePt" dir="t"/>
+  </dgm:scene3d>
+  <dgm:styleLbl name="node0">
+    <dgm:scene3d>
+      <a:camera prst="orthographicFront"/>
+      <a:lightRig rig="threePt" dir="t"/>
+    </dgm:scene3d>
+    <dgm:sp3d/>
+    <dgm:txPr/>
+    <dgm:style>
+      <a:lnRef idx="2">
+        <a:scrgbClr r="0" g="0" b="0"/>
+      </a:lnRef>
+      <a:fillRef idx="1">
+        <a:scrgbClr r="0" g="0" b="0"/>
+      </a:fillRef>
+      <a:effectRef idx="0">
+        <a:scrgbClr r="0" g="0" b="0"/>
+      </a:effectRef>
+      <a:fontRef idx="minor">
+        <a:schemeClr val="lt1"/>
+      </a:fontRef>
+    </dgm:style>
+  </dgm:styleLbl>
+  <dgm:styleLbl name="lnNode1">
+    <dgm:scene3d>
+      <a:camera prst="orthographicFront"/>
+      <a:lightRig rig="threePt" dir="t"/>
+    </dgm:scene3d>
+    <dgm:sp3d/>
+    <dgm:txPr/>
+    <dgm:style>
+      <a:lnRef idx="2">
+        <a:scrgbClr r="0" g="0" b="0"/>
+      </a:lnRef>
+      <a:fillRef idx="1">
+        <a:scrgbClr r="0" g="0" b="0"/>
+      </a:fillRef>
+      <a:effectRef idx="0">
+        <a:scrgbClr r="0" g="0" b="0"/>
+      </a:effectRef>
+      <a:fontRef idx="minor">
+        <a:schemeClr val="lt1"/>
+      </a:fontRef>
+    </dgm:style>
+  </dgm:styleLbl>
+  <dgm:styleLbl name="vennNode1">
+    <dgm:scene3d>
+      <a:camera prst="orthographicFront"/>
+      <a:lightRig rig="threePt" dir="t"/>
+    </dgm:scene3d>
+    <dgm:sp3d/>
+    <dgm:txPr/>
+    <dgm:style>
+      <a:lnRef idx="2">
+        <a:scrgbClr r="0" g="0" b="0"/>
+      </a:lnRef>
+      <a:fillRef idx="1">
+        <a:scrgbClr r="0" g="0" b="0"/>
+      </a:fillRef>
+      <a:effectRef idx="0">
+        <a:scrgbClr r="0" g="0" b="0"/>
+      </a:effectRef>
+      <a:fontRef idx="minor">
+        <a:schemeClr val="tx1"/>
+      </a:fontRef>
+    </dgm:style>
+  </dgm:styleLbl>
+  <dgm:styleLbl name="alignNode1">
+    <dgm:scene3d>
+      <a:camera prst="orthographicFront"/>
+      <a:lightRig rig="threePt" dir="t"/>
+    </dgm:scene3d>
+    <dgm:sp3d/>
+    <dgm:txPr/>
+    <dgm:style>
+      <a:lnRef idx="2">
+        <a:scrgbClr r="0" g="0" b="0"/>
+      </a:lnRef>
+      <a:fillRef idx="1">
+        <a:scrgbClr r="0" g="0" b="0"/>
+      </a:fillRef>
+      <a:effectRef idx="0">
+        <a:scrgbClr r="0" g="0" b="0"/>
+      </a:effectRef>
+      <a:fontRef idx="minor">
+        <a:schemeClr val="lt1"/>
+      </a:fontRef>
+    </dgm:style>
+  </dgm:styleLbl>
+  <dgm:styleLbl name="node1">
+    <dgm:scene3d>
+      <a:camera prst="orthographicFront"/>
+      <a:lightRig rig="threePt" dir="t"/>
+    </dgm:scene3d>
+    <dgm:sp3d/>
+    <dgm:txPr/>
+    <dgm:style>
+      <a:lnRef idx="2">
+        <a:scrgbClr r="0" g="0" b="0"/>
+      </a:lnRef>
+      <a:fillRef idx="1">
+        <a:scrgbClr r="0" g="0" b="0"/>
+      </a:fillRef>
+      <a:effectRef idx="0">
+        <a:scrgbClr r="0" g="0" b="0"/>
+      </a:effectRef>
+      <a:fontRef idx="minor">
+        <a:schemeClr val="lt1"/>
+      </a:fontRef>
+    </dgm:style>
+  </dgm:styleLbl>
+  <dgm:styleLbl name="node2">
+    <dgm:scene3d>
+      <a:camera prst="orthographicFront"/>
+      <a:lightRig rig="threePt" dir="t"/>
+    </dgm:scene3d>
+    <dgm:sp3d/>
+    <dgm:txPr/>
+    <dgm:style>
+      <a:lnRef idx="2">
+        <a:scrgbClr r="0" g="0" b="0"/>
+      </a:lnRef>
+      <a:fillRef idx="1">
+        <a:scrgbClr r="0" g="0" b="0"/>
+      </a:fillRef>
+      <a:effectRef idx="0">
+        <a:scrgbClr r="0" g="0" b="0"/>
+      </a:effectRef>
+      <a:fontRef idx="minor">
+        <a:schemeClr val="lt1"/>
+      </a:fontRef>
+    </dgm:style>
+  </dgm:styleLbl>
+  <dgm:styleLbl name="node3">
+    <dgm:scene3d>
+      <a:camera prst="orthographicFront"/>
+      <a:lightRig rig="threePt" dir="t"/>
+    </dgm:scene3d>
+    <dgm:sp3d/>
+    <dgm:txPr/>
+    <dgm:style>
+      <a:lnRef idx="2">
+        <a:scrgbClr r="0" g="0" b="0"/>
+      </a:lnRef>
+      <a:fillRef idx="1">
+        <a:scrgbClr r="0" g="0" b="0"/>
+      </a:fillRef>
+      <a:effectRef idx="0">
+        <a:scrgbClr r="0" g="0" b="0"/>
+      </a:effectRef>
+      <a:fontRef idx="minor">
+        <a:schemeClr val="lt1"/>
+      </a:fontRef>
+    </dgm:style>
+  </dgm:styleLbl>
+  <dgm:styleLbl name="node4">
+    <dgm:scene3d>
+      <a:camera prst="orthographicFront"/>
+      <a:lightRig rig="threePt" dir="t"/>
+    </dgm:scene3d>
+    <dgm:sp3d/>
+    <dgm:txPr/>
+    <dgm:style>
+      <a:lnRef idx="2">
+        <a:scrgbClr r="0" g="0" b="0"/>
+      </a:lnRef>
+      <a:fillRef idx="1">
+        <a:scrgbClr r="0" g="0" b="0"/>
+      </a:fillRef>
+      <a:effectRef idx="0">
+        <a:scrgbClr r="0" g="0" b="0"/>
+      </a:effectRef>
+      <a:fontRef idx="minor">
+        <a:schemeClr val="lt1"/>
+      </a:fontRef>
+    </dgm:style>
+  </dgm:styleLbl>
+  <dgm:styleLbl name="fgImgPlace1">
+    <dgm:scene3d>
+      <a:camera prst="orthographicFront"/>
+      <a:lightRig rig="threePt" dir="t"/>
+    </dgm:scene3d>
+    <dgm:sp3d/>
+    <dgm:txPr/>
+    <dgm:style>
+      <a:lnRef idx="2">
+        <a:scrgbClr r="0" g="0" b="0"/>
+      </a:lnRef>
+      <a:fillRef idx="1">
+        <a:scrgbClr r="0" g="0" b="0"/>
+      </a:fillRef>
+      <a:effectRef idx="0">
+        <a:scrgbClr r="0" g="0" b="0"/>
+      </a:effectRef>
+      <a:fontRef idx="minor"/>
+    </dgm:style>
+  </dgm:styleLbl>
+  <dgm:styleLbl name="alignImgPlace1">
+    <dgm:scene3d>
+      <a:camera prst="orthographicFront"/>
+      <a:lightRig rig="threePt" dir="t"/>
+    </dgm:scene3d>
+    <dgm:sp3d/>
+    <dgm:txPr/>
+    <dgm:style>
+      <a:lnRef idx="2">
+        <a:scrgbClr r="0" g="0" b="0"/>
+      </a:lnRef>
+      <a:fillRef idx="1">
+        <a:scrgbClr r="0" g="0" b="0"/>
+      </a:fillRef>
+      <a:effectRef idx="0">
+        <a:scrgbClr r="0" g="0" b="0"/>
+      </a:effectRef>
+      <a:fontRef idx="minor"/>
+    </dgm:style>
+  </dgm:styleLbl>
+  <dgm:styleLbl name="bgImgPlace1">
+    <dgm:scene3d>
+      <a:camera prst="orthographicFront"/>
+      <a:lightRig rig="threePt" dir="t"/>
+    </dgm:scene3d>
+    <dgm:sp3d/>
+    <dgm:txPr/>
+    <dgm:style>
+      <a:lnRef idx="2">
+        <a:scrgbClr r="0" g="0" b="0"/>
+      </a:lnRef>
+      <a:fillRef idx="1">
+        <a:scrgbClr r="0" g="0" b="0"/>
+      </a:fillRef>
+      <a:effectRef idx="0">
+        <a:scrgbClr r="0" g="0" b="0"/>
+      </a:effectRef>
+      <a:fontRef idx="minor"/>
+    </dgm:style>
+  </dgm:styleLbl>
+  <dgm:styleLbl name="sibTrans2D1">
+    <dgm:scene3d>
+      <a:camera prst="orthographicFront"/>
+      <a:lightRig rig="threePt" dir="t"/>
+    </dgm:scene3d>
+    <dgm:sp3d/>
+    <dgm:txPr/>
+    <dgm:style>
+      <a:lnRef idx="0">
+        <a:scrgbClr r="0" g="0" b="0"/>
+      </a:lnRef>
+      <a:fillRef idx="1">
+        <a:scrgbClr r="0" g="0" b="0"/>
+      </a:fillRef>
+      <a:effectRef idx="0">
+        <a:scrgbClr r="0" g="0" b="0"/>
+      </a:effectRef>
+      <a:fontRef idx="minor">
+        <a:schemeClr val="lt1"/>
+      </a:fontRef>
+    </dgm:style>
+  </dgm:styleLbl>
+  <dgm:styleLbl name="fgSibTrans2D1">
+    <dgm:scene3d>
+      <a:camera prst="orthographicFront"/>
+      <a:lightRig rig="threePt" dir="t"/>
+    </dgm:scene3d>
+    <dgm:sp3d/>
+    <dgm:txPr/>
+    <dgm:style>
+      <a:lnRef idx="0">
+        <a:scrgbClr r="0" g="0" b="0"/>
+      </a:lnRef>
+      <a:fillRef idx="1">
+        <a:scrgbClr r="0" g="0" b="0"/>
+      </a:fillRef>
+      <a:effectRef idx="0">
+        <a:scrgbClr r="0" g="0" b="0"/>
+      </a:effectRef>
+      <a:fontRef idx="minor">
+        <a:schemeClr val="lt1"/>
+      </a:fontRef>
+    </dgm:style>
+  </dgm:styleLbl>
+  <dgm:styleLbl name="bgSibTrans2D1">
+    <dgm:scene3d>
+      <a:camera prst="orthographicFront"/>
+      <a:lightRig rig="threePt" dir="t"/>
+    </dgm:scene3d>
+    <dgm:sp3d/>
+    <dgm:txPr/>
+    <dgm:style>
+      <a:lnRef idx="0">
+        <a:scrgbClr r="0" g="0" b="0"/>
+      </a:lnRef>
+      <a:fillRef idx="1">
+        <a:scrgbClr r="0" g="0" b="0"/>
+      </a:fillRef>
+      <a:effectRef idx="0">
+        <a:scrgbClr r="0" g="0" b="0"/>
+      </a:effectRef>
+      <a:fontRef idx="minor">
+        <a:schemeClr val="lt1"/>
+      </a:fontRef>
+    </dgm:style>
+  </dgm:styleLbl>
+  <dgm:styleLbl name="sibTrans1D1">
+    <dgm:scene3d>
+      <a:camera prst="orthographicFront"/>
+      <a:lightRig rig="threePt" dir="t"/>
+    </dgm:scene3d>
+    <dgm:sp3d/>
+    <dgm:txPr/>
+    <dgm:style>
+      <a:lnRef idx="1">
+        <a:scrgbClr r="0" g="0" b="0"/>
+      </a:lnRef>
+      <a:fillRef idx="0">
+        <a:scrgbClr r="0" g="0" b="0"/>
+      </a:fillRef>
+      <a:effectRef idx="0">
+        <a:scrgbClr r="0" g="0" b="0"/>
+      </a:effectRef>
+      <a:fontRef idx="minor"/>
+    </dgm:style>
+  </dgm:styleLbl>
+  <dgm:styleLbl name="callout">
+    <dgm:scene3d>
+      <a:camera prst="orthographicFront"/>
+      <a:lightRig rig="threePt" dir="t"/>
+    </dgm:scene3d>
+    <dgm:sp3d/>
+    <dgm:txPr/>
+    <dgm:style>
+      <a:lnRef idx="2">
+        <a:scrgbClr r="0" g="0" b="0"/>
+      </a:lnRef>
+      <a:fillRef idx="1">
+        <a:scrgbClr r="0" g="0" b="0"/>
+      </a:fillRef>
+      <a:effectRef idx="0">
+        <a:scrgbClr r="0" g="0" b="0"/>
+      </a:effectRef>
+      <a:fontRef idx="minor"/>
+    </dgm:style>
+  </dgm:styleLbl>
+  <dgm:styleLbl name="asst0">
+    <dgm:scene3d>
+      <a:camera prst="orthographicFront"/>
+      <a:lightRig rig="threePt" dir="t"/>
+    </dgm:scene3d>
+    <dgm:sp3d/>
+    <dgm:txPr/>
+    <dgm:style>
+      <a:lnRef idx="2">
+        <a:scrgbClr r="0" g="0" b="0"/>
+      </a:lnRef>
+      <a:fillRef idx="1">
+        <a:scrgbClr r="0" g="0" b="0"/>
+      </a:fillRef>
+      <a:effectRef idx="0">
+        <a:scrgbClr r="0" g="0" b="0"/>
+      </a:effectRef>
+      <a:fontRef idx="minor">
+        <a:schemeClr val="lt1"/>
+      </a:fontRef>
+    </dgm:style>
+  </dgm:styleLbl>
+  <dgm:styleLbl name="asst1">
+    <dgm:scene3d>
+      <a:camera prst="orthographicFront"/>
+      <a:lightRig rig="threePt" dir="t"/>
+    </dgm:scene3d>
+    <dgm:sp3d/>
+    <dgm:txPr/>
+    <dgm:style>
+      <a:lnRef idx="2">
+        <a:scrgbClr r="0" g="0" b="0"/>
+      </a:lnRef>
+      <a:fillRef idx="1">
+        <a:scrgbClr r="0" g="0" b="0"/>
+      </a:fillRef>
+      <a:effectRef idx="0">
+        <a:scrgbClr r="0" g="0" b="0"/>
+      </a:effectRef>
+      <a:fontRef idx="minor">
+        <a:schemeClr val="lt1"/>
+      </a:fontRef>
+    </dgm:style>
+  </dgm:styleLbl>
+  <dgm:styleLbl name="asst2">
+    <dgm:scene3d>
+      <a:camera prst="orthographicFront"/>
+      <a:lightRig rig="threePt" dir="t"/>
+    </dgm:scene3d>
+    <dgm:sp3d/>
+    <dgm:txPr/>
+    <dgm:style>
+      <a:lnRef idx="2">
+        <a:scrgbClr r="0" g="0" b="0"/>
+      </a:lnRef>
+      <a:fillRef idx="1">
+        <a:scrgbClr r="0" g="0" b="0"/>
+      </a:fillRef>
+      <a:effectRef idx="0">
+        <a:scrgbClr r="0" g="0" b="0"/>
+      </a:effectRef>
+      <a:fontRef idx="minor">
+        <a:schemeClr val="lt1"/>
+      </a:fontRef>
+    </dgm:style>
+  </dgm:styleLbl>
+  <dgm:styleLbl name="asst3">
+    <dgm:scene3d>
+      <a:camera prst="orthographicFront"/>
+      <a:lightRig rig="threePt" dir="t"/>
+    </dgm:scene3d>
+    <dgm:sp3d/>
+    <dgm:txPr/>
+    <dgm:style>
+      <a:lnRef idx="2">
+        <a:scrgbClr r="0" g="0" b="0"/>
+      </a:lnRef>
+      <a:fillRef idx="1">
+        <a:scrgbClr r="0" g="0" b="0"/>
+      </a:fillRef>
+      <a:effectRef idx="0">
+        <a:scrgbClr r="0" g="0" b="0"/>
+      </a:effectRef>
+      <a:fontRef idx="minor">
+        <a:schemeClr val="lt1"/>
+      </a:fontRef>
+    </dgm:style>
+  </dgm:styleLbl>
+  <dgm:styleLbl name="asst4">
+    <dgm:scene3d>
+      <a:camera prst="orthographicFront"/>
+      <a:lightRig rig="threePt" dir="t"/>
+    </dgm:scene3d>
+    <dgm:sp3d/>
+    <dgm:txPr/>
+    <dgm:style>
+      <a:lnRef idx="2">
+        <a:scrgbClr r="0" g="0" b="0"/>
+      </a:lnRef>
+      <a:fillRef idx="1">
+        <a:scrgbClr r="0" g="0" b="0"/>
+      </a:fillRef>
+      <a:effectRef idx="0">
+        <a:scrgbClr r="0" g="0" b="0"/>
+      </a:effectRef>
+      <a:fontRef idx="minor">
+        <a:schemeClr val="lt1"/>
+      </a:fontRef>
+    </dgm:style>
+  </dgm:styleLbl>
+  <dgm:styleLbl name="parChTrans2D1">
+    <dgm:scene3d>
+      <a:camera prst="orthographicFront"/>
+      <a:lightRig rig="threePt" dir="t"/>
+    </dgm:scene3d>
+    <dgm:sp3d/>
+    <dgm:txPr/>
+    <dgm:style>
+      <a:lnRef idx="2">
+        <a:scrgbClr r="0" g="0" b="0"/>
+      </a:lnRef>
+      <a:fillRef idx="1">
+        <a:scrgbClr r="0" g="0" b="0"/>
+      </a:fillRef>
+      <a:effectRef idx="0">
+        <a:scrgbClr r="0" g="0" b="0"/>
+      </a:effectRef>
+      <a:fontRef idx="minor">
+        <a:schemeClr val="lt1"/>
+      </a:fontRef>
+    </dgm:style>
+  </dgm:styleLbl>
+  <dgm:styleLbl name="parChTrans2D2">
+    <dgm:scene3d>
+      <a:camera prst="orthographicFront"/>
+      <a:lightRig rig="threePt" dir="t"/>
+    </dgm:scene3d>
+    <dgm:sp3d/>
+    <dgm:txPr/>
+    <dgm:style>
+      <a:lnRef idx="2">
+        <a:scrgbClr r="0" g="0" b="0"/>
+      </a:lnRef>
+      <a:fillRef idx="1">
+        <a:scrgbClr r="0" g="0" b="0"/>
+      </a:fillRef>
+      <a:effectRef idx="0">
+        <a:scrgbClr r="0" g="0" b="0"/>
+      </a:effectRef>
+      <a:fontRef idx="minor">
+        <a:schemeClr val="lt1"/>
+      </a:fontRef>
+    </dgm:style>
+  </dgm:styleLbl>
+  <dgm:styleLbl name="parChTrans2D3">
+    <dgm:scene3d>
+      <a:camera prst="orthographicFront"/>
+      <a:lightRig rig="threePt" dir="t"/>
+    </dgm:scene3d>
+    <dgm:sp3d/>
+    <dgm:txPr/>
+    <dgm:style>
+      <a:lnRef idx="2">
+        <a:scrgbClr r="0" g="0" b="0"/>
+      </a:lnRef>
+      <a:fillRef idx="1">
+        <a:scrgbClr r="0" g="0" b="0"/>
+      </a:fillRef>
+      <a:effectRef idx="0">
+        <a:scrgbClr r="0" g="0" b="0"/>
+      </a:effectRef>
+      <a:fontRef idx="minor">
+        <a:schemeClr val="lt1"/>
+      </a:fontRef>
+    </dgm:style>
+  </dgm:styleLbl>
+  <dgm:styleLbl name="parChTrans2D4">
+    <dgm:scene3d>
+      <a:camera prst="orthographicFront"/>
+      <a:lightRig rig="threePt" dir="t"/>
+    </dgm:scene3d>
+    <dgm:sp3d/>
+    <dgm:txPr/>
+    <dgm:style>
+      <a:lnRef idx="2">
+        <a:scrgbClr r="0" g="0" b="0"/>
+      </a:lnRef>
+      <a:fillRef idx="1">
+        <a:scrgbClr r="0" g="0" b="0"/>
+      </a:fillRef>
+      <a:effectRef idx="0">
+        <a:scrgbClr r="0" g="0" b="0"/>
+      </a:effectRef>
+      <a:fontRef idx="minor">
+        <a:schemeClr val="lt1"/>
+      </a:fontRef>
+    </dgm:style>
+  </dgm:styleLbl>
+  <dgm:styleLbl name="parChTrans1D1">
+    <dgm:scene3d>
+      <a:camera prst="orthographicFront"/>
+      <a:lightRig rig="threePt" dir="t"/>
+    </dgm:scene3d>
+    <dgm:sp3d/>
+    <dgm:txPr/>
+    <dgm:style>
+      <a:lnRef idx="2">
+        <a:scrgbClr r="0" g="0" b="0"/>
+      </a:lnRef>
+      <a:fillRef idx="0">
+        <a:scrgbClr r="0" g="0" b="0"/>
+      </a:fillRef>
+      <a:effectRef idx="0">
+        <a:scrgbClr r="0" g="0" b="0"/>
+      </a:effectRef>
+      <a:fontRef idx="minor"/>
+    </dgm:style>
+  </dgm:styleLbl>
+  <dgm:styleLbl name="parChTrans1D2">
+    <dgm:scene3d>
+      <a:camera prst="orthographicFront"/>
+      <a:lightRig rig="threePt" dir="t"/>
+    </dgm:scene3d>
+    <dgm:sp3d/>
+    <dgm:txPr/>
+    <dgm:style>
+      <a:lnRef idx="2">
+        <a:scrgbClr r="0" g="0" b="0"/>
+      </a:lnRef>
+      <a:fillRef idx="0">
+        <a:scrgbClr r="0" g="0" b="0"/>
+      </a:fillRef>
+      <a:effectRef idx="0">
+        <a:scrgbClr r="0" g="0" b="0"/>
+      </a:effectRef>
+      <a:fontRef idx="minor"/>
+    </dgm:style>
+  </dgm:styleLbl>
+  <dgm:styleLbl name="parChTrans1D3">
+    <dgm:scene3d>
+      <a:camera prst="orthographicFront"/>
+      <a:lightRig rig="threePt" dir="t"/>
+    </dgm:scene3d>
+    <dgm:sp3d/>
+    <dgm:txPr/>
+    <dgm:style>
+      <a:lnRef idx="2">
+        <a:scrgbClr r="0" g="0" b="0"/>
+      </a:lnRef>
+      <a:fillRef idx="0">
+        <a:scrgbClr r="0" g="0" b="0"/>
+      </a:fillRef>
+      <a:effectRef idx="0">
+        <a:scrgbClr r="0" g="0" b="0"/>
+      </a:effectRef>
+      <a:fontRef idx="minor"/>
+    </dgm:style>
+  </dgm:styleLbl>
+  <dgm:styleLbl name="parChTrans1D4">
+    <dgm:scene3d>
+      <a:camera prst="orthographicFront"/>
+      <a:lightRig rig="threePt" dir="t"/>
+    </dgm:scene3d>
+    <dgm:sp3d/>
+    <dgm:txPr/>
+    <dgm:style>
+      <a:lnRef idx="2">
+        <a:scrgbClr r="0" g="0" b="0"/>
+      </a:lnRef>
+      <a:fillRef idx="0">
+        <a:scrgbClr r="0" g="0" b="0"/>
+      </a:fillRef>
+      <a:effectRef idx="0">
+        <a:scrgbClr r="0" g="0" b="0"/>
+      </a:effectRef>
+      <a:fontRef idx="minor"/>
+    </dgm:style>
+  </dgm:styleLbl>
+  <dgm:styleLbl name="fgAcc1">
+    <dgm:scene3d>
+      <a:camera prst="orthographicFront"/>
+      <a:lightRig rig="threePt" dir="t"/>
+    </dgm:scene3d>
+    <dgm:sp3d/>
+    <dgm:txPr/>
+    <dgm:style>
+      <a:lnRef idx="2">
+        <a:scrgbClr r="0" g="0" b="0"/>
+      </a:lnRef>
+      <a:fillRef idx="1">
+        <a:scrgbClr r="0" g="0" b="0"/>
+      </a:fillRef>
+      <a:effectRef idx="0">
+        <a:scrgbClr r="0" g="0" b="0"/>
+      </a:effectRef>
+      <a:fontRef idx="minor"/>
+    </dgm:style>
+  </dgm:styleLbl>
+  <dgm:styleLbl name="conFgAcc1">
+    <dgm:scene3d>
+      <a:camera prst="orthographicFront"/>
+      <a:lightRig rig="threePt" dir="t"/>
+    </dgm:scene3d>
+    <dgm:sp3d/>
+    <dgm:txPr/>
+    <dgm:style>
+      <a:lnRef idx="2">
+        <a:scrgbClr r="0" g="0" b="0"/>
+      </a:lnRef>
+      <a:fillRef idx="1">
+        <a:scrgbClr r="0" g="0" b="0"/>
+      </a:fillRef>
+      <a:effectRef idx="0">
+        <a:scrgbClr r="0" g="0" b="0"/>
+      </a:effectRef>
+      <a:fontRef idx="minor"/>
+    </dgm:style>
+  </dgm:styleLbl>
+  <dgm:styleLbl name="alignAcc1">
+    <dgm:scene3d>
+      <a:camera prst="orthographicFront"/>
+      <a:lightRig rig="threePt" dir="t"/>
+    </dgm:scene3d>
+    <dgm:sp3d/>
+    <dgm:txPr/>
+    <dgm:style>
+      <a:lnRef idx="2">
+        <a:scrgbClr r="0" g="0" b="0"/>
+      </a:lnRef>
+      <a:fillRef idx="1">
+        <a:scrgbClr r="0" g="0" b="0"/>
+      </a:fillRef>
+      <a:effectRef idx="0">
+        <a:scrgbClr r="0" g="0" b="0"/>
+      </a:effectRef>
+      <a:fontRef idx="minor"/>
+    </dgm:style>
+  </dgm:styleLbl>
+  <dgm:styleLbl name="trAlignAcc1">
+    <dgm:scene3d>
+      <a:camera prst="orthographicFront"/>
+      <a:lightRig rig="threePt" dir="t"/>
+    </dgm:scene3d>
+    <dgm:sp3d/>
+    <dgm:txPr/>
+    <dgm:style>
+      <a:lnRef idx="1">
+        <a:scrgbClr r="0" g="0" b="0"/>
+      </a:lnRef>
+      <a:fillRef idx="1">
+        <a:scrgbClr r="0" g="0" b="0"/>
+      </a:fillRef>
+      <a:effectRef idx="0">
+        <a:scrgbClr r="0" g="0" b="0"/>
+      </a:effectRef>
+      <a:fontRef idx="minor"/>
+    </dgm:style>
+  </dgm:styleLbl>
+  <dgm:styleLbl name="bgAcc1">
+    <dgm:scene3d>
+      <a:camera prst="orthographicFront"/>
+      <a:lightRig rig="threePt" dir="t"/>
+    </dgm:scene3d>
+    <dgm:sp3d/>
+    <dgm:txPr/>
+    <dgm:style>
+      <a:lnRef idx="2">
+        <a:scrgbClr r="0" g="0" b="0"/>
+      </a:lnRef>
+      <a:fillRef idx="1">
+        <a:scrgbClr r="0" g="0" b="0"/>
+      </a:fillRef>
+      <a:effectRef idx="0">
+        <a:scrgbClr r="0" g="0" b="0"/>
+      </a:effectRef>
+      <a:fontRef idx="minor"/>
+    </dgm:style>
+  </dgm:styleLbl>
+  <dgm:styleLbl name="solidFgAcc1">
+    <dgm:scene3d>
+      <a:camera prst="orthographicFront"/>
+      <a:lightRig rig="threePt" dir="t"/>
+    </dgm:scene3d>
+    <dgm:sp3d/>
+    <dgm:txPr/>
+    <dgm:style>
+      <a:lnRef idx="2">
+        <a:scrgbClr r="0" g="0" b="0"/>
+      </a:lnRef>
+      <a:fillRef idx="1">
+        <a:scrgbClr r="0" g="0" b="0"/>
+      </a:fillRef>
+      <a:effectRef idx="0">
+        <a:scrgbClr r="0" g="0" b="0"/>
+      </a:effectRef>
+      <a:fontRef idx="minor"/>
+    </dgm:style>
+  </dgm:styleLbl>
+  <dgm:styleLbl name="solidAlignAcc1">
+    <dgm:scene3d>
+      <a:camera prst="orthographicFront"/>
+      <a:lightRig rig="threePt" dir="t"/>
+    </dgm:scene3d>
+    <dgm:sp3d/>
+    <dgm:txPr/>
+    <dgm:style>
+      <a:lnRef idx="2">
+        <a:scrgbClr r="0" g="0" b="0"/>
+      </a:lnRef>
+      <a:fillRef idx="1">
+        <a:scrgbClr r="0" g="0" b="0"/>
+      </a:fillRef>
+      <a:effectRef idx="0">
+        <a:scrgbClr r="0" g="0" b="0"/>
+      </a:effectRef>
+      <a:fontRef idx="minor"/>
+    </dgm:style>
+  </dgm:styleLbl>
+  <dgm:styleLbl name="solidBgAcc1">
+    <dgm:scene3d>
+      <a:camera prst="orthographicFront"/>
+      <a:lightRig rig="threePt" dir="t"/>
+    </dgm:scene3d>
+    <dgm:sp3d/>
+    <dgm:txPr/>
+    <dgm:style>
+      <a:lnRef idx="2">
+        <a:scrgbClr r="0" g="0" b="0"/>
+      </a:lnRef>
+      <a:fillRef idx="1">
+        <a:scrgbClr r="0" g="0" b="0"/>
+      </a:fillRef>
+      <a:effectRef idx="0">
+        <a:scrgbClr r="0" g="0" b="0"/>
+      </a:effectRef>
+      <a:fontRef idx="minor"/>
+    </dgm:style>
+  </dgm:styleLbl>
+  <dgm:styleLbl name="fgAccFollowNode1">
+    <dgm:scene3d>
+      <a:camera prst="orthographicFront"/>
+      <a:lightRig rig="threePt" dir="t"/>
+    </dgm:scene3d>
+    <dgm:sp3d/>
+    <dgm:txPr/>
+    <dgm:style>
+      <a:lnRef idx="2">
+        <a:scrgbClr r="0" g="0" b="0"/>
+      </a:lnRef>
+      <a:fillRef idx="1">
+        <a:scrgbClr r="0" g="0" b="0"/>
+      </a:fillRef>
+      <a:effectRef idx="0">
+        <a:scrgbClr r="0" g="0" b="0"/>
+      </a:effectRef>
+      <a:fontRef idx="minor"/>
+    </dgm:style>
+  </dgm:styleLbl>
+  <dgm:styleLbl name="alignAccFollowNode1">
+    <dgm:scene3d>
+      <a:camera prst="orthographicFront"/>
+      <a:lightRig rig="threePt" dir="t"/>
+    </dgm:scene3d>
+    <dgm:sp3d/>
+    <dgm:txPr/>
+    <dgm:style>
+      <a:lnRef idx="2">
+        <a:scrgbClr r="0" g="0" b="0"/>
+      </a:lnRef>
+      <a:fillRef idx="1">
+        <a:scrgbClr r="0" g="0" b="0"/>
+      </a:fillRef>
+      <a:effectRef idx="0">
+        <a:scrgbClr r="0" g="0" b="0"/>
+      </a:effectRef>
+      <a:fontRef idx="minor"/>
+    </dgm:style>
+  </dgm:styleLbl>
+  <dgm:styleLbl name="bgAccFollowNode1">
+    <dgm:scene3d>
+      <a:camera prst="orthographicFront"/>
+      <a:lightRig rig="threePt" dir="t"/>
+    </dgm:scene3d>
+    <dgm:sp3d/>
+    <dgm:txPr/>
+    <dgm:style>
+      <a:lnRef idx="2">
+        <a:scrgbClr r="0" g="0" b="0"/>
+      </a:lnRef>
+      <a:fillRef idx="1">
+        <a:scrgbClr r="0" g="0" b="0"/>
+      </a:fillRef>
+      <a:effectRef idx="0">
+        <a:scrgbClr r="0" g="0" b="0"/>
+      </a:effectRef>
+      <a:fontRef idx="minor"/>
+    </dgm:style>
+  </dgm:styleLbl>
+  <dgm:styleLbl name="fgAcc0">
+    <dgm:scene3d>
+      <a:camera prst="orthographicFront"/>
+      <a:lightRig rig="threePt" dir="t"/>
+    </dgm:scene3d>
+    <dgm:sp3d/>
+    <dgm:txPr/>
+    <dgm:style>
+      <a:lnRef idx="2">
+        <a:scrgbClr r="0" g="0" b="0"/>
+      </a:lnRef>
+      <a:fillRef idx="1">
+        <a:scrgbClr r="0" g="0" b="0"/>
+      </a:fillRef>
+      <a:effectRef idx="0">
+        <a:scrgbClr r="0" g="0" b="0"/>
+      </a:effectRef>
+      <a:fontRef idx="minor"/>
+    </dgm:style>
+  </dgm:styleLbl>
+  <dgm:styleLbl name="fgAcc2">
+    <dgm:scene3d>
+      <a:camera prst="orthographicFront"/>
+      <a:lightRig rig="threePt" dir="t"/>
+    </dgm:scene3d>
+    <dgm:sp3d/>
+    <dgm:txPr/>
+    <dgm:style>
+      <a:lnRef idx="2">
+        <a:scrgbClr r="0" g="0" b="0"/>
+      </a:lnRef>
+      <a:fillRef idx="1">
+        <a:scrgbClr r="0" g="0" b="0"/>
+      </a:fillRef>
+      <a:effectRef idx="0">
+        <a:scrgbClr r="0" g="0" b="0"/>
+      </a:effectRef>
+      <a:fontRef idx="minor"/>
+    </dgm:style>
+  </dgm:styleLbl>
+  <dgm:styleLbl name="fgAcc3">
+    <dgm:scene3d>
+      <a:camera prst="orthographicFront"/>
+      <a:lightRig rig="threePt" dir="t"/>
+    </dgm:scene3d>
+    <dgm:sp3d/>
+    <dgm:txPr/>
+    <dgm:style>
+      <a:lnRef idx="2">
+        <a:scrgbClr r="0" g="0" b="0"/>
+      </a:lnRef>
+      <a:fillRef idx="1">
+        <a:scrgbClr r="0" g="0" b="0"/>
+      </a:fillRef>
+      <a:effectRef idx="0">
+        <a:scrgbClr r="0" g="0" b="0"/>
+      </a:effectRef>
+      <a:fontRef idx="minor"/>
+    </dgm:style>
+  </dgm:styleLbl>
+  <dgm:styleLbl name="fgAcc4">
+    <dgm:scene3d>
+      <a:camera prst="orthographicFront"/>
+      <a:lightRig rig="threePt" dir="t"/>
+    </dgm:scene3d>
+    <dgm:sp3d/>
+    <dgm:txPr/>
+    <dgm:style>
+      <a:lnRef idx="2">
+        <a:scrgbClr r="0" g="0" b="0"/>
+      </a:lnRef>
+      <a:fillRef idx="1">
+        <a:scrgbClr r="0" g="0" b="0"/>
+      </a:fillRef>
+      <a:effectRef idx="0">
+        <a:scrgbClr r="0" g="0" b="0"/>
+      </a:effectRef>
+      <a:fontRef idx="minor"/>
+    </dgm:style>
+  </dgm:styleLbl>
+  <dgm:styleLbl name="bgShp">
+    <dgm:scene3d>
+      <a:camera prst="orthographicFront"/>
+      <a:lightRig rig="threePt" dir="t"/>
+    </dgm:scene3d>
+    <dgm:sp3d/>
+    <dgm:txPr/>
+    <dgm:style>
+      <a:lnRef idx="0">
+        <a:scrgbClr r="0" g="0" b="0"/>
+      </a:lnRef>
+      <a:fillRef idx="1">
+        <a:scrgbClr r="0" g="0" b="0"/>
+      </a:fillRef>
+      <a:effectRef idx="0">
+        <a:scrgbClr r="0" g="0" b="0"/>
+      </a:effectRef>
+      <a:fontRef idx="minor"/>
+    </dgm:style>
+  </dgm:styleLbl>
+  <dgm:styleLbl name="dkBgShp">
+    <dgm:scene3d>
+      <a:camera prst="orthographicFront"/>
+      <a:lightRig rig="threePt" dir="t"/>
+    </dgm:scene3d>
+    <dgm:sp3d/>
+    <dgm:txPr/>
+    <dgm:style>
+      <a:lnRef idx="0">
+        <a:scrgbClr r="0" g="0" b="0"/>
+      </a:lnRef>
+      <a:fillRef idx="1">
+        <a:scrgbClr r="0" g="0" b="0"/>
+      </a:fillRef>
+      <a:effectRef idx="0">
+        <a:scrgbClr r="0" g="0" b="0"/>
+      </a:effectRef>
+      <a:fontRef idx="minor"/>
+    </dgm:style>
+  </dgm:styleLbl>
+  <dgm:styleLbl name="trBgShp">
+    <dgm:scene3d>
+      <a:camera prst="orthographicFront"/>
+      <a:lightRig rig="threePt" dir="t"/>
+    </dgm:scene3d>
+    <dgm:sp3d/>
+    <dgm:txPr/>
+    <dgm:style>
+      <a:lnRef idx="0">
+        <a:scrgbClr r="0" g="0" b="0"/>
+      </a:lnRef>
+      <a:fillRef idx="1">
+        <a:scrgbClr r="0" g="0" b="0"/>
+      </a:fillRef>
+      <a:effectRef idx="0">
+        <a:scrgbClr r="0" g="0" b="0"/>
+      </a:effectRef>
+      <a:fontRef idx="minor"/>
+    </dgm:style>
+  </dgm:styleLbl>
+  <dgm:styleLbl name="fgShp">
+    <dgm:scene3d>
+      <a:camera prst="orthographicFront"/>
+      <a:lightRig rig="threePt" dir="t"/>
+    </dgm:scene3d>
+    <dgm:sp3d/>
+    <dgm:txPr/>
+    <dgm:style>
+      <a:lnRef idx="2">
+        <a:scrgbClr r="0" g="0" b="0"/>
+      </a:lnRef>
+      <a:fillRef idx="1">
+        <a:scrgbClr r="0" g="0" b="0"/>
+      </a:fillRef>
+      <a:effectRef idx="0">
+        <a:scrgbClr r="0" g="0" b="0"/>
+      </a:effectRef>
+      <a:fontRef idx="minor"/>
+    </dgm:style>
+  </dgm:styleLbl>
+  <dgm:styleLbl name="revTx">
+    <dgm:scene3d>
+      <a:camera prst="orthographicFront"/>
+      <a:lightRig rig="threePt" dir="t"/>
+    </dgm:scene3d>
+    <dgm:sp3d/>
+    <dgm:txPr/>
+    <dgm:style>
+      <a:lnRef idx="0">
+        <a:scrgbClr r="0" g="0" b="0"/>
+      </a:lnRef>
+      <a:fillRef idx="0">
+        <a:scrgbClr r="0" g="0" b="0"/>
+      </a:fillRef>
+      <a:effectRef idx="0">
+        <a:scrgbClr r="0" g="0" b="0"/>
+      </a:effectRef>
+      <a:fontRef idx="minor"/>
+    </dgm:style>
+  </dgm:styleLbl>
+</dgm:styleDef>
+</file>
+
+<file path=ppt/diagrams/quickStyle2.xml><?xml version="1.0" encoding="utf-8"?>
 <dgm:styleDef xmlns:dgm="http://schemas.openxmlformats.org/drawingml/2006/diagram" xmlns:a="http://schemas.openxmlformats.org/drawingml/2006/main" uniqueId="urn:microsoft.com/office/officeart/2005/8/quickstyle/simple1">
   <dgm:title val=""/>
   <dgm:desc val=""/>
@@ -3520,7 +6085,7 @@
           <a:p>
             <a:fld id="{C14A4EDE-A1FD-6F4D-B973-0317A1D48AB8}" type="datetimeFigureOut">
               <a:rPr lang="en-US" smtClean="0"/>
-              <a:t>10/20/2019</a:t>
+              <a:t>10/21/19</a:t>
             </a:fld>
             <a:endParaRPr lang="en-US"/>
           </a:p>
@@ -3854,7 +6419,7 @@
           <a:p>
             <a:fld id="{C14A4EDE-A1FD-6F4D-B973-0317A1D48AB8}" type="datetimeFigureOut">
               <a:rPr lang="en-US" smtClean="0"/>
-              <a:t>10/20/2019</a:t>
+              <a:t>10/21/19</a:t>
             </a:fld>
             <a:endParaRPr lang="en-US"/>
           </a:p>
@@ -4132,7 +6697,7 @@
           <a:p>
             <a:fld id="{C14A4EDE-A1FD-6F4D-B973-0317A1D48AB8}" type="datetimeFigureOut">
               <a:rPr lang="en-US" smtClean="0"/>
-              <a:t>10/20/2019</a:t>
+              <a:t>10/21/19</a:t>
             </a:fld>
             <a:endParaRPr lang="en-US"/>
           </a:p>
@@ -4700,7 +7265,7 @@
           <a:p>
             <a:fld id="{C14A4EDE-A1FD-6F4D-B973-0317A1D48AB8}" type="datetimeFigureOut">
               <a:rPr lang="en-US" smtClean="0"/>
-              <a:t>10/20/2019</a:t>
+              <a:t>10/21/19</a:t>
             </a:fld>
             <a:endParaRPr lang="en-US"/>
           </a:p>
@@ -4978,7 +7543,7 @@
           <a:p>
             <a:fld id="{C14A4EDE-A1FD-6F4D-B973-0317A1D48AB8}" type="datetimeFigureOut">
               <a:rPr lang="en-US" smtClean="0"/>
-              <a:t>10/20/2019</a:t>
+              <a:t>10/21/19</a:t>
             </a:fld>
             <a:endParaRPr lang="en-US"/>
           </a:p>
@@ -5540,7 +8105,7 @@
           <a:p>
             <a:fld id="{C14A4EDE-A1FD-6F4D-B973-0317A1D48AB8}" type="datetimeFigureOut">
               <a:rPr lang="en-US" smtClean="0"/>
-              <a:t>10/20/2019</a:t>
+              <a:t>10/21/19</a:t>
             </a:fld>
             <a:endParaRPr lang="en-US"/>
           </a:p>
@@ -5867,7 +8432,7 @@
           <a:p>
             <a:fld id="{C14A4EDE-A1FD-6F4D-B973-0317A1D48AB8}" type="datetimeFigureOut">
               <a:rPr lang="en-US" smtClean="0"/>
-              <a:t>10/20/2019</a:t>
+              <a:t>10/21/19</a:t>
             </a:fld>
             <a:endParaRPr lang="en-US"/>
           </a:p>
@@ -6072,7 +8637,7 @@
           <a:p>
             <a:fld id="{C14A4EDE-A1FD-6F4D-B973-0317A1D48AB8}" type="datetimeFigureOut">
               <a:rPr lang="en-US" smtClean="0"/>
-              <a:t>10/20/2019</a:t>
+              <a:t>10/21/19</a:t>
             </a:fld>
             <a:endParaRPr lang="en-US"/>
           </a:p>
@@ -6282,7 +8847,7 @@
           <a:p>
             <a:fld id="{C14A4EDE-A1FD-6F4D-B973-0317A1D48AB8}" type="datetimeFigureOut">
               <a:rPr lang="en-US" smtClean="0"/>
-              <a:t>10/20/2019</a:t>
+              <a:t>10/21/19</a:t>
             </a:fld>
             <a:endParaRPr lang="en-US"/>
           </a:p>
@@ -6482,7 +9047,7 @@
           <a:p>
             <a:fld id="{C14A4EDE-A1FD-6F4D-B973-0317A1D48AB8}" type="datetimeFigureOut">
               <a:rPr lang="en-US" smtClean="0"/>
-              <a:t>10/20/2019</a:t>
+              <a:t>10/21/19</a:t>
             </a:fld>
             <a:endParaRPr lang="en-US"/>
           </a:p>
@@ -6758,7 +9323,7 @@
           <a:p>
             <a:fld id="{C14A4EDE-A1FD-6F4D-B973-0317A1D48AB8}" type="datetimeFigureOut">
               <a:rPr lang="en-US" smtClean="0"/>
-              <a:t>10/20/2019</a:t>
+              <a:t>10/21/19</a:t>
             </a:fld>
             <a:endParaRPr lang="en-US"/>
           </a:p>
@@ -7024,7 +9589,7 @@
           <a:p>
             <a:fld id="{C14A4EDE-A1FD-6F4D-B973-0317A1D48AB8}" type="datetimeFigureOut">
               <a:rPr lang="en-US" smtClean="0"/>
-              <a:t>10/20/2019</a:t>
+              <a:t>10/21/19</a:t>
             </a:fld>
             <a:endParaRPr lang="en-US"/>
           </a:p>
@@ -7398,7 +9963,7 @@
           <a:p>
             <a:fld id="{C14A4EDE-A1FD-6F4D-B973-0317A1D48AB8}" type="datetimeFigureOut">
               <a:rPr lang="en-US" smtClean="0"/>
-              <a:t>10/20/2019</a:t>
+              <a:t>10/21/19</a:t>
             </a:fld>
             <a:endParaRPr lang="en-US"/>
           </a:p>
@@ -7546,7 +10111,7 @@
           <a:p>
             <a:fld id="{C14A4EDE-A1FD-6F4D-B973-0317A1D48AB8}" type="datetimeFigureOut">
               <a:rPr lang="en-US" smtClean="0"/>
-              <a:t>10/20/2019</a:t>
+              <a:t>10/21/19</a:t>
             </a:fld>
             <a:endParaRPr lang="en-US"/>
           </a:p>
@@ -7671,7 +10236,7 @@
           <a:p>
             <a:fld id="{C14A4EDE-A1FD-6F4D-B973-0317A1D48AB8}" type="datetimeFigureOut">
               <a:rPr lang="en-US" smtClean="0"/>
-              <a:t>10/20/2019</a:t>
+              <a:t>10/21/19</a:t>
             </a:fld>
             <a:endParaRPr lang="en-US"/>
           </a:p>
@@ -7956,7 +10521,7 @@
           <a:p>
             <a:fld id="{C14A4EDE-A1FD-6F4D-B973-0317A1D48AB8}" type="datetimeFigureOut">
               <a:rPr lang="en-US" smtClean="0"/>
-              <a:t>10/20/2019</a:t>
+              <a:t>10/21/19</a:t>
             </a:fld>
             <a:endParaRPr lang="en-US"/>
           </a:p>
@@ -8280,7 +10845,7 @@
           <a:p>
             <a:fld id="{C14A4EDE-A1FD-6F4D-B973-0317A1D48AB8}" type="datetimeFigureOut">
               <a:rPr lang="en-US" smtClean="0"/>
-              <a:t>10/20/2019</a:t>
+              <a:t>10/21/19</a:t>
             </a:fld>
             <a:endParaRPr lang="en-US"/>
           </a:p>
@@ -8348,16 +10913,19 @@
       <p:bgPr>
         <a:gradFill flip="none" rotWithShape="1">
           <a:gsLst>
-            <a:gs pos="60000">
+            <a:gs pos="23448">
+              <a:schemeClr val="tx1">
+                <a:lumMod val="85000"/>
+              </a:schemeClr>
+            </a:gs>
+            <a:gs pos="83000">
               <a:schemeClr val="tx1">
                 <a:lumMod val="65000"/>
               </a:schemeClr>
             </a:gs>
             <a:gs pos="100000">
-              <a:schemeClr val="bg1">
-                <a:shade val="96000"/>
-                <a:satMod val="160000"/>
-                <a:lumMod val="100000"/>
+              <a:schemeClr val="bg2">
+                <a:lumMod val="50000"/>
               </a:schemeClr>
             </a:gs>
           </a:gsLst>
@@ -8512,7 +11080,7 @@
           <a:p>
             <a:fld id="{C14A4EDE-A1FD-6F4D-B973-0317A1D48AB8}" type="datetimeFigureOut">
               <a:rPr lang="en-US" smtClean="0"/>
-              <a:t>10/20/2019</a:t>
+              <a:t>10/21/19</a:t>
             </a:fld>
             <a:endParaRPr lang="en-US"/>
           </a:p>
@@ -9016,27 +11584,6 @@
 <file path=ppt/slides/slide1.xml><?xml version="1.0" encoding="utf-8"?>
 <p:sld xmlns:a="http://schemas.openxmlformats.org/drawingml/2006/main" xmlns:r="http://schemas.openxmlformats.org/officeDocument/2006/relationships" xmlns:p="http://schemas.openxmlformats.org/presentationml/2006/main">
   <p:cSld>
-    <p:bg>
-      <p:bgPr>
-        <a:gradFill flip="none" rotWithShape="1">
-          <a:gsLst>
-            <a:gs pos="83000">
-              <a:schemeClr val="tx1">
-                <a:lumMod val="65000"/>
-              </a:schemeClr>
-            </a:gs>
-            <a:gs pos="100000">
-              <a:schemeClr val="bg2">
-                <a:lumMod val="50000"/>
-              </a:schemeClr>
-            </a:gs>
-          </a:gsLst>
-          <a:lin ang="4740000" scaled="1"/>
-          <a:tileRect/>
-        </a:gradFill>
-        <a:effectLst/>
-      </p:bgPr>
-    </p:bg>
     <p:spTree>
       <p:nvGrpSpPr>
         <p:cNvPr id="1" name=""/>
@@ -9208,45 +11755,10 @@
       </p:grpSpPr>
       <p:sp>
         <p:nvSpPr>
-          <p:cNvPr id="3" name="TextBox 2">
+          <p:cNvPr id="5" name="TextBox 4">
             <a:extLst>
               <a:ext uri="{FF2B5EF4-FFF2-40B4-BE49-F238E27FC236}">
-                <a16:creationId xmlns:a16="http://schemas.microsoft.com/office/drawing/2014/main" id="{E03A1BD5-672E-374E-9E30-401EB3C688D1}"/>
-              </a:ext>
-            </a:extLst>
-          </p:cNvPr>
-          <p:cNvSpPr txBox="1"/>
-          <p:nvPr/>
-        </p:nvSpPr>
-        <p:spPr>
-          <a:xfrm>
-            <a:off x="1058238" y="678094"/>
-            <a:ext cx="3606229" cy="369332"/>
-          </a:xfrm>
-          <a:prstGeom prst="rect">
-            <a:avLst/>
-          </a:prstGeom>
-          <a:noFill/>
-        </p:spPr>
-        <p:txBody>
-          <a:bodyPr wrap="square" rtlCol="0">
-            <a:spAutoFit/>
-          </a:bodyPr>
-          <a:lstStyle/>
-          <a:p>
-            <a:r>
-              <a:rPr lang="en-US" dirty="0"/>
-              <a:t>Coding for Model</a:t>
-            </a:r>
-          </a:p>
-        </p:txBody>
-      </p:sp>
-      <p:sp>
-        <p:nvSpPr>
-          <p:cNvPr id="4" name="TextBox 3">
-            <a:extLst>
-              <a:ext uri="{FF2B5EF4-FFF2-40B4-BE49-F238E27FC236}">
-                <a16:creationId xmlns:a16="http://schemas.microsoft.com/office/drawing/2014/main" id="{7D71584C-C8FB-FE4F-AC8F-7C28ED2B2892}"/>
+                <a16:creationId xmlns:a16="http://schemas.microsoft.com/office/drawing/2014/main" id="{574CD34D-8741-534E-94A4-835DFAFB26BD}"/>
               </a:ext>
             </a:extLst>
           </p:cNvPr>
@@ -9256,7 +11768,7 @@
         <p:spPr>
           <a:xfrm>
             <a:off x="10602098" y="98854"/>
-            <a:ext cx="1309816" cy="369332"/>
+            <a:ext cx="1309816" cy="646331"/>
           </a:xfrm>
           <a:prstGeom prst="rect">
             <a:avLst/>
@@ -9276,15 +11788,115 @@
             <a:pPr algn="ctr"/>
             <a:r>
               <a:rPr lang="en-US" b="1" dirty="0"/>
-              <a:t>???</a:t>
+              <a:t>JC – </a:t>
+            </a:r>
+            <a:r>
+              <a:rPr lang="en-US" b="1" dirty="0" err="1"/>
+              <a:t>Opp</a:t>
+            </a:r>
+            <a:r>
+              <a:rPr lang="en-US" b="1" dirty="0"/>
+              <a:t> Zone</a:t>
             </a:r>
           </a:p>
         </p:txBody>
       </p:sp>
+      <p:sp>
+        <p:nvSpPr>
+          <p:cNvPr id="4" name="TextBox 3">
+            <a:extLst>
+              <a:ext uri="{FF2B5EF4-FFF2-40B4-BE49-F238E27FC236}">
+                <a16:creationId xmlns:a16="http://schemas.microsoft.com/office/drawing/2014/main" id="{D1E2560C-CF88-EF45-881C-7B9108D56E55}"/>
+              </a:ext>
+            </a:extLst>
+          </p:cNvPr>
+          <p:cNvSpPr txBox="1"/>
+          <p:nvPr/>
+        </p:nvSpPr>
+        <p:spPr>
+          <a:xfrm>
+            <a:off x="823597" y="520095"/>
+            <a:ext cx="10231396" cy="1015663"/>
+          </a:xfrm>
+          <a:prstGeom prst="rect">
+            <a:avLst/>
+          </a:prstGeom>
+          <a:noFill/>
+        </p:spPr>
+        <p:txBody>
+          <a:bodyPr wrap="square" rtlCol="0">
+            <a:spAutoFit/>
+          </a:bodyPr>
+          <a:lstStyle/>
+          <a:p>
+            <a:r>
+              <a:rPr lang="en-US" sz="6000" dirty="0">
+                <a:solidFill>
+                  <a:schemeClr val="bg2">
+                    <a:lumMod val="75000"/>
+                  </a:schemeClr>
+                </a:solidFill>
+                <a:latin typeface="Questrial" panose="02000000000000000000" pitchFamily="2" charset="0"/>
+              </a:rPr>
+              <a:t>our</a:t>
+            </a:r>
+            <a:r>
+              <a:rPr lang="en-US" sz="6000" b="1" dirty="0">
+                <a:solidFill>
+                  <a:schemeClr val="bg2">
+                    <a:lumMod val="75000"/>
+                  </a:schemeClr>
+                </a:solidFill>
+                <a:latin typeface="Questrial" panose="02000000000000000000" pitchFamily="2" charset="0"/>
+              </a:rPr>
+              <a:t> data </a:t>
+            </a:r>
+            <a:r>
+              <a:rPr lang="en-US" sz="6000" dirty="0">
+                <a:solidFill>
+                  <a:schemeClr val="bg2">
+                    <a:lumMod val="75000"/>
+                  </a:schemeClr>
+                </a:solidFill>
+                <a:latin typeface="Questrial" panose="02000000000000000000" pitchFamily="2" charset="0"/>
+              </a:rPr>
+              <a:t>-&gt; opportunity zone</a:t>
+            </a:r>
+          </a:p>
+        </p:txBody>
+      </p:sp>
+      <p:graphicFrame>
+        <p:nvGraphicFramePr>
+          <p:cNvPr id="7" name="Diagram 6">
+            <a:extLst>
+              <a:ext uri="{FF2B5EF4-FFF2-40B4-BE49-F238E27FC236}">
+                <a16:creationId xmlns:a16="http://schemas.microsoft.com/office/drawing/2014/main" id="{DC244479-D666-BF47-9B31-FB1274928E74}"/>
+              </a:ext>
+            </a:extLst>
+          </p:cNvPr>
+          <p:cNvGraphicFramePr/>
+          <p:nvPr>
+            <p:extLst>
+              <p:ext uri="{D42A27DB-BD31-4B8C-83A1-F6EECF244321}">
+                <p14:modId xmlns:p14="http://schemas.microsoft.com/office/powerpoint/2010/main" val="1475053220"/>
+              </p:ext>
+            </p:extLst>
+          </p:nvPr>
+        </p:nvGraphicFramePr>
+        <p:xfrm>
+          <a:off x="1175079" y="1371740"/>
+          <a:ext cx="9879914" cy="4114520"/>
+        </p:xfrm>
+        <a:graphic>
+          <a:graphicData uri="http://schemas.openxmlformats.org/drawingml/2006/diagram">
+            <dgm:relIds xmlns:dgm="http://schemas.openxmlformats.org/drawingml/2006/diagram" xmlns:r="http://schemas.openxmlformats.org/officeDocument/2006/relationships" r:dm="rId2" r:lo="rId3" r:qs="rId4" r:cs="rId5"/>
+          </a:graphicData>
+        </a:graphic>
+      </p:graphicFrame>
     </p:spTree>
     <p:extLst>
       <p:ext uri="{BB962C8B-B14F-4D97-AF65-F5344CB8AC3E}">
-        <p14:creationId xmlns:p14="http://schemas.microsoft.com/office/powerpoint/2010/main" val="2020585456"/>
+        <p14:creationId xmlns:p14="http://schemas.microsoft.com/office/powerpoint/2010/main" val="3169082782"/>
       </p:ext>
     </p:extLst>
   </p:cSld>
@@ -9341,11 +11953,81 @@
           <a:p>
             <a:r>
               <a:rPr lang="en-US" dirty="0"/>
-              <a:t>Dashboard</a:t>
+              <a:t>Coding for Model</a:t>
             </a:r>
           </a:p>
         </p:txBody>
       </p:sp>
+      <p:sp>
+        <p:nvSpPr>
+          <p:cNvPr id="4" name="TextBox 3">
+            <a:extLst>
+              <a:ext uri="{FF2B5EF4-FFF2-40B4-BE49-F238E27FC236}">
+                <a16:creationId xmlns:a16="http://schemas.microsoft.com/office/drawing/2014/main" id="{7D71584C-C8FB-FE4F-AC8F-7C28ED2B2892}"/>
+              </a:ext>
+            </a:extLst>
+          </p:cNvPr>
+          <p:cNvSpPr txBox="1"/>
+          <p:nvPr/>
+        </p:nvSpPr>
+        <p:spPr>
+          <a:xfrm>
+            <a:off x="10602098" y="98854"/>
+            <a:ext cx="1309816" cy="369332"/>
+          </a:xfrm>
+          <a:prstGeom prst="rect">
+            <a:avLst/>
+          </a:prstGeom>
+          <a:solidFill>
+            <a:schemeClr val="accent2">
+              <a:lumMod val="50000"/>
+            </a:schemeClr>
+          </a:solidFill>
+        </p:spPr>
+        <p:txBody>
+          <a:bodyPr wrap="square" rtlCol="0">
+            <a:spAutoFit/>
+          </a:bodyPr>
+          <a:lstStyle/>
+          <a:p>
+            <a:pPr algn="ctr"/>
+            <a:r>
+              <a:rPr lang="en-US" b="1" dirty="0"/>
+              <a:t>???</a:t>
+            </a:r>
+          </a:p>
+        </p:txBody>
+      </p:sp>
+    </p:spTree>
+    <p:extLst>
+      <p:ext uri="{BB962C8B-B14F-4D97-AF65-F5344CB8AC3E}">
+        <p14:creationId xmlns:p14="http://schemas.microsoft.com/office/powerpoint/2010/main" val="2020585456"/>
+      </p:ext>
+    </p:extLst>
+  </p:cSld>
+  <p:clrMapOvr>
+    <a:masterClrMapping/>
+  </p:clrMapOvr>
+</p:sld>
+</file>
+
+<file path=ppt/slides/slide12.xml><?xml version="1.0" encoding="utf-8"?>
+<p:sld xmlns:a="http://schemas.openxmlformats.org/drawingml/2006/main" xmlns:r="http://schemas.openxmlformats.org/officeDocument/2006/relationships" xmlns:p="http://schemas.openxmlformats.org/presentationml/2006/main">
+  <p:cSld>
+    <p:spTree>
+      <p:nvGrpSpPr>
+        <p:cNvPr id="1" name=""/>
+        <p:cNvGrpSpPr/>
+        <p:nvPr/>
+      </p:nvGrpSpPr>
+      <p:grpSpPr>
+        <a:xfrm>
+          <a:off x="0" y="0"/>
+          <a:ext cx="0" cy="0"/>
+          <a:chOff x="0" y="0"/>
+          <a:chExt cx="0" cy="0"/>
+        </a:xfrm>
+      </p:grpSpPr>
       <p:sp>
         <p:nvSpPr>
           <p:cNvPr id="4" name="TextBox 3">
@@ -9386,42 +12068,12 @@
           </a:p>
         </p:txBody>
       </p:sp>
-    </p:spTree>
-    <p:extLst>
-      <p:ext uri="{BB962C8B-B14F-4D97-AF65-F5344CB8AC3E}">
-        <p14:creationId xmlns:p14="http://schemas.microsoft.com/office/powerpoint/2010/main" val="3437850744"/>
-      </p:ext>
-    </p:extLst>
-  </p:cSld>
-  <p:clrMapOvr>
-    <a:masterClrMapping/>
-  </p:clrMapOvr>
-</p:sld>
-</file>
-
-<file path=ppt/slides/slide12.xml><?xml version="1.0" encoding="utf-8"?>
-<p:sld xmlns:a="http://schemas.openxmlformats.org/drawingml/2006/main" xmlns:r="http://schemas.openxmlformats.org/officeDocument/2006/relationships" xmlns:p="http://schemas.openxmlformats.org/presentationml/2006/main">
-  <p:cSld>
-    <p:spTree>
-      <p:nvGrpSpPr>
-        <p:cNvPr id="1" name=""/>
-        <p:cNvGrpSpPr/>
-        <p:nvPr/>
-      </p:nvGrpSpPr>
-      <p:grpSpPr>
-        <a:xfrm>
-          <a:off x="0" y="0"/>
-          <a:ext cx="0" cy="0"/>
-          <a:chOff x="0" y="0"/>
-          <a:chExt cx="0" cy="0"/>
-        </a:xfrm>
-      </p:grpSpPr>
       <p:sp>
         <p:nvSpPr>
-          <p:cNvPr id="3" name="TextBox 2">
+          <p:cNvPr id="6" name="TextBox 5">
             <a:extLst>
               <a:ext uri="{FF2B5EF4-FFF2-40B4-BE49-F238E27FC236}">
-                <a16:creationId xmlns:a16="http://schemas.microsoft.com/office/drawing/2014/main" id="{E03A1BD5-672E-374E-9E30-401EB3C688D1}"/>
+                <a16:creationId xmlns:a16="http://schemas.microsoft.com/office/drawing/2014/main" id="{47FC3166-AA11-3C47-94BD-99E5554FE010}"/>
               </a:ext>
             </a:extLst>
           </p:cNvPr>
@@ -9430,8 +12082,8 @@
         </p:nvSpPr>
         <p:spPr>
           <a:xfrm>
-            <a:off x="1058238" y="678094"/>
-            <a:ext cx="3606229" cy="1200329"/>
+            <a:off x="823597" y="520095"/>
+            <a:ext cx="10231396" cy="1015663"/>
           </a:xfrm>
           <a:prstGeom prst="rect">
             <a:avLst/>
@@ -9445,68 +12097,72 @@
           <a:lstStyle/>
           <a:p>
             <a:r>
-              <a:rPr lang="en-US" dirty="0"/>
-              <a:t>Hypothesis</a:t>
-            </a:r>
-          </a:p>
-          <a:p>
-            <a:endParaRPr lang="en-US" dirty="0"/>
-          </a:p>
-          <a:p>
-            <a:r>
-              <a:rPr lang="en-US" dirty="0"/>
-              <a:t>Conclusion</a:t>
-            </a:r>
-          </a:p>
-          <a:p>
-            <a:endParaRPr lang="en-US" dirty="0"/>
+              <a:rPr lang="en-US" sz="6000" dirty="0">
+                <a:solidFill>
+                  <a:schemeClr val="bg2">
+                    <a:lumMod val="75000"/>
+                  </a:schemeClr>
+                </a:solidFill>
+                <a:latin typeface="Questrial" panose="02000000000000000000" pitchFamily="2" charset="0"/>
+              </a:rPr>
+              <a:t>our</a:t>
+            </a:r>
+            <a:r>
+              <a:rPr lang="en-US" sz="6000" b="1" dirty="0">
+                <a:solidFill>
+                  <a:schemeClr val="bg2">
+                    <a:lumMod val="75000"/>
+                  </a:schemeClr>
+                </a:solidFill>
+                <a:latin typeface="Questrial" panose="02000000000000000000" pitchFamily="2" charset="0"/>
+              </a:rPr>
+              <a:t> data visualized</a:t>
+            </a:r>
+            <a:endParaRPr lang="en-US" sz="6000" dirty="0">
+              <a:solidFill>
+                <a:schemeClr val="bg2">
+                  <a:lumMod val="75000"/>
+                </a:schemeClr>
+              </a:solidFill>
+              <a:latin typeface="Questrial" panose="02000000000000000000" pitchFamily="2" charset="0"/>
+            </a:endParaRPr>
           </a:p>
         </p:txBody>
       </p:sp>
-      <p:sp>
-        <p:nvSpPr>
-          <p:cNvPr id="4" name="TextBox 3">
+      <p:pic>
+        <p:nvPicPr>
+          <p:cNvPr id="7" name="Picture 6">
             <a:extLst>
               <a:ext uri="{FF2B5EF4-FFF2-40B4-BE49-F238E27FC236}">
-                <a16:creationId xmlns:a16="http://schemas.microsoft.com/office/drawing/2014/main" id="{D1845CE9-B618-7E47-B6E6-35431F741F0F}"/>
+                <a16:creationId xmlns:a16="http://schemas.microsoft.com/office/drawing/2014/main" id="{9E19054B-12E0-E34F-A879-23EA45E18EAD}"/>
               </a:ext>
             </a:extLst>
           </p:cNvPr>
-          <p:cNvSpPr txBox="1"/>
+          <p:cNvPicPr>
+            <a:picLocks noChangeAspect="1"/>
+          </p:cNvPicPr>
           <p:nvPr/>
-        </p:nvSpPr>
+        </p:nvPicPr>
+        <p:blipFill>
+          <a:blip r:embed="rId2"/>
+          <a:stretch>
+            <a:fillRect/>
+          </a:stretch>
+        </p:blipFill>
         <p:spPr>
           <a:xfrm>
-            <a:off x="9613557" y="98854"/>
-            <a:ext cx="2298357" cy="369332"/>
+            <a:off x="2425700" y="1829931"/>
+            <a:ext cx="6668196" cy="3853248"/>
           </a:xfrm>
           <a:prstGeom prst="rect">
             <a:avLst/>
           </a:prstGeom>
-          <a:solidFill>
-            <a:schemeClr val="accent2">
-              <a:lumMod val="50000"/>
-            </a:schemeClr>
-          </a:solidFill>
         </p:spPr>
-        <p:txBody>
-          <a:bodyPr wrap="square" rtlCol="0">
-            <a:spAutoFit/>
-          </a:bodyPr>
-          <a:lstStyle/>
-          <a:p>
-            <a:pPr algn="ctr"/>
-            <a:r>
-              <a:rPr lang="en-US" b="1" dirty="0"/>
-              <a:t>All – but one slide</a:t>
-            </a:r>
-          </a:p>
-        </p:txBody>
-      </p:sp>
+      </p:pic>
     </p:spTree>
     <p:extLst>
       <p:ext uri="{BB962C8B-B14F-4D97-AF65-F5344CB8AC3E}">
-        <p14:creationId xmlns:p14="http://schemas.microsoft.com/office/powerpoint/2010/main" val="1923034612"/>
+        <p14:creationId xmlns:p14="http://schemas.microsoft.com/office/powerpoint/2010/main" val="3437850744"/>
       </p:ext>
     </p:extLst>
   </p:cSld>
@@ -9563,6 +12219,123 @@
           <a:p>
             <a:r>
               <a:rPr lang="en-US" dirty="0"/>
+              <a:t>Hypothesis</a:t>
+            </a:r>
+          </a:p>
+          <a:p>
+            <a:endParaRPr lang="en-US" dirty="0"/>
+          </a:p>
+          <a:p>
+            <a:r>
+              <a:rPr lang="en-US" dirty="0"/>
+              <a:t>Conclusion</a:t>
+            </a:r>
+          </a:p>
+          <a:p>
+            <a:endParaRPr lang="en-US" dirty="0"/>
+          </a:p>
+        </p:txBody>
+      </p:sp>
+      <p:sp>
+        <p:nvSpPr>
+          <p:cNvPr id="4" name="TextBox 3">
+            <a:extLst>
+              <a:ext uri="{FF2B5EF4-FFF2-40B4-BE49-F238E27FC236}">
+                <a16:creationId xmlns:a16="http://schemas.microsoft.com/office/drawing/2014/main" id="{D1845CE9-B618-7E47-B6E6-35431F741F0F}"/>
+              </a:ext>
+            </a:extLst>
+          </p:cNvPr>
+          <p:cNvSpPr txBox="1"/>
+          <p:nvPr/>
+        </p:nvSpPr>
+        <p:spPr>
+          <a:xfrm>
+            <a:off x="9613557" y="98854"/>
+            <a:ext cx="2298357" cy="369332"/>
+          </a:xfrm>
+          <a:prstGeom prst="rect">
+            <a:avLst/>
+          </a:prstGeom>
+          <a:solidFill>
+            <a:schemeClr val="accent2">
+              <a:lumMod val="50000"/>
+            </a:schemeClr>
+          </a:solidFill>
+        </p:spPr>
+        <p:txBody>
+          <a:bodyPr wrap="square" rtlCol="0">
+            <a:spAutoFit/>
+          </a:bodyPr>
+          <a:lstStyle/>
+          <a:p>
+            <a:pPr algn="ctr"/>
+            <a:r>
+              <a:rPr lang="en-US" b="1" dirty="0"/>
+              <a:t>All – but one slide</a:t>
+            </a:r>
+          </a:p>
+        </p:txBody>
+      </p:sp>
+    </p:spTree>
+    <p:extLst>
+      <p:ext uri="{BB962C8B-B14F-4D97-AF65-F5344CB8AC3E}">
+        <p14:creationId xmlns:p14="http://schemas.microsoft.com/office/powerpoint/2010/main" val="1923034612"/>
+      </p:ext>
+    </p:extLst>
+  </p:cSld>
+  <p:clrMapOvr>
+    <a:masterClrMapping/>
+  </p:clrMapOvr>
+</p:sld>
+</file>
+
+<file path=ppt/slides/slide14.xml><?xml version="1.0" encoding="utf-8"?>
+<p:sld xmlns:a="http://schemas.openxmlformats.org/drawingml/2006/main" xmlns:r="http://schemas.openxmlformats.org/officeDocument/2006/relationships" xmlns:p="http://schemas.openxmlformats.org/presentationml/2006/main">
+  <p:cSld>
+    <p:spTree>
+      <p:nvGrpSpPr>
+        <p:cNvPr id="1" name=""/>
+        <p:cNvGrpSpPr/>
+        <p:nvPr/>
+      </p:nvGrpSpPr>
+      <p:grpSpPr>
+        <a:xfrm>
+          <a:off x="0" y="0"/>
+          <a:ext cx="0" cy="0"/>
+          <a:chOff x="0" y="0"/>
+          <a:chExt cx="0" cy="0"/>
+        </a:xfrm>
+      </p:grpSpPr>
+      <p:sp>
+        <p:nvSpPr>
+          <p:cNvPr id="3" name="TextBox 2">
+            <a:extLst>
+              <a:ext uri="{FF2B5EF4-FFF2-40B4-BE49-F238E27FC236}">
+                <a16:creationId xmlns:a16="http://schemas.microsoft.com/office/drawing/2014/main" id="{E03A1BD5-672E-374E-9E30-401EB3C688D1}"/>
+              </a:ext>
+            </a:extLst>
+          </p:cNvPr>
+          <p:cNvSpPr txBox="1"/>
+          <p:nvPr/>
+        </p:nvSpPr>
+        <p:spPr>
+          <a:xfrm>
+            <a:off x="1058238" y="678094"/>
+            <a:ext cx="3606229" cy="1200329"/>
+          </a:xfrm>
+          <a:prstGeom prst="rect">
+            <a:avLst/>
+          </a:prstGeom>
+          <a:noFill/>
+        </p:spPr>
+        <p:txBody>
+          <a:bodyPr wrap="square" rtlCol="0">
+            <a:spAutoFit/>
+          </a:bodyPr>
+          <a:lstStyle/>
+          <a:p>
+            <a:r>
+              <a:rPr lang="en-US" dirty="0"/>
               <a:t>Limitations</a:t>
             </a:r>
           </a:p>
@@ -9633,7 +12406,7 @@
 </p:sld>
 </file>
 
-<file path=ppt/slides/slide14.xml><?xml version="1.0" encoding="utf-8"?>
+<file path=ppt/slides/slide15.xml><?xml version="1.0" encoding="utf-8"?>
 <p:sld xmlns:a="http://schemas.openxmlformats.org/drawingml/2006/main" xmlns:r="http://schemas.openxmlformats.org/officeDocument/2006/relationships" xmlns:p="http://schemas.openxmlformats.org/presentationml/2006/main">
   <p:cSld>
     <p:spTree>
@@ -9871,32 +12644,6 @@
 <file path=ppt/slides/slide3.xml><?xml version="1.0" encoding="utf-8"?>
 <p:sld xmlns:a="http://schemas.openxmlformats.org/drawingml/2006/main" xmlns:r="http://schemas.openxmlformats.org/officeDocument/2006/relationships" xmlns:p="http://schemas.openxmlformats.org/presentationml/2006/main">
   <p:cSld>
-    <p:bg>
-      <p:bgPr>
-        <a:gradFill flip="none" rotWithShape="1">
-          <a:gsLst>
-            <a:gs pos="23448">
-              <a:schemeClr val="tx1">
-                <a:lumMod val="85000"/>
-              </a:schemeClr>
-            </a:gs>
-            <a:gs pos="83000">
-              <a:schemeClr val="tx1">
-                <a:lumMod val="65000"/>
-              </a:schemeClr>
-            </a:gs>
-            <a:gs pos="100000">
-              <a:schemeClr val="bg2">
-                <a:lumMod val="50000"/>
-              </a:schemeClr>
-            </a:gs>
-          </a:gsLst>
-          <a:lin ang="4740000" scaled="1"/>
-          <a:tileRect/>
-        </a:gradFill>
-        <a:effectLst/>
-      </p:bgPr>
-    </p:bg>
     <p:spTree>
       <p:nvGrpSpPr>
         <p:cNvPr id="1" name=""/>
@@ -10201,32 +12948,6 @@
 <file path=ppt/slides/slide4.xml><?xml version="1.0" encoding="utf-8"?>
 <p:sld xmlns:a="http://schemas.openxmlformats.org/drawingml/2006/main" xmlns:r="http://schemas.openxmlformats.org/officeDocument/2006/relationships" xmlns:p="http://schemas.openxmlformats.org/presentationml/2006/main">
   <p:cSld>
-    <p:bg>
-      <p:bgPr>
-        <a:gradFill flip="none" rotWithShape="1">
-          <a:gsLst>
-            <a:gs pos="23448">
-              <a:schemeClr val="tx1">
-                <a:lumMod val="85000"/>
-              </a:schemeClr>
-            </a:gs>
-            <a:gs pos="83000">
-              <a:schemeClr val="tx1">
-                <a:lumMod val="65000"/>
-              </a:schemeClr>
-            </a:gs>
-            <a:gs pos="100000">
-              <a:schemeClr val="bg2">
-                <a:lumMod val="50000"/>
-              </a:schemeClr>
-            </a:gs>
-          </a:gsLst>
-          <a:lin ang="4740000" scaled="1"/>
-          <a:tileRect/>
-        </a:gradFill>
-        <a:effectLst/>
-      </p:bgPr>
-    </p:bg>
     <p:spTree>
       <p:nvGrpSpPr>
         <p:cNvPr id="1" name=""/>
@@ -11146,32 +13867,6 @@
 <file path=ppt/slides/slide7.xml><?xml version="1.0" encoding="utf-8"?>
 <p:sld xmlns:a="http://schemas.openxmlformats.org/drawingml/2006/main" xmlns:r="http://schemas.openxmlformats.org/officeDocument/2006/relationships" xmlns:p="http://schemas.openxmlformats.org/presentationml/2006/main">
   <p:cSld>
-    <p:bg>
-      <p:bgPr>
-        <a:gradFill flip="none" rotWithShape="1">
-          <a:gsLst>
-            <a:gs pos="23448">
-              <a:schemeClr val="tx1">
-                <a:lumMod val="85000"/>
-              </a:schemeClr>
-            </a:gs>
-            <a:gs pos="83000">
-              <a:schemeClr val="tx1">
-                <a:lumMod val="65000"/>
-              </a:schemeClr>
-            </a:gs>
-            <a:gs pos="100000">
-              <a:schemeClr val="bg2">
-                <a:lumMod val="50000"/>
-              </a:schemeClr>
-            </a:gs>
-          </a:gsLst>
-          <a:lin ang="4740000" scaled="1"/>
-          <a:tileRect/>
-        </a:gradFill>
-        <a:effectLst/>
-      </p:bgPr>
-    </p:bg>
     <p:spTree>
       <p:nvGrpSpPr>
         <p:cNvPr id="1" name=""/>
@@ -11473,53 +14168,1974 @@
       </p:grpSpPr>
       <p:sp>
         <p:nvSpPr>
-          <p:cNvPr id="3" name="TextBox 2">
+          <p:cNvPr id="8" name="Block Arc 7">
             <a:extLst>
               <a:ext uri="{FF2B5EF4-FFF2-40B4-BE49-F238E27FC236}">
-                <a16:creationId xmlns:a16="http://schemas.microsoft.com/office/drawing/2014/main" id="{E03A1BD5-672E-374E-9E30-401EB3C688D1}"/>
+                <a16:creationId xmlns:a16="http://schemas.microsoft.com/office/drawing/2014/main" id="{77C55682-D4C9-CA45-83C9-87A06BF09B17}"/>
               </a:ext>
             </a:extLst>
           </p:cNvPr>
-          <p:cNvSpPr txBox="1"/>
+          <p:cNvSpPr/>
+          <p:nvPr/>
+        </p:nvSpPr>
+        <p:spPr>
+          <a:xfrm rot="5400000">
+            <a:off x="1790895" y="1923233"/>
+            <a:ext cx="3011072" cy="3011535"/>
+          </a:xfrm>
+          <a:prstGeom prst="blockArc">
+            <a:avLst>
+              <a:gd name="adj1" fmla="val 13500000"/>
+              <a:gd name="adj2" fmla="val 18900000"/>
+              <a:gd name="adj3" fmla="val 4960"/>
+            </a:avLst>
+          </a:prstGeom>
+        </p:spPr>
+        <p:style>
+          <a:lnRef idx="2">
+            <a:schemeClr val="accent5">
+              <a:shade val="80000"/>
+              <a:hueOff val="0"/>
+              <a:satOff val="0"/>
+              <a:lumOff val="0"/>
+              <a:alphaOff val="0"/>
+            </a:schemeClr>
+          </a:lnRef>
+          <a:fillRef idx="1">
+            <a:schemeClr val="lt1">
+              <a:hueOff val="0"/>
+              <a:satOff val="0"/>
+              <a:lumOff val="0"/>
+              <a:alphaOff val="0"/>
+            </a:schemeClr>
+          </a:fillRef>
+          <a:effectRef idx="0">
+            <a:schemeClr val="lt1">
+              <a:hueOff val="0"/>
+              <a:satOff val="0"/>
+              <a:lumOff val="0"/>
+              <a:alphaOff val="0"/>
+            </a:schemeClr>
+          </a:effectRef>
+          <a:fontRef idx="minor">
+            <a:schemeClr val="dk1">
+              <a:hueOff val="0"/>
+              <a:satOff val="0"/>
+              <a:lumOff val="0"/>
+              <a:alphaOff val="0"/>
+            </a:schemeClr>
+          </a:fontRef>
+        </p:style>
+      </p:sp>
+      <p:sp>
+        <p:nvSpPr>
+          <p:cNvPr id="9" name="Block Arc 8">
+            <a:extLst>
+              <a:ext uri="{FF2B5EF4-FFF2-40B4-BE49-F238E27FC236}">
+                <a16:creationId xmlns:a16="http://schemas.microsoft.com/office/drawing/2014/main" id="{239234C4-A2A4-0540-85B5-39D02820A6F0}"/>
+              </a:ext>
+            </a:extLst>
+          </p:cNvPr>
+          <p:cNvSpPr/>
+          <p:nvPr/>
+        </p:nvSpPr>
+        <p:spPr>
+          <a:xfrm rot="16200000">
+            <a:off x="4889906" y="1923233"/>
+            <a:ext cx="3011072" cy="3011535"/>
+          </a:xfrm>
+          <a:prstGeom prst="blockArc">
+            <a:avLst>
+              <a:gd name="adj1" fmla="val 13500000"/>
+              <a:gd name="adj2" fmla="val 18900000"/>
+              <a:gd name="adj3" fmla="val 4960"/>
+            </a:avLst>
+          </a:prstGeom>
+        </p:spPr>
+        <p:style>
+          <a:lnRef idx="2">
+            <a:schemeClr val="accent5">
+              <a:shade val="80000"/>
+              <a:hueOff val="0"/>
+              <a:satOff val="0"/>
+              <a:lumOff val="0"/>
+              <a:alphaOff val="0"/>
+            </a:schemeClr>
+          </a:lnRef>
+          <a:fillRef idx="1">
+            <a:schemeClr val="lt1">
+              <a:hueOff val="0"/>
+              <a:satOff val="0"/>
+              <a:lumOff val="0"/>
+              <a:alphaOff val="0"/>
+            </a:schemeClr>
+          </a:fillRef>
+          <a:effectRef idx="0">
+            <a:schemeClr val="lt1">
+              <a:hueOff val="0"/>
+              <a:satOff val="0"/>
+              <a:lumOff val="0"/>
+              <a:alphaOff val="0"/>
+            </a:schemeClr>
+          </a:effectRef>
+          <a:fontRef idx="minor">
+            <a:schemeClr val="dk1">
+              <a:hueOff val="0"/>
+              <a:satOff val="0"/>
+              <a:lumOff val="0"/>
+              <a:alphaOff val="0"/>
+            </a:schemeClr>
+          </a:fontRef>
+        </p:style>
+      </p:sp>
+      <p:sp>
+        <p:nvSpPr>
+          <p:cNvPr id="10" name="Freeform 9">
+            <a:extLst>
+              <a:ext uri="{FF2B5EF4-FFF2-40B4-BE49-F238E27FC236}">
+                <a16:creationId xmlns:a16="http://schemas.microsoft.com/office/drawing/2014/main" id="{A8689CDB-5252-E94F-B575-A7A5C88047E5}"/>
+              </a:ext>
+            </a:extLst>
+          </p:cNvPr>
+          <p:cNvSpPr/>
           <p:nvPr/>
         </p:nvSpPr>
         <p:spPr>
           <a:xfrm>
-            <a:off x="1058238" y="678094"/>
-            <a:ext cx="3606229" cy="1477328"/>
+            <a:off x="5108556" y="4539045"/>
+            <a:ext cx="2584256" cy="602407"/>
           </a:xfrm>
-          <a:prstGeom prst="rect">
+          <a:custGeom>
+            <a:avLst/>
+            <a:gdLst>
+              <a:gd name="connsiteX0" fmla="*/ 0 w 2286215"/>
+              <a:gd name="connsiteY0" fmla="*/ 0 h 602407"/>
+              <a:gd name="connsiteX1" fmla="*/ 2286215 w 2286215"/>
+              <a:gd name="connsiteY1" fmla="*/ 0 h 602407"/>
+              <a:gd name="connsiteX2" fmla="*/ 2286215 w 2286215"/>
+              <a:gd name="connsiteY2" fmla="*/ 602407 h 602407"/>
+              <a:gd name="connsiteX3" fmla="*/ 0 w 2286215"/>
+              <a:gd name="connsiteY3" fmla="*/ 602407 h 602407"/>
+              <a:gd name="connsiteX4" fmla="*/ 0 w 2286215"/>
+              <a:gd name="connsiteY4" fmla="*/ 0 h 602407"/>
+            </a:gdLst>
+            <a:ahLst/>
+            <a:cxnLst>
+              <a:cxn ang="0">
+                <a:pos x="connsiteX0" y="connsiteY0"/>
+              </a:cxn>
+              <a:cxn ang="0">
+                <a:pos x="connsiteX1" y="connsiteY1"/>
+              </a:cxn>
+              <a:cxn ang="0">
+                <a:pos x="connsiteX2" y="connsiteY2"/>
+              </a:cxn>
+              <a:cxn ang="0">
+                <a:pos x="connsiteX3" y="connsiteY3"/>
+              </a:cxn>
+              <a:cxn ang="0">
+                <a:pos x="connsiteX4" y="connsiteY4"/>
+              </a:cxn>
+            </a:cxnLst>
+            <a:rect l="l" t="t" r="r" b="b"/>
+            <a:pathLst>
+              <a:path w="2286215" h="602407">
+                <a:moveTo>
+                  <a:pt x="0" y="0"/>
+                </a:moveTo>
+                <a:lnTo>
+                  <a:pt x="2286215" y="0"/>
+                </a:lnTo>
+                <a:lnTo>
+                  <a:pt x="2286215" y="602407"/>
+                </a:lnTo>
+                <a:lnTo>
+                  <a:pt x="0" y="602407"/>
+                </a:lnTo>
+                <a:lnTo>
+                  <a:pt x="0" y="0"/>
+                </a:lnTo>
+                <a:close/>
+              </a:path>
+            </a:pathLst>
+          </a:custGeom>
+        </p:spPr>
+        <p:style>
+          <a:lnRef idx="0">
+            <a:schemeClr val="dk1">
+              <a:alpha val="0"/>
+              <a:hueOff val="0"/>
+              <a:satOff val="0"/>
+              <a:lumOff val="0"/>
+              <a:alphaOff val="0"/>
+            </a:schemeClr>
+          </a:lnRef>
+          <a:fillRef idx="0">
+            <a:schemeClr val="lt1">
+              <a:alpha val="0"/>
+              <a:hueOff val="0"/>
+              <a:satOff val="0"/>
+              <a:lumOff val="0"/>
+              <a:alphaOff val="0"/>
+            </a:schemeClr>
+          </a:fillRef>
+          <a:effectRef idx="0">
+            <a:schemeClr val="lt1">
+              <a:alpha val="0"/>
+              <a:hueOff val="0"/>
+              <a:satOff val="0"/>
+              <a:lumOff val="0"/>
+              <a:alphaOff val="0"/>
+            </a:schemeClr>
+          </a:effectRef>
+          <a:fontRef idx="minor">
+            <a:schemeClr val="tx1">
+              <a:hueOff val="0"/>
+              <a:satOff val="0"/>
+              <a:lumOff val="0"/>
+              <a:alphaOff val="0"/>
+            </a:schemeClr>
+          </a:fontRef>
+        </p:style>
+        <p:txBody>
+          <a:bodyPr spcFirstLastPara="0" vert="horz" wrap="square" lIns="114300" tIns="114300" rIns="114300" bIns="114300" numCol="1" spcCol="1270" anchor="ctr" anchorCtr="0">
+            <a:noAutofit/>
+          </a:bodyPr>
+          <a:lstStyle/>
+          <a:p>
+            <a:pPr marL="0" lvl="0" indent="0" algn="ctr" defTabSz="1333500">
+              <a:lnSpc>
+                <a:spcPct val="90000"/>
+              </a:lnSpc>
+              <a:spcBef>
+                <a:spcPct val="0"/>
+              </a:spcBef>
+              <a:spcAft>
+                <a:spcPct val="35000"/>
+              </a:spcAft>
+              <a:buNone/>
+            </a:pPr>
+            <a:r>
+              <a:rPr lang="en-US" sz="3200" dirty="0">
+                <a:solidFill>
+                  <a:schemeClr val="bg1"/>
+                </a:solidFill>
+                <a:latin typeface="Questrial" panose="02000000000000000000" pitchFamily="2" charset="0"/>
+              </a:rPr>
+              <a:t>missing pk</a:t>
+            </a:r>
+            <a:endParaRPr lang="en-US" sz="3200" kern="1200" dirty="0">
+              <a:solidFill>
+                <a:schemeClr val="bg1"/>
+              </a:solidFill>
+              <a:latin typeface="Questrial" panose="02000000000000000000" pitchFamily="2" charset="0"/>
+            </a:endParaRPr>
+          </a:p>
+        </p:txBody>
+      </p:sp>
+      <p:sp>
+        <p:nvSpPr>
+          <p:cNvPr id="11" name="Block Arc 10">
+            <a:extLst>
+              <a:ext uri="{FF2B5EF4-FFF2-40B4-BE49-F238E27FC236}">
+                <a16:creationId xmlns:a16="http://schemas.microsoft.com/office/drawing/2014/main" id="{DCFB3FE0-DA8C-1D4B-AB13-93F3BCCFF477}"/>
+              </a:ext>
+            </a:extLst>
+          </p:cNvPr>
+          <p:cNvSpPr/>
+          <p:nvPr/>
+        </p:nvSpPr>
+        <p:spPr>
+          <a:xfrm rot="5400000">
+            <a:off x="4793318" y="1923233"/>
+            <a:ext cx="3011072" cy="3011535"/>
+          </a:xfrm>
+          <a:prstGeom prst="blockArc">
+            <a:avLst>
+              <a:gd name="adj1" fmla="val 13500000"/>
+              <a:gd name="adj2" fmla="val 18900000"/>
+              <a:gd name="adj3" fmla="val 4960"/>
+            </a:avLst>
+          </a:prstGeom>
+        </p:spPr>
+        <p:style>
+          <a:lnRef idx="2">
+            <a:schemeClr val="accent5">
+              <a:shade val="80000"/>
+              <a:hueOff val="0"/>
+              <a:satOff val="0"/>
+              <a:lumOff val="0"/>
+              <a:alphaOff val="0"/>
+            </a:schemeClr>
+          </a:lnRef>
+          <a:fillRef idx="1">
+            <a:schemeClr val="lt1">
+              <a:hueOff val="0"/>
+              <a:satOff val="0"/>
+              <a:lumOff val="0"/>
+              <a:alphaOff val="0"/>
+            </a:schemeClr>
+          </a:fillRef>
+          <a:effectRef idx="0">
+            <a:schemeClr val="lt1">
+              <a:hueOff val="0"/>
+              <a:satOff val="0"/>
+              <a:lumOff val="0"/>
+              <a:alphaOff val="0"/>
+            </a:schemeClr>
+          </a:effectRef>
+          <a:fontRef idx="minor">
+            <a:schemeClr val="dk1">
+              <a:hueOff val="0"/>
+              <a:satOff val="0"/>
+              <a:lumOff val="0"/>
+              <a:alphaOff val="0"/>
+            </a:schemeClr>
+          </a:fontRef>
+        </p:style>
+      </p:sp>
+      <p:sp>
+        <p:nvSpPr>
+          <p:cNvPr id="12" name="Block Arc 11">
+            <a:extLst>
+              <a:ext uri="{FF2B5EF4-FFF2-40B4-BE49-F238E27FC236}">
+                <a16:creationId xmlns:a16="http://schemas.microsoft.com/office/drawing/2014/main" id="{E267FD50-1C1A-6742-B466-58F061FFFE07}"/>
+              </a:ext>
+            </a:extLst>
+          </p:cNvPr>
+          <p:cNvSpPr/>
+          <p:nvPr/>
+        </p:nvSpPr>
+        <p:spPr>
+          <a:xfrm rot="16200000">
+            <a:off x="7891418" y="1923233"/>
+            <a:ext cx="3011072" cy="3011535"/>
+          </a:xfrm>
+          <a:prstGeom prst="blockArc">
+            <a:avLst>
+              <a:gd name="adj1" fmla="val 13500000"/>
+              <a:gd name="adj2" fmla="val 18900000"/>
+              <a:gd name="adj3" fmla="val 4960"/>
+            </a:avLst>
+          </a:prstGeom>
+        </p:spPr>
+        <p:style>
+          <a:lnRef idx="2">
+            <a:schemeClr val="accent5">
+              <a:shade val="80000"/>
+              <a:hueOff val="0"/>
+              <a:satOff val="0"/>
+              <a:lumOff val="0"/>
+              <a:alphaOff val="0"/>
+            </a:schemeClr>
+          </a:lnRef>
+          <a:fillRef idx="1">
+            <a:schemeClr val="lt1">
+              <a:hueOff val="0"/>
+              <a:satOff val="0"/>
+              <a:lumOff val="0"/>
+              <a:alphaOff val="0"/>
+            </a:schemeClr>
+          </a:fillRef>
+          <a:effectRef idx="0">
+            <a:schemeClr val="lt1">
+              <a:hueOff val="0"/>
+              <a:satOff val="0"/>
+              <a:lumOff val="0"/>
+              <a:alphaOff val="0"/>
+            </a:schemeClr>
+          </a:effectRef>
+          <a:fontRef idx="minor">
+            <a:schemeClr val="dk1">
+              <a:hueOff val="0"/>
+              <a:satOff val="0"/>
+              <a:lumOff val="0"/>
+              <a:alphaOff val="0"/>
+            </a:schemeClr>
+          </a:fontRef>
+        </p:style>
+      </p:sp>
+      <p:sp>
+        <p:nvSpPr>
+          <p:cNvPr id="13" name="Freeform 12">
+            <a:extLst>
+              <a:ext uri="{FF2B5EF4-FFF2-40B4-BE49-F238E27FC236}">
+                <a16:creationId xmlns:a16="http://schemas.microsoft.com/office/drawing/2014/main" id="{E8EE8102-1AA2-A740-A0B5-ECF376D34DBF}"/>
+              </a:ext>
+            </a:extLst>
+          </p:cNvPr>
+          <p:cNvSpPr/>
+          <p:nvPr/>
+        </p:nvSpPr>
+        <p:spPr>
+          <a:xfrm>
+            <a:off x="7999169" y="4539045"/>
+            <a:ext cx="2584256" cy="602407"/>
+          </a:xfrm>
+          <a:custGeom>
+            <a:avLst/>
+            <a:gdLst>
+              <a:gd name="connsiteX0" fmla="*/ 0 w 2286215"/>
+              <a:gd name="connsiteY0" fmla="*/ 0 h 602407"/>
+              <a:gd name="connsiteX1" fmla="*/ 2286215 w 2286215"/>
+              <a:gd name="connsiteY1" fmla="*/ 0 h 602407"/>
+              <a:gd name="connsiteX2" fmla="*/ 2286215 w 2286215"/>
+              <a:gd name="connsiteY2" fmla="*/ 602407 h 602407"/>
+              <a:gd name="connsiteX3" fmla="*/ 0 w 2286215"/>
+              <a:gd name="connsiteY3" fmla="*/ 602407 h 602407"/>
+              <a:gd name="connsiteX4" fmla="*/ 0 w 2286215"/>
+              <a:gd name="connsiteY4" fmla="*/ 0 h 602407"/>
+            </a:gdLst>
+            <a:ahLst/>
+            <a:cxnLst>
+              <a:cxn ang="0">
+                <a:pos x="connsiteX0" y="connsiteY0"/>
+              </a:cxn>
+              <a:cxn ang="0">
+                <a:pos x="connsiteX1" y="connsiteY1"/>
+              </a:cxn>
+              <a:cxn ang="0">
+                <a:pos x="connsiteX2" y="connsiteY2"/>
+              </a:cxn>
+              <a:cxn ang="0">
+                <a:pos x="connsiteX3" y="connsiteY3"/>
+              </a:cxn>
+              <a:cxn ang="0">
+                <a:pos x="connsiteX4" y="connsiteY4"/>
+              </a:cxn>
+            </a:cxnLst>
+            <a:rect l="l" t="t" r="r" b="b"/>
+            <a:pathLst>
+              <a:path w="2286215" h="602407">
+                <a:moveTo>
+                  <a:pt x="0" y="0"/>
+                </a:moveTo>
+                <a:lnTo>
+                  <a:pt x="2286215" y="0"/>
+                </a:lnTo>
+                <a:lnTo>
+                  <a:pt x="2286215" y="602407"/>
+                </a:lnTo>
+                <a:lnTo>
+                  <a:pt x="0" y="602407"/>
+                </a:lnTo>
+                <a:lnTo>
+                  <a:pt x="0" y="0"/>
+                </a:lnTo>
+                <a:close/>
+              </a:path>
+            </a:pathLst>
+          </a:custGeom>
+        </p:spPr>
+        <p:style>
+          <a:lnRef idx="0">
+            <a:schemeClr val="dk1">
+              <a:alpha val="0"/>
+              <a:hueOff val="0"/>
+              <a:satOff val="0"/>
+              <a:lumOff val="0"/>
+              <a:alphaOff val="0"/>
+            </a:schemeClr>
+          </a:lnRef>
+          <a:fillRef idx="0">
+            <a:schemeClr val="lt1">
+              <a:alpha val="0"/>
+              <a:hueOff val="0"/>
+              <a:satOff val="0"/>
+              <a:lumOff val="0"/>
+              <a:alphaOff val="0"/>
+            </a:schemeClr>
+          </a:fillRef>
+          <a:effectRef idx="0">
+            <a:schemeClr val="lt1">
+              <a:alpha val="0"/>
+              <a:hueOff val="0"/>
+              <a:satOff val="0"/>
+              <a:lumOff val="0"/>
+              <a:alphaOff val="0"/>
+            </a:schemeClr>
+          </a:effectRef>
+          <a:fontRef idx="minor">
+            <a:schemeClr val="tx1">
+              <a:hueOff val="0"/>
+              <a:satOff val="0"/>
+              <a:lumOff val="0"/>
+              <a:alphaOff val="0"/>
+            </a:schemeClr>
+          </a:fontRef>
+        </p:style>
+        <p:txBody>
+          <a:bodyPr spcFirstLastPara="0" vert="horz" wrap="square" lIns="114300" tIns="114300" rIns="114300" bIns="114300" numCol="1" spcCol="1270" anchor="ctr" anchorCtr="0">
+            <a:noAutofit/>
+          </a:bodyPr>
+          <a:lstStyle/>
+          <a:p>
+            <a:pPr marL="0" lvl="0" indent="0" algn="ctr" defTabSz="1333500">
+              <a:lnSpc>
+                <a:spcPct val="90000"/>
+              </a:lnSpc>
+              <a:spcBef>
+                <a:spcPct val="0"/>
+              </a:spcBef>
+              <a:spcAft>
+                <a:spcPct val="35000"/>
+              </a:spcAft>
+              <a:buNone/>
+            </a:pPr>
+            <a:r>
+              <a:rPr lang="en-US" sz="3200" kern="1200" dirty="0">
+                <a:solidFill>
+                  <a:schemeClr val="bg1"/>
+                </a:solidFill>
+                <a:latin typeface="Questrial" panose="02000000000000000000" pitchFamily="2" charset="0"/>
+              </a:rPr>
+              <a:t>normalized</a:t>
+            </a:r>
+          </a:p>
+        </p:txBody>
+      </p:sp>
+      <p:sp>
+        <p:nvSpPr>
+          <p:cNvPr id="14" name="Freeform 13">
+            <a:extLst>
+              <a:ext uri="{FF2B5EF4-FFF2-40B4-BE49-F238E27FC236}">
+                <a16:creationId xmlns:a16="http://schemas.microsoft.com/office/drawing/2014/main" id="{C3C019AD-53A8-CD4C-A3C9-329F53B5123D}"/>
+              </a:ext>
+            </a:extLst>
+          </p:cNvPr>
+          <p:cNvSpPr/>
+          <p:nvPr/>
+        </p:nvSpPr>
+        <p:spPr>
+          <a:xfrm>
+            <a:off x="5172495" y="2787469"/>
+            <a:ext cx="1379601" cy="1379601"/>
+          </a:xfrm>
+          <a:custGeom>
+            <a:avLst/>
+            <a:gdLst>
+              <a:gd name="connsiteX0" fmla="*/ 0 w 1379601"/>
+              <a:gd name="connsiteY0" fmla="*/ 689801 h 1379601"/>
+              <a:gd name="connsiteX1" fmla="*/ 689801 w 1379601"/>
+              <a:gd name="connsiteY1" fmla="*/ 0 h 1379601"/>
+              <a:gd name="connsiteX2" fmla="*/ 1379602 w 1379601"/>
+              <a:gd name="connsiteY2" fmla="*/ 689801 h 1379601"/>
+              <a:gd name="connsiteX3" fmla="*/ 689801 w 1379601"/>
+              <a:gd name="connsiteY3" fmla="*/ 1379602 h 1379601"/>
+              <a:gd name="connsiteX4" fmla="*/ 0 w 1379601"/>
+              <a:gd name="connsiteY4" fmla="*/ 689801 h 1379601"/>
+            </a:gdLst>
+            <a:ahLst/>
+            <a:cxnLst>
+              <a:cxn ang="0">
+                <a:pos x="connsiteX0" y="connsiteY0"/>
+              </a:cxn>
+              <a:cxn ang="0">
+                <a:pos x="connsiteX1" y="connsiteY1"/>
+              </a:cxn>
+              <a:cxn ang="0">
+                <a:pos x="connsiteX2" y="connsiteY2"/>
+              </a:cxn>
+              <a:cxn ang="0">
+                <a:pos x="connsiteX3" y="connsiteY3"/>
+              </a:cxn>
+              <a:cxn ang="0">
+                <a:pos x="connsiteX4" y="connsiteY4"/>
+              </a:cxn>
+            </a:cxnLst>
+            <a:rect l="l" t="t" r="r" b="b"/>
+            <a:pathLst>
+              <a:path w="1379601" h="1379601">
+                <a:moveTo>
+                  <a:pt x="0" y="689801"/>
+                </a:moveTo>
+                <a:cubicBezTo>
+                  <a:pt x="0" y="308834"/>
+                  <a:pt x="308834" y="0"/>
+                  <a:pt x="689801" y="0"/>
+                </a:cubicBezTo>
+                <a:cubicBezTo>
+                  <a:pt x="1070768" y="0"/>
+                  <a:pt x="1379602" y="308834"/>
+                  <a:pt x="1379602" y="689801"/>
+                </a:cubicBezTo>
+                <a:cubicBezTo>
+                  <a:pt x="1379602" y="1070768"/>
+                  <a:pt x="1070768" y="1379602"/>
+                  <a:pt x="689801" y="1379602"/>
+                </a:cubicBezTo>
+                <a:cubicBezTo>
+                  <a:pt x="308834" y="1379602"/>
+                  <a:pt x="0" y="1070768"/>
+                  <a:pt x="0" y="689801"/>
+                </a:cubicBezTo>
+                <a:close/>
+              </a:path>
+            </a:pathLst>
+          </a:custGeom>
+          <a:solidFill>
+            <a:schemeClr val="bg2">
+              <a:lumMod val="75000"/>
+            </a:schemeClr>
+          </a:solidFill>
+          <a:ln>
+            <a:solidFill>
+              <a:schemeClr val="tx1"/>
+            </a:solidFill>
+          </a:ln>
+        </p:spPr>
+        <p:style>
+          <a:lnRef idx="2">
+            <a:schemeClr val="accent5">
+              <a:shade val="80000"/>
+              <a:hueOff val="0"/>
+              <a:satOff val="0"/>
+              <a:lumOff val="0"/>
+              <a:alphaOff val="0"/>
+            </a:schemeClr>
+          </a:lnRef>
+          <a:fillRef idx="1">
+            <a:schemeClr val="lt1">
+              <a:alpha val="50000"/>
+              <a:hueOff val="0"/>
+              <a:satOff val="0"/>
+              <a:lumOff val="0"/>
+              <a:alphaOff val="0"/>
+            </a:schemeClr>
+          </a:fillRef>
+          <a:effectRef idx="0">
+            <a:schemeClr val="lt1">
+              <a:alpha val="50000"/>
+              <a:hueOff val="0"/>
+              <a:satOff val="0"/>
+              <a:lumOff val="0"/>
+              <a:alphaOff val="0"/>
+            </a:schemeClr>
+          </a:effectRef>
+          <a:fontRef idx="minor">
+            <a:schemeClr val="tx1"/>
+          </a:fontRef>
+        </p:style>
+        <p:txBody>
+          <a:bodyPr spcFirstLastPara="0" vert="horz" wrap="square" lIns="192647" tIns="162684" rIns="391508" bIns="162685" numCol="1" spcCol="1270" anchor="ctr" anchorCtr="0">
+            <a:noAutofit/>
+          </a:bodyPr>
+          <a:lstStyle/>
+          <a:p>
+            <a:pPr marL="0" lvl="0" indent="0" algn="ctr" defTabSz="400050">
+              <a:lnSpc>
+                <a:spcPct val="90000"/>
+              </a:lnSpc>
+              <a:spcBef>
+                <a:spcPct val="0"/>
+              </a:spcBef>
+              <a:spcAft>
+                <a:spcPct val="35000"/>
+              </a:spcAft>
+              <a:buNone/>
+            </a:pPr>
+            <a:r>
+              <a:rPr lang="en-US" kern="1200" dirty="0">
+                <a:latin typeface="Questrial" panose="02000000000000000000" pitchFamily="2" charset="0"/>
+              </a:rPr>
+              <a:t>ZIP</a:t>
+            </a:r>
+          </a:p>
+        </p:txBody>
+      </p:sp>
+      <p:sp>
+        <p:nvSpPr>
+          <p:cNvPr id="15" name="Freeform 14">
+            <a:extLst>
+              <a:ext uri="{FF2B5EF4-FFF2-40B4-BE49-F238E27FC236}">
+                <a16:creationId xmlns:a16="http://schemas.microsoft.com/office/drawing/2014/main" id="{00DB837C-BE8E-9545-BDEF-207EF5BBD210}"/>
+              </a:ext>
+            </a:extLst>
+          </p:cNvPr>
+          <p:cNvSpPr/>
+          <p:nvPr/>
+        </p:nvSpPr>
+        <p:spPr>
+          <a:xfrm>
+            <a:off x="6166802" y="2787469"/>
+            <a:ext cx="1379601" cy="1379601"/>
+          </a:xfrm>
+          <a:custGeom>
+            <a:avLst/>
+            <a:gdLst>
+              <a:gd name="connsiteX0" fmla="*/ 0 w 1379601"/>
+              <a:gd name="connsiteY0" fmla="*/ 689801 h 1379601"/>
+              <a:gd name="connsiteX1" fmla="*/ 689801 w 1379601"/>
+              <a:gd name="connsiteY1" fmla="*/ 0 h 1379601"/>
+              <a:gd name="connsiteX2" fmla="*/ 1379602 w 1379601"/>
+              <a:gd name="connsiteY2" fmla="*/ 689801 h 1379601"/>
+              <a:gd name="connsiteX3" fmla="*/ 689801 w 1379601"/>
+              <a:gd name="connsiteY3" fmla="*/ 1379602 h 1379601"/>
+              <a:gd name="connsiteX4" fmla="*/ 0 w 1379601"/>
+              <a:gd name="connsiteY4" fmla="*/ 689801 h 1379601"/>
+            </a:gdLst>
+            <a:ahLst/>
+            <a:cxnLst>
+              <a:cxn ang="0">
+                <a:pos x="connsiteX0" y="connsiteY0"/>
+              </a:cxn>
+              <a:cxn ang="0">
+                <a:pos x="connsiteX1" y="connsiteY1"/>
+              </a:cxn>
+              <a:cxn ang="0">
+                <a:pos x="connsiteX2" y="connsiteY2"/>
+              </a:cxn>
+              <a:cxn ang="0">
+                <a:pos x="connsiteX3" y="connsiteY3"/>
+              </a:cxn>
+              <a:cxn ang="0">
+                <a:pos x="connsiteX4" y="connsiteY4"/>
+              </a:cxn>
+            </a:cxnLst>
+            <a:rect l="l" t="t" r="r" b="b"/>
+            <a:pathLst>
+              <a:path w="1379601" h="1379601">
+                <a:moveTo>
+                  <a:pt x="0" y="689801"/>
+                </a:moveTo>
+                <a:cubicBezTo>
+                  <a:pt x="0" y="308834"/>
+                  <a:pt x="308834" y="0"/>
+                  <a:pt x="689801" y="0"/>
+                </a:cubicBezTo>
+                <a:cubicBezTo>
+                  <a:pt x="1070768" y="0"/>
+                  <a:pt x="1379602" y="308834"/>
+                  <a:pt x="1379602" y="689801"/>
+                </a:cubicBezTo>
+                <a:cubicBezTo>
+                  <a:pt x="1379602" y="1070768"/>
+                  <a:pt x="1070768" y="1379602"/>
+                  <a:pt x="689801" y="1379602"/>
+                </a:cubicBezTo>
+                <a:cubicBezTo>
+                  <a:pt x="308834" y="1379602"/>
+                  <a:pt x="0" y="1070768"/>
+                  <a:pt x="0" y="689801"/>
+                </a:cubicBezTo>
+                <a:close/>
+              </a:path>
+            </a:pathLst>
+          </a:custGeom>
+          <a:solidFill>
+            <a:schemeClr val="bg2">
+              <a:lumMod val="75000"/>
+              <a:alpha val="48000"/>
+            </a:schemeClr>
+          </a:solidFill>
+          <a:ln>
+            <a:solidFill>
+              <a:schemeClr val="tx1"/>
+            </a:solidFill>
+          </a:ln>
+        </p:spPr>
+        <p:style>
+          <a:lnRef idx="2">
+            <a:schemeClr val="accent5">
+              <a:shade val="80000"/>
+              <a:hueOff val="0"/>
+              <a:satOff val="0"/>
+              <a:lumOff val="0"/>
+              <a:alphaOff val="0"/>
+            </a:schemeClr>
+          </a:lnRef>
+          <a:fillRef idx="1">
+            <a:schemeClr val="lt1">
+              <a:alpha val="50000"/>
+              <a:hueOff val="0"/>
+              <a:satOff val="0"/>
+              <a:lumOff val="0"/>
+              <a:alphaOff val="0"/>
+            </a:schemeClr>
+          </a:fillRef>
+          <a:effectRef idx="0">
+            <a:schemeClr val="lt1">
+              <a:alpha val="50000"/>
+              <a:hueOff val="0"/>
+              <a:satOff val="0"/>
+              <a:lumOff val="0"/>
+              <a:alphaOff val="0"/>
+            </a:schemeClr>
+          </a:effectRef>
+          <a:fontRef idx="minor">
+            <a:schemeClr val="tx1"/>
+          </a:fontRef>
+        </p:style>
+        <p:txBody>
+          <a:bodyPr spcFirstLastPara="0" vert="horz" wrap="square" lIns="91440" tIns="162684" rIns="91440" bIns="162685" numCol="1" spcCol="1270" anchor="ctr" anchorCtr="0">
+            <a:noAutofit/>
+          </a:bodyPr>
+          <a:lstStyle/>
+          <a:p>
+            <a:pPr marL="0" lvl="0" indent="0" algn="ctr" defTabSz="400050">
+              <a:lnSpc>
+                <a:spcPct val="90000"/>
+              </a:lnSpc>
+              <a:spcBef>
+                <a:spcPct val="0"/>
+              </a:spcBef>
+              <a:spcAft>
+                <a:spcPct val="35000"/>
+              </a:spcAft>
+              <a:buNone/>
+            </a:pPr>
+            <a:r>
+              <a:rPr lang="en-US" kern="1200" dirty="0">
+                <a:latin typeface="Questrial" panose="02000000000000000000" pitchFamily="2" charset="0"/>
+              </a:rPr>
+              <a:t>ZIP-   neighbor-hood</a:t>
+            </a:r>
+          </a:p>
+        </p:txBody>
+      </p:sp>
+      <p:sp>
+        <p:nvSpPr>
+          <p:cNvPr id="16" name="Freeform 15">
+            <a:extLst>
+              <a:ext uri="{FF2B5EF4-FFF2-40B4-BE49-F238E27FC236}">
+                <a16:creationId xmlns:a16="http://schemas.microsoft.com/office/drawing/2014/main" id="{50FC6B10-C50C-494F-8B99-0F82241DAE08}"/>
+              </a:ext>
+            </a:extLst>
+          </p:cNvPr>
+          <p:cNvSpPr/>
+          <p:nvPr/>
+        </p:nvSpPr>
+        <p:spPr>
+          <a:xfrm>
+            <a:off x="2574064" y="2296428"/>
+            <a:ext cx="887151" cy="887155"/>
+          </a:xfrm>
+          <a:custGeom>
+            <a:avLst/>
+            <a:gdLst>
+              <a:gd name="connsiteX0" fmla="*/ 0 w 887151"/>
+              <a:gd name="connsiteY0" fmla="*/ 443578 h 887155"/>
+              <a:gd name="connsiteX1" fmla="*/ 443576 w 887151"/>
+              <a:gd name="connsiteY1" fmla="*/ 0 h 887155"/>
+              <a:gd name="connsiteX2" fmla="*/ 887152 w 887151"/>
+              <a:gd name="connsiteY2" fmla="*/ 443578 h 887155"/>
+              <a:gd name="connsiteX3" fmla="*/ 443576 w 887151"/>
+              <a:gd name="connsiteY3" fmla="*/ 887156 h 887155"/>
+              <a:gd name="connsiteX4" fmla="*/ 0 w 887151"/>
+              <a:gd name="connsiteY4" fmla="*/ 443578 h 887155"/>
+            </a:gdLst>
+            <a:ahLst/>
+            <a:cxnLst>
+              <a:cxn ang="0">
+                <a:pos x="connsiteX0" y="connsiteY0"/>
+              </a:cxn>
+              <a:cxn ang="0">
+                <a:pos x="connsiteX1" y="connsiteY1"/>
+              </a:cxn>
+              <a:cxn ang="0">
+                <a:pos x="connsiteX2" y="connsiteY2"/>
+              </a:cxn>
+              <a:cxn ang="0">
+                <a:pos x="connsiteX3" y="connsiteY3"/>
+              </a:cxn>
+              <a:cxn ang="0">
+                <a:pos x="connsiteX4" y="connsiteY4"/>
+              </a:cxn>
+            </a:cxnLst>
+            <a:rect l="l" t="t" r="r" b="b"/>
+            <a:pathLst>
+              <a:path w="887151" h="887155">
+                <a:moveTo>
+                  <a:pt x="0" y="443578"/>
+                </a:moveTo>
+                <a:cubicBezTo>
+                  <a:pt x="0" y="198597"/>
+                  <a:pt x="198596" y="0"/>
+                  <a:pt x="443576" y="0"/>
+                </a:cubicBezTo>
+                <a:cubicBezTo>
+                  <a:pt x="688556" y="0"/>
+                  <a:pt x="887152" y="198597"/>
+                  <a:pt x="887152" y="443578"/>
+                </a:cubicBezTo>
+                <a:cubicBezTo>
+                  <a:pt x="887152" y="688559"/>
+                  <a:pt x="688556" y="887156"/>
+                  <a:pt x="443576" y="887156"/>
+                </a:cubicBezTo>
+                <a:cubicBezTo>
+                  <a:pt x="198596" y="887156"/>
+                  <a:pt x="0" y="688559"/>
+                  <a:pt x="0" y="443578"/>
+                </a:cubicBezTo>
+                <a:close/>
+              </a:path>
+            </a:pathLst>
+          </a:custGeom>
+          <a:solidFill>
+            <a:schemeClr val="bg2">
+              <a:lumMod val="75000"/>
+            </a:schemeClr>
+          </a:solidFill>
+          <a:ln>
+            <a:solidFill>
+              <a:schemeClr val="tx1"/>
+            </a:solidFill>
+          </a:ln>
+        </p:spPr>
+        <p:style>
+          <a:lnRef idx="2">
+            <a:schemeClr val="accent5">
+              <a:shade val="80000"/>
+              <a:hueOff val="0"/>
+              <a:satOff val="0"/>
+              <a:lumOff val="0"/>
+              <a:alphaOff val="0"/>
+            </a:schemeClr>
+          </a:lnRef>
+          <a:fillRef idx="1">
+            <a:schemeClr val="lt1">
+              <a:alpha val="50000"/>
+              <a:hueOff val="0"/>
+              <a:satOff val="0"/>
+              <a:lumOff val="0"/>
+              <a:alphaOff val="0"/>
+            </a:schemeClr>
+          </a:fillRef>
+          <a:effectRef idx="0">
+            <a:schemeClr val="lt1">
+              <a:alpha val="50000"/>
+              <a:hueOff val="0"/>
+              <a:satOff val="0"/>
+              <a:lumOff val="0"/>
+              <a:alphaOff val="0"/>
+            </a:schemeClr>
+          </a:effectRef>
+          <a:fontRef idx="minor">
+            <a:schemeClr val="tx1"/>
+          </a:fontRef>
+        </p:style>
+        <p:txBody>
+          <a:bodyPr spcFirstLastPara="0" vert="horz" wrap="square" lIns="175640" tIns="175641" rIns="175640" bIns="175641" numCol="1" spcCol="1270" anchor="ctr" anchorCtr="0">
+            <a:noAutofit/>
+          </a:bodyPr>
+          <a:lstStyle/>
+          <a:p>
+            <a:pPr marL="0" lvl="0" indent="0" algn="ctr" defTabSz="533400">
+              <a:lnSpc>
+                <a:spcPct val="90000"/>
+              </a:lnSpc>
+              <a:spcBef>
+                <a:spcPct val="0"/>
+              </a:spcBef>
+              <a:spcAft>
+                <a:spcPct val="35000"/>
+              </a:spcAft>
+              <a:buNone/>
+            </a:pPr>
+            <a:r>
+              <a:rPr lang="en-US" sz="1200" kern="1200" dirty="0">
+                <a:latin typeface="Questrial" panose="02000000000000000000" pitchFamily="2" charset="0"/>
+              </a:rPr>
+              <a:t>file names</a:t>
+            </a:r>
+          </a:p>
+        </p:txBody>
+      </p:sp>
+      <p:sp>
+        <p:nvSpPr>
+          <p:cNvPr id="18" name="Oval 17">
+            <a:extLst>
+              <a:ext uri="{FF2B5EF4-FFF2-40B4-BE49-F238E27FC236}">
+                <a16:creationId xmlns:a16="http://schemas.microsoft.com/office/drawing/2014/main" id="{3BC829B3-ED5B-964D-8337-AF4176AA20B9}"/>
+              </a:ext>
+            </a:extLst>
+          </p:cNvPr>
+          <p:cNvSpPr/>
+          <p:nvPr/>
+        </p:nvSpPr>
+        <p:spPr>
+          <a:xfrm>
+            <a:off x="3507205" y="2324173"/>
+            <a:ext cx="253471" cy="253505"/>
+          </a:xfrm>
+          <a:prstGeom prst="ellipse">
             <a:avLst/>
           </a:prstGeom>
-          <a:noFill/>
+          <a:solidFill>
+            <a:schemeClr val="bg2">
+              <a:lumMod val="75000"/>
+            </a:schemeClr>
+          </a:solidFill>
+          <a:ln>
+            <a:solidFill>
+              <a:schemeClr val="tx1"/>
+            </a:solidFill>
+          </a:ln>
         </p:spPr>
+        <p:style>
+          <a:lnRef idx="2">
+            <a:schemeClr val="accent5">
+              <a:shade val="80000"/>
+              <a:hueOff val="0"/>
+              <a:satOff val="0"/>
+              <a:lumOff val="0"/>
+              <a:alphaOff val="0"/>
+            </a:schemeClr>
+          </a:lnRef>
+          <a:fillRef idx="1">
+            <a:schemeClr val="lt1">
+              <a:alpha val="50000"/>
+              <a:hueOff val="0"/>
+              <a:satOff val="0"/>
+              <a:lumOff val="0"/>
+              <a:alphaOff val="0"/>
+            </a:schemeClr>
+          </a:fillRef>
+          <a:effectRef idx="0">
+            <a:schemeClr val="lt1">
+              <a:alpha val="50000"/>
+              <a:hueOff val="0"/>
+              <a:satOff val="0"/>
+              <a:lumOff val="0"/>
+              <a:alphaOff val="0"/>
+            </a:schemeClr>
+          </a:effectRef>
+          <a:fontRef idx="minor">
+            <a:schemeClr val="tx1"/>
+          </a:fontRef>
+        </p:style>
+      </p:sp>
+      <p:sp>
+        <p:nvSpPr>
+          <p:cNvPr id="19" name="Freeform 18">
+            <a:extLst>
+              <a:ext uri="{FF2B5EF4-FFF2-40B4-BE49-F238E27FC236}">
+                <a16:creationId xmlns:a16="http://schemas.microsoft.com/office/drawing/2014/main" id="{CEA9D0FA-8EB8-B84D-977D-94F95A05C0B9}"/>
+              </a:ext>
+            </a:extLst>
+          </p:cNvPr>
+          <p:cNvSpPr/>
+          <p:nvPr/>
+        </p:nvSpPr>
+        <p:spPr>
+          <a:xfrm>
+            <a:off x="3507417" y="2588194"/>
+            <a:ext cx="887151" cy="887155"/>
+          </a:xfrm>
+          <a:custGeom>
+            <a:avLst/>
+            <a:gdLst>
+              <a:gd name="connsiteX0" fmla="*/ 0 w 887151"/>
+              <a:gd name="connsiteY0" fmla="*/ 443578 h 887155"/>
+              <a:gd name="connsiteX1" fmla="*/ 443576 w 887151"/>
+              <a:gd name="connsiteY1" fmla="*/ 0 h 887155"/>
+              <a:gd name="connsiteX2" fmla="*/ 887152 w 887151"/>
+              <a:gd name="connsiteY2" fmla="*/ 443578 h 887155"/>
+              <a:gd name="connsiteX3" fmla="*/ 443576 w 887151"/>
+              <a:gd name="connsiteY3" fmla="*/ 887156 h 887155"/>
+              <a:gd name="connsiteX4" fmla="*/ 0 w 887151"/>
+              <a:gd name="connsiteY4" fmla="*/ 443578 h 887155"/>
+            </a:gdLst>
+            <a:ahLst/>
+            <a:cxnLst>
+              <a:cxn ang="0">
+                <a:pos x="connsiteX0" y="connsiteY0"/>
+              </a:cxn>
+              <a:cxn ang="0">
+                <a:pos x="connsiteX1" y="connsiteY1"/>
+              </a:cxn>
+              <a:cxn ang="0">
+                <a:pos x="connsiteX2" y="connsiteY2"/>
+              </a:cxn>
+              <a:cxn ang="0">
+                <a:pos x="connsiteX3" y="connsiteY3"/>
+              </a:cxn>
+              <a:cxn ang="0">
+                <a:pos x="connsiteX4" y="connsiteY4"/>
+              </a:cxn>
+            </a:cxnLst>
+            <a:rect l="l" t="t" r="r" b="b"/>
+            <a:pathLst>
+              <a:path w="887151" h="887155">
+                <a:moveTo>
+                  <a:pt x="0" y="443578"/>
+                </a:moveTo>
+                <a:cubicBezTo>
+                  <a:pt x="0" y="198597"/>
+                  <a:pt x="198596" y="0"/>
+                  <a:pt x="443576" y="0"/>
+                </a:cubicBezTo>
+                <a:cubicBezTo>
+                  <a:pt x="688556" y="0"/>
+                  <a:pt x="887152" y="198597"/>
+                  <a:pt x="887152" y="443578"/>
+                </a:cubicBezTo>
+                <a:cubicBezTo>
+                  <a:pt x="887152" y="688559"/>
+                  <a:pt x="688556" y="887156"/>
+                  <a:pt x="443576" y="887156"/>
+                </a:cubicBezTo>
+                <a:cubicBezTo>
+                  <a:pt x="198596" y="887156"/>
+                  <a:pt x="0" y="688559"/>
+                  <a:pt x="0" y="443578"/>
+                </a:cubicBezTo>
+                <a:close/>
+              </a:path>
+            </a:pathLst>
+          </a:custGeom>
+          <a:solidFill>
+            <a:schemeClr val="bg2">
+              <a:lumMod val="75000"/>
+            </a:schemeClr>
+          </a:solidFill>
+          <a:ln>
+            <a:solidFill>
+              <a:schemeClr val="tx1"/>
+            </a:solidFill>
+          </a:ln>
+        </p:spPr>
+        <p:style>
+          <a:lnRef idx="2">
+            <a:schemeClr val="accent5">
+              <a:shade val="80000"/>
+              <a:hueOff val="0"/>
+              <a:satOff val="0"/>
+              <a:lumOff val="0"/>
+              <a:alphaOff val="0"/>
+            </a:schemeClr>
+          </a:lnRef>
+          <a:fillRef idx="1">
+            <a:schemeClr val="lt1">
+              <a:alpha val="50000"/>
+              <a:hueOff val="0"/>
+              <a:satOff val="0"/>
+              <a:lumOff val="0"/>
+              <a:alphaOff val="0"/>
+            </a:schemeClr>
+          </a:fillRef>
+          <a:effectRef idx="0">
+            <a:schemeClr val="lt1">
+              <a:alpha val="50000"/>
+              <a:hueOff val="0"/>
+              <a:satOff val="0"/>
+              <a:lumOff val="0"/>
+              <a:alphaOff val="0"/>
+            </a:schemeClr>
+          </a:effectRef>
+          <a:fontRef idx="minor">
+            <a:schemeClr val="tx1"/>
+          </a:fontRef>
+        </p:style>
         <p:txBody>
-          <a:bodyPr wrap="square" rtlCol="0">
-            <a:spAutoFit/>
+          <a:bodyPr spcFirstLastPara="0" vert="horz" wrap="square" lIns="175640" tIns="175641" rIns="175640" bIns="175641" numCol="1" spcCol="1270" anchor="ctr" anchorCtr="0">
+            <a:noAutofit/>
           </a:bodyPr>
           <a:lstStyle/>
           <a:p>
-            <a:r>
-              <a:rPr lang="en-US" dirty="0"/>
-              <a:t>Data Clean Up</a:t>
-            </a:r>
-          </a:p>
-          <a:p>
-            <a:endParaRPr lang="en-US" dirty="0"/>
-          </a:p>
-          <a:p>
-            <a:r>
-              <a:rPr lang="en-US" dirty="0"/>
-              <a:t>Before and After </a:t>
-            </a:r>
-          </a:p>
-          <a:p>
-            <a:endParaRPr lang="en-US" dirty="0"/>
-          </a:p>
-          <a:p>
-            <a:r>
-              <a:rPr lang="en-US" dirty="0"/>
-              <a:t>Tell the transformation story</a:t>
+            <a:pPr marL="0" lvl="0" indent="0" algn="ctr" defTabSz="533400">
+              <a:lnSpc>
+                <a:spcPct val="90000"/>
+              </a:lnSpc>
+              <a:spcBef>
+                <a:spcPct val="0"/>
+              </a:spcBef>
+              <a:spcAft>
+                <a:spcPct val="35000"/>
+              </a:spcAft>
+              <a:buNone/>
+            </a:pPr>
+            <a:r>
+              <a:rPr lang="en-US" sz="1200" kern="1200" dirty="0">
+                <a:latin typeface="Questrial" panose="02000000000000000000" pitchFamily="2" charset="0"/>
+              </a:rPr>
+              <a:t>title rows</a:t>
+            </a:r>
+          </a:p>
+        </p:txBody>
+      </p:sp>
+      <p:sp>
+        <p:nvSpPr>
+          <p:cNvPr id="20" name="Oval 19">
+            <a:extLst>
+              <a:ext uri="{FF2B5EF4-FFF2-40B4-BE49-F238E27FC236}">
+                <a16:creationId xmlns:a16="http://schemas.microsoft.com/office/drawing/2014/main" id="{A1F2A4C6-B853-8447-BCC8-AD45960F7FA9}"/>
+              </a:ext>
+            </a:extLst>
+          </p:cNvPr>
+          <p:cNvSpPr/>
+          <p:nvPr/>
+        </p:nvSpPr>
+        <p:spPr>
+          <a:xfrm>
+            <a:off x="4232015" y="3488775"/>
+            <a:ext cx="253471" cy="253505"/>
+          </a:xfrm>
+          <a:prstGeom prst="ellipse">
+            <a:avLst/>
+          </a:prstGeom>
+          <a:solidFill>
+            <a:schemeClr val="bg2">
+              <a:lumMod val="75000"/>
+            </a:schemeClr>
+          </a:solidFill>
+          <a:ln>
+            <a:solidFill>
+              <a:schemeClr val="tx1"/>
+            </a:solidFill>
+          </a:ln>
+        </p:spPr>
+        <p:style>
+          <a:lnRef idx="2">
+            <a:schemeClr val="accent5">
+              <a:shade val="80000"/>
+              <a:hueOff val="0"/>
+              <a:satOff val="0"/>
+              <a:lumOff val="0"/>
+              <a:alphaOff val="0"/>
+            </a:schemeClr>
+          </a:lnRef>
+          <a:fillRef idx="1">
+            <a:schemeClr val="lt1">
+              <a:alpha val="50000"/>
+              <a:hueOff val="0"/>
+              <a:satOff val="0"/>
+              <a:lumOff val="0"/>
+              <a:alphaOff val="0"/>
+            </a:schemeClr>
+          </a:fillRef>
+          <a:effectRef idx="0">
+            <a:schemeClr val="lt1">
+              <a:alpha val="50000"/>
+              <a:hueOff val="0"/>
+              <a:satOff val="0"/>
+              <a:lumOff val="0"/>
+              <a:alphaOff val="0"/>
+            </a:schemeClr>
+          </a:effectRef>
+          <a:fontRef idx="minor">
+            <a:schemeClr val="tx1"/>
+          </a:fontRef>
+        </p:style>
+      </p:sp>
+      <p:sp>
+        <p:nvSpPr>
+          <p:cNvPr id="21" name="Freeform 20">
+            <a:extLst>
+              <a:ext uri="{FF2B5EF4-FFF2-40B4-BE49-F238E27FC236}">
+                <a16:creationId xmlns:a16="http://schemas.microsoft.com/office/drawing/2014/main" id="{A70A84DD-4DE7-2848-98DD-E869BF7937D9}"/>
+              </a:ext>
+            </a:extLst>
+          </p:cNvPr>
+          <p:cNvSpPr/>
+          <p:nvPr/>
+        </p:nvSpPr>
+        <p:spPr>
+          <a:xfrm>
+            <a:off x="2391496" y="3622465"/>
+            <a:ext cx="887151" cy="887155"/>
+          </a:xfrm>
+          <a:custGeom>
+            <a:avLst/>
+            <a:gdLst>
+              <a:gd name="connsiteX0" fmla="*/ 0 w 887151"/>
+              <a:gd name="connsiteY0" fmla="*/ 443578 h 887155"/>
+              <a:gd name="connsiteX1" fmla="*/ 443576 w 887151"/>
+              <a:gd name="connsiteY1" fmla="*/ 0 h 887155"/>
+              <a:gd name="connsiteX2" fmla="*/ 887152 w 887151"/>
+              <a:gd name="connsiteY2" fmla="*/ 443578 h 887155"/>
+              <a:gd name="connsiteX3" fmla="*/ 443576 w 887151"/>
+              <a:gd name="connsiteY3" fmla="*/ 887156 h 887155"/>
+              <a:gd name="connsiteX4" fmla="*/ 0 w 887151"/>
+              <a:gd name="connsiteY4" fmla="*/ 443578 h 887155"/>
+            </a:gdLst>
+            <a:ahLst/>
+            <a:cxnLst>
+              <a:cxn ang="0">
+                <a:pos x="connsiteX0" y="connsiteY0"/>
+              </a:cxn>
+              <a:cxn ang="0">
+                <a:pos x="connsiteX1" y="connsiteY1"/>
+              </a:cxn>
+              <a:cxn ang="0">
+                <a:pos x="connsiteX2" y="connsiteY2"/>
+              </a:cxn>
+              <a:cxn ang="0">
+                <a:pos x="connsiteX3" y="connsiteY3"/>
+              </a:cxn>
+              <a:cxn ang="0">
+                <a:pos x="connsiteX4" y="connsiteY4"/>
+              </a:cxn>
+            </a:cxnLst>
+            <a:rect l="l" t="t" r="r" b="b"/>
+            <a:pathLst>
+              <a:path w="887151" h="887155">
+                <a:moveTo>
+                  <a:pt x="0" y="443578"/>
+                </a:moveTo>
+                <a:cubicBezTo>
+                  <a:pt x="0" y="198597"/>
+                  <a:pt x="198596" y="0"/>
+                  <a:pt x="443576" y="0"/>
+                </a:cubicBezTo>
+                <a:cubicBezTo>
+                  <a:pt x="688556" y="0"/>
+                  <a:pt x="887152" y="198597"/>
+                  <a:pt x="887152" y="443578"/>
+                </a:cubicBezTo>
+                <a:cubicBezTo>
+                  <a:pt x="887152" y="688559"/>
+                  <a:pt x="688556" y="887156"/>
+                  <a:pt x="443576" y="887156"/>
+                </a:cubicBezTo>
+                <a:cubicBezTo>
+                  <a:pt x="198596" y="887156"/>
+                  <a:pt x="0" y="688559"/>
+                  <a:pt x="0" y="443578"/>
+                </a:cubicBezTo>
+                <a:close/>
+              </a:path>
+            </a:pathLst>
+          </a:custGeom>
+          <a:solidFill>
+            <a:schemeClr val="bg2">
+              <a:lumMod val="75000"/>
+            </a:schemeClr>
+          </a:solidFill>
+          <a:ln>
+            <a:solidFill>
+              <a:schemeClr val="tx1"/>
+            </a:solidFill>
+          </a:ln>
+        </p:spPr>
+        <p:style>
+          <a:lnRef idx="2">
+            <a:schemeClr val="accent5">
+              <a:shade val="80000"/>
+              <a:hueOff val="0"/>
+              <a:satOff val="0"/>
+              <a:lumOff val="0"/>
+              <a:alphaOff val="0"/>
+            </a:schemeClr>
+          </a:lnRef>
+          <a:fillRef idx="1">
+            <a:schemeClr val="lt1">
+              <a:alpha val="50000"/>
+              <a:hueOff val="0"/>
+              <a:satOff val="0"/>
+              <a:lumOff val="0"/>
+              <a:alphaOff val="0"/>
+            </a:schemeClr>
+          </a:fillRef>
+          <a:effectRef idx="0">
+            <a:schemeClr val="lt1">
+              <a:alpha val="50000"/>
+              <a:hueOff val="0"/>
+              <a:satOff val="0"/>
+              <a:lumOff val="0"/>
+              <a:alphaOff val="0"/>
+            </a:schemeClr>
+          </a:effectRef>
+          <a:fontRef idx="minor">
+            <a:schemeClr val="tx1"/>
+          </a:fontRef>
+        </p:style>
+        <p:txBody>
+          <a:bodyPr spcFirstLastPara="0" vert="horz" wrap="square" lIns="175640" tIns="175641" rIns="175640" bIns="175641" numCol="1" spcCol="1270" anchor="ctr" anchorCtr="0">
+            <a:noAutofit/>
+          </a:bodyPr>
+          <a:lstStyle/>
+          <a:p>
+            <a:pPr marL="0" lvl="0" indent="0" algn="ctr" defTabSz="533400">
+              <a:lnSpc>
+                <a:spcPct val="90000"/>
+              </a:lnSpc>
+              <a:spcBef>
+                <a:spcPct val="0"/>
+              </a:spcBef>
+              <a:spcAft>
+                <a:spcPct val="35000"/>
+              </a:spcAft>
+              <a:buNone/>
+            </a:pPr>
+            <a:r>
+              <a:rPr lang="en-US" sz="1200" kern="1200" dirty="0">
+                <a:latin typeface="Questrial" panose="02000000000000000000" pitchFamily="2" charset="0"/>
+              </a:rPr>
+              <a:t>column orders</a:t>
+            </a:r>
+          </a:p>
+        </p:txBody>
+      </p:sp>
+      <p:sp>
+        <p:nvSpPr>
+          <p:cNvPr id="22" name="Freeform 21">
+            <a:extLst>
+              <a:ext uri="{FF2B5EF4-FFF2-40B4-BE49-F238E27FC236}">
+                <a16:creationId xmlns:a16="http://schemas.microsoft.com/office/drawing/2014/main" id="{4E302BB7-E3B6-0C4C-A504-3A65066A6585}"/>
+              </a:ext>
+            </a:extLst>
+          </p:cNvPr>
+          <p:cNvSpPr/>
+          <p:nvPr/>
+        </p:nvSpPr>
+        <p:spPr>
+          <a:xfrm>
+            <a:off x="3346348" y="3576036"/>
+            <a:ext cx="887151" cy="887155"/>
+          </a:xfrm>
+          <a:custGeom>
+            <a:avLst/>
+            <a:gdLst>
+              <a:gd name="connsiteX0" fmla="*/ 0 w 887151"/>
+              <a:gd name="connsiteY0" fmla="*/ 443578 h 887155"/>
+              <a:gd name="connsiteX1" fmla="*/ 443576 w 887151"/>
+              <a:gd name="connsiteY1" fmla="*/ 0 h 887155"/>
+              <a:gd name="connsiteX2" fmla="*/ 887152 w 887151"/>
+              <a:gd name="connsiteY2" fmla="*/ 443578 h 887155"/>
+              <a:gd name="connsiteX3" fmla="*/ 443576 w 887151"/>
+              <a:gd name="connsiteY3" fmla="*/ 887156 h 887155"/>
+              <a:gd name="connsiteX4" fmla="*/ 0 w 887151"/>
+              <a:gd name="connsiteY4" fmla="*/ 443578 h 887155"/>
+            </a:gdLst>
+            <a:ahLst/>
+            <a:cxnLst>
+              <a:cxn ang="0">
+                <a:pos x="connsiteX0" y="connsiteY0"/>
+              </a:cxn>
+              <a:cxn ang="0">
+                <a:pos x="connsiteX1" y="connsiteY1"/>
+              </a:cxn>
+              <a:cxn ang="0">
+                <a:pos x="connsiteX2" y="connsiteY2"/>
+              </a:cxn>
+              <a:cxn ang="0">
+                <a:pos x="connsiteX3" y="connsiteY3"/>
+              </a:cxn>
+              <a:cxn ang="0">
+                <a:pos x="connsiteX4" y="connsiteY4"/>
+              </a:cxn>
+            </a:cxnLst>
+            <a:rect l="l" t="t" r="r" b="b"/>
+            <a:pathLst>
+              <a:path w="887151" h="887155">
+                <a:moveTo>
+                  <a:pt x="0" y="443578"/>
+                </a:moveTo>
+                <a:cubicBezTo>
+                  <a:pt x="0" y="198597"/>
+                  <a:pt x="198596" y="0"/>
+                  <a:pt x="443576" y="0"/>
+                </a:cubicBezTo>
+                <a:cubicBezTo>
+                  <a:pt x="688556" y="0"/>
+                  <a:pt x="887152" y="198597"/>
+                  <a:pt x="887152" y="443578"/>
+                </a:cubicBezTo>
+                <a:cubicBezTo>
+                  <a:pt x="887152" y="688559"/>
+                  <a:pt x="688556" y="887156"/>
+                  <a:pt x="443576" y="887156"/>
+                </a:cubicBezTo>
+                <a:cubicBezTo>
+                  <a:pt x="198596" y="887156"/>
+                  <a:pt x="0" y="688559"/>
+                  <a:pt x="0" y="443578"/>
+                </a:cubicBezTo>
+                <a:close/>
+              </a:path>
+            </a:pathLst>
+          </a:custGeom>
+          <a:solidFill>
+            <a:schemeClr val="bg2">
+              <a:lumMod val="75000"/>
+            </a:schemeClr>
+          </a:solidFill>
+          <a:ln>
+            <a:solidFill>
+              <a:schemeClr val="tx1"/>
+            </a:solidFill>
+          </a:ln>
+        </p:spPr>
+        <p:style>
+          <a:lnRef idx="2">
+            <a:schemeClr val="accent5">
+              <a:shade val="80000"/>
+              <a:hueOff val="0"/>
+              <a:satOff val="0"/>
+              <a:lumOff val="0"/>
+              <a:alphaOff val="0"/>
+            </a:schemeClr>
+          </a:lnRef>
+          <a:fillRef idx="1">
+            <a:schemeClr val="lt1">
+              <a:alpha val="50000"/>
+              <a:hueOff val="0"/>
+              <a:satOff val="0"/>
+              <a:lumOff val="0"/>
+              <a:alphaOff val="0"/>
+            </a:schemeClr>
+          </a:fillRef>
+          <a:effectRef idx="0">
+            <a:schemeClr val="lt1">
+              <a:alpha val="50000"/>
+              <a:hueOff val="0"/>
+              <a:satOff val="0"/>
+              <a:lumOff val="0"/>
+              <a:alphaOff val="0"/>
+            </a:schemeClr>
+          </a:effectRef>
+          <a:fontRef idx="minor">
+            <a:schemeClr val="tx1"/>
+          </a:fontRef>
+        </p:style>
+        <p:txBody>
+          <a:bodyPr spcFirstLastPara="0" vert="horz" wrap="square" lIns="175640" tIns="175641" rIns="175640" bIns="175641" numCol="1" spcCol="1270" anchor="ctr" anchorCtr="0">
+            <a:noAutofit/>
+          </a:bodyPr>
+          <a:lstStyle/>
+          <a:p>
+            <a:pPr marL="0" lvl="0" indent="0" algn="ctr" defTabSz="533400">
+              <a:lnSpc>
+                <a:spcPct val="90000"/>
+              </a:lnSpc>
+              <a:spcBef>
+                <a:spcPct val="0"/>
+              </a:spcBef>
+              <a:spcAft>
+                <a:spcPct val="35000"/>
+              </a:spcAft>
+              <a:buNone/>
+            </a:pPr>
+            <a:r>
+              <a:rPr lang="en-US" sz="1200" kern="1200" dirty="0">
+                <a:latin typeface="Questrial" panose="02000000000000000000" pitchFamily="2" charset="0"/>
+              </a:rPr>
+              <a:t>column names</a:t>
+            </a:r>
+          </a:p>
+        </p:txBody>
+      </p:sp>
+      <p:sp>
+        <p:nvSpPr>
+          <p:cNvPr id="23" name="Oval 22">
+            <a:extLst>
+              <a:ext uri="{FF2B5EF4-FFF2-40B4-BE49-F238E27FC236}">
+                <a16:creationId xmlns:a16="http://schemas.microsoft.com/office/drawing/2014/main" id="{B66001E1-C974-6747-8EE6-CB22BCD8B9A3}"/>
+              </a:ext>
+            </a:extLst>
+          </p:cNvPr>
+          <p:cNvSpPr/>
+          <p:nvPr/>
+        </p:nvSpPr>
+        <p:spPr>
+          <a:xfrm>
+            <a:off x="3060780" y="3205421"/>
+            <a:ext cx="435734" cy="435634"/>
+          </a:xfrm>
+          <a:prstGeom prst="ellipse">
+            <a:avLst/>
+          </a:prstGeom>
+          <a:solidFill>
+            <a:schemeClr val="bg2">
+              <a:lumMod val="75000"/>
+            </a:schemeClr>
+          </a:solidFill>
+          <a:ln>
+            <a:solidFill>
+              <a:schemeClr val="tx1"/>
+            </a:solidFill>
+          </a:ln>
+        </p:spPr>
+        <p:style>
+          <a:lnRef idx="2">
+            <a:schemeClr val="accent5">
+              <a:shade val="80000"/>
+              <a:hueOff val="0"/>
+              <a:satOff val="0"/>
+              <a:lumOff val="0"/>
+              <a:alphaOff val="0"/>
+            </a:schemeClr>
+          </a:lnRef>
+          <a:fillRef idx="1">
+            <a:schemeClr val="lt1">
+              <a:alpha val="50000"/>
+              <a:hueOff val="0"/>
+              <a:satOff val="0"/>
+              <a:lumOff val="0"/>
+              <a:alphaOff val="0"/>
+            </a:schemeClr>
+          </a:fillRef>
+          <a:effectRef idx="0">
+            <a:schemeClr val="lt1">
+              <a:alpha val="50000"/>
+              <a:hueOff val="0"/>
+              <a:satOff val="0"/>
+              <a:lumOff val="0"/>
+              <a:alphaOff val="0"/>
+            </a:schemeClr>
+          </a:effectRef>
+          <a:fontRef idx="minor">
+            <a:schemeClr val="tx1"/>
+          </a:fontRef>
+        </p:style>
+      </p:sp>
+      <p:sp>
+        <p:nvSpPr>
+          <p:cNvPr id="24" name="Oval 23">
+            <a:extLst>
+              <a:ext uri="{FF2B5EF4-FFF2-40B4-BE49-F238E27FC236}">
+                <a16:creationId xmlns:a16="http://schemas.microsoft.com/office/drawing/2014/main" id="{80B5395D-C6CD-634B-8BB1-8967B45B4D89}"/>
+              </a:ext>
+            </a:extLst>
+          </p:cNvPr>
+          <p:cNvSpPr/>
+          <p:nvPr/>
+        </p:nvSpPr>
+        <p:spPr>
+          <a:xfrm>
+            <a:off x="2783304" y="3243325"/>
+            <a:ext cx="190527" cy="190408"/>
+          </a:xfrm>
+          <a:prstGeom prst="ellipse">
+            <a:avLst/>
+          </a:prstGeom>
+          <a:solidFill>
+            <a:schemeClr val="bg2">
+              <a:lumMod val="75000"/>
+            </a:schemeClr>
+          </a:solidFill>
+          <a:ln>
+            <a:solidFill>
+              <a:schemeClr val="tx1"/>
+            </a:solidFill>
+          </a:ln>
+        </p:spPr>
+        <p:style>
+          <a:lnRef idx="2">
+            <a:schemeClr val="accent5">
+              <a:shade val="80000"/>
+              <a:hueOff val="0"/>
+              <a:satOff val="0"/>
+              <a:lumOff val="0"/>
+              <a:alphaOff val="0"/>
+            </a:schemeClr>
+          </a:lnRef>
+          <a:fillRef idx="1">
+            <a:schemeClr val="lt1">
+              <a:alpha val="50000"/>
+              <a:hueOff val="0"/>
+              <a:satOff val="0"/>
+              <a:lumOff val="0"/>
+              <a:alphaOff val="0"/>
+            </a:schemeClr>
+          </a:fillRef>
+          <a:effectRef idx="0">
+            <a:schemeClr val="lt1">
+              <a:alpha val="50000"/>
+              <a:hueOff val="0"/>
+              <a:satOff val="0"/>
+              <a:lumOff val="0"/>
+              <a:alphaOff val="0"/>
+            </a:schemeClr>
+          </a:effectRef>
+          <a:fontRef idx="minor">
+            <a:schemeClr val="tx1"/>
+          </a:fontRef>
+        </p:style>
+      </p:sp>
+      <p:sp>
+        <p:nvSpPr>
+          <p:cNvPr id="25" name="Freeform 24">
+            <a:extLst>
+              <a:ext uri="{FF2B5EF4-FFF2-40B4-BE49-F238E27FC236}">
+                <a16:creationId xmlns:a16="http://schemas.microsoft.com/office/drawing/2014/main" id="{4501DDDC-04DE-9B4F-AFA0-950694F20DE5}"/>
+              </a:ext>
+            </a:extLst>
+          </p:cNvPr>
+          <p:cNvSpPr/>
+          <p:nvPr/>
+        </p:nvSpPr>
+        <p:spPr>
+          <a:xfrm>
+            <a:off x="8287561" y="2545823"/>
+            <a:ext cx="1758627" cy="1758309"/>
+          </a:xfrm>
+          <a:custGeom>
+            <a:avLst/>
+            <a:gdLst>
+              <a:gd name="connsiteX0" fmla="*/ 0 w 1758627"/>
+              <a:gd name="connsiteY0" fmla="*/ 879155 h 1758309"/>
+              <a:gd name="connsiteX1" fmla="*/ 879314 w 1758627"/>
+              <a:gd name="connsiteY1" fmla="*/ 0 h 1758309"/>
+              <a:gd name="connsiteX2" fmla="*/ 1758628 w 1758627"/>
+              <a:gd name="connsiteY2" fmla="*/ 879155 h 1758309"/>
+              <a:gd name="connsiteX3" fmla="*/ 879314 w 1758627"/>
+              <a:gd name="connsiteY3" fmla="*/ 1758310 h 1758309"/>
+              <a:gd name="connsiteX4" fmla="*/ 0 w 1758627"/>
+              <a:gd name="connsiteY4" fmla="*/ 879155 h 1758309"/>
+            </a:gdLst>
+            <a:ahLst/>
+            <a:cxnLst>
+              <a:cxn ang="0">
+                <a:pos x="connsiteX0" y="connsiteY0"/>
+              </a:cxn>
+              <a:cxn ang="0">
+                <a:pos x="connsiteX1" y="connsiteY1"/>
+              </a:cxn>
+              <a:cxn ang="0">
+                <a:pos x="connsiteX2" y="connsiteY2"/>
+              </a:cxn>
+              <a:cxn ang="0">
+                <a:pos x="connsiteX3" y="connsiteY3"/>
+              </a:cxn>
+              <a:cxn ang="0">
+                <a:pos x="connsiteX4" y="connsiteY4"/>
+              </a:cxn>
+            </a:cxnLst>
+            <a:rect l="l" t="t" r="r" b="b"/>
+            <a:pathLst>
+              <a:path w="1758627" h="1758309">
+                <a:moveTo>
+                  <a:pt x="0" y="879155"/>
+                </a:moveTo>
+                <a:cubicBezTo>
+                  <a:pt x="0" y="393611"/>
+                  <a:pt x="393682" y="0"/>
+                  <a:pt x="879314" y="0"/>
+                </a:cubicBezTo>
+                <a:cubicBezTo>
+                  <a:pt x="1364946" y="0"/>
+                  <a:pt x="1758628" y="393611"/>
+                  <a:pt x="1758628" y="879155"/>
+                </a:cubicBezTo>
+                <a:cubicBezTo>
+                  <a:pt x="1758628" y="1364699"/>
+                  <a:pt x="1364946" y="1758310"/>
+                  <a:pt x="879314" y="1758310"/>
+                </a:cubicBezTo>
+                <a:cubicBezTo>
+                  <a:pt x="393682" y="1758310"/>
+                  <a:pt x="0" y="1364699"/>
+                  <a:pt x="0" y="879155"/>
+                </a:cubicBezTo>
+                <a:close/>
+              </a:path>
+            </a:pathLst>
+          </a:custGeom>
+          <a:solidFill>
+            <a:schemeClr val="bg2">
+              <a:lumMod val="75000"/>
+            </a:schemeClr>
+          </a:solidFill>
+        </p:spPr>
+        <p:style>
+          <a:lnRef idx="2">
+            <a:schemeClr val="accent5">
+              <a:shade val="80000"/>
+              <a:hueOff val="0"/>
+              <a:satOff val="0"/>
+              <a:lumOff val="0"/>
+              <a:alphaOff val="0"/>
+            </a:schemeClr>
+          </a:lnRef>
+          <a:fillRef idx="1">
+            <a:schemeClr val="lt1">
+              <a:hueOff val="0"/>
+              <a:satOff val="0"/>
+              <a:lumOff val="0"/>
+              <a:alphaOff val="0"/>
+            </a:schemeClr>
+          </a:fillRef>
+          <a:effectRef idx="0">
+            <a:schemeClr val="lt1">
+              <a:hueOff val="0"/>
+              <a:satOff val="0"/>
+              <a:lumOff val="0"/>
+              <a:alphaOff val="0"/>
+            </a:schemeClr>
+          </a:effectRef>
+          <a:fontRef idx="minor">
+            <a:schemeClr val="dk1">
+              <a:hueOff val="0"/>
+              <a:satOff val="0"/>
+              <a:lumOff val="0"/>
+              <a:alphaOff val="0"/>
+            </a:schemeClr>
+          </a:fontRef>
+        </p:style>
+        <p:txBody>
+          <a:bodyPr spcFirstLastPara="0" vert="horz" wrap="square" lIns="91440" tIns="310838" rIns="91440" bIns="310838" numCol="1" spcCol="1270" anchor="ctr" anchorCtr="0">
+            <a:noAutofit/>
+          </a:bodyPr>
+          <a:lstStyle/>
+          <a:p>
+            <a:pPr marL="0" lvl="0" indent="0" algn="ctr" defTabSz="622300">
+              <a:lnSpc>
+                <a:spcPct val="90000"/>
+              </a:lnSpc>
+              <a:spcBef>
+                <a:spcPct val="0"/>
+              </a:spcBef>
+              <a:spcAft>
+                <a:spcPct val="35000"/>
+              </a:spcAft>
+              <a:buNone/>
+            </a:pPr>
+            <a:r>
+              <a:rPr lang="en-US" sz="2400" b="1" dirty="0">
+                <a:solidFill>
+                  <a:schemeClr val="tx1"/>
+                </a:solidFill>
+                <a:latin typeface="Questrial" panose="02000000000000000000" pitchFamily="2" charset="0"/>
+              </a:rPr>
+              <a:t>1 df</a:t>
+            </a:r>
+            <a:endParaRPr lang="en-US" sz="2400" b="1" kern="1200" dirty="0">
+              <a:solidFill>
+                <a:schemeClr val="tx1"/>
+              </a:solidFill>
+              <a:latin typeface="Questrial" panose="02000000000000000000" pitchFamily="2" charset="0"/>
+            </a:endParaRPr>
+          </a:p>
+        </p:txBody>
+      </p:sp>
+      <p:sp>
+        <p:nvSpPr>
+          <p:cNvPr id="26" name="Freeform 25">
+            <a:extLst>
+              <a:ext uri="{FF2B5EF4-FFF2-40B4-BE49-F238E27FC236}">
+                <a16:creationId xmlns:a16="http://schemas.microsoft.com/office/drawing/2014/main" id="{7B117AEA-65F4-B54A-BC03-58B390464FB5}"/>
+              </a:ext>
+            </a:extLst>
+          </p:cNvPr>
+          <p:cNvSpPr/>
+          <p:nvPr/>
+        </p:nvSpPr>
+        <p:spPr>
+          <a:xfrm>
+            <a:off x="1817901" y="4539045"/>
+            <a:ext cx="2584256" cy="602407"/>
+          </a:xfrm>
+          <a:custGeom>
+            <a:avLst/>
+            <a:gdLst>
+              <a:gd name="connsiteX0" fmla="*/ 0 w 2286215"/>
+              <a:gd name="connsiteY0" fmla="*/ 0 h 602407"/>
+              <a:gd name="connsiteX1" fmla="*/ 2286215 w 2286215"/>
+              <a:gd name="connsiteY1" fmla="*/ 0 h 602407"/>
+              <a:gd name="connsiteX2" fmla="*/ 2286215 w 2286215"/>
+              <a:gd name="connsiteY2" fmla="*/ 602407 h 602407"/>
+              <a:gd name="connsiteX3" fmla="*/ 0 w 2286215"/>
+              <a:gd name="connsiteY3" fmla="*/ 602407 h 602407"/>
+              <a:gd name="connsiteX4" fmla="*/ 0 w 2286215"/>
+              <a:gd name="connsiteY4" fmla="*/ 0 h 602407"/>
+            </a:gdLst>
+            <a:ahLst/>
+            <a:cxnLst>
+              <a:cxn ang="0">
+                <a:pos x="connsiteX0" y="connsiteY0"/>
+              </a:cxn>
+              <a:cxn ang="0">
+                <a:pos x="connsiteX1" y="connsiteY1"/>
+              </a:cxn>
+              <a:cxn ang="0">
+                <a:pos x="connsiteX2" y="connsiteY2"/>
+              </a:cxn>
+              <a:cxn ang="0">
+                <a:pos x="connsiteX3" y="connsiteY3"/>
+              </a:cxn>
+              <a:cxn ang="0">
+                <a:pos x="connsiteX4" y="connsiteY4"/>
+              </a:cxn>
+            </a:cxnLst>
+            <a:rect l="l" t="t" r="r" b="b"/>
+            <a:pathLst>
+              <a:path w="2286215" h="602407">
+                <a:moveTo>
+                  <a:pt x="0" y="0"/>
+                </a:moveTo>
+                <a:lnTo>
+                  <a:pt x="2286215" y="0"/>
+                </a:lnTo>
+                <a:lnTo>
+                  <a:pt x="2286215" y="602407"/>
+                </a:lnTo>
+                <a:lnTo>
+                  <a:pt x="0" y="602407"/>
+                </a:lnTo>
+                <a:lnTo>
+                  <a:pt x="0" y="0"/>
+                </a:lnTo>
+                <a:close/>
+              </a:path>
+            </a:pathLst>
+          </a:custGeom>
+        </p:spPr>
+        <p:style>
+          <a:lnRef idx="0">
+            <a:schemeClr val="dk1">
+              <a:alpha val="0"/>
+              <a:hueOff val="0"/>
+              <a:satOff val="0"/>
+              <a:lumOff val="0"/>
+              <a:alphaOff val="0"/>
+            </a:schemeClr>
+          </a:lnRef>
+          <a:fillRef idx="0">
+            <a:schemeClr val="lt1">
+              <a:alpha val="0"/>
+              <a:hueOff val="0"/>
+              <a:satOff val="0"/>
+              <a:lumOff val="0"/>
+              <a:alphaOff val="0"/>
+            </a:schemeClr>
+          </a:fillRef>
+          <a:effectRef idx="0">
+            <a:schemeClr val="lt1">
+              <a:alpha val="0"/>
+              <a:hueOff val="0"/>
+              <a:satOff val="0"/>
+              <a:lumOff val="0"/>
+              <a:alphaOff val="0"/>
+            </a:schemeClr>
+          </a:effectRef>
+          <a:fontRef idx="minor">
+            <a:schemeClr val="tx1">
+              <a:hueOff val="0"/>
+              <a:satOff val="0"/>
+              <a:lumOff val="0"/>
+              <a:alphaOff val="0"/>
+            </a:schemeClr>
+          </a:fontRef>
+        </p:style>
+        <p:txBody>
+          <a:bodyPr spcFirstLastPara="0" vert="horz" wrap="square" lIns="114300" tIns="114300" rIns="114300" bIns="114300" numCol="1" spcCol="1270" anchor="ctr" anchorCtr="0">
+            <a:noAutofit/>
+          </a:bodyPr>
+          <a:lstStyle/>
+          <a:p>
+            <a:pPr marL="0" lvl="0" indent="0" algn="ctr" defTabSz="1333500">
+              <a:lnSpc>
+                <a:spcPct val="90000"/>
+              </a:lnSpc>
+              <a:spcBef>
+                <a:spcPct val="0"/>
+              </a:spcBef>
+              <a:spcAft>
+                <a:spcPct val="35000"/>
+              </a:spcAft>
+              <a:buNone/>
+            </a:pPr>
+            <a:r>
+              <a:rPr lang="en-US" sz="3200" kern="1200" dirty="0">
+                <a:solidFill>
+                  <a:schemeClr val="bg1"/>
+                </a:solidFill>
+                <a:latin typeface="Questrial" panose="02000000000000000000" pitchFamily="2" charset="0"/>
+              </a:rPr>
+              <a:t>inconsistent</a:t>
             </a:r>
           </a:p>
         </p:txBody>
@@ -11563,6 +16179,505 @@
             </a:r>
           </a:p>
         </p:txBody>
+      </p:sp>
+      <p:sp>
+        <p:nvSpPr>
+          <p:cNvPr id="4" name="TextBox 3">
+            <a:extLst>
+              <a:ext uri="{FF2B5EF4-FFF2-40B4-BE49-F238E27FC236}">
+                <a16:creationId xmlns:a16="http://schemas.microsoft.com/office/drawing/2014/main" id="{D1E2560C-CF88-EF45-881C-7B9108D56E55}"/>
+              </a:ext>
+            </a:extLst>
+          </p:cNvPr>
+          <p:cNvSpPr txBox="1"/>
+          <p:nvPr/>
+        </p:nvSpPr>
+        <p:spPr>
+          <a:xfrm>
+            <a:off x="823597" y="520095"/>
+            <a:ext cx="7241615" cy="1015663"/>
+          </a:xfrm>
+          <a:prstGeom prst="rect">
+            <a:avLst/>
+          </a:prstGeom>
+          <a:noFill/>
+        </p:spPr>
+        <p:txBody>
+          <a:bodyPr wrap="square" rtlCol="0">
+            <a:spAutoFit/>
+          </a:bodyPr>
+          <a:lstStyle/>
+          <a:p>
+            <a:r>
+              <a:rPr lang="en-US" sz="6000" dirty="0">
+                <a:solidFill>
+                  <a:schemeClr val="bg2">
+                    <a:lumMod val="75000"/>
+                  </a:schemeClr>
+                </a:solidFill>
+                <a:latin typeface="Questrial" panose="02000000000000000000" pitchFamily="2" charset="0"/>
+              </a:rPr>
+              <a:t>our</a:t>
+            </a:r>
+            <a:r>
+              <a:rPr lang="en-US" sz="6000" b="1" dirty="0">
+                <a:solidFill>
+                  <a:schemeClr val="bg2">
+                    <a:lumMod val="75000"/>
+                  </a:schemeClr>
+                </a:solidFill>
+                <a:latin typeface="Questrial" panose="02000000000000000000" pitchFamily="2" charset="0"/>
+              </a:rPr>
+              <a:t> data </a:t>
+            </a:r>
+            <a:r>
+              <a:rPr lang="en-US" sz="6000" dirty="0">
+                <a:solidFill>
+                  <a:schemeClr val="bg2">
+                    <a:lumMod val="75000"/>
+                  </a:schemeClr>
+                </a:solidFill>
+                <a:latin typeface="Questrial" panose="02000000000000000000" pitchFamily="2" charset="0"/>
+              </a:rPr>
+              <a:t>-&gt; income</a:t>
+            </a:r>
+          </a:p>
+        </p:txBody>
+      </p:sp>
+      <p:sp>
+        <p:nvSpPr>
+          <p:cNvPr id="27" name="Freeform 26">
+            <a:extLst>
+              <a:ext uri="{FF2B5EF4-FFF2-40B4-BE49-F238E27FC236}">
+                <a16:creationId xmlns:a16="http://schemas.microsoft.com/office/drawing/2014/main" id="{D217994E-A04E-4747-9305-44D88C796389}"/>
+              </a:ext>
+            </a:extLst>
+          </p:cNvPr>
+          <p:cNvSpPr/>
+          <p:nvPr/>
+        </p:nvSpPr>
+        <p:spPr>
+          <a:xfrm>
+            <a:off x="1882791" y="2897398"/>
+            <a:ext cx="822960" cy="822960"/>
+          </a:xfrm>
+          <a:custGeom>
+            <a:avLst/>
+            <a:gdLst>
+              <a:gd name="connsiteX0" fmla="*/ 0 w 887151"/>
+              <a:gd name="connsiteY0" fmla="*/ 443578 h 887155"/>
+              <a:gd name="connsiteX1" fmla="*/ 443576 w 887151"/>
+              <a:gd name="connsiteY1" fmla="*/ 0 h 887155"/>
+              <a:gd name="connsiteX2" fmla="*/ 887152 w 887151"/>
+              <a:gd name="connsiteY2" fmla="*/ 443578 h 887155"/>
+              <a:gd name="connsiteX3" fmla="*/ 443576 w 887151"/>
+              <a:gd name="connsiteY3" fmla="*/ 887156 h 887155"/>
+              <a:gd name="connsiteX4" fmla="*/ 0 w 887151"/>
+              <a:gd name="connsiteY4" fmla="*/ 443578 h 887155"/>
+            </a:gdLst>
+            <a:ahLst/>
+            <a:cxnLst>
+              <a:cxn ang="0">
+                <a:pos x="connsiteX0" y="connsiteY0"/>
+              </a:cxn>
+              <a:cxn ang="0">
+                <a:pos x="connsiteX1" y="connsiteY1"/>
+              </a:cxn>
+              <a:cxn ang="0">
+                <a:pos x="connsiteX2" y="connsiteY2"/>
+              </a:cxn>
+              <a:cxn ang="0">
+                <a:pos x="connsiteX3" y="connsiteY3"/>
+              </a:cxn>
+              <a:cxn ang="0">
+                <a:pos x="connsiteX4" y="connsiteY4"/>
+              </a:cxn>
+            </a:cxnLst>
+            <a:rect l="l" t="t" r="r" b="b"/>
+            <a:pathLst>
+              <a:path w="887151" h="887155">
+                <a:moveTo>
+                  <a:pt x="0" y="443578"/>
+                </a:moveTo>
+                <a:cubicBezTo>
+                  <a:pt x="0" y="198597"/>
+                  <a:pt x="198596" y="0"/>
+                  <a:pt x="443576" y="0"/>
+                </a:cubicBezTo>
+                <a:cubicBezTo>
+                  <a:pt x="688556" y="0"/>
+                  <a:pt x="887152" y="198597"/>
+                  <a:pt x="887152" y="443578"/>
+                </a:cubicBezTo>
+                <a:cubicBezTo>
+                  <a:pt x="887152" y="688559"/>
+                  <a:pt x="688556" y="887156"/>
+                  <a:pt x="443576" y="887156"/>
+                </a:cubicBezTo>
+                <a:cubicBezTo>
+                  <a:pt x="198596" y="887156"/>
+                  <a:pt x="0" y="688559"/>
+                  <a:pt x="0" y="443578"/>
+                </a:cubicBezTo>
+                <a:close/>
+              </a:path>
+            </a:pathLst>
+          </a:custGeom>
+          <a:solidFill>
+            <a:schemeClr val="bg2">
+              <a:lumMod val="75000"/>
+            </a:schemeClr>
+          </a:solidFill>
+          <a:ln>
+            <a:solidFill>
+              <a:schemeClr val="tx1"/>
+            </a:solidFill>
+          </a:ln>
+        </p:spPr>
+        <p:style>
+          <a:lnRef idx="2">
+            <a:schemeClr val="accent5">
+              <a:shade val="80000"/>
+              <a:hueOff val="0"/>
+              <a:satOff val="0"/>
+              <a:lumOff val="0"/>
+              <a:alphaOff val="0"/>
+            </a:schemeClr>
+          </a:lnRef>
+          <a:fillRef idx="1">
+            <a:schemeClr val="lt1">
+              <a:alpha val="50000"/>
+              <a:hueOff val="0"/>
+              <a:satOff val="0"/>
+              <a:lumOff val="0"/>
+              <a:alphaOff val="0"/>
+            </a:schemeClr>
+          </a:fillRef>
+          <a:effectRef idx="0">
+            <a:schemeClr val="lt1">
+              <a:alpha val="50000"/>
+              <a:hueOff val="0"/>
+              <a:satOff val="0"/>
+              <a:lumOff val="0"/>
+              <a:alphaOff val="0"/>
+            </a:schemeClr>
+          </a:effectRef>
+          <a:fontRef idx="minor">
+            <a:schemeClr val="tx1"/>
+          </a:fontRef>
+        </p:style>
+        <p:txBody>
+          <a:bodyPr spcFirstLastPara="0" vert="horz" wrap="square" lIns="45720" tIns="175641" rIns="45720" bIns="175641" numCol="1" spcCol="1270" anchor="ctr" anchorCtr="0">
+            <a:noAutofit/>
+          </a:bodyPr>
+          <a:lstStyle/>
+          <a:p>
+            <a:pPr marL="0" lvl="0" indent="0" algn="ctr" defTabSz="533400">
+              <a:lnSpc>
+                <a:spcPct val="90000"/>
+              </a:lnSpc>
+              <a:spcBef>
+                <a:spcPct val="0"/>
+              </a:spcBef>
+              <a:spcAft>
+                <a:spcPct val="35000"/>
+              </a:spcAft>
+              <a:buNone/>
+            </a:pPr>
+            <a:r>
+              <a:rPr lang="en-US" sz="1200" dirty="0">
+                <a:latin typeface="Questrial" panose="02000000000000000000" pitchFamily="2" charset="0"/>
+              </a:rPr>
+              <a:t>n</a:t>
+            </a:r>
+            <a:r>
+              <a:rPr lang="en-US" sz="1200" kern="1200" dirty="0">
+                <a:latin typeface="Questrial" panose="02000000000000000000" pitchFamily="2" charset="0"/>
+              </a:rPr>
+              <a:t>uanced nulls</a:t>
+            </a:r>
+          </a:p>
+        </p:txBody>
+      </p:sp>
+      <p:sp>
+        <p:nvSpPr>
+          <p:cNvPr id="28" name="Freeform 27">
+            <a:extLst>
+              <a:ext uri="{FF2B5EF4-FFF2-40B4-BE49-F238E27FC236}">
+                <a16:creationId xmlns:a16="http://schemas.microsoft.com/office/drawing/2014/main" id="{F7BEC388-53EA-8A4A-9D91-49FE69F95280}"/>
+              </a:ext>
+            </a:extLst>
+          </p:cNvPr>
+          <p:cNvSpPr/>
+          <p:nvPr/>
+        </p:nvSpPr>
+        <p:spPr>
+          <a:xfrm>
+            <a:off x="1499988" y="3721533"/>
+            <a:ext cx="731520" cy="731520"/>
+          </a:xfrm>
+          <a:custGeom>
+            <a:avLst/>
+            <a:gdLst>
+              <a:gd name="connsiteX0" fmla="*/ 0 w 887151"/>
+              <a:gd name="connsiteY0" fmla="*/ 443578 h 887155"/>
+              <a:gd name="connsiteX1" fmla="*/ 443576 w 887151"/>
+              <a:gd name="connsiteY1" fmla="*/ 0 h 887155"/>
+              <a:gd name="connsiteX2" fmla="*/ 887152 w 887151"/>
+              <a:gd name="connsiteY2" fmla="*/ 443578 h 887155"/>
+              <a:gd name="connsiteX3" fmla="*/ 443576 w 887151"/>
+              <a:gd name="connsiteY3" fmla="*/ 887156 h 887155"/>
+              <a:gd name="connsiteX4" fmla="*/ 0 w 887151"/>
+              <a:gd name="connsiteY4" fmla="*/ 443578 h 887155"/>
+            </a:gdLst>
+            <a:ahLst/>
+            <a:cxnLst>
+              <a:cxn ang="0">
+                <a:pos x="connsiteX0" y="connsiteY0"/>
+              </a:cxn>
+              <a:cxn ang="0">
+                <a:pos x="connsiteX1" y="connsiteY1"/>
+              </a:cxn>
+              <a:cxn ang="0">
+                <a:pos x="connsiteX2" y="connsiteY2"/>
+              </a:cxn>
+              <a:cxn ang="0">
+                <a:pos x="connsiteX3" y="connsiteY3"/>
+              </a:cxn>
+              <a:cxn ang="0">
+                <a:pos x="connsiteX4" y="connsiteY4"/>
+              </a:cxn>
+            </a:cxnLst>
+            <a:rect l="l" t="t" r="r" b="b"/>
+            <a:pathLst>
+              <a:path w="887151" h="887155">
+                <a:moveTo>
+                  <a:pt x="0" y="443578"/>
+                </a:moveTo>
+                <a:cubicBezTo>
+                  <a:pt x="0" y="198597"/>
+                  <a:pt x="198596" y="0"/>
+                  <a:pt x="443576" y="0"/>
+                </a:cubicBezTo>
+                <a:cubicBezTo>
+                  <a:pt x="688556" y="0"/>
+                  <a:pt x="887152" y="198597"/>
+                  <a:pt x="887152" y="443578"/>
+                </a:cubicBezTo>
+                <a:cubicBezTo>
+                  <a:pt x="887152" y="688559"/>
+                  <a:pt x="688556" y="887156"/>
+                  <a:pt x="443576" y="887156"/>
+                </a:cubicBezTo>
+                <a:cubicBezTo>
+                  <a:pt x="198596" y="887156"/>
+                  <a:pt x="0" y="688559"/>
+                  <a:pt x="0" y="443578"/>
+                </a:cubicBezTo>
+                <a:close/>
+              </a:path>
+            </a:pathLst>
+          </a:custGeom>
+          <a:solidFill>
+            <a:schemeClr val="bg2">
+              <a:lumMod val="75000"/>
+            </a:schemeClr>
+          </a:solidFill>
+          <a:ln>
+            <a:solidFill>
+              <a:schemeClr val="tx1"/>
+            </a:solidFill>
+          </a:ln>
+        </p:spPr>
+        <p:style>
+          <a:lnRef idx="2">
+            <a:schemeClr val="accent5">
+              <a:shade val="80000"/>
+              <a:hueOff val="0"/>
+              <a:satOff val="0"/>
+              <a:lumOff val="0"/>
+              <a:alphaOff val="0"/>
+            </a:schemeClr>
+          </a:lnRef>
+          <a:fillRef idx="1">
+            <a:schemeClr val="lt1">
+              <a:alpha val="50000"/>
+              <a:hueOff val="0"/>
+              <a:satOff val="0"/>
+              <a:lumOff val="0"/>
+              <a:alphaOff val="0"/>
+            </a:schemeClr>
+          </a:fillRef>
+          <a:effectRef idx="0">
+            <a:schemeClr val="lt1">
+              <a:alpha val="50000"/>
+              <a:hueOff val="0"/>
+              <a:satOff val="0"/>
+              <a:lumOff val="0"/>
+              <a:alphaOff val="0"/>
+            </a:schemeClr>
+          </a:effectRef>
+          <a:fontRef idx="minor">
+            <a:schemeClr val="tx1"/>
+          </a:fontRef>
+        </p:style>
+        <p:txBody>
+          <a:bodyPr spcFirstLastPara="0" vert="horz" wrap="square" lIns="45720" tIns="175641" rIns="45720" bIns="175641" numCol="1" spcCol="1270" anchor="ctr" anchorCtr="0">
+            <a:noAutofit/>
+          </a:bodyPr>
+          <a:lstStyle/>
+          <a:p>
+            <a:pPr marL="0" lvl="0" indent="0" algn="ctr" defTabSz="533400">
+              <a:lnSpc>
+                <a:spcPct val="90000"/>
+              </a:lnSpc>
+              <a:spcBef>
+                <a:spcPct val="0"/>
+              </a:spcBef>
+              <a:spcAft>
+                <a:spcPct val="35000"/>
+              </a:spcAft>
+              <a:buNone/>
+            </a:pPr>
+            <a:r>
+              <a:rPr lang="en-US" sz="1200" dirty="0">
+                <a:latin typeface="Questrial" panose="02000000000000000000" pitchFamily="2" charset="0"/>
+              </a:rPr>
+              <a:t>merged cells</a:t>
+            </a:r>
+            <a:endParaRPr lang="en-US" sz="1200" kern="1200" dirty="0">
+              <a:latin typeface="Questrial" panose="02000000000000000000" pitchFamily="2" charset="0"/>
+            </a:endParaRPr>
+          </a:p>
+        </p:txBody>
+      </p:sp>
+      <p:sp>
+        <p:nvSpPr>
+          <p:cNvPr id="29" name="Oval 28">
+            <a:extLst>
+              <a:ext uri="{FF2B5EF4-FFF2-40B4-BE49-F238E27FC236}">
+                <a16:creationId xmlns:a16="http://schemas.microsoft.com/office/drawing/2014/main" id="{6CBBEE87-52E7-624F-999C-CA9554E2FA78}"/>
+              </a:ext>
+            </a:extLst>
+          </p:cNvPr>
+          <p:cNvSpPr/>
+          <p:nvPr/>
+        </p:nvSpPr>
+        <p:spPr>
+          <a:xfrm>
+            <a:off x="2233118" y="2596678"/>
+            <a:ext cx="253471" cy="253505"/>
+          </a:xfrm>
+          <a:prstGeom prst="ellipse">
+            <a:avLst/>
+          </a:prstGeom>
+          <a:solidFill>
+            <a:schemeClr val="bg2">
+              <a:lumMod val="75000"/>
+            </a:schemeClr>
+          </a:solidFill>
+          <a:ln>
+            <a:solidFill>
+              <a:schemeClr val="tx1"/>
+            </a:solidFill>
+          </a:ln>
+        </p:spPr>
+        <p:style>
+          <a:lnRef idx="2">
+            <a:schemeClr val="accent5">
+              <a:shade val="80000"/>
+              <a:hueOff val="0"/>
+              <a:satOff val="0"/>
+              <a:lumOff val="0"/>
+              <a:alphaOff val="0"/>
+            </a:schemeClr>
+          </a:lnRef>
+          <a:fillRef idx="1">
+            <a:schemeClr val="lt1">
+              <a:alpha val="50000"/>
+              <a:hueOff val="0"/>
+              <a:satOff val="0"/>
+              <a:lumOff val="0"/>
+              <a:alphaOff val="0"/>
+            </a:schemeClr>
+          </a:fillRef>
+          <a:effectRef idx="0">
+            <a:schemeClr val="lt1">
+              <a:alpha val="50000"/>
+              <a:hueOff val="0"/>
+              <a:satOff val="0"/>
+              <a:lumOff val="0"/>
+              <a:alphaOff val="0"/>
+            </a:schemeClr>
+          </a:effectRef>
+          <a:fontRef idx="minor">
+            <a:schemeClr val="tx1"/>
+          </a:fontRef>
+        </p:style>
+      </p:sp>
+      <p:sp>
+        <p:nvSpPr>
+          <p:cNvPr id="30" name="Oval 29">
+            <a:extLst>
+              <a:ext uri="{FF2B5EF4-FFF2-40B4-BE49-F238E27FC236}">
+                <a16:creationId xmlns:a16="http://schemas.microsoft.com/office/drawing/2014/main" id="{9701F5A0-E264-8E4B-852F-4C2437565527}"/>
+              </a:ext>
+            </a:extLst>
+          </p:cNvPr>
+          <p:cNvSpPr/>
+          <p:nvPr/>
+        </p:nvSpPr>
+        <p:spPr>
+          <a:xfrm>
+            <a:off x="1620190" y="3433733"/>
+            <a:ext cx="253471" cy="253505"/>
+          </a:xfrm>
+          <a:prstGeom prst="ellipse">
+            <a:avLst/>
+          </a:prstGeom>
+          <a:solidFill>
+            <a:schemeClr val="bg2">
+              <a:lumMod val="75000"/>
+            </a:schemeClr>
+          </a:solidFill>
+          <a:ln>
+            <a:solidFill>
+              <a:schemeClr val="tx1"/>
+            </a:solidFill>
+          </a:ln>
+        </p:spPr>
+        <p:style>
+          <a:lnRef idx="2">
+            <a:schemeClr val="accent5">
+              <a:shade val="80000"/>
+              <a:hueOff val="0"/>
+              <a:satOff val="0"/>
+              <a:lumOff val="0"/>
+              <a:alphaOff val="0"/>
+            </a:schemeClr>
+          </a:lnRef>
+          <a:fillRef idx="1">
+            <a:schemeClr val="lt1">
+              <a:alpha val="50000"/>
+              <a:hueOff val="0"/>
+              <a:satOff val="0"/>
+              <a:lumOff val="0"/>
+              <a:alphaOff val="0"/>
+            </a:schemeClr>
+          </a:fillRef>
+          <a:effectRef idx="0">
+            <a:schemeClr val="lt1">
+              <a:alpha val="50000"/>
+              <a:hueOff val="0"/>
+              <a:satOff val="0"/>
+              <a:lumOff val="0"/>
+              <a:alphaOff val="0"/>
+            </a:schemeClr>
+          </a:effectRef>
+          <a:fontRef idx="minor">
+            <a:schemeClr val="tx1"/>
+          </a:fontRef>
+        </p:style>
       </p:sp>
     </p:spTree>
     <p:extLst>
